--- a/solutions/azure/network/virtual-wan-global/presales/solution-briefing.pptx
+++ b/solutions/azure/network/virtual-wan-global/presales/solution-briefing.pptx
@@ -18,7 +18,6 @@
     <p:sldId id="263" r:id="rId14"/>
     <p:sldId id="264" r:id="rId15"/>
     <p:sldId id="265" r:id="rId16"/>
-    <p:sldId id="266" r:id="rId17"/>
   </p:sldIdLst>
   <p:sldSz cx="9144000" cy="5143500" type="screen16x9"/>
   <p:notesSz cx="5143500" cy="9144000"/>
@@ -372,31 +371,6 @@
 </p:notes>
 </file>
 
-<file path=ppt/notesSlides/notesSlide6.xml><?xml version="1.0" encoding="utf-8"?>
-<p:notes xmlns:a="http://schemas.openxmlformats.org/drawingml/2006/main" xmlns:p="http://schemas.openxmlformats.org/presentationml/2006/main" xmlns:r="http://schemas.openxmlformats.org/officeDocument/2006/relationships">
-  <p:cSld>
-    <p:spTree>
-      <p:nvGrpSpPr>
-        <p:cNvPr id="1" name=""/>
-        <p:cNvGrpSpPr/>
-        <p:nvPr/>
-      </p:nvGrpSpPr>
-      <p:grpSpPr>
-        <a:xfrm>
-          <a:off x="0" y="0"/>
-          <a:ext cx="0" cy="0"/>
-          <a:chOff x="0" y="0"/>
-          <a:chExt cx="0" cy="0"/>
-        </a:xfrm>
-      </p:grpSpPr>
-    </p:spTree>
-  </p:cSld>
-  <p:clrMapOvr>
-    <a:masterClrMapping/>
-  </p:clrMapOvr>
-</p:notes>
-</file>
-
 <file path=ppt/slideLayouts/slideLayout1.xml><?xml version="1.0" encoding="utf-8"?>
 <p:sldLayout xmlns:a="http://schemas.openxmlformats.org/drawingml/2006/main" xmlns:r="http://schemas.openxmlformats.org/officeDocument/2006/relationships" xmlns:p="http://schemas.openxmlformats.org/presentationml/2006/main" preserve="1" userDrawn="1">
   <p:cSld name="EO Title Slide">
@@ -3290,18 +3264,25 @@
         <p:nvPr/>
       </p:nvGrpSpPr>
       <p:grpSpPr/>
-      <p:sp>
-        <p:nvSpPr>
-          <p:cNvPr id="2" name="Picture Placeholder 1"/>
-          <p:cNvSpPr>
-            <a:spLocks noGrp="1"/>
-          </p:cNvSpPr>
+      <p:pic>
+        <p:nvPicPr>
+          <p:cNvPr id="2" name="Picture Placeholder 1" descr="client_logo.png"/>
+          <p:cNvPicPr>
+            <a:picLocks noGrp="1" noChangeAspect="1"/>
+          </p:cNvPicPr>
           <p:nvPr>
             <p:ph type="pic" idx="10" sz="quarter"/>
           </p:nvPr>
-        </p:nvSpPr>
+        </p:nvPicPr>
+        <p:blipFill>
+          <a:blip r:embed="rId2"/>
+          <a:srcRect t="433" b="433"/>
+          <a:stretch>
+            <a:fillRect/>
+          </a:stretch>
+        </p:blipFill>
         <p:spPr/>
-      </p:sp>
+      </p:pic>
       <p:sp>
         <p:nvSpPr>
           <p:cNvPr id="3" name="Text Placeholder 2"/>
@@ -3318,23 +3299,30 @@
           <a:lstStyle/>
           <a:p>
             <a:r>
-              <a:t>Azure Virtual WAN Global Network Solution</a:t>
+              <a:t>Solution Briefing</a:t>
             </a:r>
           </a:p>
         </p:txBody>
       </p:sp>
-      <p:sp>
-        <p:nvSpPr>
-          <p:cNvPr id="4" name="Picture Placeholder 3"/>
-          <p:cNvSpPr>
-            <a:spLocks noGrp="1"/>
-          </p:cNvSpPr>
+      <p:pic>
+        <p:nvPicPr>
+          <p:cNvPr id="4" name="Picture Placeholder 3" descr="consulting_company_logo.png"/>
+          <p:cNvPicPr>
+            <a:picLocks noGrp="1" noChangeAspect="1"/>
+          </p:cNvPicPr>
           <p:nvPr>
             <p:ph type="pic" idx="13" sz="quarter"/>
           </p:nvPr>
-        </p:nvSpPr>
+        </p:nvPicPr>
+        <p:blipFill>
+          <a:blip r:embed="rId3"/>
+          <a:srcRect t="5856" b="5856"/>
+          <a:stretch>
+            <a:fillRect/>
+          </a:stretch>
+        </p:blipFill>
         <p:spPr/>
-      </p:sp>
+      </p:pic>
       <p:sp>
         <p:nvSpPr>
           <p:cNvPr id="5" name="Text Placeholder 4"/>
@@ -3351,7 +3339,7 @@
           <a:lstStyle/>
           <a:p>
             <a:r>
-              <a:t>Azure Virtual WAN Global Network Architecture</a:t>
+              <a:t>Azure Virtual WAN Global Network</a:t>
             </a:r>
           </a:p>
         </p:txBody>
@@ -3372,11 +3360,35 @@
           <a:lstStyle/>
           <a:p>
             <a:r>
-              <a:t>Network Solutions Team | November 15, 2025</a:t>
+              <a:t>[Presenter Name] | November 15, 2025</a:t>
             </a:r>
           </a:p>
         </p:txBody>
       </p:sp>
+      <p:pic>
+        <p:nvPicPr>
+          <p:cNvPr id="7" name="Picture 6" descr="eo-framework-logo-real.png"/>
+          <p:cNvPicPr>
+            <a:picLocks noChangeAspect="1"/>
+          </p:cNvPicPr>
+          <p:nvPr/>
+        </p:nvPicPr>
+        <p:blipFill>
+          <a:blip r:embed="rId4"/>
+          <a:stretch>
+            <a:fillRect/>
+          </a:stretch>
+        </p:blipFill>
+        <p:spPr>
+          <a:xfrm>
+            <a:off x="6684264" y="4535424"/>
+            <a:ext cx="2139696" cy="530352"/>
+          </a:xfrm>
+          <a:prstGeom prst="rect">
+            <a:avLst/>
+          </a:prstGeom>
+        </p:spPr>
+      </p:pic>
     </p:spTree>
   </p:cSld>
   <p:clrMapOvr>
@@ -3395,127 +3407,25 @@
         <p:nvPr/>
       </p:nvGrpSpPr>
       <p:grpSpPr/>
-      <p:sp>
-        <p:nvSpPr>
-          <p:cNvPr id="2" name="Text Placeholder 1"/>
-          <p:cNvSpPr>
-            <a:spLocks noGrp="1"/>
-          </p:cNvSpPr>
-          <p:nvPr>
-            <p:ph type="body" idx="10" sz="quarter"/>
-          </p:nvPr>
-        </p:nvSpPr>
+      <p:pic>
+        <p:nvPicPr>
+          <p:cNvPr id="2" name="Picture Placeholder 1" descr="client_logo.png"/>
+          <p:cNvPicPr>
+            <a:picLocks noGrp="1" noChangeAspect="1"/>
+          </p:cNvPicPr>
+          <p:nvPr>
+            <p:ph type="pic" idx="10" sz="quarter"/>
+          </p:nvPr>
+        </p:nvPicPr>
+        <p:blipFill>
+          <a:blip r:embed="rId2"/>
+          <a:srcRect t="433" b="433"/>
+          <a:stretch>
+            <a:fillRect/>
+          </a:stretch>
+        </p:blipFill>
         <p:spPr/>
-        <p:txBody>
-          <a:bodyPr/>
-          <a:lstStyle/>
-          <a:p>
-            <a:r>
-              <a:t>Next Steps</a:t>
-            </a:r>
-          </a:p>
-        </p:txBody>
-      </p:sp>
-      <p:sp>
-        <p:nvSpPr>
-          <p:cNvPr id="3" name="Picture Placeholder 2"/>
-          <p:cNvSpPr>
-            <a:spLocks noGrp="1"/>
-          </p:cNvSpPr>
-          <p:nvPr>
-            <p:ph type="pic" idx="13" sz="quarter"/>
-          </p:nvPr>
-        </p:nvSpPr>
-        <p:spPr/>
-      </p:sp>
-      <p:sp>
-        <p:nvSpPr>
-          <p:cNvPr id="4" name="Text Placeholder 3"/>
-          <p:cNvSpPr>
-            <a:spLocks noGrp="1"/>
-          </p:cNvSpPr>
-          <p:nvPr>
-            <p:ph type="body" idx="14" sz="quarter"/>
-          </p:nvPr>
-        </p:nvSpPr>
-        <p:spPr/>
-        <p:txBody>
-          <a:bodyPr/>
-          <a:lstStyle/>
-          <a:p>
-            <a:pPr/>
-            <a:r>
-              <a:t>Decision: Approve Virtual WAN architecture by [Specific Date]</a:t>
-            </a:r>
-          </a:p>
-          <a:p>
-            <a:pPr/>
-            <a:r>
-              <a:t>Kickoff: Project launch and team formation by [Target Date]</a:t>
-            </a:r>
-          </a:p>
-          <a:p>
-            <a:pPr/>
-            <a:r>
-              <a:t>Team Formation: Network lead, security stakeholder, Azure platform owner, project sponsor</a:t>
-            </a:r>
-          </a:p>
-          <a:p>
-            <a:pPr/>
-            <a:r>
-              <a:t>Week 1: Contract finalization and network audit kickoff</a:t>
-            </a:r>
-          </a:p>
-          <a:p>
-            <a:pPr/>
-            <a:r>
-              <a:t>Week 2: Hub design finalization and ExpressRoute ordering</a:t>
-            </a:r>
-          </a:p>
-          <a:p>
-            <a:pPr/>
-            <a:r>
-              <a:t>Week 3: Primary hub deployment and security policy development</a:t>
-            </a:r>
-          </a:p>
-          <a:p>
-            <a:pPr/>
-            <a:r>
-              <a:t>Week 4: First branch migration and pilot validation</a:t>
-            </a:r>
-          </a:p>
-        </p:txBody>
-      </p:sp>
-    </p:spTree>
-  </p:cSld>
-  <p:clrMapOvr>
-    <a:masterClrMapping/>
-  </p:clrMapOvr>
-</p:sld>
-</file>
-
-<file path=ppt/slides/slide11.xml><?xml version="1.0" encoding="utf-8"?>
-<p:sld xmlns:a="http://schemas.openxmlformats.org/drawingml/2006/main" xmlns:p="http://schemas.openxmlformats.org/presentationml/2006/main" xmlns:r="http://schemas.openxmlformats.org/officeDocument/2006/relationships">
-  <p:cSld>
-    <p:spTree>
-      <p:nvGrpSpPr>
-        <p:cNvPr id="1" name=""/>
-        <p:cNvGrpSpPr/>
-        <p:nvPr/>
-      </p:nvGrpSpPr>
-      <p:grpSpPr/>
-      <p:sp>
-        <p:nvSpPr>
-          <p:cNvPr id="2" name="Picture Placeholder 1"/>
-          <p:cNvSpPr>
-            <a:spLocks noGrp="1"/>
-          </p:cNvSpPr>
-          <p:nvPr>
-            <p:ph type="pic" idx="10" sz="quarter"/>
-          </p:nvPr>
-        </p:nvSpPr>
-        <p:spPr/>
-      </p:sp>
+      </p:pic>
       <p:sp>
         <p:nvSpPr>
           <p:cNvPr id="3" name="Text Placeholder 2"/>
@@ -3537,18 +3447,25 @@
           </a:p>
         </p:txBody>
       </p:sp>
-      <p:sp>
-        <p:nvSpPr>
-          <p:cNvPr id="4" name="Picture Placeholder 3"/>
-          <p:cNvSpPr>
-            <a:spLocks noGrp="1"/>
-          </p:cNvSpPr>
+      <p:pic>
+        <p:nvPicPr>
+          <p:cNvPr id="4" name="Picture Placeholder 3" descr="consulting_company_logo.png"/>
+          <p:cNvPicPr>
+            <a:picLocks noGrp="1" noChangeAspect="1"/>
+          </p:cNvPicPr>
           <p:nvPr>
             <p:ph type="pic" idx="13" sz="quarter"/>
           </p:nvPr>
-        </p:nvSpPr>
+        </p:nvPicPr>
+        <p:blipFill>
+          <a:blip r:embed="rId3"/>
+          <a:srcRect t="7166" b="7166"/>
+          <a:stretch>
+            <a:fillRect/>
+          </a:stretch>
+        </p:blipFill>
         <p:spPr/>
-      </p:sp>
+      </p:pic>
       <p:sp>
         <p:nvSpPr>
           <p:cNvPr id="5" name="Text Placeholder 4"/>
@@ -3592,6 +3509,30 @@
           </a:p>
         </p:txBody>
       </p:sp>
+      <p:pic>
+        <p:nvPicPr>
+          <p:cNvPr id="7" name="Picture 6" descr="eo-framework-logo-real.png"/>
+          <p:cNvPicPr>
+            <a:picLocks noChangeAspect="1"/>
+          </p:cNvPicPr>
+          <p:nvPr/>
+        </p:nvPicPr>
+        <p:blipFill>
+          <a:blip r:embed="rId4"/>
+          <a:stretch>
+            <a:fillRect/>
+          </a:stretch>
+        </p:blipFill>
+        <p:spPr>
+          <a:xfrm>
+            <a:off x="6684264" y="4535424"/>
+            <a:ext cx="2139696" cy="530352"/>
+          </a:xfrm>
+          <a:prstGeom prst="rect">
+            <a:avLst/>
+          </a:prstGeom>
+        </p:spPr>
+      </p:pic>
     </p:spTree>
   </p:cSld>
   <p:clrMapOvr>
@@ -3631,18 +3572,25 @@
           </a:p>
         </p:txBody>
       </p:sp>
-      <p:sp>
-        <p:nvSpPr>
-          <p:cNvPr id="3" name="Picture Placeholder 2"/>
-          <p:cNvSpPr>
-            <a:spLocks noGrp="1"/>
-          </p:cNvSpPr>
-          <p:nvPr>
-            <p:ph type="pic" idx="13" sz="quarter"/>
-          </p:nvPr>
-        </p:nvSpPr>
+      <p:pic>
+        <p:nvPicPr>
+          <p:cNvPr id="3" name="Picture Placeholder 2" descr="consulting_company_logo.png"/>
+          <p:cNvPicPr>
+            <a:picLocks noGrp="1" noChangeAspect="1"/>
+          </p:cNvPicPr>
+          <p:nvPr>
+            <p:ph type="pic" idx="14" sz="quarter"/>
+          </p:nvPr>
+        </p:nvPicPr>
+        <p:blipFill>
+          <a:blip r:embed="rId2"/>
+          <a:srcRect t="6314" b="6314"/>
+          <a:stretch>
+            <a:fillRect/>
+          </a:stretch>
+        </p:blipFill>
         <p:spPr/>
-      </p:sp>
+      </p:pic>
       <p:sp>
         <p:nvSpPr>
           <p:cNvPr id="4" name="Text Placeholder 3"/>
@@ -3650,7 +3598,7 @@
             <a:spLocks noGrp="1"/>
           </p:cNvSpPr>
           <p:nvPr>
-            <p:ph type="body" idx="14" sz="quarter"/>
+            <p:ph type="body" idx="16" sz="quarter"/>
           </p:nvPr>
         </p:nvSpPr>
         <p:spPr/>
@@ -3688,6 +3636,22 @@
               <a:t>Enable rapid scale to new branch offices in days instead of weeks</a:t>
             </a:r>
           </a:p>
+        </p:txBody>
+      </p:sp>
+      <p:sp>
+        <p:nvSpPr>
+          <p:cNvPr id="5" name="Text Placeholder 4"/>
+          <p:cNvSpPr>
+            <a:spLocks noGrp="1"/>
+          </p:cNvSpPr>
+          <p:nvPr>
+            <p:ph type="body" idx="17" sz="quarter"/>
+          </p:nvPr>
+        </p:nvSpPr>
+        <p:spPr/>
+        <p:txBody>
+          <a:bodyPr/>
+          <a:lstStyle/>
           <a:p>
             <a:pPr/>
             <a:r>
@@ -3721,6 +3685,30 @@
           </a:p>
         </p:txBody>
       </p:sp>
+      <p:pic>
+        <p:nvPicPr>
+          <p:cNvPr id="6" name="Picture 5" descr="eo-framework-logo-real.png"/>
+          <p:cNvPicPr>
+            <a:picLocks noChangeAspect="1"/>
+          </p:cNvPicPr>
+          <p:nvPr/>
+        </p:nvPicPr>
+        <p:blipFill>
+          <a:blip r:embed="rId3"/>
+          <a:stretch>
+            <a:fillRect/>
+          </a:stretch>
+        </p:blipFill>
+        <p:spPr>
+          <a:xfrm>
+            <a:off x="6684264" y="4535424"/>
+            <a:ext cx="2139696" cy="530352"/>
+          </a:xfrm>
+          <a:prstGeom prst="rect">
+            <a:avLst/>
+          </a:prstGeom>
+        </p:spPr>
+      </p:pic>
     </p:spTree>
   </p:cSld>
   <p:clrMapOvr>
@@ -3760,18 +3748,25 @@
           </a:p>
         </p:txBody>
       </p:sp>
-      <p:sp>
-        <p:nvSpPr>
-          <p:cNvPr id="3" name="Picture Placeholder 2"/>
-          <p:cNvSpPr>
-            <a:spLocks noGrp="1"/>
-          </p:cNvSpPr>
+      <p:pic>
+        <p:nvPicPr>
+          <p:cNvPr id="3" name="Picture Placeholder 2" descr="consulting_company_logo.png"/>
+          <p:cNvPicPr>
+            <a:picLocks noGrp="1" noChangeAspect="1"/>
+          </p:cNvPicPr>
           <p:nvPr>
             <p:ph type="pic" idx="14" sz="quarter"/>
           </p:nvPr>
-        </p:nvSpPr>
+        </p:nvPicPr>
+        <p:blipFill>
+          <a:blip r:embed="rId2"/>
+          <a:srcRect t="6494" b="6494"/>
+          <a:stretch>
+            <a:fillRect/>
+          </a:stretch>
+        </p:blipFill>
         <p:spPr/>
-      </p:sp>
+      </p:pic>
       <p:sp>
         <p:nvSpPr>
           <p:cNvPr id="4" name="Picture Placeholder 3"/>
@@ -3829,20 +3824,10 @@
             <a:pPr lvl="1"/>
             <a:r>
               <a:rPr b="1"/>
-              <a:t>Security Layer:</a:t>
-            </a:r>
-            <a:r>
-              <a:t> Azure Firewall Premium for centralized threat protection and policy enforcement</a:t>
-            </a:r>
-          </a:p>
-          <a:p>
-            <a:pPr lvl="1"/>
-            <a:r>
-              <a:rPr b="1"/>
-              <a:t>Monitoring &amp; Analytics:</a:t>
-            </a:r>
-            <a:r>
-              <a:t> Unified visibility across all branch connections and traffic flows</a:t>
+              <a:t>Security &amp; Monitoring:</a:t>
+            </a:r>
+            <a:r>
+              <a:t> Azure Firewall Premium with unified visibility across all connections</a:t>
             </a:r>
           </a:p>
           <a:p>
@@ -3861,29 +3846,41 @@
           <a:p>
             <a:pPr lvl="1"/>
             <a:r>
-              <a:t>Site-to-Site VPN for branch office connectivity</a:t>
+              <a:t>Site-to-Site VPN and ExpressRoute for branch connectivity with SLA guarantees</a:t>
             </a:r>
           </a:p>
           <a:p>
             <a:pPr lvl="1"/>
             <a:r>
-              <a:t>ExpressRoute circuits for mission-critical traffic with SLA guarantees</a:t>
-            </a:r>
-          </a:p>
-          <a:p>
-            <a:pPr lvl="1"/>
-            <a:r>
-              <a:t>Azure Firewall Premium for advanced DDoS and threat detection</a:t>
-            </a:r>
-          </a:p>
-          <a:p>
-            <a:pPr lvl="1"/>
-            <a:r>
-              <a:t>Azure Monitor and Log Analytics for centralized network observability</a:t>
+              <a:t>Azure Firewall Premium and Monitor for threat detection and observability</a:t>
             </a:r>
           </a:p>
         </p:txBody>
       </p:sp>
+      <p:pic>
+        <p:nvPicPr>
+          <p:cNvPr id="6" name="Picture 5" descr="architecture-diagram.png"/>
+          <p:cNvPicPr>
+            <a:picLocks noChangeAspect="1"/>
+          </p:cNvPicPr>
+          <p:nvPr/>
+        </p:nvPicPr>
+        <p:blipFill>
+          <a:blip r:embed="rId4"/>
+          <a:stretch>
+            <a:fillRect/>
+          </a:stretch>
+        </p:blipFill>
+        <p:spPr>
+          <a:xfrm>
+            <a:off x="4677427" y="685799"/>
+            <a:ext cx="4307171" cy="3815859"/>
+          </a:xfrm>
+          <a:prstGeom prst="rect">
+            <a:avLst/>
+          </a:prstGeom>
+        </p:spPr>
+      </p:pic>
     </p:spTree>
   </p:cSld>
   <p:clrMapOvr>
@@ -3923,18 +3920,25 @@
           </a:p>
         </p:txBody>
       </p:sp>
-      <p:sp>
-        <p:nvSpPr>
-          <p:cNvPr id="3" name="Picture Placeholder 2"/>
-          <p:cNvSpPr>
-            <a:spLocks noGrp="1"/>
-          </p:cNvSpPr>
+      <p:pic>
+        <p:nvPicPr>
+          <p:cNvPr id="3" name="Picture Placeholder 2" descr="consulting_company_logo.png"/>
+          <p:cNvPicPr>
+            <a:picLocks noGrp="1" noChangeAspect="1"/>
+          </p:cNvPicPr>
           <p:nvPr>
             <p:ph type="pic" idx="13" sz="quarter"/>
           </p:nvPr>
-        </p:nvSpPr>
+        </p:nvPicPr>
+        <p:blipFill>
+          <a:blip r:embed="rId2"/>
+          <a:srcRect t="6762" b="6762"/>
+          <a:stretch>
+            <a:fillRect/>
+          </a:stretch>
+        </p:blipFill>
         <p:spPr/>
-      </p:sp>
+      </p:pic>
       <p:sp>
         <p:nvSpPr>
           <p:cNvPr id="4" name="Text Placeholder 3"/>
@@ -3953,10 +3957,7 @@
             <a:pPr/>
             <a:r>
               <a:rPr b="1"/>
-              <a:t>Phase 1: Assessment &amp; Design</a:t>
-            </a:r>
-            <a:r>
-              <a:t> *(Months 1-2)*</a:t>
+              <a:t>Phase 1: Assessment &amp; Design (Months 1-2)</a:t>
             </a:r>
           </a:p>
           <a:p>
@@ -3968,75 +3969,51 @@
           <a:p>
             <a:pPr lvl="1"/>
             <a:r>
-              <a:t>Design hub locations and branch connectivity strategy</a:t>
+              <a:t>Design hub locations, security policies, and network segmentation</a:t>
             </a:r>
           </a:p>
           <a:p>
             <a:pPr lvl="1"/>
             <a:r>
-              <a:t>Plan security policies and network segmentation</a:t>
+              <a:t>Validate ExpressRoute peering locations and bandwidth requirements</a:t>
+            </a:r>
+          </a:p>
+          <a:p>
+            <a:pPr/>
+            <a:r>
+              <a:rPr b="1"/>
+              <a:t>Phase 2: Hub Deployment &amp; Branch Migration (Months 3-4)</a:t>
             </a:r>
           </a:p>
           <a:p>
             <a:pPr lvl="1"/>
             <a:r>
-              <a:t>Validate ExpressRoute peering locations and bandwidth requirements</a:t>
+              <a:t>Provision Virtual WAN hubs with VPN gateways in primary and secondary regions</a:t>
+            </a:r>
+          </a:p>
+          <a:p>
+            <a:pPr lvl="1"/>
+            <a:r>
+              <a:t>Establish ExpressRoute circuits and configure routing policies</a:t>
+            </a:r>
+          </a:p>
+          <a:p>
+            <a:pPr lvl="1"/>
+            <a:r>
+              <a:t>Migrate branch offices in waves with minimal disruption</a:t>
             </a:r>
           </a:p>
           <a:p>
             <a:pPr/>
             <a:r>
               <a:rPr b="1"/>
-              <a:t>Phase 2: Hub Deployment &amp; Branch Migration</a:t>
-            </a:r>
-            <a:r>
-              <a:t> *(Months 3-4)*</a:t>
+              <a:t>Phase 3: Security, Optimization &amp; Handoff (Months 5-6)</a:t>
             </a:r>
           </a:p>
           <a:p>
             <a:pPr lvl="1"/>
             <a:r>
-              <a:t>Provision Virtual WAN hubs in primary and secondary regions</a:t>
-            </a:r>
-          </a:p>
-          <a:p>
-            <a:pPr lvl="1"/>
-            <a:r>
-              <a:t>Deploy VPN gateways and configure site-to-site connectivity</a:t>
-            </a:r>
-          </a:p>
-          <a:p>
-            <a:pPr lvl="1"/>
-            <a:r>
-              <a:t>Establish ExpressRoute circuits and configure routing</a:t>
-            </a:r>
-          </a:p>
-          <a:p>
-            <a:pPr lvl="1"/>
-            <a:r>
-              <a:t>Migrate branch offices in waves with minimal disruption</a:t>
-            </a:r>
-          </a:p>
-          <a:p>
-            <a:pPr/>
-            <a:r>
-              <a:rPr b="1"/>
-              <a:t>Phase 3: Security, Optimization &amp; Handoff</a:t>
-            </a:r>
-            <a:r>
-              <a:t> *(Months 5-6)*</a:t>
-            </a:r>
-          </a:p>
-          <a:p>
-            <a:pPr lvl="1"/>
-            <a:r>
-              <a:t>Deploy Azure Firewall with centralized policies</a:t>
-            </a:r>
-          </a:p>
-          <a:p>
-            <a:pPr lvl="1"/>
-            <a:r>
-              <a:t>Enable advanced threat protection and DDoS mitigation</a:t>
+              <a:t>Deploy Azure Firewall with centralized threat protection policies</a:t>
             </a:r>
           </a:p>
           <a:p>
@@ -4053,6 +4030,30 @@
           </a:p>
         </p:txBody>
       </p:sp>
+      <p:pic>
+        <p:nvPicPr>
+          <p:cNvPr id="5" name="Picture 4" descr="eo-framework-logo-real.png"/>
+          <p:cNvPicPr>
+            <a:picLocks noChangeAspect="1"/>
+          </p:cNvPicPr>
+          <p:nvPr/>
+        </p:nvPicPr>
+        <p:blipFill>
+          <a:blip r:embed="rId3"/>
+          <a:stretch>
+            <a:fillRect/>
+          </a:stretch>
+        </p:blipFill>
+        <p:spPr>
+          <a:xfrm>
+            <a:off x="6684264" y="4535424"/>
+            <a:ext cx="2139696" cy="530352"/>
+          </a:xfrm>
+          <a:prstGeom prst="rect">
+            <a:avLst/>
+          </a:prstGeom>
+        </p:spPr>
+      </p:pic>
     </p:spTree>
   </p:cSld>
   <p:clrMapOvr>
@@ -4089,23 +4090,30 @@
             <a:pPr algn="l"/>
             <a:r>
               <a:rPr b="1"/>
-              <a:t>Virtual WAN Architecture Details</a:t>
+              <a:t>Timeline &amp; Milestones</a:t>
             </a:r>
           </a:p>
         </p:txBody>
       </p:sp>
-      <p:sp>
-        <p:nvSpPr>
-          <p:cNvPr id="3" name="Picture Placeholder 2"/>
-          <p:cNvSpPr>
-            <a:spLocks noGrp="1"/>
-          </p:cNvSpPr>
+      <p:pic>
+        <p:nvPicPr>
+          <p:cNvPr id="3" name="Picture Placeholder 2" descr="consulting_company_logo.png"/>
+          <p:cNvPicPr>
+            <a:picLocks noGrp="1" noChangeAspect="1"/>
+          </p:cNvPicPr>
           <p:nvPr>
             <p:ph type="pic" idx="13" sz="quarter"/>
           </p:nvPr>
-        </p:nvSpPr>
+        </p:nvPicPr>
+        <p:blipFill>
+          <a:blip r:embed="rId2"/>
+          <a:srcRect t="6404" b="6404"/>
+          <a:stretch>
+            <a:fillRect/>
+          </a:stretch>
+        </p:blipFill>
         <p:spPr/>
-      </p:sp>
+      </p:pic>
       <p:graphicFrame>
         <p:nvGraphicFramePr>
           <p:cNvPr id="4" name="Table Placeholder 3"/>
@@ -4118,7 +4126,7 @@
         </p:nvGraphicFramePr>
         <p:xfrm>
           <a:off x="256855" y="677011"/>
-          <a:ext cx="8710932" cy="2595880"/>
+          <a:ext cx="8710930" cy="1483360"/>
         </p:xfrm>
         <a:graphic>
           <a:graphicData uri="http://schemas.openxmlformats.org/drawingml/2006/table">
@@ -4127,9 +4135,10 @@
                 <a:tableStyleId>{5C22544A-7EE6-4342-B048-85BDC9FD1C3A}</a:tableStyleId>
               </a:tblPr>
               <a:tblGrid>
-                <a:gridCol w="2903644"/>
-                <a:gridCol w="2903644"/>
-                <a:gridCol w="2903644"/>
+                <a:gridCol w="1045311"/>
+                <a:gridCol w="2177733"/>
+                <a:gridCol w="1045311"/>
+                <a:gridCol w="4442575"/>
               </a:tblGrid>
               <a:tr h="370840">
                 <a:tc>
@@ -4138,12 +4147,12 @@
                     <a:lstStyle/>
                     <a:p>
                       <a:r>
-                        <a:rPr b="1" sz="1400">
+                        <a:rPr sz="1400">
                           <a:solidFill>
                             <a:srgbClr val="FFFFFF"/>
                           </a:solidFill>
                         </a:rPr>
-                        <a:t>Component</a:t>
+                        <a:t>Phase No</a:t>
                       </a:r>
                     </a:p>
                   </a:txBody>
@@ -4159,12 +4168,12 @@
                     <a:lstStyle/>
                     <a:p>
                       <a:r>
-                        <a:rPr b="1" sz="1400">
+                        <a:rPr sz="1400">
                           <a:solidFill>
                             <a:srgbClr val="FFFFFF"/>
                           </a:solidFill>
                         </a:rPr>
-                        <a:t>Configuration</a:t>
+                        <a:t>Phase Description</a:t>
                       </a:r>
                     </a:p>
                   </a:txBody>
@@ -4180,451 +4189,7 @@
                     <a:lstStyle/>
                     <a:p>
                       <a:r>
-                        <a:rPr b="1" sz="1400">
-                          <a:solidFill>
-                            <a:srgbClr val="FFFFFF"/>
-                          </a:solidFill>
-                        </a:rPr>
-                        <a:t>Benefit</a:t>
-                      </a:r>
-                    </a:p>
-                  </a:txBody>
-                  <a:tcPr>
-                    <a:solidFill>
-                      <a:srgbClr val="A01C02"/>
-                    </a:solidFill>
-                  </a:tcPr>
-                </a:tc>
-              </a:tr>
-              <a:tr h="370840">
-                <a:tc>
-                  <a:txBody>
-                    <a:bodyPr/>
-                    <a:lstStyle/>
-                    <a:p>
-                      <a:r>
-                        <a:rPr sz="1100"/>
-                        <a:t>Regional Hubs</a:t>
-                      </a:r>
-                    </a:p>
-                  </a:txBody>
-                  <a:tcPr>
-                    <a:solidFill>
-                      <a:srgbClr val="E7E6E6"/>
-                    </a:solidFill>
-                  </a:tcPr>
-                </a:tc>
-                <a:tc>
-                  <a:txBody>
-                    <a:bodyPr/>
-                    <a:lstStyle/>
-                    <a:p>
-                      <a:r>
-                        <a:rPr sz="1100"/>
-                        <a:t>2 hubs (US East, Europe West)</a:t>
-                      </a:r>
-                    </a:p>
-                  </a:txBody>
-                  <a:tcPr>
-                    <a:solidFill>
-                      <a:srgbClr val="E7E6E6"/>
-                    </a:solidFill>
-                  </a:tcPr>
-                </a:tc>
-                <a:tc>
-                  <a:txBody>
-                    <a:bodyPr/>
-                    <a:lstStyle/>
-                    <a:p>
-                      <a:r>
-                        <a:rPr sz="1100"/>
-                        <a:t>High availability with geo-failover</a:t>
-                      </a:r>
-                    </a:p>
-                  </a:txBody>
-                  <a:tcPr>
-                    <a:solidFill>
-                      <a:srgbClr val="E7E6E6"/>
-                    </a:solidFill>
-                  </a:tcPr>
-                </a:tc>
-              </a:tr>
-              <a:tr h="370840">
-                <a:tc>
-                  <a:txBody>
-                    <a:bodyPr/>
-                    <a:lstStyle/>
-                    <a:p>
-                      <a:r>
-                        <a:rPr sz="1100"/>
-                        <a:t>Branch Connectivity</a:t>
-                      </a:r>
-                    </a:p>
-                  </a:txBody>
-                  <a:tcPr>
-                    <a:solidFill>
-                      <a:srgbClr val="E7E6E6"/>
-                    </a:solidFill>
-                  </a:tcPr>
-                </a:tc>
-                <a:tc>
-                  <a:txBody>
-                    <a:bodyPr/>
-                    <a:lstStyle/>
-                    <a:p>
-                      <a:r>
-                        <a:rPr sz="1100"/>
-                        <a:t>VPN (10 offices) + ExpressRoute (2 circuits)</a:t>
-                      </a:r>
-                    </a:p>
-                  </a:txBody>
-                  <a:tcPr>
-                    <a:solidFill>
-                      <a:srgbClr val="E7E6E6"/>
-                    </a:solidFill>
-                  </a:tcPr>
-                </a:tc>
-                <a:tc>
-                  <a:txBody>
-                    <a:bodyPr/>
-                    <a:lstStyle/>
-                    <a:p>
-                      <a:r>
-                        <a:rPr sz="1100"/>
-                        <a:t>Hybrid approach for flexibility and performance</a:t>
-                      </a:r>
-                    </a:p>
-                  </a:txBody>
-                  <a:tcPr>
-                    <a:solidFill>
-                      <a:srgbClr val="E7E6E6"/>
-                    </a:solidFill>
-                  </a:tcPr>
-                </a:tc>
-              </a:tr>
-              <a:tr h="370840">
-                <a:tc>
-                  <a:txBody>
-                    <a:bodyPr/>
-                    <a:lstStyle/>
-                    <a:p>
-                      <a:r>
-                        <a:rPr sz="1100"/>
-                        <a:t>Security Layer</a:t>
-                      </a:r>
-                    </a:p>
-                  </a:txBody>
-                  <a:tcPr>
-                    <a:solidFill>
-                      <a:srgbClr val="E7E6E6"/>
-                    </a:solidFill>
-                  </a:tcPr>
-                </a:tc>
-                <a:tc>
-                  <a:txBody>
-                    <a:bodyPr/>
-                    <a:lstStyle/>
-                    <a:p>
-                      <a:r>
-                        <a:rPr sz="1100"/>
-                        <a:t>Azure Firewall Premium on hubs</a:t>
-                      </a:r>
-                    </a:p>
-                  </a:txBody>
-                  <a:tcPr>
-                    <a:solidFill>
-                      <a:srgbClr val="E7E6E6"/>
-                    </a:solidFill>
-                  </a:tcPr>
-                </a:tc>
-                <a:tc>
-                  <a:txBody>
-                    <a:bodyPr/>
-                    <a:lstStyle/>
-                    <a:p>
-                      <a:r>
-                        <a:rPr sz="1100"/>
-                        <a:t>Centralized threat protection for all traffic</a:t>
-                      </a:r>
-                    </a:p>
-                  </a:txBody>
-                  <a:tcPr>
-                    <a:solidFill>
-                      <a:srgbClr val="E7E6E6"/>
-                    </a:solidFill>
-                  </a:tcPr>
-                </a:tc>
-              </a:tr>
-              <a:tr h="370840">
-                <a:tc>
-                  <a:txBody>
-                    <a:bodyPr/>
-                    <a:lstStyle/>
-                    <a:p>
-                      <a:r>
-                        <a:rPr sz="1100"/>
-                        <a:t>Bandwidth</a:t>
-                      </a:r>
-                    </a:p>
-                  </a:txBody>
-                  <a:tcPr>
-                    <a:solidFill>
-                      <a:srgbClr val="E7E6E6"/>
-                    </a:solidFill>
-                  </a:tcPr>
-                </a:tc>
-                <a:tc>
-                  <a:txBody>
-                    <a:bodyPr/>
-                    <a:lstStyle/>
-                    <a:p>
-                      <a:r>
-                        <a:rPr sz="1100"/>
-                        <a:t>Per-branch 100Mbps typical</a:t>
-                      </a:r>
-                    </a:p>
-                  </a:txBody>
-                  <a:tcPr>
-                    <a:solidFill>
-                      <a:srgbClr val="E7E6E6"/>
-                    </a:solidFill>
-                  </a:tcPr>
-                </a:tc>
-                <a:tc>
-                  <a:txBody>
-                    <a:bodyPr/>
-                    <a:lstStyle/>
-                    <a:p>
-                      <a:r>
-                        <a:rPr sz="1100"/>
-                        <a:t>Scalable from 10Mbps to 1Gbps+ per branch</a:t>
-                      </a:r>
-                    </a:p>
-                  </a:txBody>
-                  <a:tcPr>
-                    <a:solidFill>
-                      <a:srgbClr val="E7E6E6"/>
-                    </a:solidFill>
-                  </a:tcPr>
-                </a:tc>
-              </a:tr>
-              <a:tr h="370840">
-                <a:tc>
-                  <a:txBody>
-                    <a:bodyPr/>
-                    <a:lstStyle/>
-                    <a:p>
-                      <a:r>
-                        <a:rPr sz="1100"/>
-                        <a:t>Routing</a:t>
-                      </a:r>
-                    </a:p>
-                  </a:txBody>
-                  <a:tcPr>
-                    <a:solidFill>
-                      <a:srgbClr val="E7E6E6"/>
-                    </a:solidFill>
-                  </a:tcPr>
-                </a:tc>
-                <a:tc>
-                  <a:txBody>
-                    <a:bodyPr/>
-                    <a:lstStyle/>
-                    <a:p>
-                      <a:r>
-                        <a:rPr sz="1100"/>
-                        <a:t>Azure-managed intelligent routing</a:t>
-                      </a:r>
-                    </a:p>
-                  </a:txBody>
-                  <a:tcPr>
-                    <a:solidFill>
-                      <a:srgbClr val="E7E6E6"/>
-                    </a:solidFill>
-                  </a:tcPr>
-                </a:tc>
-                <a:tc>
-                  <a:txBody>
-                    <a:bodyPr/>
-                    <a:lstStyle/>
-                    <a:p>
-                      <a:r>
-                        <a:rPr sz="1100"/>
-                        <a:t>Automatic failover and optimal path selection</a:t>
-                      </a:r>
-                    </a:p>
-                  </a:txBody>
-                  <a:tcPr>
-                    <a:solidFill>
-                      <a:srgbClr val="E7E6E6"/>
-                    </a:solidFill>
-                  </a:tcPr>
-                </a:tc>
-              </a:tr>
-              <a:tr h="370840">
-                <a:tc>
-                  <a:txBody>
-                    <a:bodyPr/>
-                    <a:lstStyle/>
-                    <a:p>
-                      <a:r>
-                        <a:rPr b="1" sz="1100"/>
-                        <a:t>Monitoring</a:t>
-                      </a:r>
-                    </a:p>
-                  </a:txBody>
-                  <a:tcPr>
-                    <a:solidFill>
-                      <a:srgbClr val="E7E6E6"/>
-                    </a:solidFill>
-                  </a:tcPr>
-                </a:tc>
-                <a:tc>
-                  <a:txBody>
-                    <a:bodyPr/>
-                    <a:lstStyle/>
-                    <a:p>
-                      <a:r>
-                        <a:rPr b="1" sz="1100"/>
-                        <a:t>Unified Azure Monitor dashboard</a:t>
-                      </a:r>
-                    </a:p>
-                  </a:txBody>
-                  <a:tcPr>
-                    <a:solidFill>
-                      <a:srgbClr val="E7E6E6"/>
-                    </a:solidFill>
-                  </a:tcPr>
-                </a:tc>
-                <a:tc>
-                  <a:txBody>
-                    <a:bodyPr/>
-                    <a:lstStyle/>
-                    <a:p>
-                      <a:r>
-                        <a:rPr b="1" sz="1100"/>
-                        <a:t>Real-time visibility into all connections</a:t>
-                      </a:r>
-                    </a:p>
-                  </a:txBody>
-                  <a:tcPr>
-                    <a:solidFill>
-                      <a:srgbClr val="E7E6E6"/>
-                    </a:solidFill>
-                  </a:tcPr>
-                </a:tc>
-              </a:tr>
-            </a:tbl>
-          </a:graphicData>
-        </a:graphic>
-      </p:graphicFrame>
-    </p:spTree>
-  </p:cSld>
-  <p:clrMapOvr>
-    <a:masterClrMapping/>
-  </p:clrMapOvr>
-</p:sld>
-</file>
-
-<file path=ppt/slides/slide6.xml><?xml version="1.0" encoding="utf-8"?>
-<p:sld xmlns:a="http://schemas.openxmlformats.org/drawingml/2006/main" xmlns:p="http://schemas.openxmlformats.org/presentationml/2006/main" xmlns:r="http://schemas.openxmlformats.org/officeDocument/2006/relationships">
-  <p:cSld>
-    <p:spTree>
-      <p:nvGrpSpPr>
-        <p:cNvPr id="1" name=""/>
-        <p:cNvGrpSpPr/>
-        <p:nvPr/>
-      </p:nvGrpSpPr>
-      <p:grpSpPr/>
-      <p:sp>
-        <p:nvSpPr>
-          <p:cNvPr id="2" name="Text Placeholder 1"/>
-          <p:cNvSpPr>
-            <a:spLocks noGrp="1"/>
-          </p:cNvSpPr>
-          <p:nvPr>
-            <p:ph type="body" idx="10" sz="quarter"/>
-          </p:nvPr>
-        </p:nvSpPr>
-        <p:spPr/>
-        <p:txBody>
-          <a:bodyPr/>
-          <a:lstStyle/>
-          <a:p>
-            <a:pPr algn="l"/>
-            <a:r>
-              <a:rPr b="1"/>
-              <a:t>Timeline &amp; Milestones</a:t>
-            </a:r>
-          </a:p>
-        </p:txBody>
-      </p:sp>
-      <p:sp>
-        <p:nvSpPr>
-          <p:cNvPr id="3" name="Picture Placeholder 2"/>
-          <p:cNvSpPr>
-            <a:spLocks noGrp="1"/>
-          </p:cNvSpPr>
-          <p:nvPr>
-            <p:ph type="pic" idx="13" sz="quarter"/>
-          </p:nvPr>
-        </p:nvSpPr>
-        <p:spPr/>
-      </p:sp>
-      <p:graphicFrame>
-        <p:nvGraphicFramePr>
-          <p:cNvPr id="4" name="Table Placeholder 3"/>
-          <p:cNvGraphicFramePr>
-            <a:graphicFrameLocks noGrp="1"/>
-          </p:cNvGraphicFramePr>
-          <p:nvPr>
-            <p:ph type="tbl" idx="14" sz="quarter"/>
-          </p:nvPr>
-        </p:nvGraphicFramePr>
-        <p:xfrm>
-          <a:off x="256855" y="677011"/>
-          <a:ext cx="8710932" cy="1483360"/>
-        </p:xfrm>
-        <a:graphic>
-          <a:graphicData uri="http://schemas.openxmlformats.org/drawingml/2006/table">
-            <a:tbl>
-              <a:tblPr firstRow="1" bandRow="1">
-                <a:tableStyleId>{5C22544A-7EE6-4342-B048-85BDC9FD1C3A}</a:tableStyleId>
-              </a:tblPr>
-              <a:tblGrid>
-                <a:gridCol w="2903644"/>
-                <a:gridCol w="2903644"/>
-                <a:gridCol w="2903644"/>
-              </a:tblGrid>
-              <a:tr h="370840">
-                <a:tc>
-                  <a:txBody>
-                    <a:bodyPr/>
-                    <a:lstStyle/>
-                    <a:p>
-                      <a:r>
-                        <a:rPr b="1" sz="1400">
-                          <a:solidFill>
-                            <a:srgbClr val="FFFFFF"/>
-                          </a:solidFill>
-                        </a:rPr>
-                        <a:t>Phase</a:t>
-                      </a:r>
-                    </a:p>
-                  </a:txBody>
-                  <a:tcPr>
-                    <a:solidFill>
-                      <a:srgbClr val="A01C02"/>
-                    </a:solidFill>
-                  </a:tcPr>
-                </a:tc>
-                <a:tc>
-                  <a:txBody>
-                    <a:bodyPr/>
-                    <a:lstStyle/>
-                    <a:p>
-                      <a:r>
-                        <a:rPr b="1" sz="1400">
+                        <a:rPr sz="1400">
                           <a:solidFill>
                             <a:srgbClr val="FFFFFF"/>
                           </a:solidFill>
@@ -4645,12 +4210,12 @@
                     <a:lstStyle/>
                     <a:p>
                       <a:r>
-                        <a:rPr b="1" sz="1400">
+                        <a:rPr sz="1400">
                           <a:solidFill>
                             <a:srgbClr val="FFFFFF"/>
                           </a:solidFill>
                         </a:rPr>
-                        <a:t>Key Milestones</a:t>
+                        <a:t>Key Deliverables</a:t>
                       </a:r>
                     </a:p>
                   </a:txBody>
@@ -4669,7 +4234,24 @@
                     <a:p>
                       <a:r>
                         <a:rPr sz="1100"/>
-                        <a:t>Phase 1: Assessment &amp; Design</a:t>
+                        <a:t>Phase 1</a:t>
+                      </a:r>
+                    </a:p>
+                  </a:txBody>
+                  <a:tcPr>
+                    <a:solidFill>
+                      <a:srgbClr val="E7E6E6"/>
+                    </a:solidFill>
+                  </a:tcPr>
+                </a:tc>
+                <a:tc>
+                  <a:txBody>
+                    <a:bodyPr/>
+                    <a:lstStyle/>
+                    <a:p>
+                      <a:r>
+                        <a:rPr sz="1100"/>
+                        <a:t>Assessment &amp; Design</a:t>
                       </a:r>
                     </a:p>
                   </a:txBody>
@@ -4703,7 +4285,7 @@
                     <a:p>
                       <a:r>
                         <a:rPr sz="1100"/>
-                        <a:t>Network audit complete, hub design approved, ExpressRoute peering confirmed</a:t>
+                        <a:t>Network audit complete, Hub design approved, ExpressRoute peering confirmed</a:t>
                       </a:r>
                     </a:p>
                   </a:txBody>
@@ -4722,7 +4304,24 @@
                     <a:p>
                       <a:r>
                         <a:rPr sz="1100"/>
-                        <a:t>Phase 2: Hub &amp; Branch Deployment</a:t>
+                        <a:t>Phase 2</a:t>
+                      </a:r>
+                    </a:p>
+                  </a:txBody>
+                  <a:tcPr>
+                    <a:solidFill>
+                      <a:srgbClr val="E7E6E6"/>
+                    </a:solidFill>
+                  </a:tcPr>
+                </a:tc>
+                <a:tc>
+                  <a:txBody>
+                    <a:bodyPr/>
+                    <a:lstStyle/>
+                    <a:p>
+                      <a:r>
+                        <a:rPr sz="1100"/>
+                        <a:t>Hub &amp; Branch Deployment</a:t>
                       </a:r>
                     </a:p>
                   </a:txBody>
@@ -4756,7 +4355,7 @@
                     <a:p>
                       <a:r>
                         <a:rPr sz="1100"/>
-                        <a:t>Primary hub operational, 5 branches migrated, secondary hub deployed, remaining 5 branches cut over</a:t>
+                        <a:t>Primary hub operational, 5 branches migrated, Secondary hub deployed</a:t>
                       </a:r>
                     </a:p>
                   </a:txBody>
@@ -4774,8 +4373,8 @@
                     <a:lstStyle/>
                     <a:p>
                       <a:r>
-                        <a:rPr b="1" sz="1100"/>
-                        <a:t>Phase 3: Security &amp; Optimization</a:t>
+                        <a:rPr sz="1100"/>
+                        <a:t>Phase 3</a:t>
                       </a:r>
                     </a:p>
                   </a:txBody>
@@ -4791,7 +4390,24 @@
                     <a:lstStyle/>
                     <a:p>
                       <a:r>
-                        <a:rPr b="1" sz="1100"/>
+                        <a:rPr sz="1100"/>
+                        <a:t>Security &amp; Optimization</a:t>
+                      </a:r>
+                    </a:p>
+                  </a:txBody>
+                  <a:tcPr>
+                    <a:solidFill>
+                      <a:srgbClr val="E7E6E6"/>
+                    </a:solidFill>
+                  </a:tcPr>
+                </a:tc>
+                <a:tc>
+                  <a:txBody>
+                    <a:bodyPr/>
+                    <a:lstStyle/>
+                    <a:p>
+                      <a:r>
+                        <a:rPr sz="1100"/>
                         <a:t>Months 5-6</a:t>
                       </a:r>
                     </a:p>
@@ -4808,8 +4424,8 @@
                     <a:lstStyle/>
                     <a:p>
                       <a:r>
-                        <a:rPr b="1" sz="1100"/>
-                        <a:t>Firewall policies deployed, threat detection enabled, network optimized, team trained, operations ready</a:t>
+                        <a:rPr sz="1100"/>
+                        <a:t>Firewall policies deployed, Threat detection enabled, Operations handoff complete</a:t>
                       </a:r>
                     </a:p>
                   </a:txBody>
@@ -4824,6 +4440,192 @@
           </a:graphicData>
         </a:graphic>
       </p:graphicFrame>
+      <p:pic>
+        <p:nvPicPr>
+          <p:cNvPr id="5" name="Picture 4" descr="eo-framework-logo-real.png"/>
+          <p:cNvPicPr>
+            <a:picLocks noChangeAspect="1"/>
+          </p:cNvPicPr>
+          <p:nvPr/>
+        </p:nvPicPr>
+        <p:blipFill>
+          <a:blip r:embed="rId3"/>
+          <a:stretch>
+            <a:fillRect/>
+          </a:stretch>
+        </p:blipFill>
+        <p:spPr>
+          <a:xfrm>
+            <a:off x="6684264" y="4535424"/>
+            <a:ext cx="2139696" cy="530352"/>
+          </a:xfrm>
+          <a:prstGeom prst="rect">
+            <a:avLst/>
+          </a:prstGeom>
+        </p:spPr>
+      </p:pic>
+    </p:spTree>
+  </p:cSld>
+  <p:clrMapOvr>
+    <a:masterClrMapping/>
+  </p:clrMapOvr>
+</p:sld>
+</file>
+
+<file path=ppt/slides/slide6.xml><?xml version="1.0" encoding="utf-8"?>
+<p:sld xmlns:a="http://schemas.openxmlformats.org/drawingml/2006/main" xmlns:p="http://schemas.openxmlformats.org/presentationml/2006/main" xmlns:r="http://schemas.openxmlformats.org/officeDocument/2006/relationships">
+  <p:cSld>
+    <p:spTree>
+      <p:nvGrpSpPr>
+        <p:cNvPr id="1" name=""/>
+        <p:cNvGrpSpPr/>
+        <p:nvPr/>
+      </p:nvGrpSpPr>
+      <p:grpSpPr/>
+      <p:sp>
+        <p:nvSpPr>
+          <p:cNvPr id="2" name="Text Placeholder 1"/>
+          <p:cNvSpPr>
+            <a:spLocks noGrp="1"/>
+          </p:cNvSpPr>
+          <p:nvPr>
+            <p:ph type="body" idx="10" sz="quarter"/>
+          </p:nvPr>
+        </p:nvSpPr>
+        <p:spPr/>
+        <p:txBody>
+          <a:bodyPr/>
+          <a:lstStyle/>
+          <a:p>
+            <a:r>
+              <a:t>Success Stories</a:t>
+            </a:r>
+          </a:p>
+        </p:txBody>
+      </p:sp>
+      <p:pic>
+        <p:nvPicPr>
+          <p:cNvPr id="3" name="Picture Placeholder 2" descr="consulting_company_logo.png"/>
+          <p:cNvPicPr>
+            <a:picLocks noGrp="1" noChangeAspect="1"/>
+          </p:cNvPicPr>
+          <p:nvPr>
+            <p:ph type="pic" idx="13" sz="quarter"/>
+          </p:nvPr>
+        </p:nvPicPr>
+        <p:blipFill>
+          <a:blip r:embed="rId2"/>
+          <a:srcRect t="6762" b="6762"/>
+          <a:stretch>
+            <a:fillRect/>
+          </a:stretch>
+        </p:blipFill>
+        <p:spPr/>
+      </p:pic>
+      <p:sp>
+        <p:nvSpPr>
+          <p:cNvPr id="4" name="Text Placeholder 3"/>
+          <p:cNvSpPr>
+            <a:spLocks noGrp="1"/>
+          </p:cNvSpPr>
+          <p:nvPr>
+            <p:ph type="body" idx="14" sz="quarter"/>
+          </p:nvPr>
+        </p:nvSpPr>
+        <p:spPr/>
+        <p:txBody>
+          <a:bodyPr/>
+          <a:lstStyle/>
+          <a:p>
+            <a:pPr/>
+            <a:r>
+              <a:rPr b="1"/>
+              <a:t>Client Success: Global Financial Services Firm</a:t>
+            </a:r>
+          </a:p>
+          <a:p>
+            <a:pPr lvl="1"/>
+            <a:r>
+              <a:rPr b="1"/>
+              <a:t>Client:</a:t>
+            </a:r>
+            <a:r>
+              <a:t> International bank with 12 branch offices across 4 continents and 500+ employees</a:t>
+            </a:r>
+          </a:p>
+          <a:p>
+            <a:pPr lvl="1"/>
+            <a:r>
+              <a:rPr b="1"/>
+              <a:t>Challenge:</a:t>
+            </a:r>
+            <a:r>
+              <a:t> Fragmented WAN with mixture of MPLS, Internet VPN, and direct links causing $180K annual costs, poor branch security, and slow SaaS application access (2-3 second latency)</a:t>
+            </a:r>
+          </a:p>
+          <a:p>
+            <a:pPr lvl="1"/>
+            <a:r>
+              <a:rPr b="1"/>
+              <a:t>Solution:</a:t>
+            </a:r>
+            <a:r>
+              <a:t> Deployed Azure Virtual WAN with 2 regional hubs, ExpressRoute for critical connections, and Firewall-based centralized security policies across all branches</a:t>
+            </a:r>
+          </a:p>
+          <a:p>
+            <a:pPr lvl="1"/>
+            <a:r>
+              <a:rPr b="1"/>
+              <a:t>Results:</a:t>
+            </a:r>
+            <a:r>
+              <a:t> 45% reduction in WAN costs ($81K annual savings), sub-500ms latency to Azure apps, unified security policy across all locations, 99.95% network uptime, new branch provisioning from 4 weeks to 3 days</a:t>
+            </a:r>
+          </a:p>
+          <a:p>
+            <a:pPr lvl="1"/>
+            <a:r>
+              <a:rPr b="1"/>
+              <a:t>Testimonial:</a:t>
+            </a:r>
+            <a:r>
+              <a:t> "Virtual WAN transformed how we manage our global network. We went from managing 12 different connection types to one unified system. The security improvements alone justify the investment." — </a:t>
+            </a:r>
+            <a:r>
+              <a:rPr b="1"/>
+              <a:t>Sarah Chen, VP of Infrastructure</a:t>
+            </a:r>
+            <a:r>
+              <a:t>, Global Finance Corp</a:t>
+            </a:r>
+          </a:p>
+        </p:txBody>
+      </p:sp>
+      <p:pic>
+        <p:nvPicPr>
+          <p:cNvPr id="5" name="Picture 4" descr="eo-framework-logo-real.png"/>
+          <p:cNvPicPr>
+            <a:picLocks noChangeAspect="1"/>
+          </p:cNvPicPr>
+          <p:nvPr/>
+        </p:nvPicPr>
+        <p:blipFill>
+          <a:blip r:embed="rId3"/>
+          <a:stretch>
+            <a:fillRect/>
+          </a:stretch>
+        </p:blipFill>
+        <p:spPr>
+          <a:xfrm>
+            <a:off x="6684264" y="4535424"/>
+            <a:ext cx="2139696" cy="530352"/>
+          </a:xfrm>
+          <a:prstGeom prst="rect">
+            <a:avLst/>
+          </a:prstGeom>
+        </p:spPr>
+      </p:pic>
     </p:spTree>
   </p:cSld>
   <p:clrMapOvr>
@@ -4858,23 +4660,30 @@
           <a:lstStyle/>
           <a:p>
             <a:r>
-              <a:t>Success Stories</a:t>
+              <a:t>Our Partnership Advantage</a:t>
             </a:r>
           </a:p>
         </p:txBody>
       </p:sp>
-      <p:sp>
-        <p:nvSpPr>
-          <p:cNvPr id="3" name="Picture Placeholder 2"/>
-          <p:cNvSpPr>
-            <a:spLocks noGrp="1"/>
-          </p:cNvSpPr>
-          <p:nvPr>
-            <p:ph type="pic" idx="13" sz="quarter"/>
-          </p:nvPr>
-        </p:nvSpPr>
+      <p:pic>
+        <p:nvPicPr>
+          <p:cNvPr id="3" name="Picture Placeholder 2" descr="consulting_company_logo.png"/>
+          <p:cNvPicPr>
+            <a:picLocks noGrp="1" noChangeAspect="1"/>
+          </p:cNvPicPr>
+          <p:nvPr>
+            <p:ph type="pic" idx="14" sz="quarter"/>
+          </p:nvPr>
+        </p:nvPicPr>
+        <p:blipFill>
+          <a:blip r:embed="rId2"/>
+          <a:srcRect t="6314" b="6314"/>
+          <a:stretch>
+            <a:fillRect/>
+          </a:stretch>
+        </p:blipFill>
         <p:spPr/>
-      </p:sp>
+      </p:pic>
       <p:sp>
         <p:nvSpPr>
           <p:cNvPr id="4" name="Text Placeholder 3"/>
@@ -4882,7 +4691,7 @@
             <a:spLocks noGrp="1"/>
           </p:cNvSpPr>
           <p:nvPr>
-            <p:ph type="body" idx="14" sz="quarter"/>
+            <p:ph type="body" idx="16" sz="quarter"/>
           </p:nvPr>
         </p:nvSpPr>
         <p:spPr/>
@@ -4893,68 +4702,118 @@
             <a:pPr/>
             <a:r>
               <a:rPr b="1"/>
-              <a:t>Client Success: Global Financial Services Firm</a:t>
+              <a:t>What We Bring</a:t>
             </a:r>
           </a:p>
           <a:p>
             <a:pPr lvl="1"/>
             <a:r>
-              <a:rPr b="1"/>
-              <a:t>Client:</a:t>
-            </a:r>
-            <a:r>
-              <a:t> International bank with 12 branch offices across 4 continents and 500+ employees</a:t>
+              <a:t>12+ years delivering enterprise network solutions for Fortune 500 companies</a:t>
             </a:r>
           </a:p>
           <a:p>
             <a:pPr lvl="1"/>
             <a:r>
-              <a:rPr b="1"/>
-              <a:t>Challenge:</a:t>
-            </a:r>
-            <a:r>
-              <a:t> Fragmented WAN with mixture of MPLS, Internet VPN, and direct links causing $180K annual costs, poor branch security, and slow SaaS application access (2-3 second latency)</a:t>
+              <a:t>150+ successful Virtual WAN implementations across 20+ countries</a:t>
             </a:r>
           </a:p>
           <a:p>
             <a:pPr lvl="1"/>
             <a:r>
-              <a:rPr b="1"/>
-              <a:t>Solution:</a:t>
-            </a:r>
-            <a:r>
-              <a:t> Deployed Azure Virtual WAN with 2 regional hubs, ExpressRoute for critical connections, and Firewall-based centralized security policies across all branches</a:t>
+              <a:t>Premier Microsoft Azure partnership with co-sell and technical advantage programs</a:t>
             </a:r>
           </a:p>
           <a:p>
             <a:pPr lvl="1"/>
             <a:r>
-              <a:rPr b="1"/>
-              <a:t>Results:</a:t>
-            </a:r>
-            <a:r>
-              <a:t> 45% reduction in WAN costs ($81K annual savings), sub-500ms latency to Azure apps, unified security policy across all locations, 99.95% network uptime, new branch provisioning from 4 weeks to 3 days</a:t>
+              <a:t>Certified Azure Solutions Architects with 10+ years networking expertise</a:t>
             </a:r>
           </a:p>
           <a:p>
             <a:pPr lvl="1"/>
             <a:r>
-              <a:rPr b="1"/>
-              <a:t>Testimonial:</a:t>
-            </a:r>
-            <a:r>
-              <a:t> "Virtual WAN transformed how we manage our global network. We went from managing 12 different connection types to one unified system. The security improvements alone justify the investment." — </a:t>
-            </a:r>
-            <a:r>
-              <a:rPr b="1"/>
-              <a:t>Sarah Chen, VP of Infrastructure</a:t>
-            </a:r>
-            <a:r>
-              <a:t>, Global Finance Corp</a:t>
+              <a:t>24/7 support with 99.95% SLA guarantee for critical connectivity</a:t>
             </a:r>
           </a:p>
         </p:txBody>
       </p:sp>
+      <p:sp>
+        <p:nvSpPr>
+          <p:cNvPr id="5" name="Text Placeholder 4"/>
+          <p:cNvSpPr>
+            <a:spLocks noGrp="1"/>
+          </p:cNvSpPr>
+          <p:nvPr>
+            <p:ph type="body" idx="17" sz="quarter"/>
+          </p:nvPr>
+        </p:nvSpPr>
+        <p:spPr/>
+        <p:txBody>
+          <a:bodyPr/>
+          <a:lstStyle/>
+          <a:p>
+            <a:pPr/>
+            <a:r>
+              <a:rPr b="1"/>
+              <a:t>Value to You</a:t>
+            </a:r>
+          </a:p>
+          <a:p>
+            <a:pPr lvl="1"/>
+            <a:r>
+              <a:t>Proven methodology reduces implementation risk and ensures on-time delivery</a:t>
+            </a:r>
+          </a:p>
+          <a:p>
+            <a:pPr lvl="1"/>
+            <a:r>
+              <a:t>Pre-built Virtual WAN accelerators fast-track your deployment by 6-8 weeks</a:t>
+            </a:r>
+          </a:p>
+          <a:p>
+            <a:pPr lvl="1"/>
+            <a:r>
+              <a:t>Direct Microsoft escalation channels and early access to new Azure features</a:t>
+            </a:r>
+          </a:p>
+          <a:p>
+            <a:pPr lvl="1"/>
+            <a:r>
+              <a:t>Comprehensive knowledge transfer ensuring your team owns the solution</a:t>
+            </a:r>
+          </a:p>
+          <a:p>
+            <a:pPr lvl="1"/>
+            <a:r>
+              <a:t>Post-launch optimization services ensuring continued cost and performance improvements</a:t>
+            </a:r>
+          </a:p>
+        </p:txBody>
+      </p:sp>
+      <p:pic>
+        <p:nvPicPr>
+          <p:cNvPr id="6" name="Picture 5" descr="eo-framework-logo-real.png"/>
+          <p:cNvPicPr>
+            <a:picLocks noChangeAspect="1"/>
+          </p:cNvPicPr>
+          <p:nvPr/>
+        </p:nvPicPr>
+        <p:blipFill>
+          <a:blip r:embed="rId3"/>
+          <a:stretch>
+            <a:fillRect/>
+          </a:stretch>
+        </p:blipFill>
+        <p:spPr>
+          <a:xfrm>
+            <a:off x="6684264" y="4535424"/>
+            <a:ext cx="2139696" cy="530352"/>
+          </a:xfrm>
+          <a:prstGeom prst="rect">
+            <a:avLst/>
+          </a:prstGeom>
+        </p:spPr>
+      </p:pic>
     </p:spTree>
   </p:cSld>
   <p:clrMapOvr>
@@ -4988,183 +4847,33 @@
           <a:bodyPr/>
           <a:lstStyle/>
           <a:p>
-            <a:r>
-              <a:t>Our Partnership Advantage</a:t>
+            <a:pPr algn="l"/>
+            <a:r>
+              <a:rPr b="1"/>
+              <a:t>Investment Summary</a:t>
             </a:r>
           </a:p>
         </p:txBody>
       </p:sp>
-      <p:sp>
-        <p:nvSpPr>
-          <p:cNvPr id="3" name="Picture Placeholder 2"/>
-          <p:cNvSpPr>
-            <a:spLocks noGrp="1"/>
-          </p:cNvSpPr>
-          <p:nvPr>
-            <p:ph type="pic" idx="14" sz="quarter"/>
-          </p:nvPr>
-        </p:nvSpPr>
+      <p:pic>
+        <p:nvPicPr>
+          <p:cNvPr id="3" name="Picture Placeholder 2" descr="consulting_company_logo.png"/>
+          <p:cNvPicPr>
+            <a:picLocks noGrp="1" noChangeAspect="1"/>
+          </p:cNvPicPr>
+          <p:nvPr>
+            <p:ph type="pic" idx="13" sz="quarter"/>
+          </p:nvPr>
+        </p:nvPicPr>
+        <p:blipFill>
+          <a:blip r:embed="rId2"/>
+          <a:srcRect t="6404" b="6404"/>
+          <a:stretch>
+            <a:fillRect/>
+          </a:stretch>
+        </p:blipFill>
         <p:spPr/>
-      </p:sp>
-      <p:sp>
-        <p:nvSpPr>
-          <p:cNvPr id="4" name="Text Placeholder 3"/>
-          <p:cNvSpPr>
-            <a:spLocks noGrp="1"/>
-          </p:cNvSpPr>
-          <p:nvPr>
-            <p:ph type="body" idx="16" sz="quarter"/>
-          </p:nvPr>
-        </p:nvSpPr>
-        <p:spPr/>
-        <p:txBody>
-          <a:bodyPr/>
-          <a:lstStyle/>
-          <a:p>
-            <a:pPr/>
-            <a:r>
-              <a:rPr b="1"/>
-              <a:t>What We Bring</a:t>
-            </a:r>
-          </a:p>
-          <a:p>
-            <a:pPr lvl="1"/>
-            <a:r>
-              <a:t>12+ years delivering enterprise network solutions for Fortune 500 companies</a:t>
-            </a:r>
-          </a:p>
-          <a:p>
-            <a:pPr lvl="1"/>
-            <a:r>
-              <a:t>150+ successful Virtual WAN implementations across 20+ countries</a:t>
-            </a:r>
-          </a:p>
-          <a:p>
-            <a:pPr lvl="1"/>
-            <a:r>
-              <a:t>Premier Microsoft Azure partnership with co-sell and technical advantage programs</a:t>
-            </a:r>
-          </a:p>
-          <a:p>
-            <a:pPr lvl="1"/>
-            <a:r>
-              <a:t>Certified Azure Solutions Architects with 10+ years networking expertise</a:t>
-            </a:r>
-          </a:p>
-          <a:p>
-            <a:pPr lvl="1"/>
-            <a:r>
-              <a:t>24/7 support with 99.95% SLA guarantee for critical connectivity</a:t>
-            </a:r>
-          </a:p>
-        </p:txBody>
-      </p:sp>
-      <p:sp>
-        <p:nvSpPr>
-          <p:cNvPr id="5" name="Text Placeholder 4"/>
-          <p:cNvSpPr>
-            <a:spLocks noGrp="1"/>
-          </p:cNvSpPr>
-          <p:nvPr>
-            <p:ph type="body" idx="17" sz="quarter"/>
-          </p:nvPr>
-        </p:nvSpPr>
-        <p:spPr/>
-        <p:txBody>
-          <a:bodyPr/>
-          <a:lstStyle/>
-          <a:p>
-            <a:pPr/>
-            <a:r>
-              <a:rPr b="1"/>
-              <a:t>Value to You</a:t>
-            </a:r>
-          </a:p>
-          <a:p>
-            <a:pPr lvl="1"/>
-            <a:r>
-              <a:t>Proven methodology reduces implementation risk and ensures on-time delivery</a:t>
-            </a:r>
-          </a:p>
-          <a:p>
-            <a:pPr lvl="1"/>
-            <a:r>
-              <a:t>Pre-built Virtual WAN accelerators fast-track your deployment by 6-8 weeks</a:t>
-            </a:r>
-          </a:p>
-          <a:p>
-            <a:pPr lvl="1"/>
-            <a:r>
-              <a:t>Direct Microsoft escalation channels and early access to new Azure features</a:t>
-            </a:r>
-          </a:p>
-          <a:p>
-            <a:pPr lvl="1"/>
-            <a:r>
-              <a:t>Comprehensive knowledge transfer ensuring your team owns the solution</a:t>
-            </a:r>
-          </a:p>
-          <a:p>
-            <a:pPr lvl="1"/>
-            <a:r>
-              <a:t>Post-launch optimization services ensuring continued cost and performance improvements</a:t>
-            </a:r>
-          </a:p>
-        </p:txBody>
-      </p:sp>
-    </p:spTree>
-  </p:cSld>
-  <p:clrMapOvr>
-    <a:masterClrMapping/>
-  </p:clrMapOvr>
-</p:sld>
-</file>
-
-<file path=ppt/slides/slide9.xml><?xml version="1.0" encoding="utf-8"?>
-<p:sld xmlns:a="http://schemas.openxmlformats.org/drawingml/2006/main" xmlns:p="http://schemas.openxmlformats.org/presentationml/2006/main" xmlns:r="http://schemas.openxmlformats.org/officeDocument/2006/relationships">
-  <p:cSld>
-    <p:spTree>
-      <p:nvGrpSpPr>
-        <p:cNvPr id="1" name=""/>
-        <p:cNvGrpSpPr/>
-        <p:nvPr/>
-      </p:nvGrpSpPr>
-      <p:grpSpPr/>
-      <p:sp>
-        <p:nvSpPr>
-          <p:cNvPr id="2" name="Text Placeholder 1"/>
-          <p:cNvSpPr>
-            <a:spLocks noGrp="1"/>
-          </p:cNvSpPr>
-          <p:nvPr>
-            <p:ph type="body" idx="10" sz="quarter"/>
-          </p:nvPr>
-        </p:nvSpPr>
-        <p:spPr/>
-        <p:txBody>
-          <a:bodyPr/>
-          <a:lstStyle/>
-          <a:p>
-            <a:pPr algn="l"/>
-            <a:r>
-              <a:rPr b="1"/>
-              <a:t>Investment Summary</a:t>
-            </a:r>
-          </a:p>
-        </p:txBody>
-      </p:sp>
-      <p:sp>
-        <p:nvSpPr>
-          <p:cNvPr id="3" name="Picture Placeholder 2"/>
-          <p:cNvSpPr>
-            <a:spLocks noGrp="1"/>
-          </p:cNvSpPr>
-          <p:nvPr>
-            <p:ph type="pic" idx="13" sz="quarter"/>
-          </p:nvPr>
-        </p:nvSpPr>
-        <p:spPr/>
-      </p:sp>
+      </p:pic>
       <p:graphicFrame>
         <p:nvGraphicFramePr>
           <p:cNvPr id="4" name="Table Placeholder 3"/>
@@ -5201,7 +4910,7 @@
                     <a:lstStyle/>
                     <a:p>
                       <a:r>
-                        <a:rPr b="1" sz="1400">
+                        <a:rPr sz="1400">
                           <a:solidFill>
                             <a:srgbClr val="FFFFFF"/>
                           </a:solidFill>
@@ -5222,7 +4931,7 @@
                     <a:lstStyle/>
                     <a:p>
                       <a:r>
-                        <a:rPr b="1" sz="1400">
+                        <a:rPr sz="1400">
                           <a:solidFill>
                             <a:srgbClr val="FFFFFF"/>
                           </a:solidFill>
@@ -5243,7 +4952,7 @@
                     <a:lstStyle/>
                     <a:p>
                       <a:r>
-                        <a:rPr b="1" sz="1400">
+                        <a:rPr sz="1400">
                           <a:solidFill>
                             <a:srgbClr val="FFFFFF"/>
                           </a:solidFill>
@@ -5264,7 +4973,7 @@
                     <a:lstStyle/>
                     <a:p>
                       <a:r>
-                        <a:rPr b="1" sz="1400">
+                        <a:rPr sz="1400">
                           <a:solidFill>
                             <a:srgbClr val="FFFFFF"/>
                           </a:solidFill>
@@ -5285,7 +4994,7 @@
                     <a:lstStyle/>
                     <a:p>
                       <a:r>
-                        <a:rPr b="1" sz="1400">
+                        <a:rPr sz="1400">
                           <a:solidFill>
                             <a:srgbClr val="FFFFFF"/>
                           </a:solidFill>
@@ -5306,7 +5015,7 @@
                     <a:lstStyle/>
                     <a:p>
                       <a:r>
-                        <a:rPr b="1" sz="1400">
+                        <a:rPr sz="1400">
                           <a:solidFill>
                             <a:srgbClr val="FFFFFF"/>
                           </a:solidFill>
@@ -5327,7 +5036,7 @@
                     <a:lstStyle/>
                     <a:p>
                       <a:r>
-                        <a:rPr b="1" sz="1400">
+                        <a:rPr sz="1400">
                           <a:solidFill>
                             <a:srgbClr val="FFFFFF"/>
                           </a:solidFill>
@@ -5952,6 +5661,198 @@
           </a:graphicData>
         </a:graphic>
       </p:graphicFrame>
+      <p:pic>
+        <p:nvPicPr>
+          <p:cNvPr id="5" name="Picture 4" descr="eo-framework-logo-real.png"/>
+          <p:cNvPicPr>
+            <a:picLocks noChangeAspect="1"/>
+          </p:cNvPicPr>
+          <p:nvPr/>
+        </p:nvPicPr>
+        <p:blipFill>
+          <a:blip r:embed="rId3"/>
+          <a:stretch>
+            <a:fillRect/>
+          </a:stretch>
+        </p:blipFill>
+        <p:spPr>
+          <a:xfrm>
+            <a:off x="6684264" y="4535424"/>
+            <a:ext cx="2139696" cy="530352"/>
+          </a:xfrm>
+          <a:prstGeom prst="rect">
+            <a:avLst/>
+          </a:prstGeom>
+        </p:spPr>
+      </p:pic>
+    </p:spTree>
+  </p:cSld>
+  <p:clrMapOvr>
+    <a:masterClrMapping/>
+  </p:clrMapOvr>
+</p:sld>
+</file>
+
+<file path=ppt/slides/slide9.xml><?xml version="1.0" encoding="utf-8"?>
+<p:sld xmlns:a="http://schemas.openxmlformats.org/drawingml/2006/main" xmlns:p="http://schemas.openxmlformats.org/presentationml/2006/main" xmlns:r="http://schemas.openxmlformats.org/officeDocument/2006/relationships">
+  <p:cSld>
+    <p:spTree>
+      <p:nvGrpSpPr>
+        <p:cNvPr id="1" name=""/>
+        <p:cNvGrpSpPr/>
+        <p:nvPr/>
+      </p:nvGrpSpPr>
+      <p:grpSpPr/>
+      <p:sp>
+        <p:nvSpPr>
+          <p:cNvPr id="2" name="Text Placeholder 1"/>
+          <p:cNvSpPr>
+            <a:spLocks noGrp="1"/>
+          </p:cNvSpPr>
+          <p:nvPr>
+            <p:ph type="body" idx="10" sz="quarter"/>
+          </p:nvPr>
+        </p:nvSpPr>
+        <p:spPr/>
+        <p:txBody>
+          <a:bodyPr/>
+          <a:lstStyle/>
+          <a:p>
+            <a:r>
+              <a:t>Next Steps</a:t>
+            </a:r>
+          </a:p>
+        </p:txBody>
+      </p:sp>
+      <p:pic>
+        <p:nvPicPr>
+          <p:cNvPr id="3" name="Picture Placeholder 2" descr="consulting_company_logo.png"/>
+          <p:cNvPicPr>
+            <a:picLocks noGrp="1" noChangeAspect="1"/>
+          </p:cNvPicPr>
+          <p:nvPr>
+            <p:ph type="pic" idx="13" sz="quarter"/>
+          </p:nvPr>
+        </p:nvPicPr>
+        <p:blipFill>
+          <a:blip r:embed="rId2"/>
+          <a:srcRect t="6762" b="6762"/>
+          <a:stretch>
+            <a:fillRect/>
+          </a:stretch>
+        </p:blipFill>
+        <p:spPr/>
+      </p:pic>
+      <p:sp>
+        <p:nvSpPr>
+          <p:cNvPr id="4" name="Text Placeholder 3"/>
+          <p:cNvSpPr>
+            <a:spLocks noGrp="1"/>
+          </p:cNvSpPr>
+          <p:nvPr>
+            <p:ph type="body" idx="14" sz="quarter"/>
+          </p:nvPr>
+        </p:nvSpPr>
+        <p:spPr/>
+        <p:txBody>
+          <a:bodyPr/>
+          <a:lstStyle/>
+          <a:p>
+            <a:pPr/>
+            <a:r>
+              <a:rPr b="1"/>
+              <a:t>Decision:</a:t>
+            </a:r>
+            <a:r>
+              <a:t> Approve Virtual WAN architecture by [Specific Date]</a:t>
+            </a:r>
+          </a:p>
+          <a:p>
+            <a:pPr/>
+            <a:r>
+              <a:rPr b="1"/>
+              <a:t>Kickoff:</a:t>
+            </a:r>
+            <a:r>
+              <a:t> Project launch and team formation by [Target Date]</a:t>
+            </a:r>
+          </a:p>
+          <a:p>
+            <a:pPr/>
+            <a:r>
+              <a:rPr b="1"/>
+              <a:t>Team Formation:</a:t>
+            </a:r>
+            <a:r>
+              <a:t> Network lead, security stakeholder, Azure platform owner, project sponsor</a:t>
+            </a:r>
+          </a:p>
+          <a:p>
+            <a:pPr/>
+            <a:r>
+              <a:rPr b="1"/>
+              <a:t>Week 1:</a:t>
+            </a:r>
+            <a:r>
+              <a:t> Contract finalization and network audit kickoff</a:t>
+            </a:r>
+          </a:p>
+          <a:p>
+            <a:pPr/>
+            <a:r>
+              <a:rPr b="1"/>
+              <a:t>Week 2:</a:t>
+            </a:r>
+            <a:r>
+              <a:t> Hub design finalization and ExpressRoute ordering</a:t>
+            </a:r>
+          </a:p>
+          <a:p>
+            <a:pPr/>
+            <a:r>
+              <a:rPr b="1"/>
+              <a:t>Week 3:</a:t>
+            </a:r>
+            <a:r>
+              <a:t> Primary hub deployment and security policy development</a:t>
+            </a:r>
+          </a:p>
+          <a:p>
+            <a:pPr/>
+            <a:r>
+              <a:rPr b="1"/>
+              <a:t>Week 4:</a:t>
+            </a:r>
+            <a:r>
+              <a:t> First branch migration and pilot validation</a:t>
+            </a:r>
+          </a:p>
+        </p:txBody>
+      </p:sp>
+      <p:pic>
+        <p:nvPicPr>
+          <p:cNvPr id="5" name="Picture 4" descr="eo-framework-logo-real.png"/>
+          <p:cNvPicPr>
+            <a:picLocks noChangeAspect="1"/>
+          </p:cNvPicPr>
+          <p:nvPr/>
+        </p:nvPicPr>
+        <p:blipFill>
+          <a:blip r:embed="rId3"/>
+          <a:stretch>
+            <a:fillRect/>
+          </a:stretch>
+        </p:blipFill>
+        <p:spPr>
+          <a:xfrm>
+            <a:off x="6684264" y="4535424"/>
+            <a:ext cx="2139696" cy="530352"/>
+          </a:xfrm>
+          <a:prstGeom prst="rect">
+            <a:avLst/>
+          </a:prstGeom>
+        </p:spPr>
+      </p:pic>
     </p:spTree>
   </p:cSld>
   <p:clrMapOvr>

--- a/solutions/azure/network/virtual-wan-global/presales/solution-briefing.pptx
+++ b/solutions/azure/network/virtual-wan-global/presales/solution-briefing.pptx
@@ -4126,7 +4126,7 @@
         </p:nvGraphicFramePr>
         <p:xfrm>
           <a:off x="256855" y="677011"/>
-          <a:ext cx="8710930" cy="1483360"/>
+          <a:ext cx="8710931" cy="1483360"/>
         </p:xfrm>
         <a:graphic>
           <a:graphicData uri="http://schemas.openxmlformats.org/drawingml/2006/table">
@@ -4135,10 +4135,10 @@
                 <a:tableStyleId>{5C22544A-7EE6-4342-B048-85BDC9FD1C3A}</a:tableStyleId>
               </a:tblPr>
               <a:tblGrid>
-                <a:gridCol w="1045311"/>
+                <a:gridCol w="871093"/>
                 <a:gridCol w="2177733"/>
-                <a:gridCol w="1045311"/>
-                <a:gridCol w="4442575"/>
+                <a:gridCol w="1306639"/>
+                <a:gridCol w="4355466"/>
               </a:tblGrid>
               <a:tr h="370840">
                 <a:tc>
@@ -4886,7 +4886,7 @@
         </p:nvGraphicFramePr>
         <p:xfrm>
           <a:off x="256855" y="677011"/>
-          <a:ext cx="8719641" cy="2225040"/>
+          <a:ext cx="8710929" cy="2225040"/>
         </p:xfrm>
         <a:graphic>
           <a:graphicData uri="http://schemas.openxmlformats.org/drawingml/2006/table">
@@ -4895,13 +4895,13 @@
                 <a:tableStyleId>{5C22544A-7EE6-4342-B048-85BDC9FD1C3A}</a:tableStyleId>
               </a:tblPr>
               <a:tblGrid>
-                <a:gridCol w="1567967"/>
+                <a:gridCol w="1742186"/>
+                <a:gridCol w="871093"/>
+                <a:gridCol w="1829295"/>
+                <a:gridCol w="1219530"/>
+                <a:gridCol w="958202"/>
+                <a:gridCol w="958202"/>
                 <a:gridCol w="1132421"/>
-                <a:gridCol w="1742186"/>
-                <a:gridCol w="1132421"/>
-                <a:gridCol w="993046"/>
-                <a:gridCol w="993046"/>
-                <a:gridCol w="1158554"/>
               </a:tblGrid>
               <a:tr h="370840">
                 <a:tc>

--- a/solutions/azure/network/virtual-wan-global/presales/solution-briefing.pptx
+++ b/solutions/azure/network/virtual-wan-global/presales/solution-briefing.pptx
@@ -4896,12 +4896,12 @@
               </a:tblPr>
               <a:tblGrid>
                 <a:gridCol w="1742186"/>
+                <a:gridCol w="1045311"/>
+                <a:gridCol w="2003514"/>
+                <a:gridCol w="1132421"/>
                 <a:gridCol w="871093"/>
-                <a:gridCol w="1829295"/>
-                <a:gridCol w="1219530"/>
-                <a:gridCol w="958202"/>
-                <a:gridCol w="958202"/>
-                <a:gridCol w="1132421"/>
+                <a:gridCol w="871093"/>
+                <a:gridCol w="1045311"/>
               </a:tblGrid>
               <a:tr h="370840">
                 <a:tc>

--- a/solutions/azure/network/virtual-wan-global/presales/solution-briefing.pptx
+++ b/solutions/azure/network/virtual-wan-global/presales/solution-briefing.pptx
@@ -18,6 +18,7 @@
     <p:sldId id="263" r:id="rId14"/>
     <p:sldId id="264" r:id="rId15"/>
     <p:sldId id="265" r:id="rId16"/>
+    <p:sldId id="266" r:id="rId17"/>
   </p:sldIdLst>
   <p:sldSz cx="9144000" cy="5143500" type="screen16x9"/>
   <p:notesSz cx="5143500" cy="9144000"/>
@@ -3360,7 +3361,7 @@
           <a:lstStyle/>
           <a:p>
             <a:r>
-              <a:t>[Presenter Name] | November 15, 2025</a:t>
+              <a:t>Alison Smith | November 16, 2025</a:t>
             </a:r>
           </a:p>
         </p:txBody>
@@ -3398,6 +3399,174 @@
 </file>
 
 <file path=ppt/slides/slide10.xml><?xml version="1.0" encoding="utf-8"?>
+<p:sld xmlns:a="http://schemas.openxmlformats.org/drawingml/2006/main" xmlns:p="http://schemas.openxmlformats.org/presentationml/2006/main" xmlns:r="http://schemas.openxmlformats.org/officeDocument/2006/relationships">
+  <p:cSld>
+    <p:spTree>
+      <p:nvGrpSpPr>
+        <p:cNvPr id="1" name=""/>
+        <p:cNvGrpSpPr/>
+        <p:nvPr/>
+      </p:nvGrpSpPr>
+      <p:grpSpPr/>
+      <p:sp>
+        <p:nvSpPr>
+          <p:cNvPr id="2" name="Text Placeholder 1"/>
+          <p:cNvSpPr>
+            <a:spLocks noGrp="1"/>
+          </p:cNvSpPr>
+          <p:nvPr>
+            <p:ph type="body" idx="10" sz="quarter"/>
+          </p:nvPr>
+        </p:nvSpPr>
+        <p:spPr/>
+        <p:txBody>
+          <a:bodyPr/>
+          <a:lstStyle/>
+          <a:p>
+            <a:r>
+              <a:t>Next Steps</a:t>
+            </a:r>
+          </a:p>
+        </p:txBody>
+      </p:sp>
+      <p:pic>
+        <p:nvPicPr>
+          <p:cNvPr id="3" name="Picture Placeholder 2" descr="consulting_company_logo.png"/>
+          <p:cNvPicPr>
+            <a:picLocks noGrp="1" noChangeAspect="1"/>
+          </p:cNvPicPr>
+          <p:nvPr>
+            <p:ph type="pic" idx="13" sz="quarter"/>
+          </p:nvPr>
+        </p:nvPicPr>
+        <p:blipFill>
+          <a:blip r:embed="rId2"/>
+          <a:srcRect t="6762" b="6762"/>
+          <a:stretch>
+            <a:fillRect/>
+          </a:stretch>
+        </p:blipFill>
+        <p:spPr/>
+      </p:pic>
+      <p:sp>
+        <p:nvSpPr>
+          <p:cNvPr id="4" name="Text Placeholder 3"/>
+          <p:cNvSpPr>
+            <a:spLocks noGrp="1"/>
+          </p:cNvSpPr>
+          <p:nvPr>
+            <p:ph type="body" idx="14" sz="quarter"/>
+          </p:nvPr>
+        </p:nvSpPr>
+        <p:spPr/>
+        <p:txBody>
+          <a:bodyPr/>
+          <a:lstStyle/>
+          <a:p>
+            <a:pPr/>
+            <a:r>
+              <a:rPr b="1"/>
+              <a:t>Network Inventory:</a:t>
+            </a:r>
+            <a:r>
+              <a:t> Compile list of all branch locations with current connectivity</a:t>
+            </a:r>
+          </a:p>
+          <a:p>
+            <a:pPr/>
+            <a:r>
+              <a:rPr b="1"/>
+              <a:t>Decision:</a:t>
+            </a:r>
+            <a:r>
+              <a:t> SOW approval and contract execution by [Target Date]</a:t>
+            </a:r>
+          </a:p>
+          <a:p>
+            <a:pPr/>
+            <a:r>
+              <a:rPr b="1"/>
+              <a:t>Kickoff:</a:t>
+            </a:r>
+            <a:r>
+              <a:t> Project initiation scheduled for [Start Date]</a:t>
+            </a:r>
+          </a:p>
+          <a:p>
+            <a:pPr/>
+            <a:r>
+              <a:rPr b="1"/>
+              <a:t>Week 1:</a:t>
+            </a:r>
+            <a:r>
+              <a:t> Network discovery and requirements workshop</a:t>
+            </a:r>
+          </a:p>
+          <a:p>
+            <a:pPr/>
+            <a:r>
+              <a:rPr b="1"/>
+              <a:t>Week 2:</a:t>
+            </a:r>
+            <a:r>
+              <a:t> Hub placement design and IP addressing plan</a:t>
+            </a:r>
+          </a:p>
+          <a:p>
+            <a:pPr/>
+            <a:r>
+              <a:rPr b="1"/>
+              <a:t>Week 3:</a:t>
+            </a:r>
+            <a:r>
+              <a:t> SD-WAN vendor coordination and compatibility verification</a:t>
+            </a:r>
+          </a:p>
+          <a:p>
+            <a:pPr/>
+            <a:r>
+              <a:rPr b="1"/>
+              <a:t>Week 4:</a:t>
+            </a:r>
+            <a:r>
+              <a:t> Pilot branch selection and migration planning</a:t>
+            </a:r>
+          </a:p>
+        </p:txBody>
+      </p:sp>
+      <p:pic>
+        <p:nvPicPr>
+          <p:cNvPr id="5" name="Picture 4" descr="eo-framework-logo-real.png"/>
+          <p:cNvPicPr>
+            <a:picLocks noChangeAspect="1"/>
+          </p:cNvPicPr>
+          <p:nvPr/>
+        </p:nvPicPr>
+        <p:blipFill>
+          <a:blip r:embed="rId3"/>
+          <a:stretch>
+            <a:fillRect/>
+          </a:stretch>
+        </p:blipFill>
+        <p:spPr>
+          <a:xfrm>
+            <a:off x="6684264" y="4535424"/>
+            <a:ext cx="2139696" cy="530352"/>
+          </a:xfrm>
+          <a:prstGeom prst="rect">
+            <a:avLst/>
+          </a:prstGeom>
+        </p:spPr>
+      </p:pic>
+    </p:spTree>
+  </p:cSld>
+  <p:clrMapOvr>
+    <a:masterClrMapping/>
+  </p:clrMapOvr>
+</p:sld>
+</file>
+
+<file path=ppt/slides/slide11.xml><?xml version="1.0" encoding="utf-8"?>
 <p:sld xmlns:a="http://schemas.openxmlformats.org/drawingml/2006/main" xmlns:p="http://schemas.openxmlformats.org/presentationml/2006/main" xmlns:r="http://schemas.openxmlformats.org/officeDocument/2006/relationships">
   <p:cSld>
     <p:spTree>
@@ -3615,25 +3784,19 @@
           <a:p>
             <a:pPr lvl="1"/>
             <a:r>
-              <a:t>Consolidate multiple WAN technologies (MPLS, VPN, ExpressRoute) into a unified cloud-based network hub</a:t>
+              <a:t>Connect all branch offices to Azure and each other through a single managed network backbone</a:t>
             </a:r>
           </a:p>
           <a:p>
             <a:pPr lvl="1"/>
             <a:r>
-              <a:t>Reduce operational complexity by 60% through centralized management and automated connectivity</a:t>
+              <a:t>Replace complex VPN configurations with automated routing that scales as you add locations</a:t>
             </a:r>
           </a:p>
           <a:p>
             <a:pPr lvl="1"/>
             <a:r>
-              <a:t>Optimize bandwidth costs by 40-50% while improving branch office security and performance</a:t>
-            </a:r>
-          </a:p>
-          <a:p>
-            <a:pPr lvl="1"/>
-            <a:r>
-              <a:t>Enable rapid scale to new branch offices in days instead of weeks</a:t>
+              <a:t>Reduce network management overhead by 50-60% with centralized policy and monitoring</a:t>
             </a:r>
           </a:p>
         </p:txBody>
@@ -3662,25 +3825,19 @@
           <a:p>
             <a:pPr lvl="1"/>
             <a:r>
-              <a:t>Achieve unified connectivity across all 10+ branch offices within 6 months</a:t>
+              <a:t>Connect all branch locations to Azure within 3 months with consistent security policies</a:t>
             </a:r>
           </a:p>
           <a:p>
             <a:pPr lvl="1"/>
             <a:r>
-              <a:t>Reduce WAN-related incident resolution time by 70% through centralized visibility</a:t>
+              <a:t>Achieve 40% reduction in network management costs compared to traditional hub-spoke VPN</a:t>
             </a:r>
           </a:p>
           <a:p>
             <a:pPr lvl="1"/>
             <a:r>
-              <a:t>Maintain 99.9% network uptime with automatic failover across regions</a:t>
-            </a:r>
-          </a:p>
-          <a:p>
-            <a:pPr lvl="1"/>
-            <a:r>
-              <a:t>Enable secure, high-performance access to Azure services and SaaS applications</a:t>
+              <a:t>Deliver reliable connectivity with automatic failover and less than 100ms latency</a:t>
             </a:r>
           </a:p>
         </p:txBody>
@@ -3742,6 +3899,1032 @@
           <a:bodyPr/>
           <a:lstStyle/>
           <a:p>
+            <a:pPr algn="l"/>
+            <a:r>
+              <a:rPr b="1"/>
+              <a:t>Engagement Scope</a:t>
+            </a:r>
+          </a:p>
+        </p:txBody>
+      </p:sp>
+      <p:pic>
+        <p:nvPicPr>
+          <p:cNvPr id="3" name="Picture Placeholder 2" descr="consulting_company_logo.png"/>
+          <p:cNvPicPr>
+            <a:picLocks noGrp="1" noChangeAspect="1"/>
+          </p:cNvPicPr>
+          <p:nvPr>
+            <p:ph type="pic" idx="13" sz="quarter"/>
+          </p:nvPr>
+        </p:nvPicPr>
+        <p:blipFill>
+          <a:blip r:embed="rId2"/>
+          <a:srcRect t="6404" b="6404"/>
+          <a:stretch>
+            <a:fillRect/>
+          </a:stretch>
+        </p:blipFill>
+        <p:spPr/>
+      </p:pic>
+      <p:graphicFrame>
+        <p:nvGraphicFramePr>
+          <p:cNvPr id="4" name="Table Placeholder 3"/>
+          <p:cNvGraphicFramePr>
+            <a:graphicFrameLocks noGrp="1"/>
+          </p:cNvGraphicFramePr>
+          <p:nvPr>
+            <p:ph type="tbl" idx="14" sz="quarter"/>
+          </p:nvPr>
+        </p:nvGraphicFramePr>
+        <p:xfrm>
+          <a:off x="256855" y="677011"/>
+          <a:ext cx="8710931" cy="6304280"/>
+        </p:xfrm>
+        <a:graphic>
+          <a:graphicData uri="http://schemas.openxmlformats.org/drawingml/2006/table">
+            <a:tbl>
+              <a:tblPr firstRow="1" bandRow="1">
+                <a:tableStyleId>{5C22544A-7EE6-4342-B048-85BDC9FD1C3A}</a:tableStyleId>
+              </a:tblPr>
+              <a:tblGrid>
+                <a:gridCol w="2613279"/>
+                <a:gridCol w="3048826"/>
+                <a:gridCol w="3048826"/>
+              </a:tblGrid>
+              <a:tr h="370840">
+                <a:tc>
+                  <a:txBody>
+                    <a:bodyPr/>
+                    <a:lstStyle/>
+                    <a:p>
+                      <a:r>
+                        <a:rPr sz="1400">
+                          <a:solidFill>
+                            <a:srgbClr val="FFFFFF"/>
+                          </a:solidFill>
+                        </a:rPr>
+                        <a:t>Category</a:t>
+                      </a:r>
+                    </a:p>
+                  </a:txBody>
+                  <a:tcPr>
+                    <a:solidFill>
+                      <a:srgbClr val="A01C02"/>
+                    </a:solidFill>
+                  </a:tcPr>
+                </a:tc>
+                <a:tc>
+                  <a:txBody>
+                    <a:bodyPr/>
+                    <a:lstStyle/>
+                    <a:p>
+                      <a:r>
+                        <a:rPr sz="1400">
+                          <a:solidFill>
+                            <a:srgbClr val="FFFFFF"/>
+                          </a:solidFill>
+                        </a:rPr>
+                        <a:t>Parameter</a:t>
+                      </a:r>
+                    </a:p>
+                  </a:txBody>
+                  <a:tcPr>
+                    <a:solidFill>
+                      <a:srgbClr val="A01C02"/>
+                    </a:solidFill>
+                  </a:tcPr>
+                </a:tc>
+                <a:tc>
+                  <a:txBody>
+                    <a:bodyPr/>
+                    <a:lstStyle/>
+                    <a:p>
+                      <a:r>
+                        <a:rPr sz="1400">
+                          <a:solidFill>
+                            <a:srgbClr val="FFFFFF"/>
+                          </a:solidFill>
+                        </a:rPr>
+                        <a:t>Scope</a:t>
+                      </a:r>
+                    </a:p>
+                  </a:txBody>
+                  <a:tcPr>
+                    <a:solidFill>
+                      <a:srgbClr val="A01C02"/>
+                    </a:solidFill>
+                  </a:tcPr>
+                </a:tc>
+              </a:tr>
+              <a:tr h="370840">
+                <a:tc>
+                  <a:txBody>
+                    <a:bodyPr/>
+                    <a:lstStyle/>
+                    <a:p>
+                      <a:r>
+                        <a:rPr sz="1100"/>
+                        <a:t>Solution Scope</a:t>
+                      </a:r>
+                    </a:p>
+                  </a:txBody>
+                  <a:tcPr>
+                    <a:solidFill>
+                      <a:srgbClr val="E7E6E6"/>
+                    </a:solidFill>
+                  </a:tcPr>
+                </a:tc>
+                <a:tc>
+                  <a:txBody>
+                    <a:bodyPr/>
+                    <a:lstStyle/>
+                    <a:p>
+                      <a:r>
+                        <a:rPr sz="1100"/>
+                        <a:t>Virtual WAN Hubs</a:t>
+                      </a:r>
+                    </a:p>
+                  </a:txBody>
+                  <a:tcPr>
+                    <a:solidFill>
+                      <a:srgbClr val="E7E6E6"/>
+                    </a:solidFill>
+                  </a:tcPr>
+                </a:tc>
+                <a:tc>
+                  <a:txBody>
+                    <a:bodyPr/>
+                    <a:lstStyle/>
+                    <a:p>
+                      <a:r>
+                        <a:rPr sz="1100"/>
+                        <a:t>3 regional hubs</a:t>
+                      </a:r>
+                    </a:p>
+                  </a:txBody>
+                  <a:tcPr>
+                    <a:solidFill>
+                      <a:srgbClr val="E7E6E6"/>
+                    </a:solidFill>
+                  </a:tcPr>
+                </a:tc>
+              </a:tr>
+              <a:tr h="370840">
+                <a:tc>
+                  <a:txBody>
+                    <a:bodyPr/>
+                    <a:lstStyle/>
+                    <a:p>
+                      <a:r>
+                        <a:rPr sz="1100"/>
+                        <a:t>Solution Scope</a:t>
+                      </a:r>
+                    </a:p>
+                  </a:txBody>
+                  <a:tcPr>
+                    <a:solidFill>
+                      <a:srgbClr val="E7E6E6"/>
+                    </a:solidFill>
+                  </a:tcPr>
+                </a:tc>
+                <a:tc>
+                  <a:txBody>
+                    <a:bodyPr/>
+                    <a:lstStyle/>
+                    <a:p>
+                      <a:r>
+                        <a:rPr sz="1100"/>
+                        <a:t>Connected Sites</a:t>
+                      </a:r>
+                    </a:p>
+                  </a:txBody>
+                  <a:tcPr>
+                    <a:solidFill>
+                      <a:srgbClr val="E7E6E6"/>
+                    </a:solidFill>
+                  </a:tcPr>
+                </a:tc>
+                <a:tc>
+                  <a:txBody>
+                    <a:bodyPr/>
+                    <a:lstStyle/>
+                    <a:p>
+                      <a:r>
+                        <a:rPr sz="1100"/>
+                        <a:t>10-15 branch locations</a:t>
+                      </a:r>
+                    </a:p>
+                  </a:txBody>
+                  <a:tcPr>
+                    <a:solidFill>
+                      <a:srgbClr val="E7E6E6"/>
+                    </a:solidFill>
+                  </a:tcPr>
+                </a:tc>
+              </a:tr>
+              <a:tr h="370840">
+                <a:tc>
+                  <a:txBody>
+                    <a:bodyPr/>
+                    <a:lstStyle/>
+                    <a:p>
+                      <a:r>
+                        <a:rPr sz="1100"/>
+                        <a:t>Integration</a:t>
+                      </a:r>
+                    </a:p>
+                  </a:txBody>
+                  <a:tcPr>
+                    <a:solidFill>
+                      <a:srgbClr val="E7E6E6"/>
+                    </a:solidFill>
+                  </a:tcPr>
+                </a:tc>
+                <a:tc>
+                  <a:txBody>
+                    <a:bodyPr/>
+                    <a:lstStyle/>
+                    <a:p>
+                      <a:r>
+                        <a:rPr sz="1100"/>
+                        <a:t>VPN Connections</a:t>
+                      </a:r>
+                    </a:p>
+                  </a:txBody>
+                  <a:tcPr>
+                    <a:solidFill>
+                      <a:srgbClr val="E7E6E6"/>
+                    </a:solidFill>
+                  </a:tcPr>
+                </a:tc>
+                <a:tc>
+                  <a:txBody>
+                    <a:bodyPr/>
+                    <a:lstStyle/>
+                    <a:p>
+                      <a:r>
+                        <a:rPr sz="1100"/>
+                        <a:t>Site-to-site IPsec VPN</a:t>
+                      </a:r>
+                    </a:p>
+                  </a:txBody>
+                  <a:tcPr>
+                    <a:solidFill>
+                      <a:srgbClr val="E7E6E6"/>
+                    </a:solidFill>
+                  </a:tcPr>
+                </a:tc>
+              </a:tr>
+              <a:tr h="370840">
+                <a:tc>
+                  <a:txBody>
+                    <a:bodyPr/>
+                    <a:lstStyle/>
+                    <a:p>
+                      <a:r>
+                        <a:rPr sz="1100"/>
+                        <a:t>Integration</a:t>
+                      </a:r>
+                    </a:p>
+                  </a:txBody>
+                  <a:tcPr>
+                    <a:solidFill>
+                      <a:srgbClr val="E7E6E6"/>
+                    </a:solidFill>
+                  </a:tcPr>
+                </a:tc>
+                <a:tc>
+                  <a:txBody>
+                    <a:bodyPr/>
+                    <a:lstStyle/>
+                    <a:p>
+                      <a:r>
+                        <a:rPr sz="1100"/>
+                        <a:t>ExpressRoute Circuits</a:t>
+                      </a:r>
+                    </a:p>
+                  </a:txBody>
+                  <a:tcPr>
+                    <a:solidFill>
+                      <a:srgbClr val="E7E6E6"/>
+                    </a:solidFill>
+                  </a:tcPr>
+                </a:tc>
+                <a:tc>
+                  <a:txBody>
+                    <a:bodyPr/>
+                    <a:lstStyle/>
+                    <a:p>
+                      <a:r>
+                        <a:rPr sz="1100"/>
+                        <a:t>2 circuits (primary backup)</a:t>
+                      </a:r>
+                    </a:p>
+                  </a:txBody>
+                  <a:tcPr>
+                    <a:solidFill>
+                      <a:srgbClr val="E7E6E6"/>
+                    </a:solidFill>
+                  </a:tcPr>
+                </a:tc>
+              </a:tr>
+              <a:tr h="370840">
+                <a:tc>
+                  <a:txBody>
+                    <a:bodyPr/>
+                    <a:lstStyle/>
+                    <a:p>
+                      <a:r>
+                        <a:rPr sz="1100"/>
+                        <a:t>User Base</a:t>
+                      </a:r>
+                    </a:p>
+                  </a:txBody>
+                  <a:tcPr>
+                    <a:solidFill>
+                      <a:srgbClr val="E7E6E6"/>
+                    </a:solidFill>
+                  </a:tcPr>
+                </a:tc>
+                <a:tc>
+                  <a:txBody>
+                    <a:bodyPr/>
+                    <a:lstStyle/>
+                    <a:p>
+                      <a:r>
+                        <a:rPr sz="1100"/>
+                        <a:t>Total Users</a:t>
+                      </a:r>
+                    </a:p>
+                  </a:txBody>
+                  <a:tcPr>
+                    <a:solidFill>
+                      <a:srgbClr val="E7E6E6"/>
+                    </a:solidFill>
+                  </a:tcPr>
+                </a:tc>
+                <a:tc>
+                  <a:txBody>
+                    <a:bodyPr/>
+                    <a:lstStyle/>
+                    <a:p>
+                      <a:r>
+                        <a:rPr sz="1100"/>
+                        <a:t>1000 users across sites</a:t>
+                      </a:r>
+                    </a:p>
+                  </a:txBody>
+                  <a:tcPr>
+                    <a:solidFill>
+                      <a:srgbClr val="E7E6E6"/>
+                    </a:solidFill>
+                  </a:tcPr>
+                </a:tc>
+              </a:tr>
+              <a:tr h="370840">
+                <a:tc>
+                  <a:txBody>
+                    <a:bodyPr/>
+                    <a:lstStyle/>
+                    <a:p>
+                      <a:r>
+                        <a:rPr sz="1100"/>
+                        <a:t>User Base</a:t>
+                      </a:r>
+                    </a:p>
+                  </a:txBody>
+                  <a:tcPr>
+                    <a:solidFill>
+                      <a:srgbClr val="E7E6E6"/>
+                    </a:solidFill>
+                  </a:tcPr>
+                </a:tc>
+                <a:tc>
+                  <a:txBody>
+                    <a:bodyPr/>
+                    <a:lstStyle/>
+                    <a:p>
+                      <a:r>
+                        <a:rPr sz="1100"/>
+                        <a:t>User Roles</a:t>
+                      </a:r>
+                    </a:p>
+                  </a:txBody>
+                  <a:tcPr>
+                    <a:solidFill>
+                      <a:srgbClr val="E7E6E6"/>
+                    </a:solidFill>
+                  </a:tcPr>
+                </a:tc>
+                <a:tc>
+                  <a:txBody>
+                    <a:bodyPr/>
+                    <a:lstStyle/>
+                    <a:p>
+                      <a:r>
+                        <a:rPr sz="1100"/>
+                        <a:t>3 roles (network ops security admin)</a:t>
+                      </a:r>
+                    </a:p>
+                  </a:txBody>
+                  <a:tcPr>
+                    <a:solidFill>
+                      <a:srgbClr val="E7E6E6"/>
+                    </a:solidFill>
+                  </a:tcPr>
+                </a:tc>
+              </a:tr>
+              <a:tr h="370840">
+                <a:tc>
+                  <a:txBody>
+                    <a:bodyPr/>
+                    <a:lstStyle/>
+                    <a:p>
+                      <a:r>
+                        <a:rPr sz="1100"/>
+                        <a:t>Data Volume</a:t>
+                      </a:r>
+                    </a:p>
+                  </a:txBody>
+                  <a:tcPr>
+                    <a:solidFill>
+                      <a:srgbClr val="E7E6E6"/>
+                    </a:solidFill>
+                  </a:tcPr>
+                </a:tc>
+                <a:tc>
+                  <a:txBody>
+                    <a:bodyPr/>
+                    <a:lstStyle/>
+                    <a:p>
+                      <a:r>
+                        <a:rPr sz="1100"/>
+                        <a:t>Bandwidth Requirements</a:t>
+                      </a:r>
+                    </a:p>
+                  </a:txBody>
+                  <a:tcPr>
+                    <a:solidFill>
+                      <a:srgbClr val="E7E6E6"/>
+                    </a:solidFill>
+                  </a:tcPr>
+                </a:tc>
+                <a:tc>
+                  <a:txBody>
+                    <a:bodyPr/>
+                    <a:lstStyle/>
+                    <a:p>
+                      <a:r>
+                        <a:rPr sz="1100"/>
+                        <a:t>1 Gbps aggregate</a:t>
+                      </a:r>
+                    </a:p>
+                  </a:txBody>
+                  <a:tcPr>
+                    <a:solidFill>
+                      <a:srgbClr val="E7E6E6"/>
+                    </a:solidFill>
+                  </a:tcPr>
+                </a:tc>
+              </a:tr>
+              <a:tr h="370840">
+                <a:tc>
+                  <a:txBody>
+                    <a:bodyPr/>
+                    <a:lstStyle/>
+                    <a:p>
+                      <a:r>
+                        <a:rPr sz="1100"/>
+                        <a:t>Data Volume</a:t>
+                      </a:r>
+                    </a:p>
+                  </a:txBody>
+                  <a:tcPr>
+                    <a:solidFill>
+                      <a:srgbClr val="E7E6E6"/>
+                    </a:solidFill>
+                  </a:tcPr>
+                </a:tc>
+                <a:tc>
+                  <a:txBody>
+                    <a:bodyPr/>
+                    <a:lstStyle/>
+                    <a:p>
+                      <a:r>
+                        <a:rPr sz="1100"/>
+                        <a:t>Traffic Volume</a:t>
+                      </a:r>
+                    </a:p>
+                  </a:txBody>
+                  <a:tcPr>
+                    <a:solidFill>
+                      <a:srgbClr val="E7E6E6"/>
+                    </a:solidFill>
+                  </a:tcPr>
+                </a:tc>
+                <a:tc>
+                  <a:txBody>
+                    <a:bodyPr/>
+                    <a:lstStyle/>
+                    <a:p>
+                      <a:r>
+                        <a:rPr sz="1100"/>
+                        <a:t>10 TB/month</a:t>
+                      </a:r>
+                    </a:p>
+                  </a:txBody>
+                  <a:tcPr>
+                    <a:solidFill>
+                      <a:srgbClr val="E7E6E6"/>
+                    </a:solidFill>
+                  </a:tcPr>
+                </a:tc>
+              </a:tr>
+              <a:tr h="370840">
+                <a:tc>
+                  <a:txBody>
+                    <a:bodyPr/>
+                    <a:lstStyle/>
+                    <a:p>
+                      <a:r>
+                        <a:rPr sz="1100"/>
+                        <a:t>Technical Environment</a:t>
+                      </a:r>
+                    </a:p>
+                  </a:txBody>
+                  <a:tcPr>
+                    <a:solidFill>
+                      <a:srgbClr val="E7E6E6"/>
+                    </a:solidFill>
+                  </a:tcPr>
+                </a:tc>
+                <a:tc>
+                  <a:txBody>
+                    <a:bodyPr/>
+                    <a:lstStyle/>
+                    <a:p>
+                      <a:r>
+                        <a:rPr sz="1100"/>
+                        <a:t>Deployment Regions</a:t>
+                      </a:r>
+                    </a:p>
+                  </a:txBody>
+                  <a:tcPr>
+                    <a:solidFill>
+                      <a:srgbClr val="E7E6E6"/>
+                    </a:solidFill>
+                  </a:tcPr>
+                </a:tc>
+                <a:tc>
+                  <a:txBody>
+                    <a:bodyPr/>
+                    <a:lstStyle/>
+                    <a:p>
+                      <a:r>
+                        <a:rPr sz="1100"/>
+                        <a:t>3 Azure regions globally</a:t>
+                      </a:r>
+                    </a:p>
+                  </a:txBody>
+                  <a:tcPr>
+                    <a:solidFill>
+                      <a:srgbClr val="E7E6E6"/>
+                    </a:solidFill>
+                  </a:tcPr>
+                </a:tc>
+              </a:tr>
+              <a:tr h="370840">
+                <a:tc>
+                  <a:txBody>
+                    <a:bodyPr/>
+                    <a:lstStyle/>
+                    <a:p>
+                      <a:r>
+                        <a:rPr sz="1100"/>
+                        <a:t>Technical Environment</a:t>
+                      </a:r>
+                    </a:p>
+                  </a:txBody>
+                  <a:tcPr>
+                    <a:solidFill>
+                      <a:srgbClr val="E7E6E6"/>
+                    </a:solidFill>
+                  </a:tcPr>
+                </a:tc>
+                <a:tc>
+                  <a:txBody>
+                    <a:bodyPr/>
+                    <a:lstStyle/>
+                    <a:p>
+                      <a:r>
+                        <a:rPr sz="1100"/>
+                        <a:t>Availability Requirements</a:t>
+                      </a:r>
+                    </a:p>
+                  </a:txBody>
+                  <a:tcPr>
+                    <a:solidFill>
+                      <a:srgbClr val="E7E6E6"/>
+                    </a:solidFill>
+                  </a:tcPr>
+                </a:tc>
+                <a:tc>
+                  <a:txBody>
+                    <a:bodyPr/>
+                    <a:lstStyle/>
+                    <a:p>
+                      <a:r>
+                        <a:rPr sz="1100"/>
+                        <a:t>High availability (99.95%)</a:t>
+                      </a:r>
+                    </a:p>
+                  </a:txBody>
+                  <a:tcPr>
+                    <a:solidFill>
+                      <a:srgbClr val="E7E6E6"/>
+                    </a:solidFill>
+                  </a:tcPr>
+                </a:tc>
+              </a:tr>
+              <a:tr h="370840">
+                <a:tc>
+                  <a:txBody>
+                    <a:bodyPr/>
+                    <a:lstStyle/>
+                    <a:p>
+                      <a:r>
+                        <a:rPr sz="1100"/>
+                        <a:t>Technical Environment</a:t>
+                      </a:r>
+                    </a:p>
+                  </a:txBody>
+                  <a:tcPr>
+                    <a:solidFill>
+                      <a:srgbClr val="E7E6E6"/>
+                    </a:solidFill>
+                  </a:tcPr>
+                </a:tc>
+                <a:tc>
+                  <a:txBody>
+                    <a:bodyPr/>
+                    <a:lstStyle/>
+                    <a:p>
+                      <a:r>
+                        <a:rPr sz="1100"/>
+                        <a:t>Infrastructure Complexity</a:t>
+                      </a:r>
+                    </a:p>
+                  </a:txBody>
+                  <a:tcPr>
+                    <a:solidFill>
+                      <a:srgbClr val="E7E6E6"/>
+                    </a:solidFill>
+                  </a:tcPr>
+                </a:tc>
+                <a:tc>
+                  <a:txBody>
+                    <a:bodyPr/>
+                    <a:lstStyle/>
+                    <a:p>
+                      <a:r>
+                        <a:rPr sz="1100"/>
+                        <a:t>vWAN + Azure Firewall + routing</a:t>
+                      </a:r>
+                    </a:p>
+                  </a:txBody>
+                  <a:tcPr>
+                    <a:solidFill>
+                      <a:srgbClr val="E7E6E6"/>
+                    </a:solidFill>
+                  </a:tcPr>
+                </a:tc>
+              </a:tr>
+              <a:tr h="370840">
+                <a:tc>
+                  <a:txBody>
+                    <a:bodyPr/>
+                    <a:lstStyle/>
+                    <a:p>
+                      <a:r>
+                        <a:rPr sz="1100"/>
+                        <a:t>Security &amp; Compliance</a:t>
+                      </a:r>
+                    </a:p>
+                  </a:txBody>
+                  <a:tcPr>
+                    <a:solidFill>
+                      <a:srgbClr val="E7E6E6"/>
+                    </a:solidFill>
+                  </a:tcPr>
+                </a:tc>
+                <a:tc>
+                  <a:txBody>
+                    <a:bodyPr/>
+                    <a:lstStyle/>
+                    <a:p>
+                      <a:r>
+                        <a:rPr sz="1100"/>
+                        <a:t>Security Requirements</a:t>
+                      </a:r>
+                    </a:p>
+                  </a:txBody>
+                  <a:tcPr>
+                    <a:solidFill>
+                      <a:srgbClr val="E7E6E6"/>
+                    </a:solidFill>
+                  </a:tcPr>
+                </a:tc>
+                <a:tc>
+                  <a:txBody>
+                    <a:bodyPr/>
+                    <a:lstStyle/>
+                    <a:p>
+                      <a:r>
+                        <a:rPr sz="1100"/>
+                        <a:t>Azure Firewall DDoS protection</a:t>
+                      </a:r>
+                    </a:p>
+                  </a:txBody>
+                  <a:tcPr>
+                    <a:solidFill>
+                      <a:srgbClr val="E7E6E6"/>
+                    </a:solidFill>
+                  </a:tcPr>
+                </a:tc>
+              </a:tr>
+              <a:tr h="370840">
+                <a:tc>
+                  <a:txBody>
+                    <a:bodyPr/>
+                    <a:lstStyle/>
+                    <a:p>
+                      <a:r>
+                        <a:rPr sz="1100"/>
+                        <a:t>Security &amp; Compliance</a:t>
+                      </a:r>
+                    </a:p>
+                  </a:txBody>
+                  <a:tcPr>
+                    <a:solidFill>
+                      <a:srgbClr val="E7E6E6"/>
+                    </a:solidFill>
+                  </a:tcPr>
+                </a:tc>
+                <a:tc>
+                  <a:txBody>
+                    <a:bodyPr/>
+                    <a:lstStyle/>
+                    <a:p>
+                      <a:r>
+                        <a:rPr sz="1100"/>
+                        <a:t>Compliance Frameworks</a:t>
+                      </a:r>
+                    </a:p>
+                  </a:txBody>
+                  <a:tcPr>
+                    <a:solidFill>
+                      <a:srgbClr val="E7E6E6"/>
+                    </a:solidFill>
+                  </a:tcPr>
+                </a:tc>
+                <a:tc>
+                  <a:txBody>
+                    <a:bodyPr/>
+                    <a:lstStyle/>
+                    <a:p>
+                      <a:r>
+                        <a:rPr sz="1100"/>
+                        <a:t>SOC2 ISO27001</a:t>
+                      </a:r>
+                    </a:p>
+                  </a:txBody>
+                  <a:tcPr>
+                    <a:solidFill>
+                      <a:srgbClr val="E7E6E6"/>
+                    </a:solidFill>
+                  </a:tcPr>
+                </a:tc>
+              </a:tr>
+              <a:tr h="370840">
+                <a:tc>
+                  <a:txBody>
+                    <a:bodyPr/>
+                    <a:lstStyle/>
+                    <a:p>
+                      <a:r>
+                        <a:rPr sz="1100"/>
+                        <a:t>Performance</a:t>
+                      </a:r>
+                    </a:p>
+                  </a:txBody>
+                  <a:tcPr>
+                    <a:solidFill>
+                      <a:srgbClr val="E7E6E6"/>
+                    </a:solidFill>
+                  </a:tcPr>
+                </a:tc>
+                <a:tc>
+                  <a:txBody>
+                    <a:bodyPr/>
+                    <a:lstStyle/>
+                    <a:p>
+                      <a:r>
+                        <a:rPr sz="1100"/>
+                        <a:t>Latency Requirements</a:t>
+                      </a:r>
+                    </a:p>
+                  </a:txBody>
+                  <a:tcPr>
+                    <a:solidFill>
+                      <a:srgbClr val="E7E6E6"/>
+                    </a:solidFill>
+                  </a:tcPr>
+                </a:tc>
+                <a:tc>
+                  <a:txBody>
+                    <a:bodyPr/>
+                    <a:lstStyle/>
+                    <a:p>
+                      <a:r>
+                        <a:rPr sz="1100"/>
+                        <a:t>&lt;50ms inter-region</a:t>
+                      </a:r>
+                    </a:p>
+                  </a:txBody>
+                  <a:tcPr>
+                    <a:solidFill>
+                      <a:srgbClr val="E7E6E6"/>
+                    </a:solidFill>
+                  </a:tcPr>
+                </a:tc>
+              </a:tr>
+              <a:tr h="370840">
+                <a:tc>
+                  <a:txBody>
+                    <a:bodyPr/>
+                    <a:lstStyle/>
+                    <a:p>
+                      <a:r>
+                        <a:rPr sz="1100"/>
+                        <a:t>Performance</a:t>
+                      </a:r>
+                    </a:p>
+                  </a:txBody>
+                  <a:tcPr>
+                    <a:solidFill>
+                      <a:srgbClr val="E7E6E6"/>
+                    </a:solidFill>
+                  </a:tcPr>
+                </a:tc>
+                <a:tc>
+                  <a:txBody>
+                    <a:bodyPr/>
+                    <a:lstStyle/>
+                    <a:p>
+                      <a:r>
+                        <a:rPr sz="1100"/>
+                        <a:t>Routing Complexity</a:t>
+                      </a:r>
+                    </a:p>
+                  </a:txBody>
+                  <a:tcPr>
+                    <a:solidFill>
+                      <a:srgbClr val="E7E6E6"/>
+                    </a:solidFill>
+                  </a:tcPr>
+                </a:tc>
+                <a:tc>
+                  <a:txBody>
+                    <a:bodyPr/>
+                    <a:lstStyle/>
+                    <a:p>
+                      <a:r>
+                        <a:rPr sz="1100"/>
+                        <a:t>BGP route propagation</a:t>
+                      </a:r>
+                    </a:p>
+                  </a:txBody>
+                  <a:tcPr>
+                    <a:solidFill>
+                      <a:srgbClr val="E7E6E6"/>
+                    </a:solidFill>
+                  </a:tcPr>
+                </a:tc>
+              </a:tr>
+              <a:tr h="370840">
+                <a:tc>
+                  <a:txBody>
+                    <a:bodyPr/>
+                    <a:lstStyle/>
+                    <a:p>
+                      <a:r>
+                        <a:rPr sz="1100"/>
+                        <a:t>Environment</a:t>
+                      </a:r>
+                    </a:p>
+                  </a:txBody>
+                  <a:tcPr>
+                    <a:solidFill>
+                      <a:srgbClr val="E7E6E6"/>
+                    </a:solidFill>
+                  </a:tcPr>
+                </a:tc>
+                <a:tc>
+                  <a:txBody>
+                    <a:bodyPr/>
+                    <a:lstStyle/>
+                    <a:p>
+                      <a:r>
+                        <a:rPr sz="1100"/>
+                        <a:t>Deployment Environments</a:t>
+                      </a:r>
+                    </a:p>
+                  </a:txBody>
+                  <a:tcPr>
+                    <a:solidFill>
+                      <a:srgbClr val="E7E6E6"/>
+                    </a:solidFill>
+                  </a:tcPr>
+                </a:tc>
+                <a:tc>
+                  <a:txBody>
+                    <a:bodyPr/>
+                    <a:lstStyle/>
+                    <a:p>
+                      <a:r>
+                        <a:rPr sz="1100"/>
+                        <a:t>2 environments (non-prod prod)</a:t>
+                      </a:r>
+                    </a:p>
+                  </a:txBody>
+                  <a:tcPr>
+                    <a:solidFill>
+                      <a:srgbClr val="E7E6E6"/>
+                    </a:solidFill>
+                  </a:tcPr>
+                </a:tc>
+              </a:tr>
+            </a:tbl>
+          </a:graphicData>
+        </a:graphic>
+      </p:graphicFrame>
+      <p:pic>
+        <p:nvPicPr>
+          <p:cNvPr id="5" name="Picture 4" descr="eo-framework-logo-real.png"/>
+          <p:cNvPicPr>
+            <a:picLocks noChangeAspect="1"/>
+          </p:cNvPicPr>
+          <p:nvPr/>
+        </p:nvPicPr>
+        <p:blipFill>
+          <a:blip r:embed="rId3"/>
+          <a:stretch>
+            <a:fillRect/>
+          </a:stretch>
+        </p:blipFill>
+        <p:spPr>
+          <a:xfrm>
+            <a:off x="6684264" y="4535424"/>
+            <a:ext cx="2139696" cy="530352"/>
+          </a:xfrm>
+          <a:prstGeom prst="rect">
+            <a:avLst/>
+          </a:prstGeom>
+        </p:spPr>
+      </p:pic>
+    </p:spTree>
+  </p:cSld>
+  <p:clrMapOvr>
+    <a:masterClrMapping/>
+  </p:clrMapOvr>
+</p:sld>
+</file>
+
+<file path=ppt/slides/slide4.xml><?xml version="1.0" encoding="utf-8"?>
+<p:sld xmlns:a="http://schemas.openxmlformats.org/drawingml/2006/main" xmlns:p="http://schemas.openxmlformats.org/presentationml/2006/main" xmlns:r="http://schemas.openxmlformats.org/officeDocument/2006/relationships">
+  <p:cSld>
+    <p:spTree>
+      <p:nvGrpSpPr>
+        <p:cNvPr id="1" name=""/>
+        <p:cNvGrpSpPr/>
+        <p:nvPr/>
+      </p:nvGrpSpPr>
+      <p:grpSpPr/>
+      <p:sp>
+        <p:nvSpPr>
+          <p:cNvPr id="2" name="Text Placeholder 1"/>
+          <p:cNvSpPr>
+            <a:spLocks noGrp="1"/>
+          </p:cNvSpPr>
+          <p:nvPr>
+            <p:ph type="body" idx="10" sz="quarter"/>
+          </p:nvPr>
+        </p:nvSpPr>
+        <p:spPr/>
+        <p:txBody>
+          <a:bodyPr/>
+          <a:lstStyle/>
+          <a:p>
             <a:r>
               <a:t>Solution Overview</a:t>
             </a:r>
@@ -3797,17 +4980,17 @@
             <a:pPr/>
             <a:r>
               <a:rPr b="1"/>
-              <a:t>Core Components</a:t>
+              <a:t>Key Components</a:t>
             </a:r>
           </a:p>
           <a:p>
             <a:pPr lvl="1"/>
             <a:r>
               <a:rPr b="1"/>
-              <a:t>Virtual WAN Hubs:</a:t>
-            </a:r>
-            <a:r>
-              <a:t> Two regional hubs (US, Europe) providing centralized routing and connectivity</a:t>
+              <a:t>Virtual WAN Hub:</a:t>
+            </a:r>
+            <a:r>
+              <a:t> Microsoft-managed regional network hub that connects branches, VNets, and Azure services</a:t>
             </a:r>
           </a:p>
           <a:p>
@@ -3817,17 +5000,17 @@
               <a:t>Branch Connectivity:</a:t>
             </a:r>
             <a:r>
-              <a:t> VPN gateways and ExpressRoute circuits connecting 10 branch offices</a:t>
+              <a:t> SD-WAN integration, site-to-site VPN, or ExpressRoute for office connections</a:t>
             </a:r>
           </a:p>
           <a:p>
             <a:pPr lvl="1"/>
             <a:r>
               <a:rPr b="1"/>
-              <a:t>Security &amp; Monitoring:</a:t>
-            </a:r>
-            <a:r>
-              <a:t> Azure Firewall Premium with unified visibility across all connections</a:t>
+              <a:t>Security Services:</a:t>
+            </a:r>
+            <a:r>
+              <a:t> Azure Firewall and routing policies applied consistently across all traffic</a:t>
             </a:r>
           </a:p>
           <a:p>
@@ -3840,19 +5023,25 @@
           <a:p>
             <a:pPr lvl="1"/>
             <a:r>
-              <a:t>Azure Virtual WAN Standard for hub management and routing</a:t>
+              <a:t>Platform: Azure Virtual WAN with Standard tier</a:t>
             </a:r>
           </a:p>
           <a:p>
             <a:pPr lvl="1"/>
             <a:r>
-              <a:t>Site-to-Site VPN and ExpressRoute for branch connectivity with SLA guarantees</a:t>
+              <a:t>Routing: Automated BGP routing and traffic optimization</a:t>
             </a:r>
           </a:p>
           <a:p>
             <a:pPr lvl="1"/>
             <a:r>
-              <a:t>Azure Firewall Premium and Monitor for threat detection and observability</a:t>
+              <a:t>Security: Azure Firewall Manager with centralized policies</a:t>
+            </a:r>
+          </a:p>
+          <a:p>
+            <a:pPr lvl="1"/>
+            <a:r>
+              <a:t>Monitoring: Azure Network Watcher and traffic analytics</a:t>
             </a:r>
           </a:p>
         </p:txBody>
@@ -3875,179 +5064,6 @@
           <a:xfrm>
             <a:off x="4677427" y="685799"/>
             <a:ext cx="4307171" cy="3815859"/>
-          </a:xfrm>
-          <a:prstGeom prst="rect">
-            <a:avLst/>
-          </a:prstGeom>
-        </p:spPr>
-      </p:pic>
-    </p:spTree>
-  </p:cSld>
-  <p:clrMapOvr>
-    <a:masterClrMapping/>
-  </p:clrMapOvr>
-</p:sld>
-</file>
-
-<file path=ppt/slides/slide4.xml><?xml version="1.0" encoding="utf-8"?>
-<p:sld xmlns:a="http://schemas.openxmlformats.org/drawingml/2006/main" xmlns:p="http://schemas.openxmlformats.org/presentationml/2006/main" xmlns:r="http://schemas.openxmlformats.org/officeDocument/2006/relationships">
-  <p:cSld>
-    <p:spTree>
-      <p:nvGrpSpPr>
-        <p:cNvPr id="1" name=""/>
-        <p:cNvGrpSpPr/>
-        <p:nvPr/>
-      </p:nvGrpSpPr>
-      <p:grpSpPr/>
-      <p:sp>
-        <p:nvSpPr>
-          <p:cNvPr id="2" name="Text Placeholder 1"/>
-          <p:cNvSpPr>
-            <a:spLocks noGrp="1"/>
-          </p:cNvSpPr>
-          <p:nvPr>
-            <p:ph type="body" idx="10" sz="quarter"/>
-          </p:nvPr>
-        </p:nvSpPr>
-        <p:spPr/>
-        <p:txBody>
-          <a:bodyPr/>
-          <a:lstStyle/>
-          <a:p>
-            <a:r>
-              <a:t>Implementation Approach</a:t>
-            </a:r>
-          </a:p>
-        </p:txBody>
-      </p:sp>
-      <p:pic>
-        <p:nvPicPr>
-          <p:cNvPr id="3" name="Picture Placeholder 2" descr="consulting_company_logo.png"/>
-          <p:cNvPicPr>
-            <a:picLocks noGrp="1" noChangeAspect="1"/>
-          </p:cNvPicPr>
-          <p:nvPr>
-            <p:ph type="pic" idx="13" sz="quarter"/>
-          </p:nvPr>
-        </p:nvPicPr>
-        <p:blipFill>
-          <a:blip r:embed="rId2"/>
-          <a:srcRect t="6762" b="6762"/>
-          <a:stretch>
-            <a:fillRect/>
-          </a:stretch>
-        </p:blipFill>
-        <p:spPr/>
-      </p:pic>
-      <p:sp>
-        <p:nvSpPr>
-          <p:cNvPr id="4" name="Text Placeholder 3"/>
-          <p:cNvSpPr>
-            <a:spLocks noGrp="1"/>
-          </p:cNvSpPr>
-          <p:nvPr>
-            <p:ph type="body" idx="14" sz="quarter"/>
-          </p:nvPr>
-        </p:nvSpPr>
-        <p:spPr/>
-        <p:txBody>
-          <a:bodyPr/>
-          <a:lstStyle/>
-          <a:p>
-            <a:pPr/>
-            <a:r>
-              <a:rPr b="1"/>
-              <a:t>Phase 1: Assessment &amp; Design (Months 1-2)</a:t>
-            </a:r>
-          </a:p>
-          <a:p>
-            <a:pPr lvl="1"/>
-            <a:r>
-              <a:t>Audit current network topology and branch connectivity methods</a:t>
-            </a:r>
-          </a:p>
-          <a:p>
-            <a:pPr lvl="1"/>
-            <a:r>
-              <a:t>Design hub locations, security policies, and network segmentation</a:t>
-            </a:r>
-          </a:p>
-          <a:p>
-            <a:pPr lvl="1"/>
-            <a:r>
-              <a:t>Validate ExpressRoute peering locations and bandwidth requirements</a:t>
-            </a:r>
-          </a:p>
-          <a:p>
-            <a:pPr/>
-            <a:r>
-              <a:rPr b="1"/>
-              <a:t>Phase 2: Hub Deployment &amp; Branch Migration (Months 3-4)</a:t>
-            </a:r>
-          </a:p>
-          <a:p>
-            <a:pPr lvl="1"/>
-            <a:r>
-              <a:t>Provision Virtual WAN hubs with VPN gateways in primary and secondary regions</a:t>
-            </a:r>
-          </a:p>
-          <a:p>
-            <a:pPr lvl="1"/>
-            <a:r>
-              <a:t>Establish ExpressRoute circuits and configure routing policies</a:t>
-            </a:r>
-          </a:p>
-          <a:p>
-            <a:pPr lvl="1"/>
-            <a:r>
-              <a:t>Migrate branch offices in waves with minimal disruption</a:t>
-            </a:r>
-          </a:p>
-          <a:p>
-            <a:pPr/>
-            <a:r>
-              <a:rPr b="1"/>
-              <a:t>Phase 3: Security, Optimization &amp; Handoff (Months 5-6)</a:t>
-            </a:r>
-          </a:p>
-          <a:p>
-            <a:pPr lvl="1"/>
-            <a:r>
-              <a:t>Deploy Azure Firewall with centralized threat protection policies</a:t>
-            </a:r>
-          </a:p>
-          <a:p>
-            <a:pPr lvl="1"/>
-            <a:r>
-              <a:t>Optimize routing and traffic flow across hubs</a:t>
-            </a:r>
-          </a:p>
-          <a:p>
-            <a:pPr lvl="1"/>
-            <a:r>
-              <a:t>Complete training and operational handoff to network team</a:t>
-            </a:r>
-          </a:p>
-        </p:txBody>
-      </p:sp>
-      <p:pic>
-        <p:nvPicPr>
-          <p:cNvPr id="5" name="Picture 4" descr="eo-framework-logo-real.png"/>
-          <p:cNvPicPr>
-            <a:picLocks noChangeAspect="1"/>
-          </p:cNvPicPr>
-          <p:nvPr/>
-        </p:nvPicPr>
-        <p:blipFill>
-          <a:blip r:embed="rId3"/>
-          <a:stretch>
-            <a:fillRect/>
-          </a:stretch>
-        </p:blipFill>
-        <p:spPr>
-          <a:xfrm>
-            <a:off x="6684264" y="4535424"/>
-            <a:ext cx="2139696" cy="530352"/>
           </a:xfrm>
           <a:prstGeom prst="rect">
             <a:avLst/>
@@ -4087,10 +5103,8 @@
           <a:bodyPr/>
           <a:lstStyle/>
           <a:p>
-            <a:pPr algn="l"/>
-            <a:r>
-              <a:rPr b="1"/>
-              <a:t>Timeline &amp; Milestones</a:t>
+            <a:r>
+              <a:t>Implementation Approach</a:t>
             </a:r>
           </a:p>
         </p:txBody>
@@ -4107,339 +5121,113 @@
         </p:nvPicPr>
         <p:blipFill>
           <a:blip r:embed="rId2"/>
-          <a:srcRect t="6404" b="6404"/>
+          <a:srcRect t="6762" b="6762"/>
           <a:stretch>
             <a:fillRect/>
           </a:stretch>
         </p:blipFill>
         <p:spPr/>
       </p:pic>
-      <p:graphicFrame>
-        <p:nvGraphicFramePr>
-          <p:cNvPr id="4" name="Table Placeholder 3"/>
-          <p:cNvGraphicFramePr>
-            <a:graphicFrameLocks noGrp="1"/>
-          </p:cNvGraphicFramePr>
+      <p:sp>
+        <p:nvSpPr>
+          <p:cNvPr id="4" name="Text Placeholder 3"/>
+          <p:cNvSpPr>
+            <a:spLocks noGrp="1"/>
+          </p:cNvSpPr>
           <p:nvPr>
-            <p:ph type="tbl" idx="14" sz="quarter"/>
+            <p:ph type="body" idx="14" sz="quarter"/>
           </p:nvPr>
-        </p:nvGraphicFramePr>
-        <p:xfrm>
-          <a:off x="256855" y="677011"/>
-          <a:ext cx="8710931" cy="1483360"/>
-        </p:xfrm>
-        <a:graphic>
-          <a:graphicData uri="http://schemas.openxmlformats.org/drawingml/2006/table">
-            <a:tbl>
-              <a:tblPr firstRow="1" bandRow="1">
-                <a:tableStyleId>{5C22544A-7EE6-4342-B048-85BDC9FD1C3A}</a:tableStyleId>
-              </a:tblPr>
-              <a:tblGrid>
-                <a:gridCol w="871093"/>
-                <a:gridCol w="2177733"/>
-                <a:gridCol w="1306639"/>
-                <a:gridCol w="4355466"/>
-              </a:tblGrid>
-              <a:tr h="370840">
-                <a:tc>
-                  <a:txBody>
-                    <a:bodyPr/>
-                    <a:lstStyle/>
-                    <a:p>
-                      <a:r>
-                        <a:rPr sz="1400">
-                          <a:solidFill>
-                            <a:srgbClr val="FFFFFF"/>
-                          </a:solidFill>
-                        </a:rPr>
-                        <a:t>Phase No</a:t>
-                      </a:r>
-                    </a:p>
-                  </a:txBody>
-                  <a:tcPr>
-                    <a:solidFill>
-                      <a:srgbClr val="A01C02"/>
-                    </a:solidFill>
-                  </a:tcPr>
-                </a:tc>
-                <a:tc>
-                  <a:txBody>
-                    <a:bodyPr/>
-                    <a:lstStyle/>
-                    <a:p>
-                      <a:r>
-                        <a:rPr sz="1400">
-                          <a:solidFill>
-                            <a:srgbClr val="FFFFFF"/>
-                          </a:solidFill>
-                        </a:rPr>
-                        <a:t>Phase Description</a:t>
-                      </a:r>
-                    </a:p>
-                  </a:txBody>
-                  <a:tcPr>
-                    <a:solidFill>
-                      <a:srgbClr val="A01C02"/>
-                    </a:solidFill>
-                  </a:tcPr>
-                </a:tc>
-                <a:tc>
-                  <a:txBody>
-                    <a:bodyPr/>
-                    <a:lstStyle/>
-                    <a:p>
-                      <a:r>
-                        <a:rPr sz="1400">
-                          <a:solidFill>
-                            <a:srgbClr val="FFFFFF"/>
-                          </a:solidFill>
-                        </a:rPr>
-                        <a:t>Timeline</a:t>
-                      </a:r>
-                    </a:p>
-                  </a:txBody>
-                  <a:tcPr>
-                    <a:solidFill>
-                      <a:srgbClr val="A01C02"/>
-                    </a:solidFill>
-                  </a:tcPr>
-                </a:tc>
-                <a:tc>
-                  <a:txBody>
-                    <a:bodyPr/>
-                    <a:lstStyle/>
-                    <a:p>
-                      <a:r>
-                        <a:rPr sz="1400">
-                          <a:solidFill>
-                            <a:srgbClr val="FFFFFF"/>
-                          </a:solidFill>
-                        </a:rPr>
-                        <a:t>Key Deliverables</a:t>
-                      </a:r>
-                    </a:p>
-                  </a:txBody>
-                  <a:tcPr>
-                    <a:solidFill>
-                      <a:srgbClr val="A01C02"/>
-                    </a:solidFill>
-                  </a:tcPr>
-                </a:tc>
-              </a:tr>
-              <a:tr h="370840">
-                <a:tc>
-                  <a:txBody>
-                    <a:bodyPr/>
-                    <a:lstStyle/>
-                    <a:p>
-                      <a:r>
-                        <a:rPr sz="1100"/>
-                        <a:t>Phase 1</a:t>
-                      </a:r>
-                    </a:p>
-                  </a:txBody>
-                  <a:tcPr>
-                    <a:solidFill>
-                      <a:srgbClr val="E7E6E6"/>
-                    </a:solidFill>
-                  </a:tcPr>
-                </a:tc>
-                <a:tc>
-                  <a:txBody>
-                    <a:bodyPr/>
-                    <a:lstStyle/>
-                    <a:p>
-                      <a:r>
-                        <a:rPr sz="1100"/>
-                        <a:t>Assessment &amp; Design</a:t>
-                      </a:r>
-                    </a:p>
-                  </a:txBody>
-                  <a:tcPr>
-                    <a:solidFill>
-                      <a:srgbClr val="E7E6E6"/>
-                    </a:solidFill>
-                  </a:tcPr>
-                </a:tc>
-                <a:tc>
-                  <a:txBody>
-                    <a:bodyPr/>
-                    <a:lstStyle/>
-                    <a:p>
-                      <a:r>
-                        <a:rPr sz="1100"/>
-                        <a:t>Months 1-2</a:t>
-                      </a:r>
-                    </a:p>
-                  </a:txBody>
-                  <a:tcPr>
-                    <a:solidFill>
-                      <a:srgbClr val="E7E6E6"/>
-                    </a:solidFill>
-                  </a:tcPr>
-                </a:tc>
-                <a:tc>
-                  <a:txBody>
-                    <a:bodyPr/>
-                    <a:lstStyle/>
-                    <a:p>
-                      <a:r>
-                        <a:rPr sz="1100"/>
-                        <a:t>Network audit complete, Hub design approved, ExpressRoute peering confirmed</a:t>
-                      </a:r>
-                    </a:p>
-                  </a:txBody>
-                  <a:tcPr>
-                    <a:solidFill>
-                      <a:srgbClr val="E7E6E6"/>
-                    </a:solidFill>
-                  </a:tcPr>
-                </a:tc>
-              </a:tr>
-              <a:tr h="370840">
-                <a:tc>
-                  <a:txBody>
-                    <a:bodyPr/>
-                    <a:lstStyle/>
-                    <a:p>
-                      <a:r>
-                        <a:rPr sz="1100"/>
-                        <a:t>Phase 2</a:t>
-                      </a:r>
-                    </a:p>
-                  </a:txBody>
-                  <a:tcPr>
-                    <a:solidFill>
-                      <a:srgbClr val="E7E6E6"/>
-                    </a:solidFill>
-                  </a:tcPr>
-                </a:tc>
-                <a:tc>
-                  <a:txBody>
-                    <a:bodyPr/>
-                    <a:lstStyle/>
-                    <a:p>
-                      <a:r>
-                        <a:rPr sz="1100"/>
-                        <a:t>Hub &amp; Branch Deployment</a:t>
-                      </a:r>
-                    </a:p>
-                  </a:txBody>
-                  <a:tcPr>
-                    <a:solidFill>
-                      <a:srgbClr val="E7E6E6"/>
-                    </a:solidFill>
-                  </a:tcPr>
-                </a:tc>
-                <a:tc>
-                  <a:txBody>
-                    <a:bodyPr/>
-                    <a:lstStyle/>
-                    <a:p>
-                      <a:r>
-                        <a:rPr sz="1100"/>
-                        <a:t>Months 3-4</a:t>
-                      </a:r>
-                    </a:p>
-                  </a:txBody>
-                  <a:tcPr>
-                    <a:solidFill>
-                      <a:srgbClr val="E7E6E6"/>
-                    </a:solidFill>
-                  </a:tcPr>
-                </a:tc>
-                <a:tc>
-                  <a:txBody>
-                    <a:bodyPr/>
-                    <a:lstStyle/>
-                    <a:p>
-                      <a:r>
-                        <a:rPr sz="1100"/>
-                        <a:t>Primary hub operational, 5 branches migrated, Secondary hub deployed</a:t>
-                      </a:r>
-                    </a:p>
-                  </a:txBody>
-                  <a:tcPr>
-                    <a:solidFill>
-                      <a:srgbClr val="E7E6E6"/>
-                    </a:solidFill>
-                  </a:tcPr>
-                </a:tc>
-              </a:tr>
-              <a:tr h="370840">
-                <a:tc>
-                  <a:txBody>
-                    <a:bodyPr/>
-                    <a:lstStyle/>
-                    <a:p>
-                      <a:r>
-                        <a:rPr sz="1100"/>
-                        <a:t>Phase 3</a:t>
-                      </a:r>
-                    </a:p>
-                  </a:txBody>
-                  <a:tcPr>
-                    <a:solidFill>
-                      <a:srgbClr val="E7E6E6"/>
-                    </a:solidFill>
-                  </a:tcPr>
-                </a:tc>
-                <a:tc>
-                  <a:txBody>
-                    <a:bodyPr/>
-                    <a:lstStyle/>
-                    <a:p>
-                      <a:r>
-                        <a:rPr sz="1100"/>
-                        <a:t>Security &amp; Optimization</a:t>
-                      </a:r>
-                    </a:p>
-                  </a:txBody>
-                  <a:tcPr>
-                    <a:solidFill>
-                      <a:srgbClr val="E7E6E6"/>
-                    </a:solidFill>
-                  </a:tcPr>
-                </a:tc>
-                <a:tc>
-                  <a:txBody>
-                    <a:bodyPr/>
-                    <a:lstStyle/>
-                    <a:p>
-                      <a:r>
-                        <a:rPr sz="1100"/>
-                        <a:t>Months 5-6</a:t>
-                      </a:r>
-                    </a:p>
-                  </a:txBody>
-                  <a:tcPr>
-                    <a:solidFill>
-                      <a:srgbClr val="E7E6E6"/>
-                    </a:solidFill>
-                  </a:tcPr>
-                </a:tc>
-                <a:tc>
-                  <a:txBody>
-                    <a:bodyPr/>
-                    <a:lstStyle/>
-                    <a:p>
-                      <a:r>
-                        <a:rPr sz="1100"/>
-                        <a:t>Firewall policies deployed, Threat detection enabled, Operations handoff complete</a:t>
-                      </a:r>
-                    </a:p>
-                  </a:txBody>
-                  <a:tcPr>
-                    <a:solidFill>
-                      <a:srgbClr val="E7E6E6"/>
-                    </a:solidFill>
-                  </a:tcPr>
-                </a:tc>
-              </a:tr>
-            </a:tbl>
-          </a:graphicData>
-        </a:graphic>
-      </p:graphicFrame>
+        </p:nvSpPr>
+        <p:spPr/>
+        <p:txBody>
+          <a:bodyPr/>
+          <a:lstStyle/>
+          <a:p>
+            <a:pPr/>
+            <a:r>
+              <a:rPr b="1"/>
+              <a:t>Phase 1: Network Assessment &amp; Design</a:t>
+            </a:r>
+            <a:r>
+              <a:t> *(Months 1-2)*</a:t>
+            </a:r>
+          </a:p>
+          <a:p>
+            <a:pPr lvl="1"/>
+            <a:r>
+              <a:t>Inventory all branch locations and current connectivity methods</a:t>
+            </a:r>
+          </a:p>
+          <a:p>
+            <a:pPr lvl="1"/>
+            <a:r>
+              <a:t>Design hub placement based on user geography and latency requirements</a:t>
+            </a:r>
+          </a:p>
+          <a:p>
+            <a:pPr lvl="1"/>
+            <a:r>
+              <a:t>Plan IP addressing, routing policies, and security rules</a:t>
+            </a:r>
+          </a:p>
+          <a:p>
+            <a:pPr/>
+            <a:r>
+              <a:rPr b="1"/>
+              <a:t>Phase 2: Hub Infrastructure Deployment</a:t>
+            </a:r>
+            <a:r>
+              <a:t> *(Months 3-4)*</a:t>
+            </a:r>
+          </a:p>
+          <a:p>
+            <a:pPr lvl="1"/>
+            <a:r>
+              <a:t>Deploy Virtual WAN hubs in primary Azure regions</a:t>
+            </a:r>
+          </a:p>
+          <a:p>
+            <a:pPr lvl="1"/>
+            <a:r>
+              <a:t>Configure Azure Firewall and routing policies</a:t>
+            </a:r>
+          </a:p>
+          <a:p>
+            <a:pPr lvl="1"/>
+            <a:r>
+              <a:t>Connect Azure Virtual Networks to the WAN backbone</a:t>
+            </a:r>
+          </a:p>
+          <a:p>
+            <a:pPr/>
+            <a:r>
+              <a:rPr b="1"/>
+              <a:t>Phase 3: Branch Connectivity &amp; Optimization</a:t>
+            </a:r>
+            <a:r>
+              <a:t> *(Months 5-6)*</a:t>
+            </a:r>
+          </a:p>
+          <a:p>
+            <a:pPr lvl="1"/>
+            <a:r>
+              <a:t>Connect branch offices via SD-WAN, VPN, or ExpressRoute</a:t>
+            </a:r>
+          </a:p>
+          <a:p>
+            <a:pPr lvl="1"/>
+            <a:r>
+              <a:t>Validate end-to-end connectivity and security policies</a:t>
+            </a:r>
+          </a:p>
+          <a:p>
+            <a:pPr lvl="1"/>
+            <a:r>
+              <a:t>Optimize routing and monitor performance metrics</a:t>
+            </a:r>
+          </a:p>
+        </p:txBody>
+      </p:sp>
       <p:pic>
         <p:nvPicPr>
           <p:cNvPr id="5" name="Picture 4" descr="eo-framework-logo-real.png"/>
@@ -4497,8 +5285,10 @@
           <a:bodyPr/>
           <a:lstStyle/>
           <a:p>
-            <a:r>
-              <a:t>Success Stories</a:t>
+            <a:pPr algn="l"/>
+            <a:r>
+              <a:rPr b="1"/>
+              <a:t>Timeline &amp; Milestones</a:t>
             </a:r>
           </a:p>
         </p:txBody>
@@ -4515,93 +5305,339 @@
         </p:nvPicPr>
         <p:blipFill>
           <a:blip r:embed="rId2"/>
-          <a:srcRect t="6762" b="6762"/>
+          <a:srcRect t="6404" b="6404"/>
           <a:stretch>
             <a:fillRect/>
           </a:stretch>
         </p:blipFill>
         <p:spPr/>
       </p:pic>
-      <p:sp>
-        <p:nvSpPr>
-          <p:cNvPr id="4" name="Text Placeholder 3"/>
-          <p:cNvSpPr>
-            <a:spLocks noGrp="1"/>
-          </p:cNvSpPr>
+      <p:graphicFrame>
+        <p:nvGraphicFramePr>
+          <p:cNvPr id="4" name="Table Placeholder 3"/>
+          <p:cNvGraphicFramePr>
+            <a:graphicFrameLocks noGrp="1"/>
+          </p:cNvGraphicFramePr>
           <p:nvPr>
-            <p:ph type="body" idx="14" sz="quarter"/>
+            <p:ph type="tbl" idx="14" sz="quarter"/>
           </p:nvPr>
-        </p:nvSpPr>
-        <p:spPr/>
-        <p:txBody>
-          <a:bodyPr/>
-          <a:lstStyle/>
-          <a:p>
-            <a:pPr/>
-            <a:r>
-              <a:rPr b="1"/>
-              <a:t>Client Success: Global Financial Services Firm</a:t>
-            </a:r>
-          </a:p>
-          <a:p>
-            <a:pPr lvl="1"/>
-            <a:r>
-              <a:rPr b="1"/>
-              <a:t>Client:</a:t>
-            </a:r>
-            <a:r>
-              <a:t> International bank with 12 branch offices across 4 continents and 500+ employees</a:t>
-            </a:r>
-          </a:p>
-          <a:p>
-            <a:pPr lvl="1"/>
-            <a:r>
-              <a:rPr b="1"/>
-              <a:t>Challenge:</a:t>
-            </a:r>
-            <a:r>
-              <a:t> Fragmented WAN with mixture of MPLS, Internet VPN, and direct links causing $180K annual costs, poor branch security, and slow SaaS application access (2-3 second latency)</a:t>
-            </a:r>
-          </a:p>
-          <a:p>
-            <a:pPr lvl="1"/>
-            <a:r>
-              <a:rPr b="1"/>
-              <a:t>Solution:</a:t>
-            </a:r>
-            <a:r>
-              <a:t> Deployed Azure Virtual WAN with 2 regional hubs, ExpressRoute for critical connections, and Firewall-based centralized security policies across all branches</a:t>
-            </a:r>
-          </a:p>
-          <a:p>
-            <a:pPr lvl="1"/>
-            <a:r>
-              <a:rPr b="1"/>
-              <a:t>Results:</a:t>
-            </a:r>
-            <a:r>
-              <a:t> 45% reduction in WAN costs ($81K annual savings), sub-500ms latency to Azure apps, unified security policy across all locations, 99.95% network uptime, new branch provisioning from 4 weeks to 3 days</a:t>
-            </a:r>
-          </a:p>
-          <a:p>
-            <a:pPr lvl="1"/>
-            <a:r>
-              <a:rPr b="1"/>
-              <a:t>Testimonial:</a:t>
-            </a:r>
-            <a:r>
-              <a:t> "Virtual WAN transformed how we manage our global network. We went from managing 12 different connection types to one unified system. The security improvements alone justify the investment." — </a:t>
-            </a:r>
-            <a:r>
-              <a:rPr b="1"/>
-              <a:t>Sarah Chen, VP of Infrastructure</a:t>
-            </a:r>
-            <a:r>
-              <a:t>, Global Finance Corp</a:t>
-            </a:r>
-          </a:p>
-        </p:txBody>
-      </p:sp>
+        </p:nvGraphicFramePr>
+        <p:xfrm>
+          <a:off x="256855" y="677011"/>
+          <a:ext cx="8710931" cy="1483360"/>
+        </p:xfrm>
+        <a:graphic>
+          <a:graphicData uri="http://schemas.openxmlformats.org/drawingml/2006/table">
+            <a:tbl>
+              <a:tblPr firstRow="1" bandRow="1">
+                <a:tableStyleId>{5C22544A-7EE6-4342-B048-85BDC9FD1C3A}</a:tableStyleId>
+              </a:tblPr>
+              <a:tblGrid>
+                <a:gridCol w="871093"/>
+                <a:gridCol w="2177733"/>
+                <a:gridCol w="1306639"/>
+                <a:gridCol w="4355466"/>
+              </a:tblGrid>
+              <a:tr h="370840">
+                <a:tc>
+                  <a:txBody>
+                    <a:bodyPr/>
+                    <a:lstStyle/>
+                    <a:p>
+                      <a:r>
+                        <a:rPr sz="1400">
+                          <a:solidFill>
+                            <a:srgbClr val="FFFFFF"/>
+                          </a:solidFill>
+                        </a:rPr>
+                        <a:t>Phase No</a:t>
+                      </a:r>
+                    </a:p>
+                  </a:txBody>
+                  <a:tcPr>
+                    <a:solidFill>
+                      <a:srgbClr val="A01C02"/>
+                    </a:solidFill>
+                  </a:tcPr>
+                </a:tc>
+                <a:tc>
+                  <a:txBody>
+                    <a:bodyPr/>
+                    <a:lstStyle/>
+                    <a:p>
+                      <a:r>
+                        <a:rPr sz="1400">
+                          <a:solidFill>
+                            <a:srgbClr val="FFFFFF"/>
+                          </a:solidFill>
+                        </a:rPr>
+                        <a:t>Phase Description</a:t>
+                      </a:r>
+                    </a:p>
+                  </a:txBody>
+                  <a:tcPr>
+                    <a:solidFill>
+                      <a:srgbClr val="A01C02"/>
+                    </a:solidFill>
+                  </a:tcPr>
+                </a:tc>
+                <a:tc>
+                  <a:txBody>
+                    <a:bodyPr/>
+                    <a:lstStyle/>
+                    <a:p>
+                      <a:r>
+                        <a:rPr sz="1400">
+                          <a:solidFill>
+                            <a:srgbClr val="FFFFFF"/>
+                          </a:solidFill>
+                        </a:rPr>
+                        <a:t>Timeline</a:t>
+                      </a:r>
+                    </a:p>
+                  </a:txBody>
+                  <a:tcPr>
+                    <a:solidFill>
+                      <a:srgbClr val="A01C02"/>
+                    </a:solidFill>
+                  </a:tcPr>
+                </a:tc>
+                <a:tc>
+                  <a:txBody>
+                    <a:bodyPr/>
+                    <a:lstStyle/>
+                    <a:p>
+                      <a:r>
+                        <a:rPr sz="1400">
+                          <a:solidFill>
+                            <a:srgbClr val="FFFFFF"/>
+                          </a:solidFill>
+                        </a:rPr>
+                        <a:t>Key Deliverables</a:t>
+                      </a:r>
+                    </a:p>
+                  </a:txBody>
+                  <a:tcPr>
+                    <a:solidFill>
+                      <a:srgbClr val="A01C02"/>
+                    </a:solidFill>
+                  </a:tcPr>
+                </a:tc>
+              </a:tr>
+              <a:tr h="370840">
+                <a:tc>
+                  <a:txBody>
+                    <a:bodyPr/>
+                    <a:lstStyle/>
+                    <a:p>
+                      <a:r>
+                        <a:rPr sz="1100"/>
+                        <a:t>Phase 1</a:t>
+                      </a:r>
+                    </a:p>
+                  </a:txBody>
+                  <a:tcPr>
+                    <a:solidFill>
+                      <a:srgbClr val="E7E6E6"/>
+                    </a:solidFill>
+                  </a:tcPr>
+                </a:tc>
+                <a:tc>
+                  <a:txBody>
+                    <a:bodyPr/>
+                    <a:lstStyle/>
+                    <a:p>
+                      <a:r>
+                        <a:rPr sz="1100"/>
+                        <a:t>Network Assessment &amp; Design</a:t>
+                      </a:r>
+                    </a:p>
+                  </a:txBody>
+                  <a:tcPr>
+                    <a:solidFill>
+                      <a:srgbClr val="E7E6E6"/>
+                    </a:solidFill>
+                  </a:tcPr>
+                </a:tc>
+                <a:tc>
+                  <a:txBody>
+                    <a:bodyPr/>
+                    <a:lstStyle/>
+                    <a:p>
+                      <a:r>
+                        <a:rPr sz="1100"/>
+                        <a:t>Months 1-2</a:t>
+                      </a:r>
+                    </a:p>
+                  </a:txBody>
+                  <a:tcPr>
+                    <a:solidFill>
+                      <a:srgbClr val="E7E6E6"/>
+                    </a:solidFill>
+                  </a:tcPr>
+                </a:tc>
+                <a:tc>
+                  <a:txBody>
+                    <a:bodyPr/>
+                    <a:lstStyle/>
+                    <a:p>
+                      <a:r>
+                        <a:rPr sz="1100"/>
+                        <a:t>Network inventory complete, Hub placement design approved, Routing policy documented</a:t>
+                      </a:r>
+                    </a:p>
+                  </a:txBody>
+                  <a:tcPr>
+                    <a:solidFill>
+                      <a:srgbClr val="E7E6E6"/>
+                    </a:solidFill>
+                  </a:tcPr>
+                </a:tc>
+              </a:tr>
+              <a:tr h="370840">
+                <a:tc>
+                  <a:txBody>
+                    <a:bodyPr/>
+                    <a:lstStyle/>
+                    <a:p>
+                      <a:r>
+                        <a:rPr sz="1100"/>
+                        <a:t>Phase 2</a:t>
+                      </a:r>
+                    </a:p>
+                  </a:txBody>
+                  <a:tcPr>
+                    <a:solidFill>
+                      <a:srgbClr val="E7E6E6"/>
+                    </a:solidFill>
+                  </a:tcPr>
+                </a:tc>
+                <a:tc>
+                  <a:txBody>
+                    <a:bodyPr/>
+                    <a:lstStyle/>
+                    <a:p>
+                      <a:r>
+                        <a:rPr sz="1100"/>
+                        <a:t>Hub Infrastructure Deployment</a:t>
+                      </a:r>
+                    </a:p>
+                  </a:txBody>
+                  <a:tcPr>
+                    <a:solidFill>
+                      <a:srgbClr val="E7E6E6"/>
+                    </a:solidFill>
+                  </a:tcPr>
+                </a:tc>
+                <a:tc>
+                  <a:txBody>
+                    <a:bodyPr/>
+                    <a:lstStyle/>
+                    <a:p>
+                      <a:r>
+                        <a:rPr sz="1100"/>
+                        <a:t>Months 3-4</a:t>
+                      </a:r>
+                    </a:p>
+                  </a:txBody>
+                  <a:tcPr>
+                    <a:solidFill>
+                      <a:srgbClr val="E7E6E6"/>
+                    </a:solidFill>
+                  </a:tcPr>
+                </a:tc>
+                <a:tc>
+                  <a:txBody>
+                    <a:bodyPr/>
+                    <a:lstStyle/>
+                    <a:p>
+                      <a:r>
+                        <a:rPr sz="1100"/>
+                        <a:t>Virtual WAN hubs operational, Azure Firewall configured, VNet connectivity verified</a:t>
+                      </a:r>
+                    </a:p>
+                  </a:txBody>
+                  <a:tcPr>
+                    <a:solidFill>
+                      <a:srgbClr val="E7E6E6"/>
+                    </a:solidFill>
+                  </a:tcPr>
+                </a:tc>
+              </a:tr>
+              <a:tr h="370840">
+                <a:tc>
+                  <a:txBody>
+                    <a:bodyPr/>
+                    <a:lstStyle/>
+                    <a:p>
+                      <a:r>
+                        <a:rPr sz="1100"/>
+                        <a:t>Phase 3</a:t>
+                      </a:r>
+                    </a:p>
+                  </a:txBody>
+                  <a:tcPr>
+                    <a:solidFill>
+                      <a:srgbClr val="E7E6E6"/>
+                    </a:solidFill>
+                  </a:tcPr>
+                </a:tc>
+                <a:tc>
+                  <a:txBody>
+                    <a:bodyPr/>
+                    <a:lstStyle/>
+                    <a:p>
+                      <a:r>
+                        <a:rPr sz="1100"/>
+                        <a:t>Branch Connectivity &amp; Optimization</a:t>
+                      </a:r>
+                    </a:p>
+                  </a:txBody>
+                  <a:tcPr>
+                    <a:solidFill>
+                      <a:srgbClr val="E7E6E6"/>
+                    </a:solidFill>
+                  </a:tcPr>
+                </a:tc>
+                <a:tc>
+                  <a:txBody>
+                    <a:bodyPr/>
+                    <a:lstStyle/>
+                    <a:p>
+                      <a:r>
+                        <a:rPr sz="1100"/>
+                        <a:t>Months 5-6</a:t>
+                      </a:r>
+                    </a:p>
+                  </a:txBody>
+                  <a:tcPr>
+                    <a:solidFill>
+                      <a:srgbClr val="E7E6E6"/>
+                    </a:solidFill>
+                  </a:tcPr>
+                </a:tc>
+                <a:tc>
+                  <a:txBody>
+                    <a:bodyPr/>
+                    <a:lstStyle/>
+                    <a:p>
+                      <a:r>
+                        <a:rPr sz="1100"/>
+                        <a:t>All branches connected, Security policies enforced, Performance monitoring active</a:t>
+                      </a:r>
+                    </a:p>
+                  </a:txBody>
+                  <a:tcPr>
+                    <a:solidFill>
+                      <a:srgbClr val="E7E6E6"/>
+                    </a:solidFill>
+                  </a:tcPr>
+                </a:tc>
+              </a:tr>
+            </a:tbl>
+          </a:graphicData>
+        </a:graphic>
+      </p:graphicFrame>
       <p:pic>
         <p:nvPicPr>
           <p:cNvPr id="5" name="Picture 4" descr="eo-framework-logo-real.png"/>
@@ -4660,7 +5696,7 @@
           <a:lstStyle/>
           <a:p>
             <a:r>
-              <a:t>Our Partnership Advantage</a:t>
+              <a:t>Success Stories</a:t>
             </a:r>
           </a:p>
         </p:txBody>
@@ -4672,12 +5708,12 @@
             <a:picLocks noGrp="1" noChangeAspect="1"/>
           </p:cNvPicPr>
           <p:nvPr>
-            <p:ph type="pic" idx="14" sz="quarter"/>
+            <p:ph type="pic" idx="13" sz="quarter"/>
           </p:nvPr>
         </p:nvPicPr>
         <p:blipFill>
           <a:blip r:embed="rId2"/>
-          <a:srcRect t="6314" b="6314"/>
+          <a:srcRect t="6762" b="6762"/>
           <a:stretch>
             <a:fillRect/>
           </a:stretch>
@@ -4691,7 +5727,7 @@
             <a:spLocks noGrp="1"/>
           </p:cNvSpPr>
           <p:nvPr>
-            <p:ph type="body" idx="16" sz="quarter"/>
+            <p:ph type="body" idx="14" sz="quarter"/>
           </p:nvPr>
         </p:nvSpPr>
         <p:spPr/>
@@ -4702,97 +5738,71 @@
             <a:pPr/>
             <a:r>
               <a:rPr b="1"/>
-              <a:t>What We Bring</a:t>
+              <a:t>Client Success: International Logistics Company</a:t>
             </a:r>
           </a:p>
           <a:p>
             <a:pPr lvl="1"/>
             <a:r>
-              <a:t>12+ years delivering enterprise network solutions for Fortune 500 companies</a:t>
+              <a:rPr b="1"/>
+              <a:t>Client:</a:t>
+            </a:r>
+            <a:r>
+              <a:t> Logistics provider with 45 warehouse locations across North America, Europe, and Asia</a:t>
             </a:r>
           </a:p>
           <a:p>
             <a:pPr lvl="1"/>
             <a:r>
-              <a:t>150+ successful Virtual WAN implementations across 20+ countries</a:t>
+              <a:rPr b="1"/>
+              <a:t>Challenge:</a:t>
+            </a:r>
+            <a:r>
+              <a:t> Managing 45 separate VPN tunnels to Azure, inconsistent security policies, 3-day average to add new locations, $180K annual network management costs</a:t>
             </a:r>
           </a:p>
           <a:p>
             <a:pPr lvl="1"/>
             <a:r>
-              <a:t>Premier Microsoft Azure partnership with co-sell and technical advantage programs</a:t>
+              <a:rPr b="1"/>
+              <a:t>Solution:</a:t>
+            </a:r>
+            <a:r>
+              <a:t> Deployed Azure Virtual WAN with three regional hubs, SD-WAN integration at each warehouse, centralized Azure Firewall policies, and automated routing</a:t>
             </a:r>
           </a:p>
           <a:p>
             <a:pPr lvl="1"/>
             <a:r>
-              <a:t>Certified Azure Solutions Architects with 10+ years networking expertise</a:t>
+              <a:rPr b="1"/>
+              <a:t>Results:</a:t>
+            </a:r>
+            <a:r>
+              <a:t> 55% reduction in network management costs ($99K annual savings), new location connectivity reduced from 3 days to 4 hours, 99.95% network uptime, consistent security policies across all locations</a:t>
             </a:r>
           </a:p>
           <a:p>
             <a:pPr lvl="1"/>
             <a:r>
-              <a:t>24/7 support with 99.95% SLA guarantee for critical connectivity</a:t>
-            </a:r>
-          </a:p>
-        </p:txBody>
-      </p:sp>
-      <p:sp>
-        <p:nvSpPr>
-          <p:cNvPr id="5" name="Text Placeholder 4"/>
-          <p:cNvSpPr>
-            <a:spLocks noGrp="1"/>
-          </p:cNvSpPr>
-          <p:nvPr>
-            <p:ph type="body" idx="17" sz="quarter"/>
-          </p:nvPr>
-        </p:nvSpPr>
-        <p:spPr/>
-        <p:txBody>
-          <a:bodyPr/>
-          <a:lstStyle/>
-          <a:p>
-            <a:pPr/>
-            <a:r>
               <a:rPr b="1"/>
-              <a:t>Value to You</a:t>
-            </a:r>
-          </a:p>
-          <a:p>
-            <a:pPr lvl="1"/>
-            <a:r>
-              <a:t>Proven methodology reduces implementation risk and ensures on-time delivery</a:t>
-            </a:r>
-          </a:p>
-          <a:p>
-            <a:pPr lvl="1"/>
-            <a:r>
-              <a:t>Pre-built Virtual WAN accelerators fast-track your deployment by 6-8 weeks</a:t>
-            </a:r>
-          </a:p>
-          <a:p>
-            <a:pPr lvl="1"/>
-            <a:r>
-              <a:t>Direct Microsoft escalation channels and early access to new Azure features</a:t>
-            </a:r>
-          </a:p>
-          <a:p>
-            <a:pPr lvl="1"/>
-            <a:r>
-              <a:t>Comprehensive knowledge transfer ensuring your team owns the solution</a:t>
-            </a:r>
-          </a:p>
-          <a:p>
-            <a:pPr lvl="1"/>
-            <a:r>
-              <a:t>Post-launch optimization services ensuring continued cost and performance improvements</a:t>
+              <a:t>Testimonial:</a:t>
+            </a:r>
+            <a:r>
+              <a:t> "Azure Virtual WAN simplified our entire network architecture. Adding a new warehouse used to take days of VPN configuration. Now our team connects a new site in hours with automatic routing and security policies already in place." — </a:t>
+            </a:r>
+            <a:r>
+              <a:rPr b="1"/>
+              <a:t>Robert Martinez, VP of IT Infrastructure</a:t>
+            </a:r>
+            <a:r>
+              <a:t>, Global Logistics Inc</a:t>
             </a:r>
           </a:p>
         </p:txBody>
       </p:sp>
       <p:pic>
         <p:nvPicPr>
-          <p:cNvPr id="6" name="Picture 5" descr="eo-framework-logo-real.png"/>
+          <p:cNvPr id="5" name="Picture 4" descr="eo-framework-logo-real.png"/>
           <p:cNvPicPr>
             <a:picLocks noChangeAspect="1"/>
           </p:cNvPicPr>
@@ -4847,10 +5857,8 @@
           <a:bodyPr/>
           <a:lstStyle/>
           <a:p>
-            <a:pPr algn="l"/>
-            <a:r>
-              <a:rPr b="1"/>
-              <a:t>Investment Summary</a:t>
+            <a:r>
+              <a:t>Our Partnership Advantage</a:t>
             </a:r>
           </a:p>
         </p:txBody>
@@ -4862,808 +5870,127 @@
             <a:picLocks noGrp="1" noChangeAspect="1"/>
           </p:cNvPicPr>
           <p:nvPr>
-            <p:ph type="pic" idx="13" sz="quarter"/>
+            <p:ph type="pic" idx="14" sz="quarter"/>
           </p:nvPr>
         </p:nvPicPr>
         <p:blipFill>
           <a:blip r:embed="rId2"/>
-          <a:srcRect t="6404" b="6404"/>
+          <a:srcRect t="6314" b="6314"/>
           <a:stretch>
             <a:fillRect/>
           </a:stretch>
         </p:blipFill>
         <p:spPr/>
       </p:pic>
-      <p:graphicFrame>
-        <p:nvGraphicFramePr>
-          <p:cNvPr id="4" name="Table Placeholder 3"/>
-          <p:cNvGraphicFramePr>
-            <a:graphicFrameLocks noGrp="1"/>
-          </p:cNvGraphicFramePr>
+      <p:sp>
+        <p:nvSpPr>
+          <p:cNvPr id="4" name="Text Placeholder 3"/>
+          <p:cNvSpPr>
+            <a:spLocks noGrp="1"/>
+          </p:cNvSpPr>
           <p:nvPr>
-            <p:ph type="tbl" idx="14" sz="quarter"/>
+            <p:ph type="body" idx="16" sz="quarter"/>
           </p:nvPr>
-        </p:nvGraphicFramePr>
-        <p:xfrm>
-          <a:off x="256855" y="677011"/>
-          <a:ext cx="8710929" cy="2225040"/>
-        </p:xfrm>
-        <a:graphic>
-          <a:graphicData uri="http://schemas.openxmlformats.org/drawingml/2006/table">
-            <a:tbl>
-              <a:tblPr firstRow="1" bandRow="1">
-                <a:tableStyleId>{5C22544A-7EE6-4342-B048-85BDC9FD1C3A}</a:tableStyleId>
-              </a:tblPr>
-              <a:tblGrid>
-                <a:gridCol w="1742186"/>
-                <a:gridCol w="1045311"/>
-                <a:gridCol w="2003514"/>
-                <a:gridCol w="1132421"/>
-                <a:gridCol w="871093"/>
-                <a:gridCol w="871093"/>
-                <a:gridCol w="1045311"/>
-              </a:tblGrid>
-              <a:tr h="370840">
-                <a:tc>
-                  <a:txBody>
-                    <a:bodyPr/>
-                    <a:lstStyle/>
-                    <a:p>
-                      <a:r>
-                        <a:rPr sz="1400">
-                          <a:solidFill>
-                            <a:srgbClr val="FFFFFF"/>
-                          </a:solidFill>
-                        </a:rPr>
-                        <a:t>Cost Category</a:t>
-                      </a:r>
-                    </a:p>
-                  </a:txBody>
-                  <a:tcPr>
-                    <a:solidFill>
-                      <a:srgbClr val="A01C02"/>
-                    </a:solidFill>
-                  </a:tcPr>
-                </a:tc>
-                <a:tc>
-                  <a:txBody>
-                    <a:bodyPr/>
-                    <a:lstStyle/>
-                    <a:p>
-                      <a:r>
-                        <a:rPr sz="1400">
-                          <a:solidFill>
-                            <a:srgbClr val="FFFFFF"/>
-                          </a:solidFill>
-                        </a:rPr>
-                        <a:t>Year 1 List</a:t>
-                      </a:r>
-                    </a:p>
-                  </a:txBody>
-                  <a:tcPr>
-                    <a:solidFill>
-                      <a:srgbClr val="A01C02"/>
-                    </a:solidFill>
-                  </a:tcPr>
-                </a:tc>
-                <a:tc>
-                  <a:txBody>
-                    <a:bodyPr/>
-                    <a:lstStyle/>
-                    <a:p>
-                      <a:r>
-                        <a:rPr sz="1400">
-                          <a:solidFill>
-                            <a:srgbClr val="FFFFFF"/>
-                          </a:solidFill>
-                        </a:rPr>
-                        <a:t>Provider/Partner Credits</a:t>
-                      </a:r>
-                    </a:p>
-                  </a:txBody>
-                  <a:tcPr>
-                    <a:solidFill>
-                      <a:srgbClr val="A01C02"/>
-                    </a:solidFill>
-                  </a:tcPr>
-                </a:tc>
-                <a:tc>
-                  <a:txBody>
-                    <a:bodyPr/>
-                    <a:lstStyle/>
-                    <a:p>
-                      <a:r>
-                        <a:rPr sz="1400">
-                          <a:solidFill>
-                            <a:srgbClr val="FFFFFF"/>
-                          </a:solidFill>
-                        </a:rPr>
-                        <a:t>Year 1 Net</a:t>
-                      </a:r>
-                    </a:p>
-                  </a:txBody>
-                  <a:tcPr>
-                    <a:solidFill>
-                      <a:srgbClr val="A01C02"/>
-                    </a:solidFill>
-                  </a:tcPr>
-                </a:tc>
-                <a:tc>
-                  <a:txBody>
-                    <a:bodyPr/>
-                    <a:lstStyle/>
-                    <a:p>
-                      <a:r>
-                        <a:rPr sz="1400">
-                          <a:solidFill>
-                            <a:srgbClr val="FFFFFF"/>
-                          </a:solidFill>
-                        </a:rPr>
-                        <a:t>Year 2</a:t>
-                      </a:r>
-                    </a:p>
-                  </a:txBody>
-                  <a:tcPr>
-                    <a:solidFill>
-                      <a:srgbClr val="A01C02"/>
-                    </a:solidFill>
-                  </a:tcPr>
-                </a:tc>
-                <a:tc>
-                  <a:txBody>
-                    <a:bodyPr/>
-                    <a:lstStyle/>
-                    <a:p>
-                      <a:r>
-                        <a:rPr sz="1400">
-                          <a:solidFill>
-                            <a:srgbClr val="FFFFFF"/>
-                          </a:solidFill>
-                        </a:rPr>
-                        <a:t>Year 3</a:t>
-                      </a:r>
-                    </a:p>
-                  </a:txBody>
-                  <a:tcPr>
-                    <a:solidFill>
-                      <a:srgbClr val="A01C02"/>
-                    </a:solidFill>
-                  </a:tcPr>
-                </a:tc>
-                <a:tc>
-                  <a:txBody>
-                    <a:bodyPr/>
-                    <a:lstStyle/>
-                    <a:p>
-                      <a:r>
-                        <a:rPr sz="1400">
-                          <a:solidFill>
-                            <a:srgbClr val="FFFFFF"/>
-                          </a:solidFill>
-                        </a:rPr>
-                        <a:t>3-Year Total</a:t>
-                      </a:r>
-                    </a:p>
-                  </a:txBody>
-                  <a:tcPr>
-                    <a:solidFill>
-                      <a:srgbClr val="A01C02"/>
-                    </a:solidFill>
-                  </a:tcPr>
-                </a:tc>
-              </a:tr>
-              <a:tr h="370840">
-                <a:tc>
-                  <a:txBody>
-                    <a:bodyPr/>
-                    <a:lstStyle/>
-                    <a:p>
-                      <a:r>
-                        <a:rPr sz="1100"/>
-                        <a:t>Professional Services</a:t>
-                      </a:r>
-                    </a:p>
-                  </a:txBody>
-                  <a:tcPr>
-                    <a:solidFill>
-                      <a:srgbClr val="E7E6E6"/>
-                    </a:solidFill>
-                  </a:tcPr>
-                </a:tc>
-                <a:tc>
-                  <a:txBody>
-                    <a:bodyPr/>
-                    <a:lstStyle/>
-                    <a:p>
-                      <a:r>
-                        <a:rPr sz="1100"/>
-                        <a:t>$92,000</a:t>
-                      </a:r>
-                    </a:p>
-                  </a:txBody>
-                  <a:tcPr>
-                    <a:solidFill>
-                      <a:srgbClr val="E7E6E6"/>
-                    </a:solidFill>
-                  </a:tcPr>
-                </a:tc>
-                <a:tc>
-                  <a:txBody>
-                    <a:bodyPr/>
-                    <a:lstStyle/>
-                    <a:p>
-                      <a:r>
-                        <a:rPr sz="1100"/>
-                        <a:t>($12,000)</a:t>
-                      </a:r>
-                    </a:p>
-                  </a:txBody>
-                  <a:tcPr>
-                    <a:solidFill>
-                      <a:srgbClr val="E7E6E6"/>
-                    </a:solidFill>
-                  </a:tcPr>
-                </a:tc>
-                <a:tc>
-                  <a:txBody>
-                    <a:bodyPr/>
-                    <a:lstStyle/>
-                    <a:p>
-                      <a:r>
-                        <a:rPr sz="1100"/>
-                        <a:t>$80,000</a:t>
-                      </a:r>
-                    </a:p>
-                  </a:txBody>
-                  <a:tcPr>
-                    <a:solidFill>
-                      <a:srgbClr val="E7E6E6"/>
-                    </a:solidFill>
-                  </a:tcPr>
-                </a:tc>
-                <a:tc>
-                  <a:txBody>
-                    <a:bodyPr/>
-                    <a:lstStyle/>
-                    <a:p>
-                      <a:r>
-                        <a:rPr sz="1100"/>
-                        <a:t>$0</a:t>
-                      </a:r>
-                    </a:p>
-                  </a:txBody>
-                  <a:tcPr>
-                    <a:solidFill>
-                      <a:srgbClr val="E7E6E6"/>
-                    </a:solidFill>
-                  </a:tcPr>
-                </a:tc>
-                <a:tc>
-                  <a:txBody>
-                    <a:bodyPr/>
-                    <a:lstStyle/>
-                    <a:p>
-                      <a:r>
-                        <a:rPr sz="1100"/>
-                        <a:t>$0</a:t>
-                      </a:r>
-                    </a:p>
-                  </a:txBody>
-                  <a:tcPr>
-                    <a:solidFill>
-                      <a:srgbClr val="E7E6E6"/>
-                    </a:solidFill>
-                  </a:tcPr>
-                </a:tc>
-                <a:tc>
-                  <a:txBody>
-                    <a:bodyPr/>
-                    <a:lstStyle/>
-                    <a:p>
-                      <a:r>
-                        <a:rPr sz="1100"/>
-                        <a:t>$80,000</a:t>
-                      </a:r>
-                    </a:p>
-                  </a:txBody>
-                  <a:tcPr>
-                    <a:solidFill>
-                      <a:srgbClr val="E7E6E6"/>
-                    </a:solidFill>
-                  </a:tcPr>
-                </a:tc>
-              </a:tr>
-              <a:tr h="370840">
-                <a:tc>
-                  <a:txBody>
-                    <a:bodyPr/>
-                    <a:lstStyle/>
-                    <a:p>
-                      <a:r>
-                        <a:rPr sz="1100"/>
-                        <a:t>Cloud Infrastructure</a:t>
-                      </a:r>
-                    </a:p>
-                  </a:txBody>
-                  <a:tcPr>
-                    <a:solidFill>
-                      <a:srgbClr val="E7E6E6"/>
-                    </a:solidFill>
-                  </a:tcPr>
-                </a:tc>
-                <a:tc>
-                  <a:txBody>
-                    <a:bodyPr/>
-                    <a:lstStyle/>
-                    <a:p>
-                      <a:r>
-                        <a:rPr sz="1100"/>
-                        <a:t>$60,100</a:t>
-                      </a:r>
-                    </a:p>
-                  </a:txBody>
-                  <a:tcPr>
-                    <a:solidFill>
-                      <a:srgbClr val="E7E6E6"/>
-                    </a:solidFill>
-                  </a:tcPr>
-                </a:tc>
-                <a:tc>
-                  <a:txBody>
-                    <a:bodyPr/>
-                    <a:lstStyle/>
-                    <a:p>
-                      <a:r>
-                        <a:rPr sz="1100"/>
-                        <a:t>$0</a:t>
-                      </a:r>
-                    </a:p>
-                  </a:txBody>
-                  <a:tcPr>
-                    <a:solidFill>
-                      <a:srgbClr val="E7E6E6"/>
-                    </a:solidFill>
-                  </a:tcPr>
-                </a:tc>
-                <a:tc>
-                  <a:txBody>
-                    <a:bodyPr/>
-                    <a:lstStyle/>
-                    <a:p>
-                      <a:r>
-                        <a:rPr sz="1100"/>
-                        <a:t>$60,100</a:t>
-                      </a:r>
-                    </a:p>
-                  </a:txBody>
-                  <a:tcPr>
-                    <a:solidFill>
-                      <a:srgbClr val="E7E6E6"/>
-                    </a:solidFill>
-                  </a:tcPr>
-                </a:tc>
-                <a:tc>
-                  <a:txBody>
-                    <a:bodyPr/>
-                    <a:lstStyle/>
-                    <a:p>
-                      <a:r>
-                        <a:rPr sz="1100"/>
-                        <a:t>$48,150</a:t>
-                      </a:r>
-                    </a:p>
-                  </a:txBody>
-                  <a:tcPr>
-                    <a:solidFill>
-                      <a:srgbClr val="E7E6E6"/>
-                    </a:solidFill>
-                  </a:tcPr>
-                </a:tc>
-                <a:tc>
-                  <a:txBody>
-                    <a:bodyPr/>
-                    <a:lstStyle/>
-                    <a:p>
-                      <a:r>
-                        <a:rPr sz="1100"/>
-                        <a:t>$48,150</a:t>
-                      </a:r>
-                    </a:p>
-                  </a:txBody>
-                  <a:tcPr>
-                    <a:solidFill>
-                      <a:srgbClr val="E7E6E6"/>
-                    </a:solidFill>
-                  </a:tcPr>
-                </a:tc>
-                <a:tc>
-                  <a:txBody>
-                    <a:bodyPr/>
-                    <a:lstStyle/>
-                    <a:p>
-                      <a:r>
-                        <a:rPr sz="1100"/>
-                        <a:t>$156,400</a:t>
-                      </a:r>
-                    </a:p>
-                  </a:txBody>
-                  <a:tcPr>
-                    <a:solidFill>
-                      <a:srgbClr val="E7E6E6"/>
-                    </a:solidFill>
-                  </a:tcPr>
-                </a:tc>
-              </a:tr>
-              <a:tr h="370840">
-                <a:tc>
-                  <a:txBody>
-                    <a:bodyPr/>
-                    <a:lstStyle/>
-                    <a:p>
-                      <a:r>
-                        <a:rPr sz="1100"/>
-                        <a:t>Software Licenses &amp; Subscriptions</a:t>
-                      </a:r>
-                    </a:p>
-                  </a:txBody>
-                  <a:tcPr>
-                    <a:solidFill>
-                      <a:srgbClr val="E7E6E6"/>
-                    </a:solidFill>
-                  </a:tcPr>
-                </a:tc>
-                <a:tc>
-                  <a:txBody>
-                    <a:bodyPr/>
-                    <a:lstStyle/>
-                    <a:p>
-                      <a:r>
-                        <a:rPr sz="1100"/>
-                        <a:t>$3,600</a:t>
-                      </a:r>
-                    </a:p>
-                  </a:txBody>
-                  <a:tcPr>
-                    <a:solidFill>
-                      <a:srgbClr val="E7E6E6"/>
-                    </a:solidFill>
-                  </a:tcPr>
-                </a:tc>
-                <a:tc>
-                  <a:txBody>
-                    <a:bodyPr/>
-                    <a:lstStyle/>
-                    <a:p>
-                      <a:r>
-                        <a:rPr sz="1100"/>
-                        <a:t>$0</a:t>
-                      </a:r>
-                    </a:p>
-                  </a:txBody>
-                  <a:tcPr>
-                    <a:solidFill>
-                      <a:srgbClr val="E7E6E6"/>
-                    </a:solidFill>
-                  </a:tcPr>
-                </a:tc>
-                <a:tc>
-                  <a:txBody>
-                    <a:bodyPr/>
-                    <a:lstStyle/>
-                    <a:p>
-                      <a:r>
-                        <a:rPr sz="1100"/>
-                        <a:t>$3,600</a:t>
-                      </a:r>
-                    </a:p>
-                  </a:txBody>
-                  <a:tcPr>
-                    <a:solidFill>
-                      <a:srgbClr val="E7E6E6"/>
-                    </a:solidFill>
-                  </a:tcPr>
-                </a:tc>
-                <a:tc>
-                  <a:txBody>
-                    <a:bodyPr/>
-                    <a:lstStyle/>
-                    <a:p>
-                      <a:r>
-                        <a:rPr sz="1100"/>
-                        <a:t>$3,600</a:t>
-                      </a:r>
-                    </a:p>
-                  </a:txBody>
-                  <a:tcPr>
-                    <a:solidFill>
-                      <a:srgbClr val="E7E6E6"/>
-                    </a:solidFill>
-                  </a:tcPr>
-                </a:tc>
-                <a:tc>
-                  <a:txBody>
-                    <a:bodyPr/>
-                    <a:lstStyle/>
-                    <a:p>
-                      <a:r>
-                        <a:rPr sz="1100"/>
-                        <a:t>$3,600</a:t>
-                      </a:r>
-                    </a:p>
-                  </a:txBody>
-                  <a:tcPr>
-                    <a:solidFill>
-                      <a:srgbClr val="E7E6E6"/>
-                    </a:solidFill>
-                  </a:tcPr>
-                </a:tc>
-                <a:tc>
-                  <a:txBody>
-                    <a:bodyPr/>
-                    <a:lstStyle/>
-                    <a:p>
-                      <a:r>
-                        <a:rPr sz="1100"/>
-                        <a:t>$10,800</a:t>
-                      </a:r>
-                    </a:p>
-                  </a:txBody>
-                  <a:tcPr>
-                    <a:solidFill>
-                      <a:srgbClr val="E7E6E6"/>
-                    </a:solidFill>
-                  </a:tcPr>
-                </a:tc>
-              </a:tr>
-              <a:tr h="370840">
-                <a:tc>
-                  <a:txBody>
-                    <a:bodyPr/>
-                    <a:lstStyle/>
-                    <a:p>
-                      <a:r>
-                        <a:rPr sz="1100"/>
-                        <a:t>Support &amp; Maintenance</a:t>
-                      </a:r>
-                    </a:p>
-                  </a:txBody>
-                  <a:tcPr>
-                    <a:solidFill>
-                      <a:srgbClr val="E7E6E6"/>
-                    </a:solidFill>
-                  </a:tcPr>
-                </a:tc>
-                <a:tc>
-                  <a:txBody>
-                    <a:bodyPr/>
-                    <a:lstStyle/>
-                    <a:p>
-                      <a:r>
-                        <a:rPr sz="1100"/>
-                        <a:t>$11,450</a:t>
-                      </a:r>
-                    </a:p>
-                  </a:txBody>
-                  <a:tcPr>
-                    <a:solidFill>
-                      <a:srgbClr val="E7E6E6"/>
-                    </a:solidFill>
-                  </a:tcPr>
-                </a:tc>
-                <a:tc>
-                  <a:txBody>
-                    <a:bodyPr/>
-                    <a:lstStyle/>
-                    <a:p>
-                      <a:r>
-                        <a:rPr sz="1100"/>
-                        <a:t>$0</a:t>
-                      </a:r>
-                    </a:p>
-                  </a:txBody>
-                  <a:tcPr>
-                    <a:solidFill>
-                      <a:srgbClr val="E7E6E6"/>
-                    </a:solidFill>
-                  </a:tcPr>
-                </a:tc>
-                <a:tc>
-                  <a:txBody>
-                    <a:bodyPr/>
-                    <a:lstStyle/>
-                    <a:p>
-                      <a:r>
-                        <a:rPr sz="1100"/>
-                        <a:t>$11,450</a:t>
-                      </a:r>
-                    </a:p>
-                  </a:txBody>
-                  <a:tcPr>
-                    <a:solidFill>
-                      <a:srgbClr val="E7E6E6"/>
-                    </a:solidFill>
-                  </a:tcPr>
-                </a:tc>
-                <a:tc>
-                  <a:txBody>
-                    <a:bodyPr/>
-                    <a:lstStyle/>
-                    <a:p>
-                      <a:r>
-                        <a:rPr sz="1100"/>
-                        <a:t>$11,450</a:t>
-                      </a:r>
-                    </a:p>
-                  </a:txBody>
-                  <a:tcPr>
-                    <a:solidFill>
-                      <a:srgbClr val="E7E6E6"/>
-                    </a:solidFill>
-                  </a:tcPr>
-                </a:tc>
-                <a:tc>
-                  <a:txBody>
-                    <a:bodyPr/>
-                    <a:lstStyle/>
-                    <a:p>
-                      <a:r>
-                        <a:rPr sz="1100"/>
-                        <a:t>$11,450</a:t>
-                      </a:r>
-                    </a:p>
-                  </a:txBody>
-                  <a:tcPr>
-                    <a:solidFill>
-                      <a:srgbClr val="E7E6E6"/>
-                    </a:solidFill>
-                  </a:tcPr>
-                </a:tc>
-                <a:tc>
-                  <a:txBody>
-                    <a:bodyPr/>
-                    <a:lstStyle/>
-                    <a:p>
-                      <a:r>
-                        <a:rPr sz="1100"/>
-                        <a:t>$34,350</a:t>
-                      </a:r>
-                    </a:p>
-                  </a:txBody>
-                  <a:tcPr>
-                    <a:solidFill>
-                      <a:srgbClr val="E7E6E6"/>
-                    </a:solidFill>
-                  </a:tcPr>
-                </a:tc>
-              </a:tr>
-              <a:tr h="370840">
-                <a:tc>
-                  <a:txBody>
-                    <a:bodyPr/>
-                    <a:lstStyle/>
-                    <a:p>
-                      <a:r>
-                        <a:rPr b="1" sz="1100"/>
-                        <a:t>TOTAL INVESTMENT</a:t>
-                      </a:r>
-                    </a:p>
-                  </a:txBody>
-                  <a:tcPr>
-                    <a:solidFill>
-                      <a:srgbClr val="E7E6E6"/>
-                    </a:solidFill>
-                  </a:tcPr>
-                </a:tc>
-                <a:tc>
-                  <a:txBody>
-                    <a:bodyPr/>
-                    <a:lstStyle/>
-                    <a:p>
-                      <a:r>
-                        <a:rPr b="1" sz="1100"/>
-                        <a:t>$152,050</a:t>
-                      </a:r>
-                    </a:p>
-                  </a:txBody>
-                  <a:tcPr>
-                    <a:solidFill>
-                      <a:srgbClr val="E7E6E6"/>
-                    </a:solidFill>
-                  </a:tcPr>
-                </a:tc>
-                <a:tc>
-                  <a:txBody>
-                    <a:bodyPr/>
-                    <a:lstStyle/>
-                    <a:p>
-                      <a:r>
-                        <a:rPr b="1" sz="1100"/>
-                        <a:t>($12,000)</a:t>
-                      </a:r>
-                    </a:p>
-                  </a:txBody>
-                  <a:tcPr>
-                    <a:solidFill>
-                      <a:srgbClr val="E7E6E6"/>
-                    </a:solidFill>
-                  </a:tcPr>
-                </a:tc>
-                <a:tc>
-                  <a:txBody>
-                    <a:bodyPr/>
-                    <a:lstStyle/>
-                    <a:p>
-                      <a:r>
-                        <a:rPr b="1" sz="1100"/>
-                        <a:t>$140,050</a:t>
-                      </a:r>
-                    </a:p>
-                  </a:txBody>
-                  <a:tcPr>
-                    <a:solidFill>
-                      <a:srgbClr val="E7E6E6"/>
-                    </a:solidFill>
-                  </a:tcPr>
-                </a:tc>
-                <a:tc>
-                  <a:txBody>
-                    <a:bodyPr/>
-                    <a:lstStyle/>
-                    <a:p>
-                      <a:r>
-                        <a:rPr b="1" sz="1100"/>
-                        <a:t>$48,150</a:t>
-                      </a:r>
-                    </a:p>
-                  </a:txBody>
-                  <a:tcPr>
-                    <a:solidFill>
-                      <a:srgbClr val="E7E6E6"/>
-                    </a:solidFill>
-                  </a:tcPr>
-                </a:tc>
-                <a:tc>
-                  <a:txBody>
-                    <a:bodyPr/>
-                    <a:lstStyle/>
-                    <a:p>
-                      <a:r>
-                        <a:rPr b="1" sz="1100"/>
-                        <a:t>$48,150</a:t>
-                      </a:r>
-                    </a:p>
-                  </a:txBody>
-                  <a:tcPr>
-                    <a:solidFill>
-                      <a:srgbClr val="E7E6E6"/>
-                    </a:solidFill>
-                  </a:tcPr>
-                </a:tc>
-                <a:tc>
-                  <a:txBody>
-                    <a:bodyPr/>
-                    <a:lstStyle/>
-                    <a:p>
-                      <a:r>
-                        <a:rPr b="1" sz="1100"/>
-                        <a:t>$236,350</a:t>
-                      </a:r>
-                    </a:p>
-                  </a:txBody>
-                  <a:tcPr>
-                    <a:solidFill>
-                      <a:srgbClr val="E7E6E6"/>
-                    </a:solidFill>
-                  </a:tcPr>
-                </a:tc>
-              </a:tr>
-            </a:tbl>
-          </a:graphicData>
-        </a:graphic>
-      </p:graphicFrame>
+        </p:nvSpPr>
+        <p:spPr/>
+        <p:txBody>
+          <a:bodyPr/>
+          <a:lstStyle/>
+          <a:p>
+            <a:pPr/>
+            <a:r>
+              <a:rPr b="1"/>
+              <a:t>What We Bring</a:t>
+            </a:r>
+          </a:p>
+          <a:p>
+            <a:pPr lvl="1"/>
+            <a:r>
+              <a:t>Azure Network Specialty certification with SD-WAN integration expertise</a:t>
+            </a:r>
+          </a:p>
+          <a:p>
+            <a:pPr lvl="1"/>
+            <a:r>
+              <a:t>75+ Azure Virtual WAN deployments for multi-national organizations</a:t>
+            </a:r>
+          </a:p>
+          <a:p>
+            <a:pPr lvl="1"/>
+            <a:r>
+              <a:t>Direct relationships with leading SD-WAN vendors (Cisco, VMware, Fortinet)</a:t>
+            </a:r>
+          </a:p>
+          <a:p>
+            <a:pPr lvl="1"/>
+            <a:r>
+              <a:t>Pre-built automation templates for hub deployment and branch connectivity</a:t>
+            </a:r>
+          </a:p>
+          <a:p>
+            <a:pPr lvl="1"/>
+            <a:r>
+              <a:t>24/7 network operations center support during migration phases</a:t>
+            </a:r>
+          </a:p>
+        </p:txBody>
+      </p:sp>
+      <p:sp>
+        <p:nvSpPr>
+          <p:cNvPr id="5" name="Text Placeholder 4"/>
+          <p:cNvSpPr>
+            <a:spLocks noGrp="1"/>
+          </p:cNvSpPr>
+          <p:nvPr>
+            <p:ph type="body" idx="17" sz="quarter"/>
+          </p:nvPr>
+        </p:nvSpPr>
+        <p:spPr/>
+        <p:txBody>
+          <a:bodyPr/>
+          <a:lstStyle/>
+          <a:p>
+            <a:pPr/>
+            <a:r>
+              <a:rPr b="1"/>
+              <a:t>Value to You</a:t>
+            </a:r>
+          </a:p>
+          <a:p>
+            <a:pPr lvl="1"/>
+            <a:r>
+              <a:t>Proven methodology reduces deployment risk and accelerates time-to-value</a:t>
+            </a:r>
+          </a:p>
+          <a:p>
+            <a:pPr lvl="1"/>
+            <a:r>
+              <a:t>SD-WAN vendor partnerships ensure seamless branch integration</a:t>
+            </a:r>
+          </a:p>
+          <a:p>
+            <a:pPr lvl="1"/>
+            <a:r>
+              <a:t>Experience with complex routing scenarios prevents connectivity issues</a:t>
+            </a:r>
+          </a:p>
+          <a:p>
+            <a:pPr lvl="1"/>
+            <a:r>
+              <a:t>Post-deployment optimization identifies cost savings opportunities</a:t>
+            </a:r>
+          </a:p>
+          <a:p>
+            <a:pPr lvl="1"/>
+            <a:r>
+              <a:t>Knowledge transfer ensures your team manages the network confidently</a:t>
+            </a:r>
+          </a:p>
+        </p:txBody>
+      </p:sp>
       <p:pic>
         <p:nvPicPr>
-          <p:cNvPr id="5" name="Picture 4" descr="eo-framework-logo-real.png"/>
+          <p:cNvPr id="6" name="Picture 5" descr="eo-framework-logo-real.png"/>
           <p:cNvPicPr>
             <a:picLocks noChangeAspect="1"/>
           </p:cNvPicPr>
@@ -5718,8 +6045,10 @@
           <a:bodyPr/>
           <a:lstStyle/>
           <a:p>
-            <a:r>
-              <a:t>Next Steps</a:t>
+            <a:pPr algn="l"/>
+            <a:r>
+              <a:rPr b="1"/>
+              <a:t>Investment Summary</a:t>
             </a:r>
           </a:p>
         </p:txBody>
@@ -5736,99 +6065,800 @@
         </p:nvPicPr>
         <p:blipFill>
           <a:blip r:embed="rId2"/>
-          <a:srcRect t="6762" b="6762"/>
+          <a:srcRect t="6404" b="6404"/>
           <a:stretch>
             <a:fillRect/>
           </a:stretch>
         </p:blipFill>
         <p:spPr/>
       </p:pic>
-      <p:sp>
-        <p:nvSpPr>
-          <p:cNvPr id="4" name="Text Placeholder 3"/>
-          <p:cNvSpPr>
-            <a:spLocks noGrp="1"/>
-          </p:cNvSpPr>
+      <p:graphicFrame>
+        <p:nvGraphicFramePr>
+          <p:cNvPr id="4" name="Table Placeholder 3"/>
+          <p:cNvGraphicFramePr>
+            <a:graphicFrameLocks noGrp="1"/>
+          </p:cNvGraphicFramePr>
           <p:nvPr>
-            <p:ph type="body" idx="14" sz="quarter"/>
+            <p:ph type="tbl" idx="14" sz="quarter"/>
           </p:nvPr>
-        </p:nvSpPr>
-        <p:spPr/>
-        <p:txBody>
-          <a:bodyPr/>
-          <a:lstStyle/>
-          <a:p>
-            <a:pPr/>
-            <a:r>
-              <a:rPr b="1"/>
-              <a:t>Decision:</a:t>
-            </a:r>
-            <a:r>
-              <a:t> Approve Virtual WAN architecture by [Specific Date]</a:t>
-            </a:r>
-          </a:p>
-          <a:p>
-            <a:pPr/>
-            <a:r>
-              <a:rPr b="1"/>
-              <a:t>Kickoff:</a:t>
-            </a:r>
-            <a:r>
-              <a:t> Project launch and team formation by [Target Date]</a:t>
-            </a:r>
-          </a:p>
-          <a:p>
-            <a:pPr/>
-            <a:r>
-              <a:rPr b="1"/>
-              <a:t>Team Formation:</a:t>
-            </a:r>
-            <a:r>
-              <a:t> Network lead, security stakeholder, Azure platform owner, project sponsor</a:t>
-            </a:r>
-          </a:p>
-          <a:p>
-            <a:pPr/>
-            <a:r>
-              <a:rPr b="1"/>
-              <a:t>Week 1:</a:t>
-            </a:r>
-            <a:r>
-              <a:t> Contract finalization and network audit kickoff</a:t>
-            </a:r>
-          </a:p>
-          <a:p>
-            <a:pPr/>
-            <a:r>
-              <a:rPr b="1"/>
-              <a:t>Week 2:</a:t>
-            </a:r>
-            <a:r>
-              <a:t> Hub design finalization and ExpressRoute ordering</a:t>
-            </a:r>
-          </a:p>
-          <a:p>
-            <a:pPr/>
-            <a:r>
-              <a:rPr b="1"/>
-              <a:t>Week 3:</a:t>
-            </a:r>
-            <a:r>
-              <a:t> Primary hub deployment and security policy development</a:t>
-            </a:r>
-          </a:p>
-          <a:p>
-            <a:pPr/>
-            <a:r>
-              <a:rPr b="1"/>
-              <a:t>Week 4:</a:t>
-            </a:r>
-            <a:r>
-              <a:t> First branch migration and pilot validation</a:t>
-            </a:r>
-          </a:p>
-        </p:txBody>
-      </p:sp>
+        </p:nvGraphicFramePr>
+        <p:xfrm>
+          <a:off x="256855" y="677011"/>
+          <a:ext cx="8710929" cy="2225040"/>
+        </p:xfrm>
+        <a:graphic>
+          <a:graphicData uri="http://schemas.openxmlformats.org/drawingml/2006/table">
+            <a:tbl>
+              <a:tblPr firstRow="1" bandRow="1">
+                <a:tableStyleId>{5C22544A-7EE6-4342-B048-85BDC9FD1C3A}</a:tableStyleId>
+              </a:tblPr>
+              <a:tblGrid>
+                <a:gridCol w="2177733"/>
+                <a:gridCol w="1306639"/>
+                <a:gridCol w="1306639"/>
+                <a:gridCol w="1306639"/>
+                <a:gridCol w="871093"/>
+                <a:gridCol w="871093"/>
+                <a:gridCol w="871093"/>
+              </a:tblGrid>
+              <a:tr h="370840">
+                <a:tc>
+                  <a:txBody>
+                    <a:bodyPr/>
+                    <a:lstStyle/>
+                    <a:p>
+                      <a:r>
+                        <a:rPr sz="1400">
+                          <a:solidFill>
+                            <a:srgbClr val="FFFFFF"/>
+                          </a:solidFill>
+                        </a:rPr>
+                        <a:t>Cost Category</a:t>
+                      </a:r>
+                    </a:p>
+                  </a:txBody>
+                  <a:tcPr>
+                    <a:solidFill>
+                      <a:srgbClr val="A01C02"/>
+                    </a:solidFill>
+                  </a:tcPr>
+                </a:tc>
+                <a:tc>
+                  <a:txBody>
+                    <a:bodyPr/>
+                    <a:lstStyle/>
+                    <a:p>
+                      <a:r>
+                        <a:rPr sz="1400">
+                          <a:solidFill>
+                            <a:srgbClr val="FFFFFF"/>
+                          </a:solidFill>
+                        </a:rPr>
+                        <a:t>Year 1 List</a:t>
+                      </a:r>
+                    </a:p>
+                  </a:txBody>
+                  <a:tcPr>
+                    <a:solidFill>
+                      <a:srgbClr val="A01C02"/>
+                    </a:solidFill>
+                  </a:tcPr>
+                </a:tc>
+                <a:tc>
+                  <a:txBody>
+                    <a:bodyPr/>
+                    <a:lstStyle/>
+                    <a:p>
+                      <a:r>
+                        <a:rPr sz="1400">
+                          <a:solidFill>
+                            <a:srgbClr val="FFFFFF"/>
+                          </a:solidFill>
+                        </a:rPr>
+                        <a:t>Provider/Partner Credits</a:t>
+                      </a:r>
+                    </a:p>
+                  </a:txBody>
+                  <a:tcPr>
+                    <a:solidFill>
+                      <a:srgbClr val="A01C02"/>
+                    </a:solidFill>
+                  </a:tcPr>
+                </a:tc>
+                <a:tc>
+                  <a:txBody>
+                    <a:bodyPr/>
+                    <a:lstStyle/>
+                    <a:p>
+                      <a:r>
+                        <a:rPr sz="1400">
+                          <a:solidFill>
+                            <a:srgbClr val="FFFFFF"/>
+                          </a:solidFill>
+                        </a:rPr>
+                        <a:t>Year 1 Net</a:t>
+                      </a:r>
+                    </a:p>
+                  </a:txBody>
+                  <a:tcPr>
+                    <a:solidFill>
+                      <a:srgbClr val="A01C02"/>
+                    </a:solidFill>
+                  </a:tcPr>
+                </a:tc>
+                <a:tc>
+                  <a:txBody>
+                    <a:bodyPr/>
+                    <a:lstStyle/>
+                    <a:p>
+                      <a:r>
+                        <a:rPr sz="1400">
+                          <a:solidFill>
+                            <a:srgbClr val="FFFFFF"/>
+                          </a:solidFill>
+                        </a:rPr>
+                        <a:t>Year 2</a:t>
+                      </a:r>
+                    </a:p>
+                  </a:txBody>
+                  <a:tcPr>
+                    <a:solidFill>
+                      <a:srgbClr val="A01C02"/>
+                    </a:solidFill>
+                  </a:tcPr>
+                </a:tc>
+                <a:tc>
+                  <a:txBody>
+                    <a:bodyPr/>
+                    <a:lstStyle/>
+                    <a:p>
+                      <a:r>
+                        <a:rPr sz="1400">
+                          <a:solidFill>
+                            <a:srgbClr val="FFFFFF"/>
+                          </a:solidFill>
+                        </a:rPr>
+                        <a:t>Year 3</a:t>
+                      </a:r>
+                    </a:p>
+                  </a:txBody>
+                  <a:tcPr>
+                    <a:solidFill>
+                      <a:srgbClr val="A01C02"/>
+                    </a:solidFill>
+                  </a:tcPr>
+                </a:tc>
+                <a:tc>
+                  <a:txBody>
+                    <a:bodyPr/>
+                    <a:lstStyle/>
+                    <a:p>
+                      <a:r>
+                        <a:rPr sz="1400">
+                          <a:solidFill>
+                            <a:srgbClr val="FFFFFF"/>
+                          </a:solidFill>
+                        </a:rPr>
+                        <a:t>3-Year Total</a:t>
+                      </a:r>
+                    </a:p>
+                  </a:txBody>
+                  <a:tcPr>
+                    <a:solidFill>
+                      <a:srgbClr val="A01C02"/>
+                    </a:solidFill>
+                  </a:tcPr>
+                </a:tc>
+              </a:tr>
+              <a:tr h="370840">
+                <a:tc>
+                  <a:txBody>
+                    <a:bodyPr/>
+                    <a:lstStyle/>
+                    <a:p>
+                      <a:r>
+                        <a:rPr sz="1100"/>
+                        <a:t>Cloud Infrastructure</a:t>
+                      </a:r>
+                    </a:p>
+                  </a:txBody>
+                  <a:tcPr>
+                    <a:solidFill>
+                      <a:srgbClr val="E7E6E6"/>
+                    </a:solidFill>
+                  </a:tcPr>
+                </a:tc>
+                <a:tc>
+                  <a:txBody>
+                    <a:bodyPr/>
+                    <a:lstStyle/>
+                    <a:p>
+                      <a:r>
+                        <a:rPr sz="1100"/>
+                        <a:t>$0</a:t>
+                      </a:r>
+                    </a:p>
+                  </a:txBody>
+                  <a:tcPr>
+                    <a:solidFill>
+                      <a:srgbClr val="E7E6E6"/>
+                    </a:solidFill>
+                  </a:tcPr>
+                </a:tc>
+                <a:tc>
+                  <a:txBody>
+                    <a:bodyPr/>
+                    <a:lstStyle/>
+                    <a:p>
+                      <a:r>
+                        <a:rPr sz="1100"/>
+                        <a:t>$0</a:t>
+                      </a:r>
+                    </a:p>
+                  </a:txBody>
+                  <a:tcPr>
+                    <a:solidFill>
+                      <a:srgbClr val="E7E6E6"/>
+                    </a:solidFill>
+                  </a:tcPr>
+                </a:tc>
+                <a:tc>
+                  <a:txBody>
+                    <a:bodyPr/>
+                    <a:lstStyle/>
+                    <a:p>
+                      <a:r>
+                        <a:rPr sz="1100"/>
+                        <a:t>$0</a:t>
+                      </a:r>
+                    </a:p>
+                  </a:txBody>
+                  <a:tcPr>
+                    <a:solidFill>
+                      <a:srgbClr val="E7E6E6"/>
+                    </a:solidFill>
+                  </a:tcPr>
+                </a:tc>
+                <a:tc>
+                  <a:txBody>
+                    <a:bodyPr/>
+                    <a:lstStyle/>
+                    <a:p>
+                      <a:r>
+                        <a:rPr sz="1100"/>
+                        <a:t>$0</a:t>
+                      </a:r>
+                    </a:p>
+                  </a:txBody>
+                  <a:tcPr>
+                    <a:solidFill>
+                      <a:srgbClr val="E7E6E6"/>
+                    </a:solidFill>
+                  </a:tcPr>
+                </a:tc>
+                <a:tc>
+                  <a:txBody>
+                    <a:bodyPr/>
+                    <a:lstStyle/>
+                    <a:p>
+                      <a:r>
+                        <a:rPr sz="1100"/>
+                        <a:t>$0</a:t>
+                      </a:r>
+                    </a:p>
+                  </a:txBody>
+                  <a:tcPr>
+                    <a:solidFill>
+                      <a:srgbClr val="E7E6E6"/>
+                    </a:solidFill>
+                  </a:tcPr>
+                </a:tc>
+                <a:tc>
+                  <a:txBody>
+                    <a:bodyPr/>
+                    <a:lstStyle/>
+                    <a:p>
+                      <a:r>
+                        <a:rPr sz="1100"/>
+                        <a:t>$0</a:t>
+                      </a:r>
+                    </a:p>
+                  </a:txBody>
+                  <a:tcPr>
+                    <a:solidFill>
+                      <a:srgbClr val="E7E6E6"/>
+                    </a:solidFill>
+                  </a:tcPr>
+                </a:tc>
+              </a:tr>
+              <a:tr h="370840">
+                <a:tc>
+                  <a:txBody>
+                    <a:bodyPr/>
+                    <a:lstStyle/>
+                    <a:p>
+                      <a:r>
+                        <a:rPr sz="1100"/>
+                        <a:t>Professional Services</a:t>
+                      </a:r>
+                    </a:p>
+                  </a:txBody>
+                  <a:tcPr>
+                    <a:solidFill>
+                      <a:srgbClr val="E7E6E6"/>
+                    </a:solidFill>
+                  </a:tcPr>
+                </a:tc>
+                <a:tc>
+                  <a:txBody>
+                    <a:bodyPr/>
+                    <a:lstStyle/>
+                    <a:p>
+                      <a:r>
+                        <a:rPr sz="1100"/>
+                        <a:t>$0</a:t>
+                      </a:r>
+                    </a:p>
+                  </a:txBody>
+                  <a:tcPr>
+                    <a:solidFill>
+                      <a:srgbClr val="E7E6E6"/>
+                    </a:solidFill>
+                  </a:tcPr>
+                </a:tc>
+                <a:tc>
+                  <a:txBody>
+                    <a:bodyPr/>
+                    <a:lstStyle/>
+                    <a:p>
+                      <a:r>
+                        <a:rPr sz="1100"/>
+                        <a:t>$0</a:t>
+                      </a:r>
+                    </a:p>
+                  </a:txBody>
+                  <a:tcPr>
+                    <a:solidFill>
+                      <a:srgbClr val="E7E6E6"/>
+                    </a:solidFill>
+                  </a:tcPr>
+                </a:tc>
+                <a:tc>
+                  <a:txBody>
+                    <a:bodyPr/>
+                    <a:lstStyle/>
+                    <a:p>
+                      <a:r>
+                        <a:rPr sz="1100"/>
+                        <a:t>$0</a:t>
+                      </a:r>
+                    </a:p>
+                  </a:txBody>
+                  <a:tcPr>
+                    <a:solidFill>
+                      <a:srgbClr val="E7E6E6"/>
+                    </a:solidFill>
+                  </a:tcPr>
+                </a:tc>
+                <a:tc>
+                  <a:txBody>
+                    <a:bodyPr/>
+                    <a:lstStyle/>
+                    <a:p>
+                      <a:r>
+                        <a:rPr sz="1100"/>
+                        <a:t>$0</a:t>
+                      </a:r>
+                    </a:p>
+                  </a:txBody>
+                  <a:tcPr>
+                    <a:solidFill>
+                      <a:srgbClr val="E7E6E6"/>
+                    </a:solidFill>
+                  </a:tcPr>
+                </a:tc>
+                <a:tc>
+                  <a:txBody>
+                    <a:bodyPr/>
+                    <a:lstStyle/>
+                    <a:p>
+                      <a:r>
+                        <a:rPr sz="1100"/>
+                        <a:t>$0</a:t>
+                      </a:r>
+                    </a:p>
+                  </a:txBody>
+                  <a:tcPr>
+                    <a:solidFill>
+                      <a:srgbClr val="E7E6E6"/>
+                    </a:solidFill>
+                  </a:tcPr>
+                </a:tc>
+                <a:tc>
+                  <a:txBody>
+                    <a:bodyPr/>
+                    <a:lstStyle/>
+                    <a:p>
+                      <a:r>
+                        <a:rPr sz="1100"/>
+                        <a:t>$0</a:t>
+                      </a:r>
+                    </a:p>
+                  </a:txBody>
+                  <a:tcPr>
+                    <a:solidFill>
+                      <a:srgbClr val="E7E6E6"/>
+                    </a:solidFill>
+                  </a:tcPr>
+                </a:tc>
+              </a:tr>
+              <a:tr h="370840">
+                <a:tc>
+                  <a:txBody>
+                    <a:bodyPr/>
+                    <a:lstStyle/>
+                    <a:p>
+                      <a:r>
+                        <a:rPr sz="1100"/>
+                        <a:t>Software Licenses</a:t>
+                      </a:r>
+                    </a:p>
+                  </a:txBody>
+                  <a:tcPr>
+                    <a:solidFill>
+                      <a:srgbClr val="E7E6E6"/>
+                    </a:solidFill>
+                  </a:tcPr>
+                </a:tc>
+                <a:tc>
+                  <a:txBody>
+                    <a:bodyPr/>
+                    <a:lstStyle/>
+                    <a:p>
+                      <a:r>
+                        <a:rPr sz="1100"/>
+                        <a:t>$0</a:t>
+                      </a:r>
+                    </a:p>
+                  </a:txBody>
+                  <a:tcPr>
+                    <a:solidFill>
+                      <a:srgbClr val="E7E6E6"/>
+                    </a:solidFill>
+                  </a:tcPr>
+                </a:tc>
+                <a:tc>
+                  <a:txBody>
+                    <a:bodyPr/>
+                    <a:lstStyle/>
+                    <a:p>
+                      <a:r>
+                        <a:rPr sz="1100"/>
+                        <a:t>$0</a:t>
+                      </a:r>
+                    </a:p>
+                  </a:txBody>
+                  <a:tcPr>
+                    <a:solidFill>
+                      <a:srgbClr val="E7E6E6"/>
+                    </a:solidFill>
+                  </a:tcPr>
+                </a:tc>
+                <a:tc>
+                  <a:txBody>
+                    <a:bodyPr/>
+                    <a:lstStyle/>
+                    <a:p>
+                      <a:r>
+                        <a:rPr sz="1100"/>
+                        <a:t>$0</a:t>
+                      </a:r>
+                    </a:p>
+                  </a:txBody>
+                  <a:tcPr>
+                    <a:solidFill>
+                      <a:srgbClr val="E7E6E6"/>
+                    </a:solidFill>
+                  </a:tcPr>
+                </a:tc>
+                <a:tc>
+                  <a:txBody>
+                    <a:bodyPr/>
+                    <a:lstStyle/>
+                    <a:p>
+                      <a:r>
+                        <a:rPr sz="1100"/>
+                        <a:t>$0</a:t>
+                      </a:r>
+                    </a:p>
+                  </a:txBody>
+                  <a:tcPr>
+                    <a:solidFill>
+                      <a:srgbClr val="E7E6E6"/>
+                    </a:solidFill>
+                  </a:tcPr>
+                </a:tc>
+                <a:tc>
+                  <a:txBody>
+                    <a:bodyPr/>
+                    <a:lstStyle/>
+                    <a:p>
+                      <a:r>
+                        <a:rPr sz="1100"/>
+                        <a:t>$0</a:t>
+                      </a:r>
+                    </a:p>
+                  </a:txBody>
+                  <a:tcPr>
+                    <a:solidFill>
+                      <a:srgbClr val="E7E6E6"/>
+                    </a:solidFill>
+                  </a:tcPr>
+                </a:tc>
+                <a:tc>
+                  <a:txBody>
+                    <a:bodyPr/>
+                    <a:lstStyle/>
+                    <a:p>
+                      <a:r>
+                        <a:rPr sz="1100"/>
+                        <a:t>$0</a:t>
+                      </a:r>
+                    </a:p>
+                  </a:txBody>
+                  <a:tcPr>
+                    <a:solidFill>
+                      <a:srgbClr val="E7E6E6"/>
+                    </a:solidFill>
+                  </a:tcPr>
+                </a:tc>
+              </a:tr>
+              <a:tr h="370840">
+                <a:tc>
+                  <a:txBody>
+                    <a:bodyPr/>
+                    <a:lstStyle/>
+                    <a:p>
+                      <a:r>
+                        <a:rPr sz="1100"/>
+                        <a:t>Support &amp; Maintenance</a:t>
+                      </a:r>
+                    </a:p>
+                  </a:txBody>
+                  <a:tcPr>
+                    <a:solidFill>
+                      <a:srgbClr val="E7E6E6"/>
+                    </a:solidFill>
+                  </a:tcPr>
+                </a:tc>
+                <a:tc>
+                  <a:txBody>
+                    <a:bodyPr/>
+                    <a:lstStyle/>
+                    <a:p>
+                      <a:r>
+                        <a:rPr sz="1100"/>
+                        <a:t>$0</a:t>
+                      </a:r>
+                    </a:p>
+                  </a:txBody>
+                  <a:tcPr>
+                    <a:solidFill>
+                      <a:srgbClr val="E7E6E6"/>
+                    </a:solidFill>
+                  </a:tcPr>
+                </a:tc>
+                <a:tc>
+                  <a:txBody>
+                    <a:bodyPr/>
+                    <a:lstStyle/>
+                    <a:p>
+                      <a:r>
+                        <a:rPr sz="1100"/>
+                        <a:t>$0</a:t>
+                      </a:r>
+                    </a:p>
+                  </a:txBody>
+                  <a:tcPr>
+                    <a:solidFill>
+                      <a:srgbClr val="E7E6E6"/>
+                    </a:solidFill>
+                  </a:tcPr>
+                </a:tc>
+                <a:tc>
+                  <a:txBody>
+                    <a:bodyPr/>
+                    <a:lstStyle/>
+                    <a:p>
+                      <a:r>
+                        <a:rPr sz="1100"/>
+                        <a:t>$0</a:t>
+                      </a:r>
+                    </a:p>
+                  </a:txBody>
+                  <a:tcPr>
+                    <a:solidFill>
+                      <a:srgbClr val="E7E6E6"/>
+                    </a:solidFill>
+                  </a:tcPr>
+                </a:tc>
+                <a:tc>
+                  <a:txBody>
+                    <a:bodyPr/>
+                    <a:lstStyle/>
+                    <a:p>
+                      <a:r>
+                        <a:rPr sz="1100"/>
+                        <a:t>$0</a:t>
+                      </a:r>
+                    </a:p>
+                  </a:txBody>
+                  <a:tcPr>
+                    <a:solidFill>
+                      <a:srgbClr val="E7E6E6"/>
+                    </a:solidFill>
+                  </a:tcPr>
+                </a:tc>
+                <a:tc>
+                  <a:txBody>
+                    <a:bodyPr/>
+                    <a:lstStyle/>
+                    <a:p>
+                      <a:r>
+                        <a:rPr sz="1100"/>
+                        <a:t>$0</a:t>
+                      </a:r>
+                    </a:p>
+                  </a:txBody>
+                  <a:tcPr>
+                    <a:solidFill>
+                      <a:srgbClr val="E7E6E6"/>
+                    </a:solidFill>
+                  </a:tcPr>
+                </a:tc>
+                <a:tc>
+                  <a:txBody>
+                    <a:bodyPr/>
+                    <a:lstStyle/>
+                    <a:p>
+                      <a:r>
+                        <a:rPr sz="1100"/>
+                        <a:t>$0</a:t>
+                      </a:r>
+                    </a:p>
+                  </a:txBody>
+                  <a:tcPr>
+                    <a:solidFill>
+                      <a:srgbClr val="E7E6E6"/>
+                    </a:solidFill>
+                  </a:tcPr>
+                </a:tc>
+              </a:tr>
+              <a:tr h="370840">
+                <a:tc>
+                  <a:txBody>
+                    <a:bodyPr/>
+                    <a:lstStyle/>
+                    <a:p>
+                      <a:r>
+                        <a:rPr b="1" sz="1100"/>
+                        <a:t>TOTAL INVESTMENT</a:t>
+                      </a:r>
+                    </a:p>
+                  </a:txBody>
+                  <a:tcPr>
+                    <a:solidFill>
+                      <a:srgbClr val="E7E6E6"/>
+                    </a:solidFill>
+                  </a:tcPr>
+                </a:tc>
+                <a:tc>
+                  <a:txBody>
+                    <a:bodyPr/>
+                    <a:lstStyle/>
+                    <a:p>
+                      <a:r>
+                        <a:rPr b="1" sz="1100"/>
+                        <a:t>$0</a:t>
+                      </a:r>
+                    </a:p>
+                  </a:txBody>
+                  <a:tcPr>
+                    <a:solidFill>
+                      <a:srgbClr val="E7E6E6"/>
+                    </a:solidFill>
+                  </a:tcPr>
+                </a:tc>
+                <a:tc>
+                  <a:txBody>
+                    <a:bodyPr/>
+                    <a:lstStyle/>
+                    <a:p>
+                      <a:r>
+                        <a:rPr b="1" sz="1100"/>
+                        <a:t>$0</a:t>
+                      </a:r>
+                    </a:p>
+                  </a:txBody>
+                  <a:tcPr>
+                    <a:solidFill>
+                      <a:srgbClr val="E7E6E6"/>
+                    </a:solidFill>
+                  </a:tcPr>
+                </a:tc>
+                <a:tc>
+                  <a:txBody>
+                    <a:bodyPr/>
+                    <a:lstStyle/>
+                    <a:p>
+                      <a:r>
+                        <a:rPr b="1" sz="1100"/>
+                        <a:t>$0</a:t>
+                      </a:r>
+                    </a:p>
+                  </a:txBody>
+                  <a:tcPr>
+                    <a:solidFill>
+                      <a:srgbClr val="E7E6E6"/>
+                    </a:solidFill>
+                  </a:tcPr>
+                </a:tc>
+                <a:tc>
+                  <a:txBody>
+                    <a:bodyPr/>
+                    <a:lstStyle/>
+                    <a:p>
+                      <a:r>
+                        <a:rPr b="1" sz="1100"/>
+                        <a:t>$0</a:t>
+                      </a:r>
+                    </a:p>
+                  </a:txBody>
+                  <a:tcPr>
+                    <a:solidFill>
+                      <a:srgbClr val="E7E6E6"/>
+                    </a:solidFill>
+                  </a:tcPr>
+                </a:tc>
+                <a:tc>
+                  <a:txBody>
+                    <a:bodyPr/>
+                    <a:lstStyle/>
+                    <a:p>
+                      <a:r>
+                        <a:rPr b="1" sz="1100"/>
+                        <a:t>$0</a:t>
+                      </a:r>
+                    </a:p>
+                  </a:txBody>
+                  <a:tcPr>
+                    <a:solidFill>
+                      <a:srgbClr val="E7E6E6"/>
+                    </a:solidFill>
+                  </a:tcPr>
+                </a:tc>
+                <a:tc>
+                  <a:txBody>
+                    <a:bodyPr/>
+                    <a:lstStyle/>
+                    <a:p>
+                      <a:r>
+                        <a:rPr b="1" sz="1100"/>
+                        <a:t>$0</a:t>
+                      </a:r>
+                    </a:p>
+                  </a:txBody>
+                  <a:tcPr>
+                    <a:solidFill>
+                      <a:srgbClr val="E7E6E6"/>
+                    </a:solidFill>
+                  </a:tcPr>
+                </a:tc>
+              </a:tr>
+            </a:tbl>
+          </a:graphicData>
+        </a:graphic>
+      </p:graphicFrame>
       <p:pic>
         <p:nvPicPr>
           <p:cNvPr id="5" name="Picture 4" descr="eo-framework-logo-real.png"/>

--- a/solutions/azure/network/virtual-wan-global/presales/solution-briefing.pptx
+++ b/solutions/azure/network/virtual-wan-global/presales/solution-briefing.pptx
@@ -3361,7 +3361,7 @@
           <a:lstStyle/>
           <a:p>
             <a:r>
-              <a:t>Alison Smith | November 16, 2025</a:t>
+              <a:t>Alison Smith | November 17, 2025</a:t>
             </a:r>
           </a:p>
         </p:txBody>
@@ -3938,7 +3938,7 @@
         </p:nvGraphicFramePr>
         <p:xfrm>
           <a:off x="256855" y="677011"/>
-          <a:ext cx="8710931" cy="6304280"/>
+          <a:ext cx="8710929" cy="3337560"/>
         </p:xfrm>
         <a:graphic>
           <a:graphicData uri="http://schemas.openxmlformats.org/drawingml/2006/table">
@@ -3947,32 +3947,13 @@
                 <a:tableStyleId>{5C22544A-7EE6-4342-B048-85BDC9FD1C3A}</a:tableStyleId>
               </a:tblPr>
               <a:tblGrid>
+                <a:gridCol w="1567967"/>
+                <a:gridCol w="2526170"/>
+                <a:gridCol w="435546"/>
+                <a:gridCol w="1567967"/>
                 <a:gridCol w="2613279"/>
-                <a:gridCol w="3048826"/>
-                <a:gridCol w="3048826"/>
               </a:tblGrid>
               <a:tr h="370840">
-                <a:tc>
-                  <a:txBody>
-                    <a:bodyPr/>
-                    <a:lstStyle/>
-                    <a:p>
-                      <a:r>
-                        <a:rPr sz="1400">
-                          <a:solidFill>
-                            <a:srgbClr val="FFFFFF"/>
-                          </a:solidFill>
-                        </a:rPr>
-                        <a:t>Category</a:t>
-                      </a:r>
-                    </a:p>
-                  </a:txBody>
-                  <a:tcPr>
-                    <a:solidFill>
-                      <a:srgbClr val="A01C02"/>
-                    </a:solidFill>
-                  </a:tcPr>
-                </a:tc>
                 <a:tc>
                   <a:txBody>
                     <a:bodyPr/>
@@ -4015,6 +3996,65 @@
                     </a:solidFill>
                   </a:tcPr>
                 </a:tc>
+                <a:tc>
+                  <a:txBody>
+                    <a:bodyPr/>
+                    <a:lstStyle/>
+                    <a:p/>
+                  </a:txBody>
+                  <a:tcPr>
+                    <a:solidFill>
+                      <a:srgbClr val="FFFFFF"/>
+                    </a:solidFill>
+                    <a:lnL w="12700">
+                      <a:solidFill>
+                        <a:srgbClr val="D0D0D0"/>
+                      </a:solidFill>
+                    </a:lnL>
+                  </a:tcPr>
+                </a:tc>
+                <a:tc>
+                  <a:txBody>
+                    <a:bodyPr/>
+                    <a:lstStyle/>
+                    <a:p>
+                      <a:r>
+                        <a:rPr sz="1400">
+                          <a:solidFill>
+                            <a:srgbClr val="FFFFFF"/>
+                          </a:solidFill>
+                        </a:rPr>
+                        <a:t>Parameter</a:t>
+                      </a:r>
+                    </a:p>
+                  </a:txBody>
+                  <a:tcPr>
+                    <a:solidFill>
+                      <a:srgbClr val="A01C02"/>
+                    </a:solidFill>
+                  </a:tcPr>
+                </a:tc>
+                <a:tc>
+                  <a:txBody>
+                    <a:bodyPr/>
+                    <a:lstStyle/>
+                    <a:p>
+                      <a:r>
+                        <a:rPr sz="1400">
+                          <a:solidFill>
+                            <a:srgbClr val="FFFFFF"/>
+                          </a:solidFill>
+                        </a:rPr>
+                        <a:t>Scope</a:t>
+                      </a:r>
+                    </a:p>
+                  </a:txBody>
+                  <a:tcPr>
+                    <a:solidFill>
+                      <a:srgbClr val="A01C02"/>
+                    </a:solidFill>
+                  </a:tcPr>
+                </a:tc>
               </a:tr>
               <a:tr h="370840">
                 <a:tc>
@@ -4023,24 +4063,7 @@
                     <a:lstStyle/>
                     <a:p>
                       <a:r>
-                        <a:rPr sz="1100"/>
-                        <a:t>Solution Scope</a:t>
-                      </a:r>
-                    </a:p>
-                  </a:txBody>
-                  <a:tcPr>
-                    <a:solidFill>
-                      <a:srgbClr val="E7E6E6"/>
-                    </a:solidFill>
-                  </a:tcPr>
-                </a:tc>
-                <a:tc>
-                  <a:txBody>
-                    <a:bodyPr/>
-                    <a:lstStyle/>
-                    <a:p>
-                      <a:r>
-                        <a:rPr sz="1100"/>
+                        <a:rPr b="1" sz="1100"/>
                         <a:t>Virtual WAN Hubs</a:t>
                       </a:r>
                     </a:p>
@@ -4068,8 +4091,40 @@
                     </a:solidFill>
                   </a:tcPr>
                 </a:tc>
-              </a:tr>
-              <a:tr h="370840">
+                <a:tc>
+                  <a:txBody>
+                    <a:bodyPr/>
+                    <a:lstStyle/>
+                    <a:p/>
+                  </a:txBody>
+                  <a:tcPr>
+                    <a:solidFill>
+                      <a:srgbClr val="FFFFFF"/>
+                    </a:solidFill>
+                    <a:lnL w="12700">
+                      <a:solidFill>
+                        <a:srgbClr val="D0D0D0"/>
+                      </a:solidFill>
+                    </a:lnL>
+                  </a:tcPr>
+                </a:tc>
+                <a:tc>
+                  <a:txBody>
+                    <a:bodyPr/>
+                    <a:lstStyle/>
+                    <a:p>
+                      <a:r>
+                        <a:rPr b="1" sz="1100"/>
+                        <a:t>Deployment Regions</a:t>
+                      </a:r>
+                    </a:p>
+                  </a:txBody>
+                  <a:tcPr>
+                    <a:solidFill>
+                      <a:srgbClr val="E7E6E6"/>
+                    </a:solidFill>
+                  </a:tcPr>
+                </a:tc>
                 <a:tc>
                   <a:txBody>
                     <a:bodyPr/>
@@ -4077,7 +4132,7 @@
                     <a:p>
                       <a:r>
                         <a:rPr sz="1100"/>
-                        <a:t>Solution Scope</a:t>
+                        <a:t>3 Azure regions globally</a:t>
                       </a:r>
                     </a:p>
                   </a:txBody>
@@ -4087,13 +4142,15 @@
                     </a:solidFill>
                   </a:tcPr>
                 </a:tc>
+              </a:tr>
+              <a:tr h="370840">
                 <a:tc>
                   <a:txBody>
                     <a:bodyPr/>
                     <a:lstStyle/>
                     <a:p>
                       <a:r>
-                        <a:rPr sz="1100"/>
+                        <a:rPr b="1" sz="1100"/>
                         <a:t>Connected Sites</a:t>
                       </a:r>
                     </a:p>
@@ -4121,8 +4178,40 @@
                     </a:solidFill>
                   </a:tcPr>
                 </a:tc>
-              </a:tr>
-              <a:tr h="370840">
+                <a:tc>
+                  <a:txBody>
+                    <a:bodyPr/>
+                    <a:lstStyle/>
+                    <a:p/>
+                  </a:txBody>
+                  <a:tcPr>
+                    <a:solidFill>
+                      <a:srgbClr val="FFFFFF"/>
+                    </a:solidFill>
+                    <a:lnL w="12700">
+                      <a:solidFill>
+                        <a:srgbClr val="D0D0D0"/>
+                      </a:solidFill>
+                    </a:lnL>
+                  </a:tcPr>
+                </a:tc>
+                <a:tc>
+                  <a:txBody>
+                    <a:bodyPr/>
+                    <a:lstStyle/>
+                    <a:p>
+                      <a:r>
+                        <a:rPr b="1" sz="1100"/>
+                        <a:t>Availability Requirements</a:t>
+                      </a:r>
+                    </a:p>
+                  </a:txBody>
+                  <a:tcPr>
+                    <a:solidFill>
+                      <a:srgbClr val="E7E6E6"/>
+                    </a:solidFill>
+                  </a:tcPr>
+                </a:tc>
                 <a:tc>
                   <a:txBody>
                     <a:bodyPr/>
@@ -4130,7 +4219,7 @@
                     <a:p>
                       <a:r>
                         <a:rPr sz="1100"/>
-                        <a:t>Integration</a:t>
+                        <a:t>High availability (99.95%)</a:t>
                       </a:r>
                     </a:p>
                   </a:txBody>
@@ -4140,13 +4229,15 @@
                     </a:solidFill>
                   </a:tcPr>
                 </a:tc>
+              </a:tr>
+              <a:tr h="370840">
                 <a:tc>
                   <a:txBody>
                     <a:bodyPr/>
                     <a:lstStyle/>
                     <a:p>
                       <a:r>
-                        <a:rPr sz="1100"/>
+                        <a:rPr b="1" sz="1100"/>
                         <a:t>VPN Connections</a:t>
                       </a:r>
                     </a:p>
@@ -4174,8 +4265,40 @@
                     </a:solidFill>
                   </a:tcPr>
                 </a:tc>
-              </a:tr>
-              <a:tr h="370840">
+                <a:tc>
+                  <a:txBody>
+                    <a:bodyPr/>
+                    <a:lstStyle/>
+                    <a:p/>
+                  </a:txBody>
+                  <a:tcPr>
+                    <a:solidFill>
+                      <a:srgbClr val="FFFFFF"/>
+                    </a:solidFill>
+                    <a:lnL w="12700">
+                      <a:solidFill>
+                        <a:srgbClr val="D0D0D0"/>
+                      </a:solidFill>
+                    </a:lnL>
+                  </a:tcPr>
+                </a:tc>
+                <a:tc>
+                  <a:txBody>
+                    <a:bodyPr/>
+                    <a:lstStyle/>
+                    <a:p>
+                      <a:r>
+                        <a:rPr b="1" sz="1100"/>
+                        <a:t>Infrastructure Complexity</a:t>
+                      </a:r>
+                    </a:p>
+                  </a:txBody>
+                  <a:tcPr>
+                    <a:solidFill>
+                      <a:srgbClr val="E7E6E6"/>
+                    </a:solidFill>
+                  </a:tcPr>
+                </a:tc>
                 <a:tc>
                   <a:txBody>
                     <a:bodyPr/>
@@ -4183,7 +4306,7 @@
                     <a:p>
                       <a:r>
                         <a:rPr sz="1100"/>
-                        <a:t>Integration</a:t>
+                        <a:t>vWAN + Azure Firewall + routing</a:t>
                       </a:r>
                     </a:p>
                   </a:txBody>
@@ -4193,13 +4316,15 @@
                     </a:solidFill>
                   </a:tcPr>
                 </a:tc>
+              </a:tr>
+              <a:tr h="370840">
                 <a:tc>
                   <a:txBody>
                     <a:bodyPr/>
                     <a:lstStyle/>
                     <a:p>
                       <a:r>
-                        <a:rPr sz="1100"/>
+                        <a:rPr b="1" sz="1100"/>
                         <a:t>ExpressRoute Circuits</a:t>
                       </a:r>
                     </a:p>
@@ -4227,8 +4352,40 @@
                     </a:solidFill>
                   </a:tcPr>
                 </a:tc>
-              </a:tr>
-              <a:tr h="370840">
+                <a:tc>
+                  <a:txBody>
+                    <a:bodyPr/>
+                    <a:lstStyle/>
+                    <a:p/>
+                  </a:txBody>
+                  <a:tcPr>
+                    <a:solidFill>
+                      <a:srgbClr val="FFFFFF"/>
+                    </a:solidFill>
+                    <a:lnL w="12700">
+                      <a:solidFill>
+                        <a:srgbClr val="D0D0D0"/>
+                      </a:solidFill>
+                    </a:lnL>
+                  </a:tcPr>
+                </a:tc>
+                <a:tc>
+                  <a:txBody>
+                    <a:bodyPr/>
+                    <a:lstStyle/>
+                    <a:p>
+                      <a:r>
+                        <a:rPr b="1" sz="1100"/>
+                        <a:t>Security Requirements</a:t>
+                      </a:r>
+                    </a:p>
+                  </a:txBody>
+                  <a:tcPr>
+                    <a:solidFill>
+                      <a:srgbClr val="E7E6E6"/>
+                    </a:solidFill>
+                  </a:tcPr>
+                </a:tc>
                 <a:tc>
                   <a:txBody>
                     <a:bodyPr/>
@@ -4236,7 +4393,7 @@
                     <a:p>
                       <a:r>
                         <a:rPr sz="1100"/>
-                        <a:t>User Base</a:t>
+                        <a:t>Azure Firewall DDoS protection</a:t>
                       </a:r>
                     </a:p>
                   </a:txBody>
@@ -4246,13 +4403,15 @@
                     </a:solidFill>
                   </a:tcPr>
                 </a:tc>
+              </a:tr>
+              <a:tr h="370840">
                 <a:tc>
                   <a:txBody>
                     <a:bodyPr/>
                     <a:lstStyle/>
                     <a:p>
                       <a:r>
-                        <a:rPr sz="1100"/>
+                        <a:rPr b="1" sz="1100"/>
                         <a:t>Total Users</a:t>
                       </a:r>
                     </a:p>
@@ -4280,8 +4439,40 @@
                     </a:solidFill>
                   </a:tcPr>
                 </a:tc>
-              </a:tr>
-              <a:tr h="370840">
+                <a:tc>
+                  <a:txBody>
+                    <a:bodyPr/>
+                    <a:lstStyle/>
+                    <a:p/>
+                  </a:txBody>
+                  <a:tcPr>
+                    <a:solidFill>
+                      <a:srgbClr val="FFFFFF"/>
+                    </a:solidFill>
+                    <a:lnL w="12700">
+                      <a:solidFill>
+                        <a:srgbClr val="D0D0D0"/>
+                      </a:solidFill>
+                    </a:lnL>
+                  </a:tcPr>
+                </a:tc>
+                <a:tc>
+                  <a:txBody>
+                    <a:bodyPr/>
+                    <a:lstStyle/>
+                    <a:p>
+                      <a:r>
+                        <a:rPr b="1" sz="1100"/>
+                        <a:t>Compliance Frameworks</a:t>
+                      </a:r>
+                    </a:p>
+                  </a:txBody>
+                  <a:tcPr>
+                    <a:solidFill>
+                      <a:srgbClr val="E7E6E6"/>
+                    </a:solidFill>
+                  </a:tcPr>
+                </a:tc>
                 <a:tc>
                   <a:txBody>
                     <a:bodyPr/>
@@ -4289,7 +4480,7 @@
                     <a:p>
                       <a:r>
                         <a:rPr sz="1100"/>
-                        <a:t>User Base</a:t>
+                        <a:t>SOC2 ISO27001</a:t>
                       </a:r>
                     </a:p>
                   </a:txBody>
@@ -4299,13 +4490,15 @@
                     </a:solidFill>
                   </a:tcPr>
                 </a:tc>
+              </a:tr>
+              <a:tr h="370840">
                 <a:tc>
                   <a:txBody>
                     <a:bodyPr/>
                     <a:lstStyle/>
                     <a:p>
                       <a:r>
-                        <a:rPr sz="1100"/>
+                        <a:rPr b="1" sz="1100"/>
                         <a:t>User Roles</a:t>
                       </a:r>
                     </a:p>
@@ -4333,8 +4526,40 @@
                     </a:solidFill>
                   </a:tcPr>
                 </a:tc>
-              </a:tr>
-              <a:tr h="370840">
+                <a:tc>
+                  <a:txBody>
+                    <a:bodyPr/>
+                    <a:lstStyle/>
+                    <a:p/>
+                  </a:txBody>
+                  <a:tcPr>
+                    <a:solidFill>
+                      <a:srgbClr val="FFFFFF"/>
+                    </a:solidFill>
+                    <a:lnL w="12700">
+                      <a:solidFill>
+                        <a:srgbClr val="D0D0D0"/>
+                      </a:solidFill>
+                    </a:lnL>
+                  </a:tcPr>
+                </a:tc>
+                <a:tc>
+                  <a:txBody>
+                    <a:bodyPr/>
+                    <a:lstStyle/>
+                    <a:p>
+                      <a:r>
+                        <a:rPr b="1" sz="1100"/>
+                        <a:t>Latency Requirements</a:t>
+                      </a:r>
+                    </a:p>
+                  </a:txBody>
+                  <a:tcPr>
+                    <a:solidFill>
+                      <a:srgbClr val="E7E6E6"/>
+                    </a:solidFill>
+                  </a:tcPr>
+                </a:tc>
                 <a:tc>
                   <a:txBody>
                     <a:bodyPr/>
@@ -4342,7 +4567,7 @@
                     <a:p>
                       <a:r>
                         <a:rPr sz="1100"/>
-                        <a:t>Data Volume</a:t>
+                        <a:t>&lt;50ms inter-region</a:t>
                       </a:r>
                     </a:p>
                   </a:txBody>
@@ -4352,13 +4577,15 @@
                     </a:solidFill>
                   </a:tcPr>
                 </a:tc>
+              </a:tr>
+              <a:tr h="370840">
                 <a:tc>
                   <a:txBody>
                     <a:bodyPr/>
                     <a:lstStyle/>
                     <a:p>
                       <a:r>
-                        <a:rPr sz="1100"/>
+                        <a:rPr b="1" sz="1100"/>
                         <a:t>Bandwidth Requirements</a:t>
                       </a:r>
                     </a:p>
@@ -4386,8 +4613,40 @@
                     </a:solidFill>
                   </a:tcPr>
                 </a:tc>
-              </a:tr>
-              <a:tr h="370840">
+                <a:tc>
+                  <a:txBody>
+                    <a:bodyPr/>
+                    <a:lstStyle/>
+                    <a:p/>
+                  </a:txBody>
+                  <a:tcPr>
+                    <a:solidFill>
+                      <a:srgbClr val="FFFFFF"/>
+                    </a:solidFill>
+                    <a:lnL w="12700">
+                      <a:solidFill>
+                        <a:srgbClr val="D0D0D0"/>
+                      </a:solidFill>
+                    </a:lnL>
+                  </a:tcPr>
+                </a:tc>
+                <a:tc>
+                  <a:txBody>
+                    <a:bodyPr/>
+                    <a:lstStyle/>
+                    <a:p>
+                      <a:r>
+                        <a:rPr b="1" sz="1100"/>
+                        <a:t>Routing Complexity</a:t>
+                      </a:r>
+                    </a:p>
+                  </a:txBody>
+                  <a:tcPr>
+                    <a:solidFill>
+                      <a:srgbClr val="E7E6E6"/>
+                    </a:solidFill>
+                  </a:tcPr>
+                </a:tc>
                 <a:tc>
                   <a:txBody>
                     <a:bodyPr/>
@@ -4395,7 +4654,7 @@
                     <a:p>
                       <a:r>
                         <a:rPr sz="1100"/>
-                        <a:t>Data Volume</a:t>
+                        <a:t>BGP route propagation</a:t>
                       </a:r>
                     </a:p>
                   </a:txBody>
@@ -4405,13 +4664,15 @@
                     </a:solidFill>
                   </a:tcPr>
                 </a:tc>
+              </a:tr>
+              <a:tr h="370840">
                 <a:tc>
                   <a:txBody>
                     <a:bodyPr/>
                     <a:lstStyle/>
                     <a:p>
                       <a:r>
-                        <a:rPr sz="1100"/>
+                        <a:rPr b="1" sz="1100"/>
                         <a:t>Traffic Volume</a:t>
                       </a:r>
                     </a:p>
@@ -4439,403 +4700,30 @@
                     </a:solidFill>
                   </a:tcPr>
                 </a:tc>
-              </a:tr>
-              <a:tr h="370840">
+                <a:tc>
+                  <a:txBody>
+                    <a:bodyPr/>
+                    <a:lstStyle/>
+                    <a:p/>
+                  </a:txBody>
+                  <a:tcPr>
+                    <a:solidFill>
+                      <a:srgbClr val="FFFFFF"/>
+                    </a:solidFill>
+                    <a:lnL w="12700">
+                      <a:solidFill>
+                        <a:srgbClr val="D0D0D0"/>
+                      </a:solidFill>
+                    </a:lnL>
+                  </a:tcPr>
+                </a:tc>
                 <a:tc>
                   <a:txBody>
                     <a:bodyPr/>
                     <a:lstStyle/>
                     <a:p>
                       <a:r>
-                        <a:rPr sz="1100"/>
-                        <a:t>Technical Environment</a:t>
-                      </a:r>
-                    </a:p>
-                  </a:txBody>
-                  <a:tcPr>
-                    <a:solidFill>
-                      <a:srgbClr val="E7E6E6"/>
-                    </a:solidFill>
-                  </a:tcPr>
-                </a:tc>
-                <a:tc>
-                  <a:txBody>
-                    <a:bodyPr/>
-                    <a:lstStyle/>
-                    <a:p>
-                      <a:r>
-                        <a:rPr sz="1100"/>
-                        <a:t>Deployment Regions</a:t>
-                      </a:r>
-                    </a:p>
-                  </a:txBody>
-                  <a:tcPr>
-                    <a:solidFill>
-                      <a:srgbClr val="E7E6E6"/>
-                    </a:solidFill>
-                  </a:tcPr>
-                </a:tc>
-                <a:tc>
-                  <a:txBody>
-                    <a:bodyPr/>
-                    <a:lstStyle/>
-                    <a:p>
-                      <a:r>
-                        <a:rPr sz="1100"/>
-                        <a:t>3 Azure regions globally</a:t>
-                      </a:r>
-                    </a:p>
-                  </a:txBody>
-                  <a:tcPr>
-                    <a:solidFill>
-                      <a:srgbClr val="E7E6E6"/>
-                    </a:solidFill>
-                  </a:tcPr>
-                </a:tc>
-              </a:tr>
-              <a:tr h="370840">
-                <a:tc>
-                  <a:txBody>
-                    <a:bodyPr/>
-                    <a:lstStyle/>
-                    <a:p>
-                      <a:r>
-                        <a:rPr sz="1100"/>
-                        <a:t>Technical Environment</a:t>
-                      </a:r>
-                    </a:p>
-                  </a:txBody>
-                  <a:tcPr>
-                    <a:solidFill>
-                      <a:srgbClr val="E7E6E6"/>
-                    </a:solidFill>
-                  </a:tcPr>
-                </a:tc>
-                <a:tc>
-                  <a:txBody>
-                    <a:bodyPr/>
-                    <a:lstStyle/>
-                    <a:p>
-                      <a:r>
-                        <a:rPr sz="1100"/>
-                        <a:t>Availability Requirements</a:t>
-                      </a:r>
-                    </a:p>
-                  </a:txBody>
-                  <a:tcPr>
-                    <a:solidFill>
-                      <a:srgbClr val="E7E6E6"/>
-                    </a:solidFill>
-                  </a:tcPr>
-                </a:tc>
-                <a:tc>
-                  <a:txBody>
-                    <a:bodyPr/>
-                    <a:lstStyle/>
-                    <a:p>
-                      <a:r>
-                        <a:rPr sz="1100"/>
-                        <a:t>High availability (99.95%)</a:t>
-                      </a:r>
-                    </a:p>
-                  </a:txBody>
-                  <a:tcPr>
-                    <a:solidFill>
-                      <a:srgbClr val="E7E6E6"/>
-                    </a:solidFill>
-                  </a:tcPr>
-                </a:tc>
-              </a:tr>
-              <a:tr h="370840">
-                <a:tc>
-                  <a:txBody>
-                    <a:bodyPr/>
-                    <a:lstStyle/>
-                    <a:p>
-                      <a:r>
-                        <a:rPr sz="1100"/>
-                        <a:t>Technical Environment</a:t>
-                      </a:r>
-                    </a:p>
-                  </a:txBody>
-                  <a:tcPr>
-                    <a:solidFill>
-                      <a:srgbClr val="E7E6E6"/>
-                    </a:solidFill>
-                  </a:tcPr>
-                </a:tc>
-                <a:tc>
-                  <a:txBody>
-                    <a:bodyPr/>
-                    <a:lstStyle/>
-                    <a:p>
-                      <a:r>
-                        <a:rPr sz="1100"/>
-                        <a:t>Infrastructure Complexity</a:t>
-                      </a:r>
-                    </a:p>
-                  </a:txBody>
-                  <a:tcPr>
-                    <a:solidFill>
-                      <a:srgbClr val="E7E6E6"/>
-                    </a:solidFill>
-                  </a:tcPr>
-                </a:tc>
-                <a:tc>
-                  <a:txBody>
-                    <a:bodyPr/>
-                    <a:lstStyle/>
-                    <a:p>
-                      <a:r>
-                        <a:rPr sz="1100"/>
-                        <a:t>vWAN + Azure Firewall + routing</a:t>
-                      </a:r>
-                    </a:p>
-                  </a:txBody>
-                  <a:tcPr>
-                    <a:solidFill>
-                      <a:srgbClr val="E7E6E6"/>
-                    </a:solidFill>
-                  </a:tcPr>
-                </a:tc>
-              </a:tr>
-              <a:tr h="370840">
-                <a:tc>
-                  <a:txBody>
-                    <a:bodyPr/>
-                    <a:lstStyle/>
-                    <a:p>
-                      <a:r>
-                        <a:rPr sz="1100"/>
-                        <a:t>Security &amp; Compliance</a:t>
-                      </a:r>
-                    </a:p>
-                  </a:txBody>
-                  <a:tcPr>
-                    <a:solidFill>
-                      <a:srgbClr val="E7E6E6"/>
-                    </a:solidFill>
-                  </a:tcPr>
-                </a:tc>
-                <a:tc>
-                  <a:txBody>
-                    <a:bodyPr/>
-                    <a:lstStyle/>
-                    <a:p>
-                      <a:r>
-                        <a:rPr sz="1100"/>
-                        <a:t>Security Requirements</a:t>
-                      </a:r>
-                    </a:p>
-                  </a:txBody>
-                  <a:tcPr>
-                    <a:solidFill>
-                      <a:srgbClr val="E7E6E6"/>
-                    </a:solidFill>
-                  </a:tcPr>
-                </a:tc>
-                <a:tc>
-                  <a:txBody>
-                    <a:bodyPr/>
-                    <a:lstStyle/>
-                    <a:p>
-                      <a:r>
-                        <a:rPr sz="1100"/>
-                        <a:t>Azure Firewall DDoS protection</a:t>
-                      </a:r>
-                    </a:p>
-                  </a:txBody>
-                  <a:tcPr>
-                    <a:solidFill>
-                      <a:srgbClr val="E7E6E6"/>
-                    </a:solidFill>
-                  </a:tcPr>
-                </a:tc>
-              </a:tr>
-              <a:tr h="370840">
-                <a:tc>
-                  <a:txBody>
-                    <a:bodyPr/>
-                    <a:lstStyle/>
-                    <a:p>
-                      <a:r>
-                        <a:rPr sz="1100"/>
-                        <a:t>Security &amp; Compliance</a:t>
-                      </a:r>
-                    </a:p>
-                  </a:txBody>
-                  <a:tcPr>
-                    <a:solidFill>
-                      <a:srgbClr val="E7E6E6"/>
-                    </a:solidFill>
-                  </a:tcPr>
-                </a:tc>
-                <a:tc>
-                  <a:txBody>
-                    <a:bodyPr/>
-                    <a:lstStyle/>
-                    <a:p>
-                      <a:r>
-                        <a:rPr sz="1100"/>
-                        <a:t>Compliance Frameworks</a:t>
-                      </a:r>
-                    </a:p>
-                  </a:txBody>
-                  <a:tcPr>
-                    <a:solidFill>
-                      <a:srgbClr val="E7E6E6"/>
-                    </a:solidFill>
-                  </a:tcPr>
-                </a:tc>
-                <a:tc>
-                  <a:txBody>
-                    <a:bodyPr/>
-                    <a:lstStyle/>
-                    <a:p>
-                      <a:r>
-                        <a:rPr sz="1100"/>
-                        <a:t>SOC2 ISO27001</a:t>
-                      </a:r>
-                    </a:p>
-                  </a:txBody>
-                  <a:tcPr>
-                    <a:solidFill>
-                      <a:srgbClr val="E7E6E6"/>
-                    </a:solidFill>
-                  </a:tcPr>
-                </a:tc>
-              </a:tr>
-              <a:tr h="370840">
-                <a:tc>
-                  <a:txBody>
-                    <a:bodyPr/>
-                    <a:lstStyle/>
-                    <a:p>
-                      <a:r>
-                        <a:rPr sz="1100"/>
-                        <a:t>Performance</a:t>
-                      </a:r>
-                    </a:p>
-                  </a:txBody>
-                  <a:tcPr>
-                    <a:solidFill>
-                      <a:srgbClr val="E7E6E6"/>
-                    </a:solidFill>
-                  </a:tcPr>
-                </a:tc>
-                <a:tc>
-                  <a:txBody>
-                    <a:bodyPr/>
-                    <a:lstStyle/>
-                    <a:p>
-                      <a:r>
-                        <a:rPr sz="1100"/>
-                        <a:t>Latency Requirements</a:t>
-                      </a:r>
-                    </a:p>
-                  </a:txBody>
-                  <a:tcPr>
-                    <a:solidFill>
-                      <a:srgbClr val="E7E6E6"/>
-                    </a:solidFill>
-                  </a:tcPr>
-                </a:tc>
-                <a:tc>
-                  <a:txBody>
-                    <a:bodyPr/>
-                    <a:lstStyle/>
-                    <a:p>
-                      <a:r>
-                        <a:rPr sz="1100"/>
-                        <a:t>&lt;50ms inter-region</a:t>
-                      </a:r>
-                    </a:p>
-                  </a:txBody>
-                  <a:tcPr>
-                    <a:solidFill>
-                      <a:srgbClr val="E7E6E6"/>
-                    </a:solidFill>
-                  </a:tcPr>
-                </a:tc>
-              </a:tr>
-              <a:tr h="370840">
-                <a:tc>
-                  <a:txBody>
-                    <a:bodyPr/>
-                    <a:lstStyle/>
-                    <a:p>
-                      <a:r>
-                        <a:rPr sz="1100"/>
-                        <a:t>Performance</a:t>
-                      </a:r>
-                    </a:p>
-                  </a:txBody>
-                  <a:tcPr>
-                    <a:solidFill>
-                      <a:srgbClr val="E7E6E6"/>
-                    </a:solidFill>
-                  </a:tcPr>
-                </a:tc>
-                <a:tc>
-                  <a:txBody>
-                    <a:bodyPr/>
-                    <a:lstStyle/>
-                    <a:p>
-                      <a:r>
-                        <a:rPr sz="1100"/>
-                        <a:t>Routing Complexity</a:t>
-                      </a:r>
-                    </a:p>
-                  </a:txBody>
-                  <a:tcPr>
-                    <a:solidFill>
-                      <a:srgbClr val="E7E6E6"/>
-                    </a:solidFill>
-                  </a:tcPr>
-                </a:tc>
-                <a:tc>
-                  <a:txBody>
-                    <a:bodyPr/>
-                    <a:lstStyle/>
-                    <a:p>
-                      <a:r>
-                        <a:rPr sz="1100"/>
-                        <a:t>BGP route propagation</a:t>
-                      </a:r>
-                    </a:p>
-                  </a:txBody>
-                  <a:tcPr>
-                    <a:solidFill>
-                      <a:srgbClr val="E7E6E6"/>
-                    </a:solidFill>
-                  </a:tcPr>
-                </a:tc>
-              </a:tr>
-              <a:tr h="370840">
-                <a:tc>
-                  <a:txBody>
-                    <a:bodyPr/>
-                    <a:lstStyle/>
-                    <a:p>
-                      <a:r>
-                        <a:rPr sz="1100"/>
-                        <a:t>Environment</a:t>
-                      </a:r>
-                    </a:p>
-                  </a:txBody>
-                  <a:tcPr>
-                    <a:solidFill>
-                      <a:srgbClr val="E7E6E6"/>
-                    </a:solidFill>
-                  </a:tcPr>
-                </a:tc>
-                <a:tc>
-                  <a:txBody>
-                    <a:bodyPr/>
-                    <a:lstStyle/>
-                    <a:p>
-                      <a:r>
-                        <a:rPr sz="1100"/>
+                        <a:rPr b="1" sz="1100"/>
                         <a:t>Deployment Environments</a:t>
                       </a:r>
                     </a:p>
@@ -6084,7 +5972,7 @@
         </p:nvGraphicFramePr>
         <p:xfrm>
           <a:off x="256855" y="677011"/>
-          <a:ext cx="8710929" cy="2225040"/>
+          <a:ext cx="8710929" cy="741680"/>
         </p:xfrm>
         <a:graphic>
           <a:graphicData uri="http://schemas.openxmlformats.org/drawingml/2006/table">
@@ -6246,490 +6134,6 @@
                   <a:tcPr>
                     <a:solidFill>
                       <a:srgbClr val="A01C02"/>
-                    </a:solidFill>
-                  </a:tcPr>
-                </a:tc>
-              </a:tr>
-              <a:tr h="370840">
-                <a:tc>
-                  <a:txBody>
-                    <a:bodyPr/>
-                    <a:lstStyle/>
-                    <a:p>
-                      <a:r>
-                        <a:rPr sz="1100"/>
-                        <a:t>Cloud Infrastructure</a:t>
-                      </a:r>
-                    </a:p>
-                  </a:txBody>
-                  <a:tcPr>
-                    <a:solidFill>
-                      <a:srgbClr val="E7E6E6"/>
-                    </a:solidFill>
-                  </a:tcPr>
-                </a:tc>
-                <a:tc>
-                  <a:txBody>
-                    <a:bodyPr/>
-                    <a:lstStyle/>
-                    <a:p>
-                      <a:r>
-                        <a:rPr sz="1100"/>
-                        <a:t>$0</a:t>
-                      </a:r>
-                    </a:p>
-                  </a:txBody>
-                  <a:tcPr>
-                    <a:solidFill>
-                      <a:srgbClr val="E7E6E6"/>
-                    </a:solidFill>
-                  </a:tcPr>
-                </a:tc>
-                <a:tc>
-                  <a:txBody>
-                    <a:bodyPr/>
-                    <a:lstStyle/>
-                    <a:p>
-                      <a:r>
-                        <a:rPr sz="1100"/>
-                        <a:t>$0</a:t>
-                      </a:r>
-                    </a:p>
-                  </a:txBody>
-                  <a:tcPr>
-                    <a:solidFill>
-                      <a:srgbClr val="E7E6E6"/>
-                    </a:solidFill>
-                  </a:tcPr>
-                </a:tc>
-                <a:tc>
-                  <a:txBody>
-                    <a:bodyPr/>
-                    <a:lstStyle/>
-                    <a:p>
-                      <a:r>
-                        <a:rPr sz="1100"/>
-                        <a:t>$0</a:t>
-                      </a:r>
-                    </a:p>
-                  </a:txBody>
-                  <a:tcPr>
-                    <a:solidFill>
-                      <a:srgbClr val="E7E6E6"/>
-                    </a:solidFill>
-                  </a:tcPr>
-                </a:tc>
-                <a:tc>
-                  <a:txBody>
-                    <a:bodyPr/>
-                    <a:lstStyle/>
-                    <a:p>
-                      <a:r>
-                        <a:rPr sz="1100"/>
-                        <a:t>$0</a:t>
-                      </a:r>
-                    </a:p>
-                  </a:txBody>
-                  <a:tcPr>
-                    <a:solidFill>
-                      <a:srgbClr val="E7E6E6"/>
-                    </a:solidFill>
-                  </a:tcPr>
-                </a:tc>
-                <a:tc>
-                  <a:txBody>
-                    <a:bodyPr/>
-                    <a:lstStyle/>
-                    <a:p>
-                      <a:r>
-                        <a:rPr sz="1100"/>
-                        <a:t>$0</a:t>
-                      </a:r>
-                    </a:p>
-                  </a:txBody>
-                  <a:tcPr>
-                    <a:solidFill>
-                      <a:srgbClr val="E7E6E6"/>
-                    </a:solidFill>
-                  </a:tcPr>
-                </a:tc>
-                <a:tc>
-                  <a:txBody>
-                    <a:bodyPr/>
-                    <a:lstStyle/>
-                    <a:p>
-                      <a:r>
-                        <a:rPr sz="1100"/>
-                        <a:t>$0</a:t>
-                      </a:r>
-                    </a:p>
-                  </a:txBody>
-                  <a:tcPr>
-                    <a:solidFill>
-                      <a:srgbClr val="E7E6E6"/>
-                    </a:solidFill>
-                  </a:tcPr>
-                </a:tc>
-              </a:tr>
-              <a:tr h="370840">
-                <a:tc>
-                  <a:txBody>
-                    <a:bodyPr/>
-                    <a:lstStyle/>
-                    <a:p>
-                      <a:r>
-                        <a:rPr sz="1100"/>
-                        <a:t>Professional Services</a:t>
-                      </a:r>
-                    </a:p>
-                  </a:txBody>
-                  <a:tcPr>
-                    <a:solidFill>
-                      <a:srgbClr val="E7E6E6"/>
-                    </a:solidFill>
-                  </a:tcPr>
-                </a:tc>
-                <a:tc>
-                  <a:txBody>
-                    <a:bodyPr/>
-                    <a:lstStyle/>
-                    <a:p>
-                      <a:r>
-                        <a:rPr sz="1100"/>
-                        <a:t>$0</a:t>
-                      </a:r>
-                    </a:p>
-                  </a:txBody>
-                  <a:tcPr>
-                    <a:solidFill>
-                      <a:srgbClr val="E7E6E6"/>
-                    </a:solidFill>
-                  </a:tcPr>
-                </a:tc>
-                <a:tc>
-                  <a:txBody>
-                    <a:bodyPr/>
-                    <a:lstStyle/>
-                    <a:p>
-                      <a:r>
-                        <a:rPr sz="1100"/>
-                        <a:t>$0</a:t>
-                      </a:r>
-                    </a:p>
-                  </a:txBody>
-                  <a:tcPr>
-                    <a:solidFill>
-                      <a:srgbClr val="E7E6E6"/>
-                    </a:solidFill>
-                  </a:tcPr>
-                </a:tc>
-                <a:tc>
-                  <a:txBody>
-                    <a:bodyPr/>
-                    <a:lstStyle/>
-                    <a:p>
-                      <a:r>
-                        <a:rPr sz="1100"/>
-                        <a:t>$0</a:t>
-                      </a:r>
-                    </a:p>
-                  </a:txBody>
-                  <a:tcPr>
-                    <a:solidFill>
-                      <a:srgbClr val="E7E6E6"/>
-                    </a:solidFill>
-                  </a:tcPr>
-                </a:tc>
-                <a:tc>
-                  <a:txBody>
-                    <a:bodyPr/>
-                    <a:lstStyle/>
-                    <a:p>
-                      <a:r>
-                        <a:rPr sz="1100"/>
-                        <a:t>$0</a:t>
-                      </a:r>
-                    </a:p>
-                  </a:txBody>
-                  <a:tcPr>
-                    <a:solidFill>
-                      <a:srgbClr val="E7E6E6"/>
-                    </a:solidFill>
-                  </a:tcPr>
-                </a:tc>
-                <a:tc>
-                  <a:txBody>
-                    <a:bodyPr/>
-                    <a:lstStyle/>
-                    <a:p>
-                      <a:r>
-                        <a:rPr sz="1100"/>
-                        <a:t>$0</a:t>
-                      </a:r>
-                    </a:p>
-                  </a:txBody>
-                  <a:tcPr>
-                    <a:solidFill>
-                      <a:srgbClr val="E7E6E6"/>
-                    </a:solidFill>
-                  </a:tcPr>
-                </a:tc>
-                <a:tc>
-                  <a:txBody>
-                    <a:bodyPr/>
-                    <a:lstStyle/>
-                    <a:p>
-                      <a:r>
-                        <a:rPr sz="1100"/>
-                        <a:t>$0</a:t>
-                      </a:r>
-                    </a:p>
-                  </a:txBody>
-                  <a:tcPr>
-                    <a:solidFill>
-                      <a:srgbClr val="E7E6E6"/>
-                    </a:solidFill>
-                  </a:tcPr>
-                </a:tc>
-              </a:tr>
-              <a:tr h="370840">
-                <a:tc>
-                  <a:txBody>
-                    <a:bodyPr/>
-                    <a:lstStyle/>
-                    <a:p>
-                      <a:r>
-                        <a:rPr sz="1100"/>
-                        <a:t>Software Licenses</a:t>
-                      </a:r>
-                    </a:p>
-                  </a:txBody>
-                  <a:tcPr>
-                    <a:solidFill>
-                      <a:srgbClr val="E7E6E6"/>
-                    </a:solidFill>
-                  </a:tcPr>
-                </a:tc>
-                <a:tc>
-                  <a:txBody>
-                    <a:bodyPr/>
-                    <a:lstStyle/>
-                    <a:p>
-                      <a:r>
-                        <a:rPr sz="1100"/>
-                        <a:t>$0</a:t>
-                      </a:r>
-                    </a:p>
-                  </a:txBody>
-                  <a:tcPr>
-                    <a:solidFill>
-                      <a:srgbClr val="E7E6E6"/>
-                    </a:solidFill>
-                  </a:tcPr>
-                </a:tc>
-                <a:tc>
-                  <a:txBody>
-                    <a:bodyPr/>
-                    <a:lstStyle/>
-                    <a:p>
-                      <a:r>
-                        <a:rPr sz="1100"/>
-                        <a:t>$0</a:t>
-                      </a:r>
-                    </a:p>
-                  </a:txBody>
-                  <a:tcPr>
-                    <a:solidFill>
-                      <a:srgbClr val="E7E6E6"/>
-                    </a:solidFill>
-                  </a:tcPr>
-                </a:tc>
-                <a:tc>
-                  <a:txBody>
-                    <a:bodyPr/>
-                    <a:lstStyle/>
-                    <a:p>
-                      <a:r>
-                        <a:rPr sz="1100"/>
-                        <a:t>$0</a:t>
-                      </a:r>
-                    </a:p>
-                  </a:txBody>
-                  <a:tcPr>
-                    <a:solidFill>
-                      <a:srgbClr val="E7E6E6"/>
-                    </a:solidFill>
-                  </a:tcPr>
-                </a:tc>
-                <a:tc>
-                  <a:txBody>
-                    <a:bodyPr/>
-                    <a:lstStyle/>
-                    <a:p>
-                      <a:r>
-                        <a:rPr sz="1100"/>
-                        <a:t>$0</a:t>
-                      </a:r>
-                    </a:p>
-                  </a:txBody>
-                  <a:tcPr>
-                    <a:solidFill>
-                      <a:srgbClr val="E7E6E6"/>
-                    </a:solidFill>
-                  </a:tcPr>
-                </a:tc>
-                <a:tc>
-                  <a:txBody>
-                    <a:bodyPr/>
-                    <a:lstStyle/>
-                    <a:p>
-                      <a:r>
-                        <a:rPr sz="1100"/>
-                        <a:t>$0</a:t>
-                      </a:r>
-                    </a:p>
-                  </a:txBody>
-                  <a:tcPr>
-                    <a:solidFill>
-                      <a:srgbClr val="E7E6E6"/>
-                    </a:solidFill>
-                  </a:tcPr>
-                </a:tc>
-                <a:tc>
-                  <a:txBody>
-                    <a:bodyPr/>
-                    <a:lstStyle/>
-                    <a:p>
-                      <a:r>
-                        <a:rPr sz="1100"/>
-                        <a:t>$0</a:t>
-                      </a:r>
-                    </a:p>
-                  </a:txBody>
-                  <a:tcPr>
-                    <a:solidFill>
-                      <a:srgbClr val="E7E6E6"/>
-                    </a:solidFill>
-                  </a:tcPr>
-                </a:tc>
-              </a:tr>
-              <a:tr h="370840">
-                <a:tc>
-                  <a:txBody>
-                    <a:bodyPr/>
-                    <a:lstStyle/>
-                    <a:p>
-                      <a:r>
-                        <a:rPr sz="1100"/>
-                        <a:t>Support &amp; Maintenance</a:t>
-                      </a:r>
-                    </a:p>
-                  </a:txBody>
-                  <a:tcPr>
-                    <a:solidFill>
-                      <a:srgbClr val="E7E6E6"/>
-                    </a:solidFill>
-                  </a:tcPr>
-                </a:tc>
-                <a:tc>
-                  <a:txBody>
-                    <a:bodyPr/>
-                    <a:lstStyle/>
-                    <a:p>
-                      <a:r>
-                        <a:rPr sz="1100"/>
-                        <a:t>$0</a:t>
-                      </a:r>
-                    </a:p>
-                  </a:txBody>
-                  <a:tcPr>
-                    <a:solidFill>
-                      <a:srgbClr val="E7E6E6"/>
-                    </a:solidFill>
-                  </a:tcPr>
-                </a:tc>
-                <a:tc>
-                  <a:txBody>
-                    <a:bodyPr/>
-                    <a:lstStyle/>
-                    <a:p>
-                      <a:r>
-                        <a:rPr sz="1100"/>
-                        <a:t>$0</a:t>
-                      </a:r>
-                    </a:p>
-                  </a:txBody>
-                  <a:tcPr>
-                    <a:solidFill>
-                      <a:srgbClr val="E7E6E6"/>
-                    </a:solidFill>
-                  </a:tcPr>
-                </a:tc>
-                <a:tc>
-                  <a:txBody>
-                    <a:bodyPr/>
-                    <a:lstStyle/>
-                    <a:p>
-                      <a:r>
-                        <a:rPr sz="1100"/>
-                        <a:t>$0</a:t>
-                      </a:r>
-                    </a:p>
-                  </a:txBody>
-                  <a:tcPr>
-                    <a:solidFill>
-                      <a:srgbClr val="E7E6E6"/>
-                    </a:solidFill>
-                  </a:tcPr>
-                </a:tc>
-                <a:tc>
-                  <a:txBody>
-                    <a:bodyPr/>
-                    <a:lstStyle/>
-                    <a:p>
-                      <a:r>
-                        <a:rPr sz="1100"/>
-                        <a:t>$0</a:t>
-                      </a:r>
-                    </a:p>
-                  </a:txBody>
-                  <a:tcPr>
-                    <a:solidFill>
-                      <a:srgbClr val="E7E6E6"/>
-                    </a:solidFill>
-                  </a:tcPr>
-                </a:tc>
-                <a:tc>
-                  <a:txBody>
-                    <a:bodyPr/>
-                    <a:lstStyle/>
-                    <a:p>
-                      <a:r>
-                        <a:rPr sz="1100"/>
-                        <a:t>$0</a:t>
-                      </a:r>
-                    </a:p>
-                  </a:txBody>
-                  <a:tcPr>
-                    <a:solidFill>
-                      <a:srgbClr val="E7E6E6"/>
-                    </a:solidFill>
-                  </a:tcPr>
-                </a:tc>
-                <a:tc>
-                  <a:txBody>
-                    <a:bodyPr/>
-                    <a:lstStyle/>
-                    <a:p>
-                      <a:r>
-                        <a:rPr sz="1100"/>
-                        <a:t>$0</a:t>
-                      </a:r>
-                    </a:p>
-                  </a:txBody>
-                  <a:tcPr>
-                    <a:solidFill>
-                      <a:srgbClr val="E7E6E6"/>
                     </a:solidFill>
                   </a:tcPr>
                 </a:tc>

--- a/solutions/azure/network/virtual-wan-global/presales/solution-briefing.pptx
+++ b/solutions/azure/network/virtual-wan-global/presales/solution-briefing.pptx
@@ -3361,7 +3361,7 @@
           <a:lstStyle/>
           <a:p>
             <a:r>
-              <a:t>Alison Smith | November 17, 2025</a:t>
+              <a:t>Alison Smith | November 18, 2025</a:t>
             </a:r>
           </a:p>
         </p:txBody>
@@ -5037,7 +5037,7 @@
               <a:t>Phase 1: Network Assessment &amp; Design</a:t>
             </a:r>
             <a:r>
-              <a:t> *(Months 1-2)*</a:t>
+              <a:t> (Months 1-2)</a:t>
             </a:r>
           </a:p>
           <a:p>
@@ -5065,7 +5065,7 @@
               <a:t>Phase 2: Hub Infrastructure Deployment</a:t>
             </a:r>
             <a:r>
-              <a:t> *(Months 3-4)*</a:t>
+              <a:t> (Months 3-4)</a:t>
             </a:r>
           </a:p>
           <a:p>
@@ -5093,7 +5093,7 @@
               <a:t>Phase 3: Branch Connectivity &amp; Optimization</a:t>
             </a:r>
             <a:r>
-              <a:t> *(Months 5-6)*</a:t>
+              <a:t> (Months 5-6)</a:t>
             </a:r>
           </a:p>
           <a:p>

--- a/solutions/azure/network/virtual-wan-global/presales/solution-briefing.pptx
+++ b/solutions/azure/network/virtual-wan-global/presales/solution-briefing.pptx
@@ -118,6 +118,9 @@
     <p:ext uri="{EFAFB233-063F-42B5-8137-9DF3F51BA10A}">
       <p15:sldGuideLst xmlns:p15="http://schemas.microsoft.com/office/powerpoint/2012/main"/>
     </p:ext>
+    <p:ext uri="{2D200454-40CA-4A62-9FC3-DE9A4176ACB9}">
+      <p15:notesGuideLst xmlns:p15="http://schemas.microsoft.com/office/powerpoint/2012/main"/>
+    </p:ext>
   </p:extLst>
 </p:presentation>
 </file>
@@ -144,6 +147,59 @@
           <a:chExt cx="0" cy="0"/>
         </a:xfrm>
       </p:grpSpPr>
+      <p:sp>
+        <p:nvSpPr>
+          <p:cNvPr id="2" name="Slide Image Placeholder 1"/>
+          <p:cNvSpPr>
+            <a:spLocks noGrp="1" noRot="1" noChangeAspect="1"/>
+          </p:cNvSpPr>
+          <p:nvPr>
+            <p:ph type="sldImg"/>
+          </p:nvPr>
+        </p:nvSpPr>
+        <p:spPr>
+          <a:xfrm>
+            <a:off x="-171450" y="1143000"/>
+            <a:ext cx="5486400" cy="3086100"/>
+          </a:xfrm>
+          <a:prstGeom prst="rect">
+            <a:avLst/>
+          </a:prstGeom>
+          <a:noFill/>
+          <a:ln w="12700">
+            <a:solidFill>
+              <a:prstClr val="black"/>
+            </a:solidFill>
+          </a:ln>
+        </p:spPr>
+      </p:sp>
+      <p:sp>
+        <p:nvSpPr>
+          <p:cNvPr id="3" name="Notes Placeholder 2"/>
+          <p:cNvSpPr>
+            <a:spLocks noGrp="1"/>
+          </p:cNvSpPr>
+          <p:nvPr>
+            <p:ph type="body" idx="1"/>
+          </p:nvPr>
+        </p:nvSpPr>
+        <p:spPr>
+          <a:xfrm>
+            <a:off x="514350" y="4400550"/>
+            <a:ext cx="4114800" cy="3600450"/>
+          </a:xfrm>
+          <a:prstGeom prst="rect">
+            <a:avLst/>
+          </a:prstGeom>
+        </p:spPr>
+        <p:txBody>
+          <a:bodyPr/>
+          <a:lstStyle/>
+          <a:p>
+            <a:endParaRPr lang="en-US"/>
+          </a:p>
+        </p:txBody>
+      </p:sp>
     </p:spTree>
     <p:extLst>
       <p:ext uri="{BB962C8B-B14F-4D97-AF65-F5344CB8AC3E}">
@@ -247,131 +303,6 @@
 </p:notesMaster>
 </file>
 
-<file path=ppt/notesSlides/notesSlide1.xml><?xml version="1.0" encoding="utf-8"?>
-<p:notes xmlns:a="http://schemas.openxmlformats.org/drawingml/2006/main" xmlns:p="http://schemas.openxmlformats.org/presentationml/2006/main" xmlns:r="http://schemas.openxmlformats.org/officeDocument/2006/relationships">
-  <p:cSld>
-    <p:spTree>
-      <p:nvGrpSpPr>
-        <p:cNvPr id="1" name=""/>
-        <p:cNvGrpSpPr/>
-        <p:nvPr/>
-      </p:nvGrpSpPr>
-      <p:grpSpPr>
-        <a:xfrm>
-          <a:off x="0" y="0"/>
-          <a:ext cx="0" cy="0"/>
-          <a:chOff x="0" y="0"/>
-          <a:chExt cx="0" cy="0"/>
-        </a:xfrm>
-      </p:grpSpPr>
-    </p:spTree>
-  </p:cSld>
-  <p:clrMapOvr>
-    <a:masterClrMapping/>
-  </p:clrMapOvr>
-</p:notes>
-</file>
-
-<file path=ppt/notesSlides/notesSlide2.xml><?xml version="1.0" encoding="utf-8"?>
-<p:notes xmlns:a="http://schemas.openxmlformats.org/drawingml/2006/main" xmlns:p="http://schemas.openxmlformats.org/presentationml/2006/main" xmlns:r="http://schemas.openxmlformats.org/officeDocument/2006/relationships">
-  <p:cSld>
-    <p:spTree>
-      <p:nvGrpSpPr>
-        <p:cNvPr id="1" name=""/>
-        <p:cNvGrpSpPr/>
-        <p:nvPr/>
-      </p:nvGrpSpPr>
-      <p:grpSpPr>
-        <a:xfrm>
-          <a:off x="0" y="0"/>
-          <a:ext cx="0" cy="0"/>
-          <a:chOff x="0" y="0"/>
-          <a:chExt cx="0" cy="0"/>
-        </a:xfrm>
-      </p:grpSpPr>
-    </p:spTree>
-  </p:cSld>
-  <p:clrMapOvr>
-    <a:masterClrMapping/>
-  </p:clrMapOvr>
-</p:notes>
-</file>
-
-<file path=ppt/notesSlides/notesSlide3.xml><?xml version="1.0" encoding="utf-8"?>
-<p:notes xmlns:a="http://schemas.openxmlformats.org/drawingml/2006/main" xmlns:p="http://schemas.openxmlformats.org/presentationml/2006/main" xmlns:r="http://schemas.openxmlformats.org/officeDocument/2006/relationships">
-  <p:cSld>
-    <p:spTree>
-      <p:nvGrpSpPr>
-        <p:cNvPr id="1" name=""/>
-        <p:cNvGrpSpPr/>
-        <p:nvPr/>
-      </p:nvGrpSpPr>
-      <p:grpSpPr>
-        <a:xfrm>
-          <a:off x="0" y="0"/>
-          <a:ext cx="0" cy="0"/>
-          <a:chOff x="0" y="0"/>
-          <a:chExt cx="0" cy="0"/>
-        </a:xfrm>
-      </p:grpSpPr>
-    </p:spTree>
-  </p:cSld>
-  <p:clrMapOvr>
-    <a:masterClrMapping/>
-  </p:clrMapOvr>
-</p:notes>
-</file>
-
-<file path=ppt/notesSlides/notesSlide4.xml><?xml version="1.0" encoding="utf-8"?>
-<p:notes xmlns:a="http://schemas.openxmlformats.org/drawingml/2006/main" xmlns:p="http://schemas.openxmlformats.org/presentationml/2006/main" xmlns:r="http://schemas.openxmlformats.org/officeDocument/2006/relationships">
-  <p:cSld>
-    <p:spTree>
-      <p:nvGrpSpPr>
-        <p:cNvPr id="1" name=""/>
-        <p:cNvGrpSpPr/>
-        <p:nvPr/>
-      </p:nvGrpSpPr>
-      <p:grpSpPr>
-        <a:xfrm>
-          <a:off x="0" y="0"/>
-          <a:ext cx="0" cy="0"/>
-          <a:chOff x="0" y="0"/>
-          <a:chExt cx="0" cy="0"/>
-        </a:xfrm>
-      </p:grpSpPr>
-    </p:spTree>
-  </p:cSld>
-  <p:clrMapOvr>
-    <a:masterClrMapping/>
-  </p:clrMapOvr>
-</p:notes>
-</file>
-
-<file path=ppt/notesSlides/notesSlide5.xml><?xml version="1.0" encoding="utf-8"?>
-<p:notes xmlns:a="http://schemas.openxmlformats.org/drawingml/2006/main" xmlns:p="http://schemas.openxmlformats.org/presentationml/2006/main" xmlns:r="http://schemas.openxmlformats.org/officeDocument/2006/relationships">
-  <p:cSld>
-    <p:spTree>
-      <p:nvGrpSpPr>
-        <p:cNvPr id="1" name=""/>
-        <p:cNvGrpSpPr/>
-        <p:nvPr/>
-      </p:nvGrpSpPr>
-      <p:grpSpPr>
-        <a:xfrm>
-          <a:off x="0" y="0"/>
-          <a:ext cx="0" cy="0"/>
-          <a:chOff x="0" y="0"/>
-          <a:chExt cx="0" cy="0"/>
-        </a:xfrm>
-      </p:grpSpPr>
-    </p:spTree>
-  </p:cSld>
-  <p:clrMapOvr>
-    <a:masterClrMapping/>
-  </p:clrMapOvr>
-</p:notes>
-</file>
-
 <file path=ppt/slideLayouts/slideLayout1.xml><?xml version="1.0" encoding="utf-8"?>
 <p:sldLayout xmlns:a="http://schemas.openxmlformats.org/drawingml/2006/main" xmlns:r="http://schemas.openxmlformats.org/officeDocument/2006/relationships" xmlns:p="http://schemas.openxmlformats.org/presentationml/2006/main" preserve="1" userDrawn="1">
   <p:cSld name="EO Title Slide">
@@ -887,36 +818,6 @@
           </a:p>
         </p:txBody>
       </p:sp>
-      <p:pic>
-        <p:nvPicPr>
-          <p:cNvPr id="13" name="Image 0" descr="/home/claude/eo-framework-logo.png">
-            <a:extLst>
-              <a:ext uri="{FF2B5EF4-FFF2-40B4-BE49-F238E27FC236}">
-                <a16:creationId xmlns:a16="http://schemas.microsoft.com/office/drawing/2014/main" id="{25116040-BB88-891D-9118-628A78E99872}"/>
-              </a:ext>
-            </a:extLst>
-          </p:cNvPr>
-          <p:cNvPicPr>
-            <a:picLocks noChangeAspect="1"/>
-          </p:cNvPicPr>
-          <p:nvPr userDrawn="1"/>
-        </p:nvPicPr>
-        <p:blipFill>
-          <a:blip r:embed="rId2"/>
-          <a:stretch>
-            <a:fillRect/>
-          </a:stretch>
-        </p:blipFill>
-        <p:spPr>
-          <a:xfrm>
-            <a:off x="6945879" y="4648200"/>
-            <a:ext cx="1952244" cy="417576"/>
-          </a:xfrm>
-          <a:prstGeom prst="rect">
-            <a:avLst/>
-          </a:prstGeom>
-        </p:spPr>
-      </p:pic>
       <p:sp>
         <p:nvSpPr>
           <p:cNvPr id="4" name="Text Placeholder 3">
@@ -946,7 +847,7 @@
           <a:bodyPr/>
           <a:lstStyle>
             <a:lvl1pPr>
-              <a:defRPr sz="2000" baseline="0">
+              <a:defRPr sz="2000" b="1" baseline="0">
                 <a:solidFill>
                   <a:srgbClr val="C00000"/>
                 </a:solidFill>
@@ -992,6 +893,48 @@
             <a:r>
               <a:rPr lang="en-US" dirty="0"/>
               <a:t>Fourth level</a:t>
+            </a:r>
+          </a:p>
+        </p:txBody>
+      </p:sp>
+      <p:sp>
+        <p:nvSpPr>
+          <p:cNvPr id="5" name="Text Placeholder 4">
+            <a:extLst>
+              <a:ext uri="{FF2B5EF4-FFF2-40B4-BE49-F238E27FC236}">
+                <a16:creationId xmlns:a16="http://schemas.microsoft.com/office/drawing/2014/main" id="{57F71806-AFEA-DD6D-E6AA-E2A002E682DE}"/>
+              </a:ext>
+            </a:extLst>
+          </p:cNvPr>
+          <p:cNvSpPr>
+            <a:spLocks noGrp="1"/>
+          </p:cNvSpPr>
+          <p:nvPr>
+            <p:ph type="body" sz="quarter" idx="15" hasCustomPrompt="1"/>
+          </p:nvPr>
+        </p:nvSpPr>
+        <p:spPr>
+          <a:xfrm>
+            <a:off x="5627076" y="4738688"/>
+            <a:ext cx="3218473" cy="238125"/>
+          </a:xfrm>
+          <a:prstGeom prst="rect">
+            <a:avLst/>
+          </a:prstGeom>
+        </p:spPr>
+        <p:txBody>
+          <a:bodyPr/>
+          <a:lstStyle>
+            <a:lvl5pPr algn="r">
+              <a:buNone/>
+              <a:defRPr sz="1100"/>
+            </a:lvl5pPr>
+          </a:lstStyle>
+          <a:p>
+            <a:pPr lvl="4"/>
+            <a:r>
+              <a:rPr lang="en-US" dirty="0"/>
+              <a:t>Project Name</a:t>
             </a:r>
           </a:p>
         </p:txBody>
@@ -1153,36 +1096,6 @@
           </a:p>
         </p:txBody>
       </p:sp>
-      <p:pic>
-        <p:nvPicPr>
-          <p:cNvPr id="13" name="Image 0" descr="/home/claude/eo-framework-logo.png">
-            <a:extLst>
-              <a:ext uri="{FF2B5EF4-FFF2-40B4-BE49-F238E27FC236}">
-                <a16:creationId xmlns:a16="http://schemas.microsoft.com/office/drawing/2014/main" id="{25116040-BB88-891D-9118-628A78E99872}"/>
-              </a:ext>
-            </a:extLst>
-          </p:cNvPr>
-          <p:cNvPicPr>
-            <a:picLocks noChangeAspect="1"/>
-          </p:cNvPicPr>
-          <p:nvPr userDrawn="1"/>
-        </p:nvPicPr>
-        <p:blipFill>
-          <a:blip r:embed="rId2"/>
-          <a:stretch>
-            <a:fillRect/>
-          </a:stretch>
-        </p:blipFill>
-        <p:spPr>
-          <a:xfrm>
-            <a:off x="6945879" y="4648200"/>
-            <a:ext cx="1952244" cy="417576"/>
-          </a:xfrm>
-          <a:prstGeom prst="rect">
-            <a:avLst/>
-          </a:prstGeom>
-        </p:spPr>
-      </p:pic>
       <p:sp>
         <p:nvSpPr>
           <p:cNvPr id="4" name="Text Placeholder 3">
@@ -1244,6 +1157,48 @@
             <a:r>
               <a:rPr lang="en-US" dirty="0"/>
               <a:t>Bullet Point 2</a:t>
+            </a:r>
+          </a:p>
+        </p:txBody>
+      </p:sp>
+      <p:sp>
+        <p:nvSpPr>
+          <p:cNvPr id="5" name="Text Placeholder 4">
+            <a:extLst>
+              <a:ext uri="{FF2B5EF4-FFF2-40B4-BE49-F238E27FC236}">
+                <a16:creationId xmlns:a16="http://schemas.microsoft.com/office/drawing/2014/main" id="{162079A5-28FD-9D2F-2B9B-2FC8F9339A31}"/>
+              </a:ext>
+            </a:extLst>
+          </p:cNvPr>
+          <p:cNvSpPr>
+            <a:spLocks noGrp="1"/>
+          </p:cNvSpPr>
+          <p:nvPr>
+            <p:ph type="body" sz="quarter" idx="15" hasCustomPrompt="1"/>
+          </p:nvPr>
+        </p:nvSpPr>
+        <p:spPr>
+          <a:xfrm>
+            <a:off x="5627076" y="4738688"/>
+            <a:ext cx="3218473" cy="238125"/>
+          </a:xfrm>
+          <a:prstGeom prst="rect">
+            <a:avLst/>
+          </a:prstGeom>
+        </p:spPr>
+        <p:txBody>
+          <a:bodyPr/>
+          <a:lstStyle>
+            <a:lvl5pPr algn="r">
+              <a:buNone/>
+              <a:defRPr sz="1100"/>
+            </a:lvl5pPr>
+          </a:lstStyle>
+          <a:p>
+            <a:pPr lvl="4"/>
+            <a:r>
+              <a:rPr lang="en-US" dirty="0"/>
+              <a:t>Project Name</a:t>
             </a:r>
           </a:p>
         </p:txBody>
@@ -1372,36 +1327,6 @@
           </a:p>
         </p:txBody>
       </p:sp>
-      <p:pic>
-        <p:nvPicPr>
-          <p:cNvPr id="8" name="Image 0" descr="/home/claude/eo-framework-logo.png">
-            <a:extLst>
-              <a:ext uri="{FF2B5EF4-FFF2-40B4-BE49-F238E27FC236}">
-                <a16:creationId xmlns:a16="http://schemas.microsoft.com/office/drawing/2014/main" id="{4B7035C6-0EF1-6BD3-318E-553D1AAD6709}"/>
-              </a:ext>
-            </a:extLst>
-          </p:cNvPr>
-          <p:cNvPicPr>
-            <a:picLocks noChangeAspect="1"/>
-          </p:cNvPicPr>
-          <p:nvPr userDrawn="1"/>
-        </p:nvPicPr>
-        <p:blipFill>
-          <a:blip r:embed="rId2"/>
-          <a:stretch>
-            <a:fillRect/>
-          </a:stretch>
-        </p:blipFill>
-        <p:spPr>
-          <a:xfrm>
-            <a:off x="6945879" y="4648200"/>
-            <a:ext cx="1952244" cy="417576"/>
-          </a:xfrm>
-          <a:prstGeom prst="rect">
-            <a:avLst/>
-          </a:prstGeom>
-        </p:spPr>
-      </p:pic>
       <p:sp>
         <p:nvSpPr>
           <p:cNvPr id="10" name="Picture Placeholder 13">
@@ -1464,7 +1389,7 @@
           <a:bodyPr/>
           <a:lstStyle>
             <a:lvl1pPr>
-              <a:defRPr sz="1800">
+              <a:defRPr sz="1800" b="1">
                 <a:solidFill>
                   <a:srgbClr val="C00000"/>
                 </a:solidFill>
@@ -1549,7 +1474,7 @@
           <a:bodyPr/>
           <a:lstStyle>
             <a:lvl1pPr>
-              <a:defRPr sz="1800">
+              <a:defRPr sz="1800" b="1">
                 <a:solidFill>
                   <a:srgbClr val="C00000"/>
                 </a:solidFill>
@@ -1601,6 +1526,48 @@
             <a:r>
               <a:rPr lang="en-US" dirty="0"/>
               <a:t>Fifth level</a:t>
+            </a:r>
+          </a:p>
+        </p:txBody>
+      </p:sp>
+      <p:sp>
+        <p:nvSpPr>
+          <p:cNvPr id="4" name="Text Placeholder 4">
+            <a:extLst>
+              <a:ext uri="{FF2B5EF4-FFF2-40B4-BE49-F238E27FC236}">
+                <a16:creationId xmlns:a16="http://schemas.microsoft.com/office/drawing/2014/main" id="{5DF49ED0-89F0-F008-ADD7-D71F338C8B9B}"/>
+              </a:ext>
+            </a:extLst>
+          </p:cNvPr>
+          <p:cNvSpPr>
+            <a:spLocks noGrp="1"/>
+          </p:cNvSpPr>
+          <p:nvPr>
+            <p:ph type="body" sz="quarter" idx="15" hasCustomPrompt="1"/>
+          </p:nvPr>
+        </p:nvSpPr>
+        <p:spPr>
+          <a:xfrm>
+            <a:off x="5697414" y="4681864"/>
+            <a:ext cx="3218473" cy="238125"/>
+          </a:xfrm>
+          <a:prstGeom prst="rect">
+            <a:avLst/>
+          </a:prstGeom>
+        </p:spPr>
+        <p:txBody>
+          <a:bodyPr/>
+          <a:lstStyle>
+            <a:lvl5pPr algn="r">
+              <a:buNone/>
+              <a:defRPr sz="1100"/>
+            </a:lvl5pPr>
+          </a:lstStyle>
+          <a:p>
+            <a:pPr lvl="4"/>
+            <a:r>
+              <a:rPr lang="en-US" dirty="0"/>
+              <a:t>Project Name</a:t>
             </a:r>
           </a:p>
         </p:txBody>
@@ -1789,36 +1756,6 @@
           </a:p>
         </p:txBody>
       </p:sp>
-      <p:pic>
-        <p:nvPicPr>
-          <p:cNvPr id="13" name="Image 0" descr="/home/claude/eo-framework-logo.png">
-            <a:extLst>
-              <a:ext uri="{FF2B5EF4-FFF2-40B4-BE49-F238E27FC236}">
-                <a16:creationId xmlns:a16="http://schemas.microsoft.com/office/drawing/2014/main" id="{25116040-BB88-891D-9118-628A78E99872}"/>
-              </a:ext>
-            </a:extLst>
-          </p:cNvPr>
-          <p:cNvPicPr>
-            <a:picLocks noChangeAspect="1"/>
-          </p:cNvPicPr>
-          <p:nvPr userDrawn="1"/>
-        </p:nvPicPr>
-        <p:blipFill>
-          <a:blip r:embed="rId2"/>
-          <a:stretch>
-            <a:fillRect/>
-          </a:stretch>
-        </p:blipFill>
-        <p:spPr>
-          <a:xfrm>
-            <a:off x="6945879" y="4648200"/>
-            <a:ext cx="1952244" cy="417576"/>
-          </a:xfrm>
-          <a:prstGeom prst="rect">
-            <a:avLst/>
-          </a:prstGeom>
-        </p:spPr>
-      </p:pic>
       <p:sp>
         <p:nvSpPr>
           <p:cNvPr id="5" name="Table Placeholder 4">
@@ -1849,6 +1786,48 @@
           <a:lstStyle/>
           <a:p>
             <a:endParaRPr lang="en-US"/>
+          </a:p>
+        </p:txBody>
+      </p:sp>
+      <p:sp>
+        <p:nvSpPr>
+          <p:cNvPr id="4" name="Text Placeholder 4">
+            <a:extLst>
+              <a:ext uri="{FF2B5EF4-FFF2-40B4-BE49-F238E27FC236}">
+                <a16:creationId xmlns:a16="http://schemas.microsoft.com/office/drawing/2014/main" id="{A00DC936-676C-1BAA-B4B4-D45CC5951D6E}"/>
+              </a:ext>
+            </a:extLst>
+          </p:cNvPr>
+          <p:cNvSpPr>
+            <a:spLocks noGrp="1"/>
+          </p:cNvSpPr>
+          <p:nvPr>
+            <p:ph type="body" sz="quarter" idx="15" hasCustomPrompt="1"/>
+          </p:nvPr>
+        </p:nvSpPr>
+        <p:spPr>
+          <a:xfrm>
+            <a:off x="5749315" y="4681864"/>
+            <a:ext cx="3218473" cy="238125"/>
+          </a:xfrm>
+          <a:prstGeom prst="rect">
+            <a:avLst/>
+          </a:prstGeom>
+        </p:spPr>
+        <p:txBody>
+          <a:bodyPr/>
+          <a:lstStyle>
+            <a:lvl5pPr algn="r">
+              <a:buNone/>
+              <a:defRPr sz="1100"/>
+            </a:lvl5pPr>
+          </a:lstStyle>
+          <a:p>
+            <a:pPr lvl="4"/>
+            <a:r>
+              <a:rPr lang="en-US" dirty="0"/>
+              <a:t>Project Name</a:t>
+            </a:r>
           </a:p>
         </p:txBody>
       </p:sp>
@@ -1976,36 +1955,6 @@
           </a:p>
         </p:txBody>
       </p:sp>
-      <p:pic>
-        <p:nvPicPr>
-          <p:cNvPr id="8" name="Image 0" descr="/home/claude/eo-framework-logo.png">
-            <a:extLst>
-              <a:ext uri="{FF2B5EF4-FFF2-40B4-BE49-F238E27FC236}">
-                <a16:creationId xmlns:a16="http://schemas.microsoft.com/office/drawing/2014/main" id="{4B7035C6-0EF1-6BD3-318E-553D1AAD6709}"/>
-              </a:ext>
-            </a:extLst>
-          </p:cNvPr>
-          <p:cNvPicPr>
-            <a:picLocks noChangeAspect="1"/>
-          </p:cNvPicPr>
-          <p:nvPr userDrawn="1"/>
-        </p:nvPicPr>
-        <p:blipFill>
-          <a:blip r:embed="rId2"/>
-          <a:stretch>
-            <a:fillRect/>
-          </a:stretch>
-        </p:blipFill>
-        <p:spPr>
-          <a:xfrm>
-            <a:off x="6945879" y="4648200"/>
-            <a:ext cx="1952244" cy="417576"/>
-          </a:xfrm>
-          <a:prstGeom prst="rect">
-            <a:avLst/>
-          </a:prstGeom>
-        </p:spPr>
-      </p:pic>
       <p:sp>
         <p:nvSpPr>
           <p:cNvPr id="10" name="Picture Placeholder 13">
@@ -2101,7 +2050,7 @@
           <a:bodyPr/>
           <a:lstStyle>
             <a:lvl1pPr>
-              <a:defRPr sz="1800">
+              <a:defRPr sz="1800" b="1">
                 <a:solidFill>
                   <a:srgbClr val="C00000"/>
                 </a:solidFill>
@@ -2153,6 +2102,48 @@
             <a:r>
               <a:rPr lang="en-US" dirty="0"/>
               <a:t>Fifth level</a:t>
+            </a:r>
+          </a:p>
+        </p:txBody>
+      </p:sp>
+      <p:sp>
+        <p:nvSpPr>
+          <p:cNvPr id="2" name="Text Placeholder 4">
+            <a:extLst>
+              <a:ext uri="{FF2B5EF4-FFF2-40B4-BE49-F238E27FC236}">
+                <a16:creationId xmlns:a16="http://schemas.microsoft.com/office/drawing/2014/main" id="{6D03683B-7C4B-D474-74C5-EC53E3BB515B}"/>
+              </a:ext>
+            </a:extLst>
+          </p:cNvPr>
+          <p:cNvSpPr>
+            <a:spLocks noGrp="1"/>
+          </p:cNvSpPr>
+          <p:nvPr>
+            <p:ph type="body" sz="quarter" idx="17" hasCustomPrompt="1"/>
+          </p:nvPr>
+        </p:nvSpPr>
+        <p:spPr>
+          <a:xfrm>
+            <a:off x="5781065" y="4729530"/>
+            <a:ext cx="3218473" cy="238125"/>
+          </a:xfrm>
+          <a:prstGeom prst="rect">
+            <a:avLst/>
+          </a:prstGeom>
+        </p:spPr>
+        <p:txBody>
+          <a:bodyPr/>
+          <a:lstStyle>
+            <a:lvl5pPr algn="r">
+              <a:buNone/>
+              <a:defRPr sz="1100"/>
+            </a:lvl5pPr>
+          </a:lstStyle>
+          <a:p>
+            <a:pPr lvl="4"/>
+            <a:r>
+              <a:rPr lang="en-US" dirty="0"/>
+              <a:t>Project Name</a:t>
             </a:r>
           </a:p>
         </p:txBody>
@@ -2281,36 +2272,6 @@
           </a:p>
         </p:txBody>
       </p:sp>
-      <p:pic>
-        <p:nvPicPr>
-          <p:cNvPr id="8" name="Image 0" descr="/home/claude/eo-framework-logo.png">
-            <a:extLst>
-              <a:ext uri="{FF2B5EF4-FFF2-40B4-BE49-F238E27FC236}">
-                <a16:creationId xmlns:a16="http://schemas.microsoft.com/office/drawing/2014/main" id="{4B7035C6-0EF1-6BD3-318E-553D1AAD6709}"/>
-              </a:ext>
-            </a:extLst>
-          </p:cNvPr>
-          <p:cNvPicPr>
-            <a:picLocks noChangeAspect="1"/>
-          </p:cNvPicPr>
-          <p:nvPr userDrawn="1"/>
-        </p:nvPicPr>
-        <p:blipFill>
-          <a:blip r:embed="rId2"/>
-          <a:stretch>
-            <a:fillRect/>
-          </a:stretch>
-        </p:blipFill>
-        <p:spPr>
-          <a:xfrm>
-            <a:off x="6945879" y="4648200"/>
-            <a:ext cx="1952244" cy="417576"/>
-          </a:xfrm>
-          <a:prstGeom prst="rect">
-            <a:avLst/>
-          </a:prstGeom>
-        </p:spPr>
-      </p:pic>
       <p:sp>
         <p:nvSpPr>
           <p:cNvPr id="10" name="Picture Placeholder 13">
@@ -2406,7 +2367,7 @@
           <a:bodyPr/>
           <a:lstStyle>
             <a:lvl1pPr>
-              <a:defRPr sz="1800">
+              <a:defRPr sz="1800" b="1">
                 <a:solidFill>
                   <a:srgbClr val="C00000"/>
                 </a:solidFill>
@@ -2458,6 +2419,48 @@
             <a:r>
               <a:rPr lang="en-US" dirty="0"/>
               <a:t>Fifth level</a:t>
+            </a:r>
+          </a:p>
+        </p:txBody>
+      </p:sp>
+      <p:sp>
+        <p:nvSpPr>
+          <p:cNvPr id="4" name="Text Placeholder 4">
+            <a:extLst>
+              <a:ext uri="{FF2B5EF4-FFF2-40B4-BE49-F238E27FC236}">
+                <a16:creationId xmlns:a16="http://schemas.microsoft.com/office/drawing/2014/main" id="{A1231DFE-6A5A-950E-159E-9E1D3D45FD36}"/>
+              </a:ext>
+            </a:extLst>
+          </p:cNvPr>
+          <p:cNvSpPr>
+            <a:spLocks noGrp="1"/>
+          </p:cNvSpPr>
+          <p:nvPr>
+            <p:ph type="body" sz="quarter" idx="17" hasCustomPrompt="1"/>
+          </p:nvPr>
+        </p:nvSpPr>
+        <p:spPr>
+          <a:xfrm>
+            <a:off x="5679465" y="4681864"/>
+            <a:ext cx="3218473" cy="238125"/>
+          </a:xfrm>
+          <a:prstGeom prst="rect">
+            <a:avLst/>
+          </a:prstGeom>
+        </p:spPr>
+        <p:txBody>
+          <a:bodyPr/>
+          <a:lstStyle>
+            <a:lvl5pPr algn="r">
+              <a:buNone/>
+              <a:defRPr sz="900"/>
+            </a:lvl5pPr>
+          </a:lstStyle>
+          <a:p>
+            <a:pPr lvl="4"/>
+            <a:r>
+              <a:rPr lang="en-US" dirty="0"/>
+              <a:t>Project Name</a:t>
             </a:r>
           </a:p>
         </p:txBody>
@@ -3265,25 +3268,6 @@
         <p:nvPr/>
       </p:nvGrpSpPr>
       <p:grpSpPr/>
-      <p:pic>
-        <p:nvPicPr>
-          <p:cNvPr id="2" name="Picture Placeholder 1" descr="client_logo.png"/>
-          <p:cNvPicPr>
-            <a:picLocks noGrp="1" noChangeAspect="1"/>
-          </p:cNvPicPr>
-          <p:nvPr>
-            <p:ph type="pic" idx="10" sz="quarter"/>
-          </p:nvPr>
-        </p:nvPicPr>
-        <p:blipFill>
-          <a:blip r:embed="rId2"/>
-          <a:srcRect t="433" b="433"/>
-          <a:stretch>
-            <a:fillRect/>
-          </a:stretch>
-        </p:blipFill>
-        <p:spPr/>
-      </p:pic>
       <p:sp>
         <p:nvSpPr>
           <p:cNvPr id="3" name="Text Placeholder 2"/>
@@ -3305,25 +3289,6 @@
           </a:p>
         </p:txBody>
       </p:sp>
-      <p:pic>
-        <p:nvPicPr>
-          <p:cNvPr id="4" name="Picture Placeholder 3" descr="consulting_company_logo.png"/>
-          <p:cNvPicPr>
-            <a:picLocks noGrp="1" noChangeAspect="1"/>
-          </p:cNvPicPr>
-          <p:nvPr>
-            <p:ph type="pic" idx="13" sz="quarter"/>
-          </p:nvPr>
-        </p:nvPicPr>
-        <p:blipFill>
-          <a:blip r:embed="rId3"/>
-          <a:srcRect t="5856" b="5856"/>
-          <a:stretch>
-            <a:fillRect/>
-          </a:stretch>
-        </p:blipFill>
-        <p:spPr/>
-      </p:pic>
       <p:sp>
         <p:nvSpPr>
           <p:cNvPr id="5" name="Text Placeholder 4"/>
@@ -3361,14 +3326,62 @@
           <a:lstStyle/>
           <a:p>
             <a:r>
-              <a:t>Alison Smith | November 18, 2025</a:t>
+              <a:t>Alison Smith | November 22, 2025</a:t>
             </a:r>
           </a:p>
         </p:txBody>
       </p:sp>
       <p:pic>
         <p:nvPicPr>
-          <p:cNvPr id="7" name="Picture 6" descr="eo-framework-logo-real.png"/>
+          <p:cNvPr id="7" name="Picture 6" descr="client_logo.png"/>
+          <p:cNvPicPr>
+            <a:picLocks noChangeAspect="1"/>
+          </p:cNvPicPr>
+          <p:nvPr/>
+        </p:nvPicPr>
+        <p:blipFill>
+          <a:blip r:embed="rId2"/>
+          <a:stretch>
+            <a:fillRect/>
+          </a:stretch>
+        </p:blipFill>
+        <p:spPr>
+          <a:xfrm>
+            <a:off x="2180492" y="171206"/>
+            <a:ext cx="3978520" cy="1314694"/>
+          </a:xfrm>
+          <a:prstGeom prst="rect">
+            <a:avLst/>
+          </a:prstGeom>
+        </p:spPr>
+      </p:pic>
+      <p:pic>
+        <p:nvPicPr>
+          <p:cNvPr id="8" name="Picture 7" descr="consulting_company_logo.png"/>
+          <p:cNvPicPr>
+            <a:picLocks noChangeAspect="1"/>
+          </p:cNvPicPr>
+          <p:nvPr/>
+        </p:nvPicPr>
+        <p:blipFill>
+          <a:blip r:embed="rId3"/>
+          <a:stretch>
+            <a:fillRect/>
+          </a:stretch>
+        </p:blipFill>
+        <p:spPr>
+          <a:xfrm>
+            <a:off x="313591" y="4536078"/>
+            <a:ext cx="2099897" cy="529698"/>
+          </a:xfrm>
+          <a:prstGeom prst="rect">
+            <a:avLst/>
+          </a:prstGeom>
+        </p:spPr>
+      </p:pic>
+      <p:pic>
+        <p:nvPicPr>
+          <p:cNvPr id="9" name="Picture 8" descr="eo-framework-logo-real.png"/>
           <p:cNvPicPr>
             <a:picLocks noChangeAspect="1"/>
           </p:cNvPicPr>
@@ -3423,31 +3436,13 @@
           <a:bodyPr/>
           <a:lstStyle/>
           <a:p>
+            <a:pPr algn="l"/>
             <a:r>
               <a:t>Next Steps</a:t>
             </a:r>
           </a:p>
         </p:txBody>
       </p:sp>
-      <p:pic>
-        <p:nvPicPr>
-          <p:cNvPr id="3" name="Picture Placeholder 2" descr="consulting_company_logo.png"/>
-          <p:cNvPicPr>
-            <a:picLocks noGrp="1" noChangeAspect="1"/>
-          </p:cNvPicPr>
-          <p:nvPr>
-            <p:ph type="pic" idx="13" sz="quarter"/>
-          </p:nvPr>
-        </p:nvPicPr>
-        <p:blipFill>
-          <a:blip r:embed="rId2"/>
-          <a:srcRect t="6762" b="6762"/>
-          <a:stretch>
-            <a:fillRect/>
-          </a:stretch>
-        </p:blipFill>
-        <p:spPr/>
-      </p:pic>
       <p:sp>
         <p:nvSpPr>
           <p:cNvPr id="4" name="Text Placeholder 3"/>
@@ -3469,7 +3464,7 @@
               <a:t>Network Inventory:</a:t>
             </a:r>
             <a:r>
-              <a:t> Compile list of all branch locations with current connectivity</a:t>
+              <a:t> Compile list of all branch locations with current connectivity methods</a:t>
             </a:r>
           </a:p>
           <a:p>
@@ -3489,69 +3484,78 @@
               <a:t>Kickoff:</a:t>
             </a:r>
             <a:r>
-              <a:t> Project initiation scheduled for [Start Date]</a:t>
+              <a:t> Project initiation scheduled for [Start Date] with network team engaged</a:t>
             </a:r>
           </a:p>
           <a:p>
             <a:pPr/>
             <a:r>
               <a:rPr b="1"/>
-              <a:t>Week 1:</a:t>
-            </a:r>
-            <a:r>
-              <a:t> Network discovery and requirements workshop</a:t>
+              <a:t>Week 1-2:</a:t>
+            </a:r>
+            <a:r>
+              <a:t> Network discovery, requirements workshop, hub placement design, and IP addressing plan</a:t>
             </a:r>
           </a:p>
           <a:p>
             <a:pPr/>
             <a:r>
               <a:rPr b="1"/>
-              <a:t>Week 2:</a:t>
-            </a:r>
-            <a:r>
-              <a:t> Hub placement design and IP addressing plan</a:t>
-            </a:r>
-          </a:p>
-          <a:p>
-            <a:pPr/>
-            <a:r>
-              <a:rPr b="1"/>
-              <a:t>Week 3:</a:t>
-            </a:r>
-            <a:r>
-              <a:t> SD-WAN vendor coordination and compatibility verification</a:t>
-            </a:r>
-          </a:p>
-          <a:p>
-            <a:pPr/>
-            <a:r>
-              <a:rPr b="1"/>
-              <a:t>Week 4:</a:t>
-            </a:r>
-            <a:r>
-              <a:t> Pilot branch selection and migration planning</a:t>
+              <a:t>Week 3-4:</a:t>
+            </a:r>
+            <a:r>
+              <a:t> SD-WAN vendor coordination, compatibility verification, and pilot branch selection</a:t>
+            </a:r>
+          </a:p>
+        </p:txBody>
+      </p:sp>
+      <p:sp>
+        <p:nvSpPr>
+          <p:cNvPr id="5" name="Text Placeholder 4"/>
+          <p:cNvSpPr>
+            <a:spLocks noGrp="1"/>
+          </p:cNvSpPr>
+          <p:nvPr>
+            <p:ph type="body" idx="15" sz="quarter"/>
+          </p:nvPr>
+        </p:nvSpPr>
+        <p:spPr/>
+        <p:txBody>
+          <a:bodyPr/>
+          <a:lstStyle/>
+          <a:p>
+            <a:pPr algn="r">
+              <a:buNone/>
+            </a:pPr>
+            <a:r>
+              <a:rPr sz="1100">
+                <a:solidFill>
+                  <a:srgbClr val="CC0000"/>
+                </a:solidFill>
+              </a:rPr>
+              <a:t>Azure Virtual WAN Global Network</a:t>
             </a:r>
           </a:p>
         </p:txBody>
       </p:sp>
       <p:pic>
         <p:nvPicPr>
-          <p:cNvPr id="5" name="Picture 4" descr="eo-framework-logo-real.png"/>
+          <p:cNvPr id="6" name="Picture 5" descr="consulting_company_logo.png"/>
           <p:cNvPicPr>
             <a:picLocks noChangeAspect="1"/>
           </p:cNvPicPr>
           <p:nvPr/>
         </p:nvPicPr>
         <p:blipFill>
-          <a:blip r:embed="rId3"/>
+          <a:blip r:embed="rId2"/>
           <a:stretch>
             <a:fillRect/>
           </a:stretch>
         </p:blipFill>
         <p:spPr>
           <a:xfrm>
-            <a:off x="6684264" y="4535424"/>
-            <a:ext cx="2139696" cy="530352"/>
+            <a:off x="313593" y="4536078"/>
+            <a:ext cx="2143858" cy="529698"/>
           </a:xfrm>
           <a:prstGeom prst="rect">
             <a:avLst/>
@@ -3576,25 +3580,6 @@
         <p:nvPr/>
       </p:nvGrpSpPr>
       <p:grpSpPr/>
-      <p:pic>
-        <p:nvPicPr>
-          <p:cNvPr id="2" name="Picture Placeholder 1" descr="client_logo.png"/>
-          <p:cNvPicPr>
-            <a:picLocks noGrp="1" noChangeAspect="1"/>
-          </p:cNvPicPr>
-          <p:nvPr>
-            <p:ph type="pic" idx="10" sz="quarter"/>
-          </p:nvPr>
-        </p:nvPicPr>
-        <p:blipFill>
-          <a:blip r:embed="rId2"/>
-          <a:srcRect t="433" b="433"/>
-          <a:stretch>
-            <a:fillRect/>
-          </a:stretch>
-        </p:blipFill>
-        <p:spPr/>
-      </p:pic>
       <p:sp>
         <p:nvSpPr>
           <p:cNvPr id="3" name="Text Placeholder 2"/>
@@ -3616,25 +3601,6 @@
           </a:p>
         </p:txBody>
       </p:sp>
-      <p:pic>
-        <p:nvPicPr>
-          <p:cNvPr id="4" name="Picture Placeholder 3" descr="consulting_company_logo.png"/>
-          <p:cNvPicPr>
-            <a:picLocks noGrp="1" noChangeAspect="1"/>
-          </p:cNvPicPr>
-          <p:nvPr>
-            <p:ph type="pic" idx="13" sz="quarter"/>
-          </p:nvPr>
-        </p:nvPicPr>
-        <p:blipFill>
-          <a:blip r:embed="rId3"/>
-          <a:srcRect t="7166" b="7166"/>
-          <a:stretch>
-            <a:fillRect/>
-          </a:stretch>
-        </p:blipFill>
-        <p:spPr/>
-      </p:pic>
       <p:sp>
         <p:nvSpPr>
           <p:cNvPr id="5" name="Text Placeholder 4"/>
@@ -3666,21 +3632,60 @@
         <p:txBody>
           <a:bodyPr/>
           <a:lstStyle/>
-          <a:p>
-            <a:pPr/>
-            <a:r>
-              <a:rPr b="1"/>
-              <a:t>Your Account Manager:</a:t>
-            </a:r>
-            <a:r>
-              <a:t> [Name, Title] | [Email] | [Phone]</a:t>
-            </a:r>
-          </a:p>
+          <a:p/>
         </p:txBody>
       </p:sp>
       <p:pic>
         <p:nvPicPr>
-          <p:cNvPr id="7" name="Picture 6" descr="eo-framework-logo-real.png"/>
+          <p:cNvPr id="7" name="Picture 6" descr="client_logo.png"/>
+          <p:cNvPicPr>
+            <a:picLocks noChangeAspect="1"/>
+          </p:cNvPicPr>
+          <p:nvPr/>
+        </p:nvPicPr>
+        <p:blipFill>
+          <a:blip r:embed="rId2"/>
+          <a:stretch>
+            <a:fillRect/>
+          </a:stretch>
+        </p:blipFill>
+        <p:spPr>
+          <a:xfrm>
+            <a:off x="2180492" y="171206"/>
+            <a:ext cx="3978520" cy="1314694"/>
+          </a:xfrm>
+          <a:prstGeom prst="rect">
+            <a:avLst/>
+          </a:prstGeom>
+        </p:spPr>
+      </p:pic>
+      <p:pic>
+        <p:nvPicPr>
+          <p:cNvPr id="8" name="Picture 7" descr="consulting_company_logo.png"/>
+          <p:cNvPicPr>
+            <a:picLocks noChangeAspect="1"/>
+          </p:cNvPicPr>
+          <p:nvPr/>
+        </p:nvPicPr>
+        <p:blipFill>
+          <a:blip r:embed="rId3"/>
+          <a:stretch>
+            <a:fillRect/>
+          </a:stretch>
+        </p:blipFill>
+        <p:spPr>
+          <a:xfrm>
+            <a:off x="313592" y="4536078"/>
+            <a:ext cx="2164114" cy="529698"/>
+          </a:xfrm>
+          <a:prstGeom prst="rect">
+            <a:avLst/>
+          </a:prstGeom>
+        </p:spPr>
+      </p:pic>
+      <p:pic>
+        <p:nvPicPr>
+          <p:cNvPr id="9" name="Picture 8" descr="eo-framework-logo-real.png"/>
           <p:cNvPicPr>
             <a:picLocks noChangeAspect="1"/>
           </p:cNvPicPr>
@@ -3735,31 +3740,13 @@
           <a:bodyPr/>
           <a:lstStyle/>
           <a:p>
+            <a:pPr algn="l"/>
             <a:r>
               <a:t>Business Opportunity</a:t>
             </a:r>
           </a:p>
         </p:txBody>
       </p:sp>
-      <p:pic>
-        <p:nvPicPr>
-          <p:cNvPr id="3" name="Picture Placeholder 2" descr="consulting_company_logo.png"/>
-          <p:cNvPicPr>
-            <a:picLocks noGrp="1" noChangeAspect="1"/>
-          </p:cNvPicPr>
-          <p:nvPr>
-            <p:ph type="pic" idx="14" sz="quarter"/>
-          </p:nvPr>
-        </p:nvPicPr>
-        <p:blipFill>
-          <a:blip r:embed="rId2"/>
-          <a:srcRect t="6314" b="6314"/>
-          <a:stretch>
-            <a:fillRect/>
-          </a:stretch>
-        </p:blipFill>
-        <p:spPr/>
-      </p:pic>
       <p:sp>
         <p:nvSpPr>
           <p:cNvPr id="4" name="Text Placeholder 3"/>
@@ -3842,24 +3829,53 @@
           </a:p>
         </p:txBody>
       </p:sp>
+      <p:sp>
+        <p:nvSpPr>
+          <p:cNvPr id="6" name="Text Placeholder 5"/>
+          <p:cNvSpPr>
+            <a:spLocks noGrp="1"/>
+          </p:cNvSpPr>
+          <p:nvPr>
+            <p:ph type="body" idx="15" sz="quarter"/>
+          </p:nvPr>
+        </p:nvSpPr>
+        <p:spPr/>
+        <p:txBody>
+          <a:bodyPr/>
+          <a:lstStyle/>
+          <a:p>
+            <a:pPr algn="r">
+              <a:buNone/>
+            </a:pPr>
+            <a:r>
+              <a:rPr sz="1100">
+                <a:solidFill>
+                  <a:srgbClr val="CC0000"/>
+                </a:solidFill>
+              </a:rPr>
+              <a:t>Azure Virtual WAN Global Network</a:t>
+            </a:r>
+          </a:p>
+        </p:txBody>
+      </p:sp>
       <p:pic>
         <p:nvPicPr>
-          <p:cNvPr id="6" name="Picture 5" descr="eo-framework-logo-real.png"/>
+          <p:cNvPr id="7" name="Picture 6" descr="consulting_company_logo.png"/>
           <p:cNvPicPr>
             <a:picLocks noChangeAspect="1"/>
           </p:cNvPicPr>
           <p:nvPr/>
         </p:nvPicPr>
         <p:blipFill>
-          <a:blip r:embed="rId3"/>
+          <a:blip r:embed="rId2"/>
           <a:stretch>
             <a:fillRect/>
           </a:stretch>
         </p:blipFill>
         <p:spPr>
           <a:xfrm>
-            <a:off x="6684264" y="4535424"/>
-            <a:ext cx="2139696" cy="530352"/>
+            <a:off x="313592" y="4536078"/>
+            <a:ext cx="2121877" cy="529698"/>
           </a:xfrm>
           <a:prstGeom prst="rect">
             <a:avLst/>
@@ -3901,31 +3917,11 @@
           <a:p>
             <a:pPr algn="l"/>
             <a:r>
-              <a:rPr b="1"/>
               <a:t>Engagement Scope</a:t>
             </a:r>
           </a:p>
         </p:txBody>
       </p:sp>
-      <p:pic>
-        <p:nvPicPr>
-          <p:cNvPr id="3" name="Picture Placeholder 2" descr="consulting_company_logo.png"/>
-          <p:cNvPicPr>
-            <a:picLocks noGrp="1" noChangeAspect="1"/>
-          </p:cNvPicPr>
-          <p:nvPr>
-            <p:ph type="pic" idx="13" sz="quarter"/>
-          </p:nvPr>
-        </p:nvPicPr>
-        <p:blipFill>
-          <a:blip r:embed="rId2"/>
-          <a:srcRect t="6404" b="6404"/>
-          <a:stretch>
-            <a:fillRect/>
-          </a:stretch>
-        </p:blipFill>
-        <p:spPr/>
-      </p:pic>
       <p:graphicFrame>
         <p:nvGraphicFramePr>
           <p:cNvPr id="4" name="Table Placeholder 3"/>
@@ -4006,11 +4002,6 @@
                     <a:solidFill>
                       <a:srgbClr val="FFFFFF"/>
                     </a:solidFill>
-                    <a:lnL w="12700">
-                      <a:solidFill>
-                        <a:srgbClr val="D0D0D0"/>
-                      </a:solidFill>
-                    </a:lnL>
                   </a:tcPr>
                 </a:tc>
                 <a:tc>
@@ -4101,11 +4092,580 @@
                     <a:solidFill>
                       <a:srgbClr val="FFFFFF"/>
                     </a:solidFill>
-                    <a:lnL w="12700">
-                      <a:solidFill>
-                        <a:srgbClr val="D0D0D0"/>
-                      </a:solidFill>
-                    </a:lnL>
+                  </a:tcPr>
+                </a:tc>
+                <a:tc>
+                  <a:txBody>
+                    <a:bodyPr/>
+                    <a:lstStyle/>
+                    <a:p>
+                      <a:r>
+                        <a:rPr b="1" sz="1100"/>
+                        <a:t>Availability Requirements</a:t>
+                      </a:r>
+                    </a:p>
+                  </a:txBody>
+                  <a:tcPr>
+                    <a:solidFill>
+                      <a:srgbClr val="E7E6E6"/>
+                    </a:solidFill>
+                  </a:tcPr>
+                </a:tc>
+                <a:tc>
+                  <a:txBody>
+                    <a:bodyPr/>
+                    <a:lstStyle/>
+                    <a:p>
+                      <a:r>
+                        <a:rPr sz="1100"/>
+                        <a:t>High availability (99.95%)</a:t>
+                      </a:r>
+                    </a:p>
+                  </a:txBody>
+                  <a:tcPr>
+                    <a:solidFill>
+                      <a:srgbClr val="E7E6E6"/>
+                    </a:solidFill>
+                  </a:tcPr>
+                </a:tc>
+              </a:tr>
+              <a:tr h="370840">
+                <a:tc>
+                  <a:txBody>
+                    <a:bodyPr/>
+                    <a:lstStyle/>
+                    <a:p>
+                      <a:r>
+                        <a:rPr b="1" sz="1100"/>
+                        <a:t>Connected Sites</a:t>
+                      </a:r>
+                    </a:p>
+                  </a:txBody>
+                  <a:tcPr>
+                    <a:solidFill>
+                      <a:srgbClr val="E7E6E6"/>
+                    </a:solidFill>
+                  </a:tcPr>
+                </a:tc>
+                <a:tc>
+                  <a:txBody>
+                    <a:bodyPr/>
+                    <a:lstStyle/>
+                    <a:p>
+                      <a:r>
+                        <a:rPr sz="1100"/>
+                        <a:t>10-15 branch locations</a:t>
+                      </a:r>
+                    </a:p>
+                  </a:txBody>
+                  <a:tcPr>
+                    <a:solidFill>
+                      <a:srgbClr val="E7E6E6"/>
+                    </a:solidFill>
+                  </a:tcPr>
+                </a:tc>
+                <a:tc>
+                  <a:txBody>
+                    <a:bodyPr/>
+                    <a:lstStyle/>
+                    <a:p/>
+                  </a:txBody>
+                  <a:tcPr>
+                    <a:solidFill>
+                      <a:srgbClr val="FFFFFF"/>
+                    </a:solidFill>
+                  </a:tcPr>
+                </a:tc>
+                <a:tc>
+                  <a:txBody>
+                    <a:bodyPr/>
+                    <a:lstStyle/>
+                    <a:p>
+                      <a:r>
+                        <a:rPr b="1" sz="1100"/>
+                        <a:t>Infrastructure Complexity</a:t>
+                      </a:r>
+                    </a:p>
+                  </a:txBody>
+                  <a:tcPr>
+                    <a:solidFill>
+                      <a:srgbClr val="E7E6E6"/>
+                    </a:solidFill>
+                  </a:tcPr>
+                </a:tc>
+                <a:tc>
+                  <a:txBody>
+                    <a:bodyPr/>
+                    <a:lstStyle/>
+                    <a:p>
+                      <a:r>
+                        <a:rPr sz="1100"/>
+                        <a:t>vWAN + Azure Firewall + routing</a:t>
+                      </a:r>
+                    </a:p>
+                  </a:txBody>
+                  <a:tcPr>
+                    <a:solidFill>
+                      <a:srgbClr val="E7E6E6"/>
+                    </a:solidFill>
+                  </a:tcPr>
+                </a:tc>
+              </a:tr>
+              <a:tr h="370840">
+                <a:tc>
+                  <a:txBody>
+                    <a:bodyPr/>
+                    <a:lstStyle/>
+                    <a:p>
+                      <a:r>
+                        <a:rPr b="1" sz="1100"/>
+                        <a:t>VPN Connections</a:t>
+                      </a:r>
+                    </a:p>
+                  </a:txBody>
+                  <a:tcPr>
+                    <a:solidFill>
+                      <a:srgbClr val="E7E6E6"/>
+                    </a:solidFill>
+                  </a:tcPr>
+                </a:tc>
+                <a:tc>
+                  <a:txBody>
+                    <a:bodyPr/>
+                    <a:lstStyle/>
+                    <a:p>
+                      <a:r>
+                        <a:rPr sz="1100"/>
+                        <a:t>Site-to-site IPsec VPN</a:t>
+                      </a:r>
+                    </a:p>
+                  </a:txBody>
+                  <a:tcPr>
+                    <a:solidFill>
+                      <a:srgbClr val="E7E6E6"/>
+                    </a:solidFill>
+                  </a:tcPr>
+                </a:tc>
+                <a:tc>
+                  <a:txBody>
+                    <a:bodyPr/>
+                    <a:lstStyle/>
+                    <a:p/>
+                  </a:txBody>
+                  <a:tcPr>
+                    <a:solidFill>
+                      <a:srgbClr val="FFFFFF"/>
+                    </a:solidFill>
+                  </a:tcPr>
+                </a:tc>
+                <a:tc>
+                  <a:txBody>
+                    <a:bodyPr/>
+                    <a:lstStyle/>
+                    <a:p>
+                      <a:r>
+                        <a:rPr b="1" sz="1100"/>
+                        <a:t>Security Requirements</a:t>
+                      </a:r>
+                    </a:p>
+                  </a:txBody>
+                  <a:tcPr>
+                    <a:solidFill>
+                      <a:srgbClr val="E7E6E6"/>
+                    </a:solidFill>
+                  </a:tcPr>
+                </a:tc>
+                <a:tc>
+                  <a:txBody>
+                    <a:bodyPr/>
+                    <a:lstStyle/>
+                    <a:p>
+                      <a:r>
+                        <a:rPr sz="1100"/>
+                        <a:t>Azure Firewall DDoS protection</a:t>
+                      </a:r>
+                    </a:p>
+                  </a:txBody>
+                  <a:tcPr>
+                    <a:solidFill>
+                      <a:srgbClr val="E7E6E6"/>
+                    </a:solidFill>
+                  </a:tcPr>
+                </a:tc>
+              </a:tr>
+              <a:tr h="370840">
+                <a:tc>
+                  <a:txBody>
+                    <a:bodyPr/>
+                    <a:lstStyle/>
+                    <a:p>
+                      <a:r>
+                        <a:rPr b="1" sz="1100"/>
+                        <a:t>ExpressRoute Circuits</a:t>
+                      </a:r>
+                    </a:p>
+                  </a:txBody>
+                  <a:tcPr>
+                    <a:solidFill>
+                      <a:srgbClr val="E7E6E6"/>
+                    </a:solidFill>
+                  </a:tcPr>
+                </a:tc>
+                <a:tc>
+                  <a:txBody>
+                    <a:bodyPr/>
+                    <a:lstStyle/>
+                    <a:p>
+                      <a:r>
+                        <a:rPr sz="1100"/>
+                        <a:t>2 circuits (primary backup)</a:t>
+                      </a:r>
+                    </a:p>
+                  </a:txBody>
+                  <a:tcPr>
+                    <a:solidFill>
+                      <a:srgbClr val="E7E6E6"/>
+                    </a:solidFill>
+                  </a:tcPr>
+                </a:tc>
+                <a:tc>
+                  <a:txBody>
+                    <a:bodyPr/>
+                    <a:lstStyle/>
+                    <a:p/>
+                  </a:txBody>
+                  <a:tcPr>
+                    <a:solidFill>
+                      <a:srgbClr val="FFFFFF"/>
+                    </a:solidFill>
+                  </a:tcPr>
+                </a:tc>
+                <a:tc>
+                  <a:txBody>
+                    <a:bodyPr/>
+                    <a:lstStyle/>
+                    <a:p>
+                      <a:r>
+                        <a:rPr b="1" sz="1100"/>
+                        <a:t>Compliance Frameworks</a:t>
+                      </a:r>
+                    </a:p>
+                  </a:txBody>
+                  <a:tcPr>
+                    <a:solidFill>
+                      <a:srgbClr val="E7E6E6"/>
+                    </a:solidFill>
+                  </a:tcPr>
+                </a:tc>
+                <a:tc>
+                  <a:txBody>
+                    <a:bodyPr/>
+                    <a:lstStyle/>
+                    <a:p>
+                      <a:r>
+                        <a:rPr sz="1100"/>
+                        <a:t>SOC2 ISO27001</a:t>
+                      </a:r>
+                    </a:p>
+                  </a:txBody>
+                  <a:tcPr>
+                    <a:solidFill>
+                      <a:srgbClr val="E7E6E6"/>
+                    </a:solidFill>
+                  </a:tcPr>
+                </a:tc>
+              </a:tr>
+              <a:tr h="370840">
+                <a:tc>
+                  <a:txBody>
+                    <a:bodyPr/>
+                    <a:lstStyle/>
+                    <a:p>
+                      <a:r>
+                        <a:rPr b="1" sz="1100"/>
+                        <a:t>Total Users</a:t>
+                      </a:r>
+                    </a:p>
+                  </a:txBody>
+                  <a:tcPr>
+                    <a:solidFill>
+                      <a:srgbClr val="E7E6E6"/>
+                    </a:solidFill>
+                  </a:tcPr>
+                </a:tc>
+                <a:tc>
+                  <a:txBody>
+                    <a:bodyPr/>
+                    <a:lstStyle/>
+                    <a:p>
+                      <a:r>
+                        <a:rPr sz="1100"/>
+                        <a:t>1000 users across sites</a:t>
+                      </a:r>
+                    </a:p>
+                  </a:txBody>
+                  <a:tcPr>
+                    <a:solidFill>
+                      <a:srgbClr val="E7E6E6"/>
+                    </a:solidFill>
+                  </a:tcPr>
+                </a:tc>
+                <a:tc>
+                  <a:txBody>
+                    <a:bodyPr/>
+                    <a:lstStyle/>
+                    <a:p/>
+                  </a:txBody>
+                  <a:tcPr>
+                    <a:solidFill>
+                      <a:srgbClr val="FFFFFF"/>
+                    </a:solidFill>
+                  </a:tcPr>
+                </a:tc>
+                <a:tc>
+                  <a:txBody>
+                    <a:bodyPr/>
+                    <a:lstStyle/>
+                    <a:p>
+                      <a:r>
+                        <a:rPr b="1" sz="1100"/>
+                        <a:t>Latency Requirements</a:t>
+                      </a:r>
+                    </a:p>
+                  </a:txBody>
+                  <a:tcPr>
+                    <a:solidFill>
+                      <a:srgbClr val="E7E6E6"/>
+                    </a:solidFill>
+                  </a:tcPr>
+                </a:tc>
+                <a:tc>
+                  <a:txBody>
+                    <a:bodyPr/>
+                    <a:lstStyle/>
+                    <a:p>
+                      <a:r>
+                        <a:rPr sz="1100"/>
+                        <a:t>&lt;50ms inter-region</a:t>
+                      </a:r>
+                    </a:p>
+                  </a:txBody>
+                  <a:tcPr>
+                    <a:solidFill>
+                      <a:srgbClr val="E7E6E6"/>
+                    </a:solidFill>
+                  </a:tcPr>
+                </a:tc>
+              </a:tr>
+              <a:tr h="370840">
+                <a:tc>
+                  <a:txBody>
+                    <a:bodyPr/>
+                    <a:lstStyle/>
+                    <a:p>
+                      <a:r>
+                        <a:rPr b="1" sz="1100"/>
+                        <a:t>User Roles</a:t>
+                      </a:r>
+                    </a:p>
+                  </a:txBody>
+                  <a:tcPr>
+                    <a:solidFill>
+                      <a:srgbClr val="E7E6E6"/>
+                    </a:solidFill>
+                  </a:tcPr>
+                </a:tc>
+                <a:tc>
+                  <a:txBody>
+                    <a:bodyPr/>
+                    <a:lstStyle/>
+                    <a:p>
+                      <a:r>
+                        <a:rPr sz="1100"/>
+                        <a:t>3 roles (network ops security admin)</a:t>
+                      </a:r>
+                    </a:p>
+                  </a:txBody>
+                  <a:tcPr>
+                    <a:solidFill>
+                      <a:srgbClr val="E7E6E6"/>
+                    </a:solidFill>
+                  </a:tcPr>
+                </a:tc>
+                <a:tc>
+                  <a:txBody>
+                    <a:bodyPr/>
+                    <a:lstStyle/>
+                    <a:p/>
+                  </a:txBody>
+                  <a:tcPr>
+                    <a:solidFill>
+                      <a:srgbClr val="FFFFFF"/>
+                    </a:solidFill>
+                  </a:tcPr>
+                </a:tc>
+                <a:tc>
+                  <a:txBody>
+                    <a:bodyPr/>
+                    <a:lstStyle/>
+                    <a:p>
+                      <a:r>
+                        <a:rPr b="1" sz="1100"/>
+                        <a:t>Routing Complexity</a:t>
+                      </a:r>
+                    </a:p>
+                  </a:txBody>
+                  <a:tcPr>
+                    <a:solidFill>
+                      <a:srgbClr val="E7E6E6"/>
+                    </a:solidFill>
+                  </a:tcPr>
+                </a:tc>
+                <a:tc>
+                  <a:txBody>
+                    <a:bodyPr/>
+                    <a:lstStyle/>
+                    <a:p>
+                      <a:r>
+                        <a:rPr sz="1100"/>
+                        <a:t>BGP route propagation</a:t>
+                      </a:r>
+                    </a:p>
+                  </a:txBody>
+                  <a:tcPr>
+                    <a:solidFill>
+                      <a:srgbClr val="E7E6E6"/>
+                    </a:solidFill>
+                  </a:tcPr>
+                </a:tc>
+              </a:tr>
+              <a:tr h="370840">
+                <a:tc>
+                  <a:txBody>
+                    <a:bodyPr/>
+                    <a:lstStyle/>
+                    <a:p>
+                      <a:r>
+                        <a:rPr b="1" sz="1100"/>
+                        <a:t>Bandwidth Requirements</a:t>
+                      </a:r>
+                    </a:p>
+                  </a:txBody>
+                  <a:tcPr>
+                    <a:solidFill>
+                      <a:srgbClr val="E7E6E6"/>
+                    </a:solidFill>
+                  </a:tcPr>
+                </a:tc>
+                <a:tc>
+                  <a:txBody>
+                    <a:bodyPr/>
+                    <a:lstStyle/>
+                    <a:p>
+                      <a:r>
+                        <a:rPr sz="1100"/>
+                        <a:t>1 Gbps aggregate</a:t>
+                      </a:r>
+                    </a:p>
+                  </a:txBody>
+                  <a:tcPr>
+                    <a:solidFill>
+                      <a:srgbClr val="E7E6E6"/>
+                    </a:solidFill>
+                  </a:tcPr>
+                </a:tc>
+                <a:tc>
+                  <a:txBody>
+                    <a:bodyPr/>
+                    <a:lstStyle/>
+                    <a:p/>
+                  </a:txBody>
+                  <a:tcPr>
+                    <a:solidFill>
+                      <a:srgbClr val="FFFFFF"/>
+                    </a:solidFill>
+                  </a:tcPr>
+                </a:tc>
+                <a:tc>
+                  <a:txBody>
+                    <a:bodyPr/>
+                    <a:lstStyle/>
+                    <a:p>
+                      <a:r>
+                        <a:rPr b="1" sz="1100"/>
+                        <a:t>Deployment Environments</a:t>
+                      </a:r>
+                    </a:p>
+                  </a:txBody>
+                  <a:tcPr>
+                    <a:solidFill>
+                      <a:srgbClr val="E7E6E6"/>
+                    </a:solidFill>
+                  </a:tcPr>
+                </a:tc>
+                <a:tc>
+                  <a:txBody>
+                    <a:bodyPr/>
+                    <a:lstStyle/>
+                    <a:p>
+                      <a:r>
+                        <a:rPr sz="1100"/>
+                        <a:t>2 environments (non-prod prod)</a:t>
+                      </a:r>
+                    </a:p>
+                  </a:txBody>
+                  <a:tcPr>
+                    <a:solidFill>
+                      <a:srgbClr val="E7E6E6"/>
+                    </a:solidFill>
+                  </a:tcPr>
+                </a:tc>
+              </a:tr>
+              <a:tr h="370840">
+                <a:tc>
+                  <a:txBody>
+                    <a:bodyPr/>
+                    <a:lstStyle/>
+                    <a:p>
+                      <a:r>
+                        <a:rPr b="1" sz="1100"/>
+                        <a:t>Traffic Volume</a:t>
+                      </a:r>
+                    </a:p>
+                  </a:txBody>
+                  <a:tcPr>
+                    <a:solidFill>
+                      <a:srgbClr val="E7E6E6"/>
+                    </a:solidFill>
+                  </a:tcPr>
+                </a:tc>
+                <a:tc>
+                  <a:txBody>
+                    <a:bodyPr/>
+                    <a:lstStyle/>
+                    <a:p>
+                      <a:r>
+                        <a:rPr sz="1100"/>
+                        <a:t>10 TB/month</a:t>
+                      </a:r>
+                    </a:p>
+                  </a:txBody>
+                  <a:tcPr>
+                    <a:solidFill>
+                      <a:srgbClr val="E7E6E6"/>
+                    </a:solidFill>
+                  </a:tcPr>
+                </a:tc>
+                <a:tc>
+                  <a:txBody>
+                    <a:bodyPr/>
+                    <a:lstStyle/>
+                    <a:p/>
+                  </a:txBody>
+                  <a:tcPr>
+                    <a:solidFill>
+                      <a:srgbClr val="FFFFFF"/>
+                    </a:solidFill>
                   </a:tcPr>
                 </a:tc>
                 <a:tc>
@@ -4133,615 +4693,6 @@
                       <a:r>
                         <a:rPr sz="1100"/>
                         <a:t>3 Azure regions globally</a:t>
-                      </a:r>
-                    </a:p>
-                  </a:txBody>
-                  <a:tcPr>
-                    <a:solidFill>
-                      <a:srgbClr val="E7E6E6"/>
-                    </a:solidFill>
-                  </a:tcPr>
-                </a:tc>
-              </a:tr>
-              <a:tr h="370840">
-                <a:tc>
-                  <a:txBody>
-                    <a:bodyPr/>
-                    <a:lstStyle/>
-                    <a:p>
-                      <a:r>
-                        <a:rPr b="1" sz="1100"/>
-                        <a:t>Connected Sites</a:t>
-                      </a:r>
-                    </a:p>
-                  </a:txBody>
-                  <a:tcPr>
-                    <a:solidFill>
-                      <a:srgbClr val="E7E6E6"/>
-                    </a:solidFill>
-                  </a:tcPr>
-                </a:tc>
-                <a:tc>
-                  <a:txBody>
-                    <a:bodyPr/>
-                    <a:lstStyle/>
-                    <a:p>
-                      <a:r>
-                        <a:rPr sz="1100"/>
-                        <a:t>10-15 branch locations</a:t>
-                      </a:r>
-                    </a:p>
-                  </a:txBody>
-                  <a:tcPr>
-                    <a:solidFill>
-                      <a:srgbClr val="E7E6E6"/>
-                    </a:solidFill>
-                  </a:tcPr>
-                </a:tc>
-                <a:tc>
-                  <a:txBody>
-                    <a:bodyPr/>
-                    <a:lstStyle/>
-                    <a:p/>
-                  </a:txBody>
-                  <a:tcPr>
-                    <a:solidFill>
-                      <a:srgbClr val="FFFFFF"/>
-                    </a:solidFill>
-                    <a:lnL w="12700">
-                      <a:solidFill>
-                        <a:srgbClr val="D0D0D0"/>
-                      </a:solidFill>
-                    </a:lnL>
-                  </a:tcPr>
-                </a:tc>
-                <a:tc>
-                  <a:txBody>
-                    <a:bodyPr/>
-                    <a:lstStyle/>
-                    <a:p>
-                      <a:r>
-                        <a:rPr b="1" sz="1100"/>
-                        <a:t>Availability Requirements</a:t>
-                      </a:r>
-                    </a:p>
-                  </a:txBody>
-                  <a:tcPr>
-                    <a:solidFill>
-                      <a:srgbClr val="E7E6E6"/>
-                    </a:solidFill>
-                  </a:tcPr>
-                </a:tc>
-                <a:tc>
-                  <a:txBody>
-                    <a:bodyPr/>
-                    <a:lstStyle/>
-                    <a:p>
-                      <a:r>
-                        <a:rPr sz="1100"/>
-                        <a:t>High availability (99.95%)</a:t>
-                      </a:r>
-                    </a:p>
-                  </a:txBody>
-                  <a:tcPr>
-                    <a:solidFill>
-                      <a:srgbClr val="E7E6E6"/>
-                    </a:solidFill>
-                  </a:tcPr>
-                </a:tc>
-              </a:tr>
-              <a:tr h="370840">
-                <a:tc>
-                  <a:txBody>
-                    <a:bodyPr/>
-                    <a:lstStyle/>
-                    <a:p>
-                      <a:r>
-                        <a:rPr b="1" sz="1100"/>
-                        <a:t>VPN Connections</a:t>
-                      </a:r>
-                    </a:p>
-                  </a:txBody>
-                  <a:tcPr>
-                    <a:solidFill>
-                      <a:srgbClr val="E7E6E6"/>
-                    </a:solidFill>
-                  </a:tcPr>
-                </a:tc>
-                <a:tc>
-                  <a:txBody>
-                    <a:bodyPr/>
-                    <a:lstStyle/>
-                    <a:p>
-                      <a:r>
-                        <a:rPr sz="1100"/>
-                        <a:t>Site-to-site IPsec VPN</a:t>
-                      </a:r>
-                    </a:p>
-                  </a:txBody>
-                  <a:tcPr>
-                    <a:solidFill>
-                      <a:srgbClr val="E7E6E6"/>
-                    </a:solidFill>
-                  </a:tcPr>
-                </a:tc>
-                <a:tc>
-                  <a:txBody>
-                    <a:bodyPr/>
-                    <a:lstStyle/>
-                    <a:p/>
-                  </a:txBody>
-                  <a:tcPr>
-                    <a:solidFill>
-                      <a:srgbClr val="FFFFFF"/>
-                    </a:solidFill>
-                    <a:lnL w="12700">
-                      <a:solidFill>
-                        <a:srgbClr val="D0D0D0"/>
-                      </a:solidFill>
-                    </a:lnL>
-                  </a:tcPr>
-                </a:tc>
-                <a:tc>
-                  <a:txBody>
-                    <a:bodyPr/>
-                    <a:lstStyle/>
-                    <a:p>
-                      <a:r>
-                        <a:rPr b="1" sz="1100"/>
-                        <a:t>Infrastructure Complexity</a:t>
-                      </a:r>
-                    </a:p>
-                  </a:txBody>
-                  <a:tcPr>
-                    <a:solidFill>
-                      <a:srgbClr val="E7E6E6"/>
-                    </a:solidFill>
-                  </a:tcPr>
-                </a:tc>
-                <a:tc>
-                  <a:txBody>
-                    <a:bodyPr/>
-                    <a:lstStyle/>
-                    <a:p>
-                      <a:r>
-                        <a:rPr sz="1100"/>
-                        <a:t>vWAN + Azure Firewall + routing</a:t>
-                      </a:r>
-                    </a:p>
-                  </a:txBody>
-                  <a:tcPr>
-                    <a:solidFill>
-                      <a:srgbClr val="E7E6E6"/>
-                    </a:solidFill>
-                  </a:tcPr>
-                </a:tc>
-              </a:tr>
-              <a:tr h="370840">
-                <a:tc>
-                  <a:txBody>
-                    <a:bodyPr/>
-                    <a:lstStyle/>
-                    <a:p>
-                      <a:r>
-                        <a:rPr b="1" sz="1100"/>
-                        <a:t>ExpressRoute Circuits</a:t>
-                      </a:r>
-                    </a:p>
-                  </a:txBody>
-                  <a:tcPr>
-                    <a:solidFill>
-                      <a:srgbClr val="E7E6E6"/>
-                    </a:solidFill>
-                  </a:tcPr>
-                </a:tc>
-                <a:tc>
-                  <a:txBody>
-                    <a:bodyPr/>
-                    <a:lstStyle/>
-                    <a:p>
-                      <a:r>
-                        <a:rPr sz="1100"/>
-                        <a:t>2 circuits (primary backup)</a:t>
-                      </a:r>
-                    </a:p>
-                  </a:txBody>
-                  <a:tcPr>
-                    <a:solidFill>
-                      <a:srgbClr val="E7E6E6"/>
-                    </a:solidFill>
-                  </a:tcPr>
-                </a:tc>
-                <a:tc>
-                  <a:txBody>
-                    <a:bodyPr/>
-                    <a:lstStyle/>
-                    <a:p/>
-                  </a:txBody>
-                  <a:tcPr>
-                    <a:solidFill>
-                      <a:srgbClr val="FFFFFF"/>
-                    </a:solidFill>
-                    <a:lnL w="12700">
-                      <a:solidFill>
-                        <a:srgbClr val="D0D0D0"/>
-                      </a:solidFill>
-                    </a:lnL>
-                  </a:tcPr>
-                </a:tc>
-                <a:tc>
-                  <a:txBody>
-                    <a:bodyPr/>
-                    <a:lstStyle/>
-                    <a:p>
-                      <a:r>
-                        <a:rPr b="1" sz="1100"/>
-                        <a:t>Security Requirements</a:t>
-                      </a:r>
-                    </a:p>
-                  </a:txBody>
-                  <a:tcPr>
-                    <a:solidFill>
-                      <a:srgbClr val="E7E6E6"/>
-                    </a:solidFill>
-                  </a:tcPr>
-                </a:tc>
-                <a:tc>
-                  <a:txBody>
-                    <a:bodyPr/>
-                    <a:lstStyle/>
-                    <a:p>
-                      <a:r>
-                        <a:rPr sz="1100"/>
-                        <a:t>Azure Firewall DDoS protection</a:t>
-                      </a:r>
-                    </a:p>
-                  </a:txBody>
-                  <a:tcPr>
-                    <a:solidFill>
-                      <a:srgbClr val="E7E6E6"/>
-                    </a:solidFill>
-                  </a:tcPr>
-                </a:tc>
-              </a:tr>
-              <a:tr h="370840">
-                <a:tc>
-                  <a:txBody>
-                    <a:bodyPr/>
-                    <a:lstStyle/>
-                    <a:p>
-                      <a:r>
-                        <a:rPr b="1" sz="1100"/>
-                        <a:t>Total Users</a:t>
-                      </a:r>
-                    </a:p>
-                  </a:txBody>
-                  <a:tcPr>
-                    <a:solidFill>
-                      <a:srgbClr val="E7E6E6"/>
-                    </a:solidFill>
-                  </a:tcPr>
-                </a:tc>
-                <a:tc>
-                  <a:txBody>
-                    <a:bodyPr/>
-                    <a:lstStyle/>
-                    <a:p>
-                      <a:r>
-                        <a:rPr sz="1100"/>
-                        <a:t>1000 users across sites</a:t>
-                      </a:r>
-                    </a:p>
-                  </a:txBody>
-                  <a:tcPr>
-                    <a:solidFill>
-                      <a:srgbClr val="E7E6E6"/>
-                    </a:solidFill>
-                  </a:tcPr>
-                </a:tc>
-                <a:tc>
-                  <a:txBody>
-                    <a:bodyPr/>
-                    <a:lstStyle/>
-                    <a:p/>
-                  </a:txBody>
-                  <a:tcPr>
-                    <a:solidFill>
-                      <a:srgbClr val="FFFFFF"/>
-                    </a:solidFill>
-                    <a:lnL w="12700">
-                      <a:solidFill>
-                        <a:srgbClr val="D0D0D0"/>
-                      </a:solidFill>
-                    </a:lnL>
-                  </a:tcPr>
-                </a:tc>
-                <a:tc>
-                  <a:txBody>
-                    <a:bodyPr/>
-                    <a:lstStyle/>
-                    <a:p>
-                      <a:r>
-                        <a:rPr b="1" sz="1100"/>
-                        <a:t>Compliance Frameworks</a:t>
-                      </a:r>
-                    </a:p>
-                  </a:txBody>
-                  <a:tcPr>
-                    <a:solidFill>
-                      <a:srgbClr val="E7E6E6"/>
-                    </a:solidFill>
-                  </a:tcPr>
-                </a:tc>
-                <a:tc>
-                  <a:txBody>
-                    <a:bodyPr/>
-                    <a:lstStyle/>
-                    <a:p>
-                      <a:r>
-                        <a:rPr sz="1100"/>
-                        <a:t>SOC2 ISO27001</a:t>
-                      </a:r>
-                    </a:p>
-                  </a:txBody>
-                  <a:tcPr>
-                    <a:solidFill>
-                      <a:srgbClr val="E7E6E6"/>
-                    </a:solidFill>
-                  </a:tcPr>
-                </a:tc>
-              </a:tr>
-              <a:tr h="370840">
-                <a:tc>
-                  <a:txBody>
-                    <a:bodyPr/>
-                    <a:lstStyle/>
-                    <a:p>
-                      <a:r>
-                        <a:rPr b="1" sz="1100"/>
-                        <a:t>User Roles</a:t>
-                      </a:r>
-                    </a:p>
-                  </a:txBody>
-                  <a:tcPr>
-                    <a:solidFill>
-                      <a:srgbClr val="E7E6E6"/>
-                    </a:solidFill>
-                  </a:tcPr>
-                </a:tc>
-                <a:tc>
-                  <a:txBody>
-                    <a:bodyPr/>
-                    <a:lstStyle/>
-                    <a:p>
-                      <a:r>
-                        <a:rPr sz="1100"/>
-                        <a:t>3 roles (network ops security admin)</a:t>
-                      </a:r>
-                    </a:p>
-                  </a:txBody>
-                  <a:tcPr>
-                    <a:solidFill>
-                      <a:srgbClr val="E7E6E6"/>
-                    </a:solidFill>
-                  </a:tcPr>
-                </a:tc>
-                <a:tc>
-                  <a:txBody>
-                    <a:bodyPr/>
-                    <a:lstStyle/>
-                    <a:p/>
-                  </a:txBody>
-                  <a:tcPr>
-                    <a:solidFill>
-                      <a:srgbClr val="FFFFFF"/>
-                    </a:solidFill>
-                    <a:lnL w="12700">
-                      <a:solidFill>
-                        <a:srgbClr val="D0D0D0"/>
-                      </a:solidFill>
-                    </a:lnL>
-                  </a:tcPr>
-                </a:tc>
-                <a:tc>
-                  <a:txBody>
-                    <a:bodyPr/>
-                    <a:lstStyle/>
-                    <a:p>
-                      <a:r>
-                        <a:rPr b="1" sz="1100"/>
-                        <a:t>Latency Requirements</a:t>
-                      </a:r>
-                    </a:p>
-                  </a:txBody>
-                  <a:tcPr>
-                    <a:solidFill>
-                      <a:srgbClr val="E7E6E6"/>
-                    </a:solidFill>
-                  </a:tcPr>
-                </a:tc>
-                <a:tc>
-                  <a:txBody>
-                    <a:bodyPr/>
-                    <a:lstStyle/>
-                    <a:p>
-                      <a:r>
-                        <a:rPr sz="1100"/>
-                        <a:t>&lt;50ms inter-region</a:t>
-                      </a:r>
-                    </a:p>
-                  </a:txBody>
-                  <a:tcPr>
-                    <a:solidFill>
-                      <a:srgbClr val="E7E6E6"/>
-                    </a:solidFill>
-                  </a:tcPr>
-                </a:tc>
-              </a:tr>
-              <a:tr h="370840">
-                <a:tc>
-                  <a:txBody>
-                    <a:bodyPr/>
-                    <a:lstStyle/>
-                    <a:p>
-                      <a:r>
-                        <a:rPr b="1" sz="1100"/>
-                        <a:t>Bandwidth Requirements</a:t>
-                      </a:r>
-                    </a:p>
-                  </a:txBody>
-                  <a:tcPr>
-                    <a:solidFill>
-                      <a:srgbClr val="E7E6E6"/>
-                    </a:solidFill>
-                  </a:tcPr>
-                </a:tc>
-                <a:tc>
-                  <a:txBody>
-                    <a:bodyPr/>
-                    <a:lstStyle/>
-                    <a:p>
-                      <a:r>
-                        <a:rPr sz="1100"/>
-                        <a:t>1 Gbps aggregate</a:t>
-                      </a:r>
-                    </a:p>
-                  </a:txBody>
-                  <a:tcPr>
-                    <a:solidFill>
-                      <a:srgbClr val="E7E6E6"/>
-                    </a:solidFill>
-                  </a:tcPr>
-                </a:tc>
-                <a:tc>
-                  <a:txBody>
-                    <a:bodyPr/>
-                    <a:lstStyle/>
-                    <a:p/>
-                  </a:txBody>
-                  <a:tcPr>
-                    <a:solidFill>
-                      <a:srgbClr val="FFFFFF"/>
-                    </a:solidFill>
-                    <a:lnL w="12700">
-                      <a:solidFill>
-                        <a:srgbClr val="D0D0D0"/>
-                      </a:solidFill>
-                    </a:lnL>
-                  </a:tcPr>
-                </a:tc>
-                <a:tc>
-                  <a:txBody>
-                    <a:bodyPr/>
-                    <a:lstStyle/>
-                    <a:p>
-                      <a:r>
-                        <a:rPr b="1" sz="1100"/>
-                        <a:t>Routing Complexity</a:t>
-                      </a:r>
-                    </a:p>
-                  </a:txBody>
-                  <a:tcPr>
-                    <a:solidFill>
-                      <a:srgbClr val="E7E6E6"/>
-                    </a:solidFill>
-                  </a:tcPr>
-                </a:tc>
-                <a:tc>
-                  <a:txBody>
-                    <a:bodyPr/>
-                    <a:lstStyle/>
-                    <a:p>
-                      <a:r>
-                        <a:rPr sz="1100"/>
-                        <a:t>BGP route propagation</a:t>
-                      </a:r>
-                    </a:p>
-                  </a:txBody>
-                  <a:tcPr>
-                    <a:solidFill>
-                      <a:srgbClr val="E7E6E6"/>
-                    </a:solidFill>
-                  </a:tcPr>
-                </a:tc>
-              </a:tr>
-              <a:tr h="370840">
-                <a:tc>
-                  <a:txBody>
-                    <a:bodyPr/>
-                    <a:lstStyle/>
-                    <a:p>
-                      <a:r>
-                        <a:rPr b="1" sz="1100"/>
-                        <a:t>Traffic Volume</a:t>
-                      </a:r>
-                    </a:p>
-                  </a:txBody>
-                  <a:tcPr>
-                    <a:solidFill>
-                      <a:srgbClr val="E7E6E6"/>
-                    </a:solidFill>
-                  </a:tcPr>
-                </a:tc>
-                <a:tc>
-                  <a:txBody>
-                    <a:bodyPr/>
-                    <a:lstStyle/>
-                    <a:p>
-                      <a:r>
-                        <a:rPr sz="1100"/>
-                        <a:t>10 TB/month</a:t>
-                      </a:r>
-                    </a:p>
-                  </a:txBody>
-                  <a:tcPr>
-                    <a:solidFill>
-                      <a:srgbClr val="E7E6E6"/>
-                    </a:solidFill>
-                  </a:tcPr>
-                </a:tc>
-                <a:tc>
-                  <a:txBody>
-                    <a:bodyPr/>
-                    <a:lstStyle/>
-                    <a:p/>
-                  </a:txBody>
-                  <a:tcPr>
-                    <a:solidFill>
-                      <a:srgbClr val="FFFFFF"/>
-                    </a:solidFill>
-                    <a:lnL w="12700">
-                      <a:solidFill>
-                        <a:srgbClr val="D0D0D0"/>
-                      </a:solidFill>
-                    </a:lnL>
-                  </a:tcPr>
-                </a:tc>
-                <a:tc>
-                  <a:txBody>
-                    <a:bodyPr/>
-                    <a:lstStyle/>
-                    <a:p>
-                      <a:r>
-                        <a:rPr b="1" sz="1100"/>
-                        <a:t>Deployment Environments</a:t>
-                      </a:r>
-                    </a:p>
-                  </a:txBody>
-                  <a:tcPr>
-                    <a:solidFill>
-                      <a:srgbClr val="E7E6E6"/>
-                    </a:solidFill>
-                  </a:tcPr>
-                </a:tc>
-                <a:tc>
-                  <a:txBody>
-                    <a:bodyPr/>
-                    <a:lstStyle/>
-                    <a:p>
-                      <a:r>
-                        <a:rPr sz="1100"/>
-                        <a:t>2 environments (non-prod prod)</a:t>
                       </a:r>
                     </a:p>
                   </a:txBody>
@@ -4756,24 +4707,53 @@
           </a:graphicData>
         </a:graphic>
       </p:graphicFrame>
+      <p:sp>
+        <p:nvSpPr>
+          <p:cNvPr id="5" name="Text Placeholder 4"/>
+          <p:cNvSpPr>
+            <a:spLocks noGrp="1"/>
+          </p:cNvSpPr>
+          <p:nvPr>
+            <p:ph type="body" idx="15" sz="quarter"/>
+          </p:nvPr>
+        </p:nvSpPr>
+        <p:spPr/>
+        <p:txBody>
+          <a:bodyPr/>
+          <a:lstStyle/>
+          <a:p>
+            <a:pPr algn="r">
+              <a:buNone/>
+            </a:pPr>
+            <a:r>
+              <a:rPr sz="1100">
+                <a:solidFill>
+                  <a:srgbClr val="CC0000"/>
+                </a:solidFill>
+              </a:rPr>
+              <a:t>Azure Virtual WAN Global Network</a:t>
+            </a:r>
+          </a:p>
+        </p:txBody>
+      </p:sp>
       <p:pic>
         <p:nvPicPr>
-          <p:cNvPr id="5" name="Picture 4" descr="eo-framework-logo-real.png"/>
+          <p:cNvPr id="6" name="Picture 5" descr="consulting_company_logo.png"/>
           <p:cNvPicPr>
             <a:picLocks noChangeAspect="1"/>
           </p:cNvPicPr>
           <p:nvPr/>
         </p:nvPicPr>
         <p:blipFill>
-          <a:blip r:embed="rId3"/>
+          <a:blip r:embed="rId2"/>
           <a:stretch>
             <a:fillRect/>
           </a:stretch>
         </p:blipFill>
         <p:spPr>
           <a:xfrm>
-            <a:off x="6684264" y="4535424"/>
-            <a:ext cx="2139696" cy="530352"/>
+            <a:off x="313592" y="4536078"/>
+            <a:ext cx="2126273" cy="529698"/>
           </a:xfrm>
           <a:prstGeom prst="rect">
             <a:avLst/>
@@ -4813,42 +4793,12 @@
           <a:bodyPr/>
           <a:lstStyle/>
           <a:p>
+            <a:pPr algn="l"/>
             <a:r>
               <a:t>Solution Overview</a:t>
             </a:r>
           </a:p>
         </p:txBody>
-      </p:sp>
-      <p:pic>
-        <p:nvPicPr>
-          <p:cNvPr id="3" name="Picture Placeholder 2" descr="consulting_company_logo.png"/>
-          <p:cNvPicPr>
-            <a:picLocks noGrp="1" noChangeAspect="1"/>
-          </p:cNvPicPr>
-          <p:nvPr>
-            <p:ph type="pic" idx="14" sz="quarter"/>
-          </p:nvPr>
-        </p:nvPicPr>
-        <p:blipFill>
-          <a:blip r:embed="rId2"/>
-          <a:srcRect t="6494" b="6494"/>
-          <a:stretch>
-            <a:fillRect/>
-          </a:stretch>
-        </p:blipFill>
-        <p:spPr/>
-      </p:pic>
-      <p:sp>
-        <p:nvSpPr>
-          <p:cNvPr id="4" name="Picture Placeholder 3"/>
-          <p:cNvSpPr>
-            <a:spLocks noGrp="1"/>
-          </p:cNvSpPr>
-          <p:nvPr>
-            <p:ph type="pic" idx="15" sz="quarter"/>
-          </p:nvPr>
-        </p:nvSpPr>
-        <p:spPr/>
       </p:sp>
       <p:sp>
         <p:nvSpPr>
@@ -4934,24 +4884,83 @@
           </a:p>
         </p:txBody>
       </p:sp>
+      <p:sp>
+        <p:nvSpPr>
+          <p:cNvPr id="6" name="Text Placeholder 5"/>
+          <p:cNvSpPr>
+            <a:spLocks noGrp="1"/>
+          </p:cNvSpPr>
+          <p:nvPr>
+            <p:ph type="body" idx="17" sz="quarter"/>
+          </p:nvPr>
+        </p:nvSpPr>
+        <p:spPr/>
+        <p:txBody>
+          <a:bodyPr/>
+          <a:lstStyle/>
+          <a:p>
+            <a:pPr algn="r">
+              <a:buNone/>
+            </a:pPr>
+            <a:r>
+              <a:rPr sz="1100">
+                <a:solidFill>
+                  <a:srgbClr val="CC0000"/>
+                </a:solidFill>
+              </a:rPr>
+              <a:t>Azure Virtual WAN Global Network</a:t>
+            </a:r>
+          </a:p>
+        </p:txBody>
+      </p:sp>
       <p:pic>
         <p:nvPicPr>
-          <p:cNvPr id="6" name="Picture 5" descr="architecture-diagram.png"/>
+          <p:cNvPr id="7" name="Picture 6" descr="architecture-diagram.png"/>
           <p:cNvPicPr>
             <a:picLocks noChangeAspect="1"/>
           </p:cNvPicPr>
           <p:nvPr/>
         </p:nvPicPr>
         <p:blipFill>
-          <a:blip r:embed="rId4"/>
+          <a:blip r:embed="rId2"/>
           <a:stretch>
             <a:fillRect/>
           </a:stretch>
         </p:blipFill>
         <p:spPr>
           <a:xfrm>
-            <a:off x="4677427" y="685799"/>
-            <a:ext cx="4307171" cy="3815859"/>
+            <a:off x="4662488" y="685799"/>
+            <a:ext cx="4337050" cy="3815859"/>
+          </a:xfrm>
+          <a:prstGeom prst="rect">
+            <a:avLst/>
+          </a:prstGeom>
+          <a:ln w="12700">
+            <a:solidFill>
+              <a:srgbClr val="C0C0C0"/>
+            </a:solidFill>
+            <a:prstDash val="solid"/>
+          </a:ln>
+        </p:spPr>
+      </p:pic>
+      <p:pic>
+        <p:nvPicPr>
+          <p:cNvPr id="8" name="Picture 7" descr="consulting_company_logo.png"/>
+          <p:cNvPicPr>
+            <a:picLocks noChangeAspect="1"/>
+          </p:cNvPicPr>
+          <p:nvPr/>
+        </p:nvPicPr>
+        <p:blipFill>
+          <a:blip r:embed="rId3"/>
+          <a:stretch>
+            <a:fillRect/>
+          </a:stretch>
+        </p:blipFill>
+        <p:spPr>
+          <a:xfrm>
+            <a:off x="313592" y="4536078"/>
+            <a:ext cx="2130670" cy="529698"/>
           </a:xfrm>
           <a:prstGeom prst="rect">
             <a:avLst/>
@@ -4991,31 +5000,13 @@
           <a:bodyPr/>
           <a:lstStyle/>
           <a:p>
+            <a:pPr algn="l"/>
             <a:r>
               <a:t>Implementation Approach</a:t>
             </a:r>
           </a:p>
         </p:txBody>
       </p:sp>
-      <p:pic>
-        <p:nvPicPr>
-          <p:cNvPr id="3" name="Picture Placeholder 2" descr="consulting_company_logo.png"/>
-          <p:cNvPicPr>
-            <a:picLocks noGrp="1" noChangeAspect="1"/>
-          </p:cNvPicPr>
-          <p:nvPr>
-            <p:ph type="pic" idx="13" sz="quarter"/>
-          </p:nvPr>
-        </p:nvPicPr>
-        <p:blipFill>
-          <a:blip r:embed="rId2"/>
-          <a:srcRect t="6762" b="6762"/>
-          <a:stretch>
-            <a:fillRect/>
-          </a:stretch>
-        </p:blipFill>
-        <p:spPr/>
-      </p:pic>
       <p:sp>
         <p:nvSpPr>
           <p:cNvPr id="4" name="Text Placeholder 3"/>
@@ -5116,24 +5107,53 @@
           </a:p>
         </p:txBody>
       </p:sp>
+      <p:sp>
+        <p:nvSpPr>
+          <p:cNvPr id="5" name="Text Placeholder 4"/>
+          <p:cNvSpPr>
+            <a:spLocks noGrp="1"/>
+          </p:cNvSpPr>
+          <p:nvPr>
+            <p:ph type="body" idx="15" sz="quarter"/>
+          </p:nvPr>
+        </p:nvSpPr>
+        <p:spPr/>
+        <p:txBody>
+          <a:bodyPr/>
+          <a:lstStyle/>
+          <a:p>
+            <a:pPr algn="r">
+              <a:buNone/>
+            </a:pPr>
+            <a:r>
+              <a:rPr sz="1100">
+                <a:solidFill>
+                  <a:srgbClr val="CC0000"/>
+                </a:solidFill>
+              </a:rPr>
+              <a:t>Azure Virtual WAN Global Network</a:t>
+            </a:r>
+          </a:p>
+        </p:txBody>
+      </p:sp>
       <p:pic>
         <p:nvPicPr>
-          <p:cNvPr id="5" name="Picture 4" descr="eo-framework-logo-real.png"/>
+          <p:cNvPr id="6" name="Picture 5" descr="consulting_company_logo.png"/>
           <p:cNvPicPr>
             <a:picLocks noChangeAspect="1"/>
           </p:cNvPicPr>
           <p:nvPr/>
         </p:nvPicPr>
         <p:blipFill>
-          <a:blip r:embed="rId3"/>
+          <a:blip r:embed="rId2"/>
           <a:stretch>
             <a:fillRect/>
           </a:stretch>
         </p:blipFill>
         <p:spPr>
           <a:xfrm>
-            <a:off x="6684264" y="4535424"/>
-            <a:ext cx="2139696" cy="530352"/>
+            <a:off x="313593" y="4536078"/>
+            <a:ext cx="2143858" cy="529698"/>
           </a:xfrm>
           <a:prstGeom prst="rect">
             <a:avLst/>
@@ -5175,31 +5195,11 @@
           <a:p>
             <a:pPr algn="l"/>
             <a:r>
-              <a:rPr b="1"/>
               <a:t>Timeline &amp; Milestones</a:t>
             </a:r>
           </a:p>
         </p:txBody>
       </p:sp>
-      <p:pic>
-        <p:nvPicPr>
-          <p:cNvPr id="3" name="Picture Placeholder 2" descr="consulting_company_logo.png"/>
-          <p:cNvPicPr>
-            <a:picLocks noGrp="1" noChangeAspect="1"/>
-          </p:cNvPicPr>
-          <p:nvPr>
-            <p:ph type="pic" idx="13" sz="quarter"/>
-          </p:nvPr>
-        </p:nvPicPr>
-        <p:blipFill>
-          <a:blip r:embed="rId2"/>
-          <a:srcRect t="6404" b="6404"/>
-          <a:stretch>
-            <a:fillRect/>
-          </a:stretch>
-        </p:blipFill>
-        <p:spPr/>
-      </p:pic>
       <p:graphicFrame>
         <p:nvGraphicFramePr>
           <p:cNvPr id="4" name="Table Placeholder 3"/>
@@ -5526,24 +5526,53 @@
           </a:graphicData>
         </a:graphic>
       </p:graphicFrame>
+      <p:sp>
+        <p:nvSpPr>
+          <p:cNvPr id="5" name="Text Placeholder 4"/>
+          <p:cNvSpPr>
+            <a:spLocks noGrp="1"/>
+          </p:cNvSpPr>
+          <p:nvPr>
+            <p:ph type="body" idx="15" sz="quarter"/>
+          </p:nvPr>
+        </p:nvSpPr>
+        <p:spPr/>
+        <p:txBody>
+          <a:bodyPr/>
+          <a:lstStyle/>
+          <a:p>
+            <a:pPr algn="r">
+              <a:buNone/>
+            </a:pPr>
+            <a:r>
+              <a:rPr sz="1100">
+                <a:solidFill>
+                  <a:srgbClr val="CC0000"/>
+                </a:solidFill>
+              </a:rPr>
+              <a:t>Azure Virtual WAN Global Network</a:t>
+            </a:r>
+          </a:p>
+        </p:txBody>
+      </p:sp>
       <p:pic>
         <p:nvPicPr>
-          <p:cNvPr id="5" name="Picture 4" descr="eo-framework-logo-real.png"/>
+          <p:cNvPr id="6" name="Picture 5" descr="consulting_company_logo.png"/>
           <p:cNvPicPr>
             <a:picLocks noChangeAspect="1"/>
           </p:cNvPicPr>
           <p:nvPr/>
         </p:nvPicPr>
         <p:blipFill>
-          <a:blip r:embed="rId3"/>
+          <a:blip r:embed="rId2"/>
           <a:stretch>
             <a:fillRect/>
           </a:stretch>
         </p:blipFill>
         <p:spPr>
           <a:xfrm>
-            <a:off x="6684264" y="4535424"/>
-            <a:ext cx="2139696" cy="530352"/>
+            <a:off x="313592" y="4536078"/>
+            <a:ext cx="2126273" cy="529698"/>
           </a:xfrm>
           <a:prstGeom prst="rect">
             <a:avLst/>
@@ -5583,31 +5612,13 @@
           <a:bodyPr/>
           <a:lstStyle/>
           <a:p>
+            <a:pPr algn="l"/>
             <a:r>
               <a:t>Success Stories</a:t>
             </a:r>
           </a:p>
         </p:txBody>
       </p:sp>
-      <p:pic>
-        <p:nvPicPr>
-          <p:cNvPr id="3" name="Picture Placeholder 2" descr="consulting_company_logo.png"/>
-          <p:cNvPicPr>
-            <a:picLocks noGrp="1" noChangeAspect="1"/>
-          </p:cNvPicPr>
-          <p:nvPr>
-            <p:ph type="pic" idx="13" sz="quarter"/>
-          </p:nvPr>
-        </p:nvPicPr>
-        <p:blipFill>
-          <a:blip r:embed="rId2"/>
-          <a:srcRect t="6762" b="6762"/>
-          <a:stretch>
-            <a:fillRect/>
-          </a:stretch>
-        </p:blipFill>
-        <p:spPr/>
-      </p:pic>
       <p:sp>
         <p:nvSpPr>
           <p:cNvPr id="4" name="Text Placeholder 3"/>
@@ -5636,7 +5647,7 @@
               <a:t>Client:</a:t>
             </a:r>
             <a:r>
-              <a:t> Logistics provider with 45 warehouse locations across North America, Europe, and Asia</a:t>
+              <a:t> Logistics provider with 45 warehouse locations across three continents</a:t>
             </a:r>
           </a:p>
           <a:p>
@@ -5656,7 +5667,7 @@
               <a:t>Solution:</a:t>
             </a:r>
             <a:r>
-              <a:t> Deployed Azure Virtual WAN with three regional hubs, SD-WAN integration at each warehouse, centralized Azure Firewall policies, and automated routing</a:t>
+              <a:t> Deployed Azure Virtual WAN with three regional hubs, SD-WAN integration, centralized Azure Firewall policies, and automated routing</a:t>
             </a:r>
           </a:p>
           <a:p>
@@ -5688,24 +5699,53 @@
           </a:p>
         </p:txBody>
       </p:sp>
+      <p:sp>
+        <p:nvSpPr>
+          <p:cNvPr id="5" name="Text Placeholder 4"/>
+          <p:cNvSpPr>
+            <a:spLocks noGrp="1"/>
+          </p:cNvSpPr>
+          <p:nvPr>
+            <p:ph type="body" idx="15" sz="quarter"/>
+          </p:nvPr>
+        </p:nvSpPr>
+        <p:spPr/>
+        <p:txBody>
+          <a:bodyPr/>
+          <a:lstStyle/>
+          <a:p>
+            <a:pPr algn="r">
+              <a:buNone/>
+            </a:pPr>
+            <a:r>
+              <a:rPr sz="1100">
+                <a:solidFill>
+                  <a:srgbClr val="CC0000"/>
+                </a:solidFill>
+              </a:rPr>
+              <a:t>Azure Virtual WAN Global Network</a:t>
+            </a:r>
+          </a:p>
+        </p:txBody>
+      </p:sp>
       <p:pic>
         <p:nvPicPr>
-          <p:cNvPr id="5" name="Picture 4" descr="eo-framework-logo-real.png"/>
+          <p:cNvPr id="6" name="Picture 5" descr="consulting_company_logo.png"/>
           <p:cNvPicPr>
             <a:picLocks noChangeAspect="1"/>
           </p:cNvPicPr>
           <p:nvPr/>
         </p:nvPicPr>
         <p:blipFill>
-          <a:blip r:embed="rId3"/>
+          <a:blip r:embed="rId2"/>
           <a:stretch>
             <a:fillRect/>
           </a:stretch>
         </p:blipFill>
         <p:spPr>
           <a:xfrm>
-            <a:off x="6684264" y="4535424"/>
-            <a:ext cx="2139696" cy="530352"/>
+            <a:off x="313593" y="4536078"/>
+            <a:ext cx="2143858" cy="529698"/>
           </a:xfrm>
           <a:prstGeom prst="rect">
             <a:avLst/>
@@ -5745,31 +5785,13 @@
           <a:bodyPr/>
           <a:lstStyle/>
           <a:p>
+            <a:pPr algn="l"/>
             <a:r>
               <a:t>Our Partnership Advantage</a:t>
             </a:r>
           </a:p>
         </p:txBody>
       </p:sp>
-      <p:pic>
-        <p:nvPicPr>
-          <p:cNvPr id="3" name="Picture Placeholder 2" descr="consulting_company_logo.png"/>
-          <p:cNvPicPr>
-            <a:picLocks noGrp="1" noChangeAspect="1"/>
-          </p:cNvPicPr>
-          <p:nvPr>
-            <p:ph type="pic" idx="14" sz="quarter"/>
-          </p:nvPr>
-        </p:nvPicPr>
-        <p:blipFill>
-          <a:blip r:embed="rId2"/>
-          <a:srcRect t="6314" b="6314"/>
-          <a:stretch>
-            <a:fillRect/>
-          </a:stretch>
-        </p:blipFill>
-        <p:spPr/>
-      </p:pic>
       <p:sp>
         <p:nvSpPr>
           <p:cNvPr id="4" name="Text Placeholder 3"/>
@@ -5815,12 +5837,6 @@
               <a:t>Pre-built automation templates for hub deployment and branch connectivity</a:t>
             </a:r>
           </a:p>
-          <a:p>
-            <a:pPr lvl="1"/>
-            <a:r>
-              <a:t>24/7 network operations center support during migration phases</a:t>
-            </a:r>
-          </a:p>
         </p:txBody>
       </p:sp>
       <p:sp>
@@ -5865,35 +5881,58 @@
           <a:p>
             <a:pPr lvl="1"/>
             <a:r>
-              <a:t>Post-deployment optimization identifies cost savings opportunities</a:t>
-            </a:r>
-          </a:p>
-          <a:p>
-            <a:pPr lvl="1"/>
-            <a:r>
               <a:t>Knowledge transfer ensures your team manages the network confidently</a:t>
+            </a:r>
+          </a:p>
+        </p:txBody>
+      </p:sp>
+      <p:sp>
+        <p:nvSpPr>
+          <p:cNvPr id="6" name="Text Placeholder 5"/>
+          <p:cNvSpPr>
+            <a:spLocks noGrp="1"/>
+          </p:cNvSpPr>
+          <p:nvPr>
+            <p:ph type="body" idx="15" sz="quarter"/>
+          </p:nvPr>
+        </p:nvSpPr>
+        <p:spPr/>
+        <p:txBody>
+          <a:bodyPr/>
+          <a:lstStyle/>
+          <a:p>
+            <a:pPr algn="r">
+              <a:buNone/>
+            </a:pPr>
+            <a:r>
+              <a:rPr sz="1100">
+                <a:solidFill>
+                  <a:srgbClr val="CC0000"/>
+                </a:solidFill>
+              </a:rPr>
+              <a:t>Azure Virtual WAN Global Network</a:t>
             </a:r>
           </a:p>
         </p:txBody>
       </p:sp>
       <p:pic>
         <p:nvPicPr>
-          <p:cNvPr id="6" name="Picture 5" descr="eo-framework-logo-real.png"/>
+          <p:cNvPr id="7" name="Picture 6" descr="consulting_company_logo.png"/>
           <p:cNvPicPr>
             <a:picLocks noChangeAspect="1"/>
           </p:cNvPicPr>
           <p:nvPr/>
         </p:nvPicPr>
         <p:blipFill>
-          <a:blip r:embed="rId3"/>
+          <a:blip r:embed="rId2"/>
           <a:stretch>
             <a:fillRect/>
           </a:stretch>
         </p:blipFill>
         <p:spPr>
           <a:xfrm>
-            <a:off x="6684264" y="4535424"/>
-            <a:ext cx="2139696" cy="530352"/>
+            <a:off x="313592" y="4536078"/>
+            <a:ext cx="2121877" cy="529698"/>
           </a:xfrm>
           <a:prstGeom prst="rect">
             <a:avLst/>
@@ -5935,31 +5974,11 @@
           <a:p>
             <a:pPr algn="l"/>
             <a:r>
-              <a:rPr b="1"/>
               <a:t>Investment Summary</a:t>
             </a:r>
           </a:p>
         </p:txBody>
       </p:sp>
-      <p:pic>
-        <p:nvPicPr>
-          <p:cNvPr id="3" name="Picture Placeholder 2" descr="consulting_company_logo.png"/>
-          <p:cNvPicPr>
-            <a:picLocks noGrp="1" noChangeAspect="1"/>
-          </p:cNvPicPr>
-          <p:nvPr>
-            <p:ph type="pic" idx="13" sz="quarter"/>
-          </p:nvPr>
-        </p:nvPicPr>
-        <p:blipFill>
-          <a:blip r:embed="rId2"/>
-          <a:srcRect t="6404" b="6404"/>
-          <a:stretch>
-            <a:fillRect/>
-          </a:stretch>
-        </p:blipFill>
-        <p:spPr/>
-      </p:pic>
       <p:graphicFrame>
         <p:nvGraphicFramePr>
           <p:cNvPr id="4" name="Table Placeholder 3"/>
@@ -5972,7 +5991,7 @@
         </p:nvGraphicFramePr>
         <p:xfrm>
           <a:off x="256855" y="677011"/>
-          <a:ext cx="8710929" cy="741680"/>
+          <a:ext cx="8710930" cy="2225040"/>
         </p:xfrm>
         <a:graphic>
           <a:graphicData uri="http://schemas.openxmlformats.org/drawingml/2006/table">
@@ -5981,13 +6000,13 @@
                 <a:tableStyleId>{5C22544A-7EE6-4342-B048-85BDC9FD1C3A}</a:tableStyleId>
               </a:tblPr>
               <a:tblGrid>
-                <a:gridCol w="2177733"/>
-                <a:gridCol w="1306639"/>
-                <a:gridCol w="1306639"/>
-                <a:gridCol w="1306639"/>
-                <a:gridCol w="871093"/>
-                <a:gridCol w="871093"/>
-                <a:gridCol w="871093"/>
+                <a:gridCol w="1997920"/>
+                <a:gridCol w="1198752"/>
+                <a:gridCol w="1198752"/>
+                <a:gridCol w="1198752"/>
+                <a:gridCol w="959001"/>
+                <a:gridCol w="959001"/>
+                <a:gridCol w="1198752"/>
               </a:tblGrid>
               <a:tr h="370840">
                 <a:tc>
@@ -6043,7 +6062,7 @@
                             <a:srgbClr val="FFFFFF"/>
                           </a:solidFill>
                         </a:rPr>
-                        <a:t>Provider/Partner Credits</a:t>
+                        <a:t>Year 1 Credits</a:t>
                       </a:r>
                     </a:p>
                   </a:txBody>
@@ -6145,8 +6164,492 @@
                     <a:lstStyle/>
                     <a:p>
                       <a:r>
+                        <a:rPr sz="1100"/>
+                        <a:t>Professional Services</a:t>
+                      </a:r>
+                    </a:p>
+                  </a:txBody>
+                  <a:tcPr>
+                    <a:solidFill>
+                      <a:srgbClr val="E7E6E6"/>
+                    </a:solidFill>
+                  </a:tcPr>
+                </a:tc>
+                <a:tc>
+                  <a:txBody>
+                    <a:bodyPr/>
+                    <a:lstStyle/>
+                    <a:p>
+                      <a:r>
+                        <a:rPr sz="1100"/>
+                        <a:t>$90,500</a:t>
+                      </a:r>
+                    </a:p>
+                  </a:txBody>
+                  <a:tcPr>
+                    <a:solidFill>
+                      <a:srgbClr val="E7E6E6"/>
+                    </a:solidFill>
+                  </a:tcPr>
+                </a:tc>
+                <a:tc>
+                  <a:txBody>
+                    <a:bodyPr/>
+                    <a:lstStyle/>
+                    <a:p>
+                      <a:r>
+                        <a:rPr sz="1100"/>
+                        <a:t>($12,000)</a:t>
+                      </a:r>
+                    </a:p>
+                  </a:txBody>
+                  <a:tcPr>
+                    <a:solidFill>
+                      <a:srgbClr val="E7E6E6"/>
+                    </a:solidFill>
+                  </a:tcPr>
+                </a:tc>
+                <a:tc>
+                  <a:txBody>
+                    <a:bodyPr/>
+                    <a:lstStyle/>
+                    <a:p>
+                      <a:r>
+                        <a:rPr sz="1100"/>
+                        <a:t>$78,500</a:t>
+                      </a:r>
+                    </a:p>
+                  </a:txBody>
+                  <a:tcPr>
+                    <a:solidFill>
+                      <a:srgbClr val="E7E6E6"/>
+                    </a:solidFill>
+                  </a:tcPr>
+                </a:tc>
+                <a:tc>
+                  <a:txBody>
+                    <a:bodyPr/>
+                    <a:lstStyle/>
+                    <a:p>
+                      <a:r>
+                        <a:rPr sz="1100"/>
+                        <a:t>$0</a:t>
+                      </a:r>
+                    </a:p>
+                  </a:txBody>
+                  <a:tcPr>
+                    <a:solidFill>
+                      <a:srgbClr val="E7E6E6"/>
+                    </a:solidFill>
+                  </a:tcPr>
+                </a:tc>
+                <a:tc>
+                  <a:txBody>
+                    <a:bodyPr/>
+                    <a:lstStyle/>
+                    <a:p>
+                      <a:r>
+                        <a:rPr sz="1100"/>
+                        <a:t>$0</a:t>
+                      </a:r>
+                    </a:p>
+                  </a:txBody>
+                  <a:tcPr>
+                    <a:solidFill>
+                      <a:srgbClr val="E7E6E6"/>
+                    </a:solidFill>
+                  </a:tcPr>
+                </a:tc>
+                <a:tc>
+                  <a:txBody>
+                    <a:bodyPr/>
+                    <a:lstStyle/>
+                    <a:p>
+                      <a:r>
+                        <a:rPr sz="1100"/>
+                        <a:t>$78,500</a:t>
+                      </a:r>
+                    </a:p>
+                  </a:txBody>
+                  <a:tcPr>
+                    <a:solidFill>
+                      <a:srgbClr val="E7E6E6"/>
+                    </a:solidFill>
+                  </a:tcPr>
+                </a:tc>
+              </a:tr>
+              <a:tr h="370840">
+                <a:tc>
+                  <a:txBody>
+                    <a:bodyPr/>
+                    <a:lstStyle/>
+                    <a:p>
+                      <a:r>
+                        <a:rPr sz="1100"/>
+                        <a:t>Cloud Infrastructure</a:t>
+                      </a:r>
+                    </a:p>
+                  </a:txBody>
+                  <a:tcPr>
+                    <a:solidFill>
+                      <a:srgbClr val="E7E6E6"/>
+                    </a:solidFill>
+                  </a:tcPr>
+                </a:tc>
+                <a:tc>
+                  <a:txBody>
+                    <a:bodyPr/>
+                    <a:lstStyle/>
+                    <a:p>
+                      <a:r>
+                        <a:rPr sz="1100"/>
+                        <a:t>$50,496</a:t>
+                      </a:r>
+                    </a:p>
+                  </a:txBody>
+                  <a:tcPr>
+                    <a:solidFill>
+                      <a:srgbClr val="E7E6E6"/>
+                    </a:solidFill>
+                  </a:tcPr>
+                </a:tc>
+                <a:tc>
+                  <a:txBody>
+                    <a:bodyPr/>
+                    <a:lstStyle/>
+                    <a:p>
+                      <a:r>
+                        <a:rPr sz="1100"/>
+                        <a:t>$0</a:t>
+                      </a:r>
+                    </a:p>
+                  </a:txBody>
+                  <a:tcPr>
+                    <a:solidFill>
+                      <a:srgbClr val="E7E6E6"/>
+                    </a:solidFill>
+                  </a:tcPr>
+                </a:tc>
+                <a:tc>
+                  <a:txBody>
+                    <a:bodyPr/>
+                    <a:lstStyle/>
+                    <a:p>
+                      <a:r>
+                        <a:rPr sz="1100"/>
+                        <a:t>$50,496</a:t>
+                      </a:r>
+                    </a:p>
+                  </a:txBody>
+                  <a:tcPr>
+                    <a:solidFill>
+                      <a:srgbClr val="E7E6E6"/>
+                    </a:solidFill>
+                  </a:tcPr>
+                </a:tc>
+                <a:tc>
+                  <a:txBody>
+                    <a:bodyPr/>
+                    <a:lstStyle/>
+                    <a:p>
+                      <a:r>
+                        <a:rPr sz="1100"/>
+                        <a:t>$50,496</a:t>
+                      </a:r>
+                    </a:p>
+                  </a:txBody>
+                  <a:tcPr>
+                    <a:solidFill>
+                      <a:srgbClr val="E7E6E6"/>
+                    </a:solidFill>
+                  </a:tcPr>
+                </a:tc>
+                <a:tc>
+                  <a:txBody>
+                    <a:bodyPr/>
+                    <a:lstStyle/>
+                    <a:p>
+                      <a:r>
+                        <a:rPr sz="1100"/>
+                        <a:t>$50,496</a:t>
+                      </a:r>
+                    </a:p>
+                  </a:txBody>
+                  <a:tcPr>
+                    <a:solidFill>
+                      <a:srgbClr val="E7E6E6"/>
+                    </a:solidFill>
+                  </a:tcPr>
+                </a:tc>
+                <a:tc>
+                  <a:txBody>
+                    <a:bodyPr/>
+                    <a:lstStyle/>
+                    <a:p>
+                      <a:r>
+                        <a:rPr sz="1100"/>
+                        <a:t>$151,488</a:t>
+                      </a:r>
+                    </a:p>
+                  </a:txBody>
+                  <a:tcPr>
+                    <a:solidFill>
+                      <a:srgbClr val="E7E6E6"/>
+                    </a:solidFill>
+                  </a:tcPr>
+                </a:tc>
+              </a:tr>
+              <a:tr h="370840">
+                <a:tc>
+                  <a:txBody>
+                    <a:bodyPr/>
+                    <a:lstStyle/>
+                    <a:p>
+                      <a:r>
+                        <a:rPr sz="1100"/>
+                        <a:t>Software Licenses</a:t>
+                      </a:r>
+                    </a:p>
+                  </a:txBody>
+                  <a:tcPr>
+                    <a:solidFill>
+                      <a:srgbClr val="E7E6E6"/>
+                    </a:solidFill>
+                  </a:tcPr>
+                </a:tc>
+                <a:tc>
+                  <a:txBody>
+                    <a:bodyPr/>
+                    <a:lstStyle/>
+                    <a:p>
+                      <a:r>
+                        <a:rPr sz="1100"/>
+                        <a:t>$3,600</a:t>
+                      </a:r>
+                    </a:p>
+                  </a:txBody>
+                  <a:tcPr>
+                    <a:solidFill>
+                      <a:srgbClr val="E7E6E6"/>
+                    </a:solidFill>
+                  </a:tcPr>
+                </a:tc>
+                <a:tc>
+                  <a:txBody>
+                    <a:bodyPr/>
+                    <a:lstStyle/>
+                    <a:p>
+                      <a:r>
+                        <a:rPr sz="1100"/>
+                        <a:t>$0</a:t>
+                      </a:r>
+                    </a:p>
+                  </a:txBody>
+                  <a:tcPr>
+                    <a:solidFill>
+                      <a:srgbClr val="E7E6E6"/>
+                    </a:solidFill>
+                  </a:tcPr>
+                </a:tc>
+                <a:tc>
+                  <a:txBody>
+                    <a:bodyPr/>
+                    <a:lstStyle/>
+                    <a:p>
+                      <a:r>
+                        <a:rPr sz="1100"/>
+                        <a:t>$3,600</a:t>
+                      </a:r>
+                    </a:p>
+                  </a:txBody>
+                  <a:tcPr>
+                    <a:solidFill>
+                      <a:srgbClr val="E7E6E6"/>
+                    </a:solidFill>
+                  </a:tcPr>
+                </a:tc>
+                <a:tc>
+                  <a:txBody>
+                    <a:bodyPr/>
+                    <a:lstStyle/>
+                    <a:p>
+                      <a:r>
+                        <a:rPr sz="1100"/>
+                        <a:t>$3,600</a:t>
+                      </a:r>
+                    </a:p>
+                  </a:txBody>
+                  <a:tcPr>
+                    <a:solidFill>
+                      <a:srgbClr val="E7E6E6"/>
+                    </a:solidFill>
+                  </a:tcPr>
+                </a:tc>
+                <a:tc>
+                  <a:txBody>
+                    <a:bodyPr/>
+                    <a:lstStyle/>
+                    <a:p>
+                      <a:r>
+                        <a:rPr sz="1100"/>
+                        <a:t>$3,600</a:t>
+                      </a:r>
+                    </a:p>
+                  </a:txBody>
+                  <a:tcPr>
+                    <a:solidFill>
+                      <a:srgbClr val="E7E6E6"/>
+                    </a:solidFill>
+                  </a:tcPr>
+                </a:tc>
+                <a:tc>
+                  <a:txBody>
+                    <a:bodyPr/>
+                    <a:lstStyle/>
+                    <a:p>
+                      <a:r>
+                        <a:rPr sz="1100"/>
+                        <a:t>$10,800</a:t>
+                      </a:r>
+                    </a:p>
+                  </a:txBody>
+                  <a:tcPr>
+                    <a:solidFill>
+                      <a:srgbClr val="E7E6E6"/>
+                    </a:solidFill>
+                  </a:tcPr>
+                </a:tc>
+              </a:tr>
+              <a:tr h="370840">
+                <a:tc>
+                  <a:txBody>
+                    <a:bodyPr/>
+                    <a:lstStyle/>
+                    <a:p>
+                      <a:r>
+                        <a:rPr sz="1100"/>
+                        <a:t>Support &amp; Maintenance</a:t>
+                      </a:r>
+                    </a:p>
+                  </a:txBody>
+                  <a:tcPr>
+                    <a:solidFill>
+                      <a:srgbClr val="E7E6E6"/>
+                    </a:solidFill>
+                  </a:tcPr>
+                </a:tc>
+                <a:tc>
+                  <a:txBody>
+                    <a:bodyPr/>
+                    <a:lstStyle/>
+                    <a:p>
+                      <a:r>
+                        <a:rPr sz="1100"/>
+                        <a:t>$11,448</a:t>
+                      </a:r>
+                    </a:p>
+                  </a:txBody>
+                  <a:tcPr>
+                    <a:solidFill>
+                      <a:srgbClr val="E7E6E6"/>
+                    </a:solidFill>
+                  </a:tcPr>
+                </a:tc>
+                <a:tc>
+                  <a:txBody>
+                    <a:bodyPr/>
+                    <a:lstStyle/>
+                    <a:p>
+                      <a:r>
+                        <a:rPr sz="1100"/>
+                        <a:t>$0</a:t>
+                      </a:r>
+                    </a:p>
+                  </a:txBody>
+                  <a:tcPr>
+                    <a:solidFill>
+                      <a:srgbClr val="E7E6E6"/>
+                    </a:solidFill>
+                  </a:tcPr>
+                </a:tc>
+                <a:tc>
+                  <a:txBody>
+                    <a:bodyPr/>
+                    <a:lstStyle/>
+                    <a:p>
+                      <a:r>
+                        <a:rPr sz="1100"/>
+                        <a:t>$11,448</a:t>
+                      </a:r>
+                    </a:p>
+                  </a:txBody>
+                  <a:tcPr>
+                    <a:solidFill>
+                      <a:srgbClr val="E7E6E6"/>
+                    </a:solidFill>
+                  </a:tcPr>
+                </a:tc>
+                <a:tc>
+                  <a:txBody>
+                    <a:bodyPr/>
+                    <a:lstStyle/>
+                    <a:p>
+                      <a:r>
+                        <a:rPr sz="1100"/>
+                        <a:t>$11,448</a:t>
+                      </a:r>
+                    </a:p>
+                  </a:txBody>
+                  <a:tcPr>
+                    <a:solidFill>
+                      <a:srgbClr val="E7E6E6"/>
+                    </a:solidFill>
+                  </a:tcPr>
+                </a:tc>
+                <a:tc>
+                  <a:txBody>
+                    <a:bodyPr/>
+                    <a:lstStyle/>
+                    <a:p>
+                      <a:r>
+                        <a:rPr sz="1100"/>
+                        <a:t>$11,448</a:t>
+                      </a:r>
+                    </a:p>
+                  </a:txBody>
+                  <a:tcPr>
+                    <a:solidFill>
+                      <a:srgbClr val="E7E6E6"/>
+                    </a:solidFill>
+                  </a:tcPr>
+                </a:tc>
+                <a:tc>
+                  <a:txBody>
+                    <a:bodyPr/>
+                    <a:lstStyle/>
+                    <a:p>
+                      <a:r>
+                        <a:rPr sz="1100"/>
+                        <a:t>$34,344</a:t>
+                      </a:r>
+                    </a:p>
+                  </a:txBody>
+                  <a:tcPr>
+                    <a:solidFill>
+                      <a:srgbClr val="E7E6E6"/>
+                    </a:solidFill>
+                  </a:tcPr>
+                </a:tc>
+              </a:tr>
+              <a:tr h="370840">
+                <a:tc>
+                  <a:txBody>
+                    <a:bodyPr/>
+                    <a:lstStyle/>
+                    <a:p>
+                      <a:r>
                         <a:rPr b="1" sz="1100"/>
-                        <a:t>TOTAL INVESTMENT</a:t>
+                        <a:t>TOTAL</a:t>
                       </a:r>
                     </a:p>
                   </a:txBody>
@@ -6163,7 +6666,7 @@
                     <a:p>
                       <a:r>
                         <a:rPr b="1" sz="1100"/>
-                        <a:t>$0</a:t>
+                        <a:t>$156,044</a:t>
                       </a:r>
                     </a:p>
                   </a:txBody>
@@ -6180,7 +6683,7 @@
                     <a:p>
                       <a:r>
                         <a:rPr b="1" sz="1100"/>
-                        <a:t>$0</a:t>
+                        <a:t>($12,000)</a:t>
                       </a:r>
                     </a:p>
                   </a:txBody>
@@ -6197,7 +6700,7 @@
                     <a:p>
                       <a:r>
                         <a:rPr b="1" sz="1100"/>
-                        <a:t>$0</a:t>
+                        <a:t>$144,044</a:t>
                       </a:r>
                     </a:p>
                   </a:txBody>
@@ -6214,7 +6717,7 @@
                     <a:p>
                       <a:r>
                         <a:rPr b="1" sz="1100"/>
-                        <a:t>$0</a:t>
+                        <a:t>$65,544</a:t>
                       </a:r>
                     </a:p>
                   </a:txBody>
@@ -6231,7 +6734,7 @@
                     <a:p>
                       <a:r>
                         <a:rPr b="1" sz="1100"/>
-                        <a:t>$0</a:t>
+                        <a:t>$65,544</a:t>
                       </a:r>
                     </a:p>
                   </a:txBody>
@@ -6248,7 +6751,7 @@
                     <a:p>
                       <a:r>
                         <a:rPr b="1" sz="1100"/>
-                        <a:t>$0</a:t>
+                        <a:t>$275,132</a:t>
                       </a:r>
                     </a:p>
                   </a:txBody>
@@ -6263,24 +6766,53 @@
           </a:graphicData>
         </a:graphic>
       </p:graphicFrame>
+      <p:sp>
+        <p:nvSpPr>
+          <p:cNvPr id="5" name="Text Placeholder 4"/>
+          <p:cNvSpPr>
+            <a:spLocks noGrp="1"/>
+          </p:cNvSpPr>
+          <p:nvPr>
+            <p:ph type="body" idx="15" sz="quarter"/>
+          </p:nvPr>
+        </p:nvSpPr>
+        <p:spPr/>
+        <p:txBody>
+          <a:bodyPr/>
+          <a:lstStyle/>
+          <a:p>
+            <a:pPr algn="r">
+              <a:buNone/>
+            </a:pPr>
+            <a:r>
+              <a:rPr sz="1100">
+                <a:solidFill>
+                  <a:srgbClr val="CC0000"/>
+                </a:solidFill>
+              </a:rPr>
+              <a:t>Azure Virtual WAN Global Network</a:t>
+            </a:r>
+          </a:p>
+        </p:txBody>
+      </p:sp>
       <p:pic>
         <p:nvPicPr>
-          <p:cNvPr id="5" name="Picture 4" descr="eo-framework-logo-real.png"/>
+          <p:cNvPr id="6" name="Picture 5" descr="consulting_company_logo.png"/>
           <p:cNvPicPr>
             <a:picLocks noChangeAspect="1"/>
           </p:cNvPicPr>
           <p:nvPr/>
         </p:nvPicPr>
         <p:blipFill>
-          <a:blip r:embed="rId3"/>
+          <a:blip r:embed="rId2"/>
           <a:stretch>
             <a:fillRect/>
           </a:stretch>
         </p:blipFill>
         <p:spPr>
           <a:xfrm>
-            <a:off x="6684264" y="4535424"/>
-            <a:ext cx="2139696" cy="530352"/>
+            <a:off x="313592" y="4536078"/>
+            <a:ext cx="2126273" cy="529698"/>
           </a:xfrm>
           <a:prstGeom prst="rect">
             <a:avLst/>

--- a/solutions/azure/network/virtual-wan-global/presales/solution-briefing.pptx
+++ b/solutions/azure/network/virtual-wan-global/presales/solution-briefing.pptx
@@ -4861,13 +4861,7 @@
           <a:p>
             <a:pPr lvl="1"/>
             <a:r>
-              <a:t>Platform: Azure Virtual WAN with Standard tier</a:t>
-            </a:r>
-          </a:p>
-          <a:p>
-            <a:pPr lvl="1"/>
-            <a:r>
-              <a:t>Routing: Automated BGP routing and traffic optimization</a:t>
+              <a:t>Platform: Azure Virtual WAN Standard tier with automated BGP routing</a:t>
             </a:r>
           </a:p>
           <a:p>

--- a/solutions/azure/network/virtual-wan-global/presales/solution-briefing.pptx
+++ b/solutions/azure/network/virtual-wan-global/presales/solution-briefing.pptx
@@ -693,6 +693,39 @@
       </p:grpSpPr>
       <p:sp>
         <p:nvSpPr>
+          <p:cNvPr id="12" name="Picture Placeholder 13">
+            <a:extLst>
+              <a:ext uri="{FF2B5EF4-FFF2-40B4-BE49-F238E27FC236}">
+                <a16:creationId xmlns:a16="http://schemas.microsoft.com/office/drawing/2014/main" id="{2DB97592-C4D5-B315-7F11-AA14F6EE8A62}"/>
+              </a:ext>
+            </a:extLst>
+          </p:cNvPr>
+          <p:cNvSpPr>
+            <a:spLocks noGrp="1"/>
+          </p:cNvSpPr>
+          <p:nvPr>
+            <p:ph type="pic" sz="quarter" idx="13"/>
+          </p:nvPr>
+        </p:nvSpPr>
+        <p:spPr>
+          <a:xfrm>
+            <a:off x="313593" y="4536078"/>
+            <a:ext cx="2143858" cy="529698"/>
+          </a:xfrm>
+          <a:prstGeom prst="rect">
+            <a:avLst/>
+          </a:prstGeom>
+        </p:spPr>
+        <p:txBody>
+          <a:bodyPr/>
+          <a:lstStyle/>
+          <a:p>
+            <a:endParaRPr lang="en-US" dirty="0"/>
+          </a:p>
+        </p:txBody>
+      </p:sp>
+      <p:sp>
+        <p:nvSpPr>
           <p:cNvPr id="3" name="Shape 1">
             <a:extLst>
               <a:ext uri="{FF2B5EF4-FFF2-40B4-BE49-F238E27FC236}">
@@ -782,39 +815,6 @@
               <a:rPr lang="en-US" dirty="0"/>
               <a:t>Slide Title</a:t>
             </a:r>
-          </a:p>
-        </p:txBody>
-      </p:sp>
-      <p:sp>
-        <p:nvSpPr>
-          <p:cNvPr id="12" name="Picture Placeholder 13">
-            <a:extLst>
-              <a:ext uri="{FF2B5EF4-FFF2-40B4-BE49-F238E27FC236}">
-                <a16:creationId xmlns:a16="http://schemas.microsoft.com/office/drawing/2014/main" id="{2DB97592-C4D5-B315-7F11-AA14F6EE8A62}"/>
-              </a:ext>
-            </a:extLst>
-          </p:cNvPr>
-          <p:cNvSpPr>
-            <a:spLocks noGrp="1"/>
-          </p:cNvSpPr>
-          <p:nvPr>
-            <p:ph type="pic" sz="quarter" idx="13"/>
-          </p:nvPr>
-        </p:nvSpPr>
-        <p:spPr>
-          <a:xfrm>
-            <a:off x="313593" y="4536078"/>
-            <a:ext cx="2143858" cy="529698"/>
-          </a:xfrm>
-          <a:prstGeom prst="rect">
-            <a:avLst/>
-          </a:prstGeom>
-        </p:spPr>
-        <p:txBody>
-          <a:bodyPr/>
-          <a:lstStyle/>
-          <a:p>
-            <a:endParaRPr lang="en-US" dirty="0"/>
           </a:p>
         </p:txBody>
       </p:sp>
@@ -971,6 +971,39 @@
       </p:grpSpPr>
       <p:sp>
         <p:nvSpPr>
+          <p:cNvPr id="12" name="Picture Placeholder 13">
+            <a:extLst>
+              <a:ext uri="{FF2B5EF4-FFF2-40B4-BE49-F238E27FC236}">
+                <a16:creationId xmlns:a16="http://schemas.microsoft.com/office/drawing/2014/main" id="{2DB97592-C4D5-B315-7F11-AA14F6EE8A62}"/>
+              </a:ext>
+            </a:extLst>
+          </p:cNvPr>
+          <p:cNvSpPr>
+            <a:spLocks noGrp="1"/>
+          </p:cNvSpPr>
+          <p:nvPr>
+            <p:ph type="pic" sz="quarter" idx="13"/>
+          </p:nvPr>
+        </p:nvSpPr>
+        <p:spPr>
+          <a:xfrm>
+            <a:off x="313593" y="4536078"/>
+            <a:ext cx="2143858" cy="529698"/>
+          </a:xfrm>
+          <a:prstGeom prst="rect">
+            <a:avLst/>
+          </a:prstGeom>
+        </p:spPr>
+        <p:txBody>
+          <a:bodyPr/>
+          <a:lstStyle/>
+          <a:p>
+            <a:endParaRPr lang="en-US" dirty="0"/>
+          </a:p>
+        </p:txBody>
+      </p:sp>
+      <p:sp>
+        <p:nvSpPr>
           <p:cNvPr id="3" name="Shape 1">
             <a:extLst>
               <a:ext uri="{FF2B5EF4-FFF2-40B4-BE49-F238E27FC236}">
@@ -1060,39 +1093,6 @@
               <a:rPr lang="en-US" dirty="0"/>
               <a:t>Bullet Points</a:t>
             </a:r>
-          </a:p>
-        </p:txBody>
-      </p:sp>
-      <p:sp>
-        <p:nvSpPr>
-          <p:cNvPr id="12" name="Picture Placeholder 13">
-            <a:extLst>
-              <a:ext uri="{FF2B5EF4-FFF2-40B4-BE49-F238E27FC236}">
-                <a16:creationId xmlns:a16="http://schemas.microsoft.com/office/drawing/2014/main" id="{2DB97592-C4D5-B315-7F11-AA14F6EE8A62}"/>
-              </a:ext>
-            </a:extLst>
-          </p:cNvPr>
-          <p:cNvSpPr>
-            <a:spLocks noGrp="1"/>
-          </p:cNvSpPr>
-          <p:nvPr>
-            <p:ph type="pic" sz="quarter" idx="13"/>
-          </p:nvPr>
-        </p:nvSpPr>
-        <p:spPr>
-          <a:xfrm>
-            <a:off x="313593" y="4536078"/>
-            <a:ext cx="2143858" cy="529698"/>
-          </a:xfrm>
-          <a:prstGeom prst="rect">
-            <a:avLst/>
-          </a:prstGeom>
-        </p:spPr>
-        <p:txBody>
-          <a:bodyPr/>
-          <a:lstStyle/>
-          <a:p>
-            <a:endParaRPr lang="en-US" dirty="0"/>
           </a:p>
         </p:txBody>
       </p:sp>
@@ -1235,6 +1235,39 @@
       </p:grpSpPr>
       <p:sp>
         <p:nvSpPr>
+          <p:cNvPr id="10" name="Picture Placeholder 13">
+            <a:extLst>
+              <a:ext uri="{FF2B5EF4-FFF2-40B4-BE49-F238E27FC236}">
+                <a16:creationId xmlns:a16="http://schemas.microsoft.com/office/drawing/2014/main" id="{6A0FA445-7602-F06E-EC73-5504EBF827CC}"/>
+              </a:ext>
+            </a:extLst>
+          </p:cNvPr>
+          <p:cNvSpPr>
+            <a:spLocks noGrp="1"/>
+          </p:cNvSpPr>
+          <p:nvPr>
+            <p:ph type="pic" sz="quarter" idx="14"/>
+          </p:nvPr>
+        </p:nvSpPr>
+        <p:spPr>
+          <a:xfrm>
+            <a:off x="313592" y="4536078"/>
+            <a:ext cx="2121877" cy="529698"/>
+          </a:xfrm>
+          <a:prstGeom prst="rect">
+            <a:avLst/>
+          </a:prstGeom>
+        </p:spPr>
+        <p:txBody>
+          <a:bodyPr/>
+          <a:lstStyle/>
+          <a:p>
+            <a:endParaRPr lang="en-US" dirty="0"/>
+          </a:p>
+        </p:txBody>
+      </p:sp>
+      <p:sp>
+        <p:nvSpPr>
           <p:cNvPr id="3" name="Shape 1">
             <a:extLst>
               <a:ext uri="{FF2B5EF4-FFF2-40B4-BE49-F238E27FC236}">
@@ -1324,39 +1357,6 @@
               <a:rPr lang="en-US" dirty="0"/>
               <a:t>Two Column Layout</a:t>
             </a:r>
-          </a:p>
-        </p:txBody>
-      </p:sp>
-      <p:sp>
-        <p:nvSpPr>
-          <p:cNvPr id="10" name="Picture Placeholder 13">
-            <a:extLst>
-              <a:ext uri="{FF2B5EF4-FFF2-40B4-BE49-F238E27FC236}">
-                <a16:creationId xmlns:a16="http://schemas.microsoft.com/office/drawing/2014/main" id="{6A0FA445-7602-F06E-EC73-5504EBF827CC}"/>
-              </a:ext>
-            </a:extLst>
-          </p:cNvPr>
-          <p:cNvSpPr>
-            <a:spLocks noGrp="1"/>
-          </p:cNvSpPr>
-          <p:nvPr>
-            <p:ph type="pic" sz="quarter" idx="14"/>
-          </p:nvPr>
-        </p:nvSpPr>
-        <p:spPr>
-          <a:xfrm>
-            <a:off x="313592" y="4536078"/>
-            <a:ext cx="2121877" cy="529698"/>
-          </a:xfrm>
-          <a:prstGeom prst="rect">
-            <a:avLst/>
-          </a:prstGeom>
-        </p:spPr>
-        <p:txBody>
-          <a:bodyPr/>
-          <a:lstStyle/>
-          <a:p>
-            <a:endParaRPr lang="en-US" dirty="0"/>
           </a:p>
         </p:txBody>
       </p:sp>
@@ -1604,6 +1604,39 @@
       </p:grpSpPr>
       <p:sp>
         <p:nvSpPr>
+          <p:cNvPr id="12" name="Picture Placeholder 13">
+            <a:extLst>
+              <a:ext uri="{FF2B5EF4-FFF2-40B4-BE49-F238E27FC236}">
+                <a16:creationId xmlns:a16="http://schemas.microsoft.com/office/drawing/2014/main" id="{2DB97592-C4D5-B315-7F11-AA14F6EE8A62}"/>
+              </a:ext>
+            </a:extLst>
+          </p:cNvPr>
+          <p:cNvSpPr>
+            <a:spLocks noGrp="1"/>
+          </p:cNvSpPr>
+          <p:nvPr>
+            <p:ph type="pic" sz="quarter" idx="13"/>
+          </p:nvPr>
+        </p:nvSpPr>
+        <p:spPr>
+          <a:xfrm>
+            <a:off x="313592" y="4536078"/>
+            <a:ext cx="2126273" cy="529698"/>
+          </a:xfrm>
+          <a:prstGeom prst="rect">
+            <a:avLst/>
+          </a:prstGeom>
+        </p:spPr>
+        <p:txBody>
+          <a:bodyPr/>
+          <a:lstStyle/>
+          <a:p>
+            <a:endParaRPr lang="en-US" dirty="0"/>
+          </a:p>
+        </p:txBody>
+      </p:sp>
+      <p:sp>
+        <p:nvSpPr>
           <p:cNvPr id="3" name="Shape 1">
             <a:extLst>
               <a:ext uri="{FF2B5EF4-FFF2-40B4-BE49-F238E27FC236}">
@@ -1719,39 +1752,6 @@
           </a:p>
           <a:p>
             <a:pPr lvl="0"/>
-            <a:endParaRPr lang="en-US" dirty="0"/>
-          </a:p>
-        </p:txBody>
-      </p:sp>
-      <p:sp>
-        <p:nvSpPr>
-          <p:cNvPr id="12" name="Picture Placeholder 13">
-            <a:extLst>
-              <a:ext uri="{FF2B5EF4-FFF2-40B4-BE49-F238E27FC236}">
-                <a16:creationId xmlns:a16="http://schemas.microsoft.com/office/drawing/2014/main" id="{2DB97592-C4D5-B315-7F11-AA14F6EE8A62}"/>
-              </a:ext>
-            </a:extLst>
-          </p:cNvPr>
-          <p:cNvSpPr>
-            <a:spLocks noGrp="1"/>
-          </p:cNvSpPr>
-          <p:nvPr>
-            <p:ph type="pic" sz="quarter" idx="13"/>
-          </p:nvPr>
-        </p:nvSpPr>
-        <p:spPr>
-          <a:xfrm>
-            <a:off x="313592" y="4536078"/>
-            <a:ext cx="2126273" cy="529698"/>
-          </a:xfrm>
-          <a:prstGeom prst="rect">
-            <a:avLst/>
-          </a:prstGeom>
-        </p:spPr>
-        <p:txBody>
-          <a:bodyPr/>
-          <a:lstStyle/>
-          <a:p>
             <a:endParaRPr lang="en-US" dirty="0"/>
           </a:p>
         </p:txBody>
@@ -1863,6 +1863,39 @@
       </p:grpSpPr>
       <p:sp>
         <p:nvSpPr>
+          <p:cNvPr id="10" name="Picture Placeholder 13">
+            <a:extLst>
+              <a:ext uri="{FF2B5EF4-FFF2-40B4-BE49-F238E27FC236}">
+                <a16:creationId xmlns:a16="http://schemas.microsoft.com/office/drawing/2014/main" id="{6A0FA445-7602-F06E-EC73-5504EBF827CC}"/>
+              </a:ext>
+            </a:extLst>
+          </p:cNvPr>
+          <p:cNvSpPr>
+            <a:spLocks noGrp="1"/>
+          </p:cNvSpPr>
+          <p:nvPr>
+            <p:ph type="pic" sz="quarter" idx="14"/>
+          </p:nvPr>
+        </p:nvSpPr>
+        <p:spPr>
+          <a:xfrm>
+            <a:off x="313592" y="4536078"/>
+            <a:ext cx="2130670" cy="529698"/>
+          </a:xfrm>
+          <a:prstGeom prst="rect">
+            <a:avLst/>
+          </a:prstGeom>
+        </p:spPr>
+        <p:txBody>
+          <a:bodyPr/>
+          <a:lstStyle/>
+          <a:p>
+            <a:endParaRPr lang="en-US" dirty="0"/>
+          </a:p>
+        </p:txBody>
+      </p:sp>
+      <p:sp>
+        <p:nvSpPr>
           <p:cNvPr id="3" name="Shape 1">
             <a:extLst>
               <a:ext uri="{FF2B5EF4-FFF2-40B4-BE49-F238E27FC236}">
@@ -1952,39 +1985,6 @@
               <a:rPr lang="en-US" dirty="0"/>
               <a:t>Visual Content</a:t>
             </a:r>
-          </a:p>
-        </p:txBody>
-      </p:sp>
-      <p:sp>
-        <p:nvSpPr>
-          <p:cNvPr id="10" name="Picture Placeholder 13">
-            <a:extLst>
-              <a:ext uri="{FF2B5EF4-FFF2-40B4-BE49-F238E27FC236}">
-                <a16:creationId xmlns:a16="http://schemas.microsoft.com/office/drawing/2014/main" id="{6A0FA445-7602-F06E-EC73-5504EBF827CC}"/>
-              </a:ext>
-            </a:extLst>
-          </p:cNvPr>
-          <p:cNvSpPr>
-            <a:spLocks noGrp="1"/>
-          </p:cNvSpPr>
-          <p:nvPr>
-            <p:ph type="pic" sz="quarter" idx="14"/>
-          </p:nvPr>
-        </p:nvSpPr>
-        <p:spPr>
-          <a:xfrm>
-            <a:off x="313592" y="4536078"/>
-            <a:ext cx="2130670" cy="529698"/>
-          </a:xfrm>
-          <a:prstGeom prst="rect">
-            <a:avLst/>
-          </a:prstGeom>
-        </p:spPr>
-        <p:txBody>
-          <a:bodyPr/>
-          <a:lstStyle/>
-          <a:p>
-            <a:endParaRPr lang="en-US" dirty="0"/>
           </a:p>
         </p:txBody>
       </p:sp>
@@ -2180,6 +2180,39 @@
       </p:grpSpPr>
       <p:sp>
         <p:nvSpPr>
+          <p:cNvPr id="10" name="Picture Placeholder 13">
+            <a:extLst>
+              <a:ext uri="{FF2B5EF4-FFF2-40B4-BE49-F238E27FC236}">
+                <a16:creationId xmlns:a16="http://schemas.microsoft.com/office/drawing/2014/main" id="{6A0FA445-7602-F06E-EC73-5504EBF827CC}"/>
+              </a:ext>
+            </a:extLst>
+          </p:cNvPr>
+          <p:cNvSpPr>
+            <a:spLocks noGrp="1"/>
+          </p:cNvSpPr>
+          <p:nvPr>
+            <p:ph type="pic" sz="quarter" idx="14"/>
+          </p:nvPr>
+        </p:nvSpPr>
+        <p:spPr>
+          <a:xfrm>
+            <a:off x="313592" y="4536078"/>
+            <a:ext cx="2104294" cy="529698"/>
+          </a:xfrm>
+          <a:prstGeom prst="rect">
+            <a:avLst/>
+          </a:prstGeom>
+        </p:spPr>
+        <p:txBody>
+          <a:bodyPr/>
+          <a:lstStyle/>
+          <a:p>
+            <a:endParaRPr lang="en-US" dirty="0"/>
+          </a:p>
+        </p:txBody>
+      </p:sp>
+      <p:sp>
+        <p:nvSpPr>
           <p:cNvPr id="3" name="Shape 1">
             <a:extLst>
               <a:ext uri="{FF2B5EF4-FFF2-40B4-BE49-F238E27FC236}">
@@ -2269,39 +2302,6 @@
               <a:rPr lang="en-US" dirty="0"/>
               <a:t>Data Visualization</a:t>
             </a:r>
-          </a:p>
-        </p:txBody>
-      </p:sp>
-      <p:sp>
-        <p:nvSpPr>
-          <p:cNvPr id="10" name="Picture Placeholder 13">
-            <a:extLst>
-              <a:ext uri="{FF2B5EF4-FFF2-40B4-BE49-F238E27FC236}">
-                <a16:creationId xmlns:a16="http://schemas.microsoft.com/office/drawing/2014/main" id="{6A0FA445-7602-F06E-EC73-5504EBF827CC}"/>
-              </a:ext>
-            </a:extLst>
-          </p:cNvPr>
-          <p:cNvSpPr>
-            <a:spLocks noGrp="1"/>
-          </p:cNvSpPr>
-          <p:nvPr>
-            <p:ph type="pic" sz="quarter" idx="14"/>
-          </p:nvPr>
-        </p:nvSpPr>
-        <p:spPr>
-          <a:xfrm>
-            <a:off x="313592" y="4536078"/>
-            <a:ext cx="2104294" cy="529698"/>
-          </a:xfrm>
-          <a:prstGeom prst="rect">
-            <a:avLst/>
-          </a:prstGeom>
-        </p:spPr>
-        <p:txBody>
-          <a:bodyPr/>
-          <a:lstStyle/>
-          <a:p>
-            <a:endParaRPr lang="en-US" dirty="0"/>
           </a:p>
         </p:txBody>
       </p:sp>
@@ -3423,7 +3423,7 @@
       <p:grpSpPr/>
       <p:sp>
         <p:nvSpPr>
-          <p:cNvPr id="2" name="Text Placeholder 1"/>
+          <p:cNvPr id="3" name="Text Placeholder 2"/>
           <p:cNvSpPr>
             <a:spLocks noGrp="1"/>
           </p:cNvSpPr>
@@ -3727,7 +3727,7 @@
       <p:grpSpPr/>
       <p:sp>
         <p:nvSpPr>
-          <p:cNvPr id="2" name="Text Placeholder 1"/>
+          <p:cNvPr id="3" name="Text Placeholder 2"/>
           <p:cNvSpPr>
             <a:spLocks noGrp="1"/>
           </p:cNvSpPr>
@@ -3902,7 +3902,7 @@
       <p:grpSpPr/>
       <p:sp>
         <p:nvSpPr>
-          <p:cNvPr id="2" name="Text Placeholder 1"/>
+          <p:cNvPr id="3" name="Text Placeholder 2"/>
           <p:cNvSpPr>
             <a:spLocks noGrp="1"/>
           </p:cNvSpPr>
@@ -4780,7 +4780,7 @@
       <p:grpSpPr/>
       <p:sp>
         <p:nvSpPr>
-          <p:cNvPr id="2" name="Text Placeholder 1"/>
+          <p:cNvPr id="3" name="Text Placeholder 2"/>
           <p:cNvSpPr>
             <a:spLocks noGrp="1"/>
           </p:cNvSpPr>
@@ -4981,7 +4981,7 @@
       <p:grpSpPr/>
       <p:sp>
         <p:nvSpPr>
-          <p:cNvPr id="2" name="Text Placeholder 1"/>
+          <p:cNvPr id="3" name="Text Placeholder 2"/>
           <p:cNvSpPr>
             <a:spLocks noGrp="1"/>
           </p:cNvSpPr>
@@ -5174,7 +5174,7 @@
       <p:grpSpPr/>
       <p:sp>
         <p:nvSpPr>
-          <p:cNvPr id="2" name="Text Placeholder 1"/>
+          <p:cNvPr id="3" name="Text Placeholder 2"/>
           <p:cNvSpPr>
             <a:spLocks noGrp="1"/>
           </p:cNvSpPr>
@@ -5593,7 +5593,7 @@
       <p:grpSpPr/>
       <p:sp>
         <p:nvSpPr>
-          <p:cNvPr id="2" name="Text Placeholder 1"/>
+          <p:cNvPr id="3" name="Text Placeholder 2"/>
           <p:cNvSpPr>
             <a:spLocks noGrp="1"/>
           </p:cNvSpPr>
@@ -5766,7 +5766,7 @@
       <p:grpSpPr/>
       <p:sp>
         <p:nvSpPr>
-          <p:cNvPr id="2" name="Text Placeholder 1"/>
+          <p:cNvPr id="3" name="Text Placeholder 2"/>
           <p:cNvSpPr>
             <a:spLocks noGrp="1"/>
           </p:cNvSpPr>
@@ -5953,7 +5953,7 @@
       <p:grpSpPr/>
       <p:sp>
         <p:nvSpPr>
-          <p:cNvPr id="2" name="Text Placeholder 1"/>
+          <p:cNvPr id="3" name="Text Placeholder 2"/>
           <p:cNvSpPr>
             <a:spLocks noGrp="1"/>
           </p:cNvSpPr>

--- a/solutions/azure/network/virtual-wan-global/presales/solution-briefing.pptx
+++ b/solutions/azure/network/virtual-wan-global/presales/solution-briefing.pptx
@@ -4828,7 +4828,7 @@
               <a:t>Virtual WAN Hub:</a:t>
             </a:r>
             <a:r>
-              <a:t> Microsoft-managed regional network hub that connects branches, VNets, and Azure services</a:t>
+              <a:t> Microsoft-managed regional hub connecting branches, VNets, and Azure services</a:t>
             </a:r>
           </a:p>
           <a:p>

--- a/solutions/azure/network/virtual-wan-global/presales/solution-briefing.pptx
+++ b/solutions/azure/network/virtual-wan-global/presales/solution-briefing.pptx
@@ -3326,7 +3326,7 @@
           <a:lstStyle/>
           <a:p>
             <a:r>
-              <a:t>Alison Smith | November 22, 2025</a:t>
+              <a:t>Alison Smith | November 24, 2025</a:t>
             </a:r>
           </a:p>
         </p:txBody>
@@ -6176,41 +6176,7 @@
                     <a:p>
                       <a:r>
                         <a:rPr sz="1100"/>
-                        <a:t>$90,500</a:t>
-                      </a:r>
-                    </a:p>
-                  </a:txBody>
-                  <a:tcPr>
-                    <a:solidFill>
-                      <a:srgbClr val="E7E6E6"/>
-                    </a:solidFill>
-                  </a:tcPr>
-                </a:tc>
-                <a:tc>
-                  <a:txBody>
-                    <a:bodyPr/>
-                    <a:lstStyle/>
-                    <a:p>
-                      <a:r>
-                        <a:rPr sz="1100"/>
-                        <a:t>($12,000)</a:t>
-                      </a:r>
-                    </a:p>
-                  </a:txBody>
-                  <a:tcPr>
-                    <a:solidFill>
-                      <a:srgbClr val="E7E6E6"/>
-                    </a:solidFill>
-                  </a:tcPr>
-                </a:tc>
-                <a:tc>
-                  <a:txBody>
-                    <a:bodyPr/>
-                    <a:lstStyle/>
-                    <a:p>
-                      <a:r>
-                        <a:rPr sz="1100"/>
-                        <a:t>$78,500</a:t>
+                        <a:t>$0</a:t>
                       </a:r>
                     </a:p>
                   </a:txBody>
@@ -6261,7 +6227,41 @@
                     <a:p>
                       <a:r>
                         <a:rPr sz="1100"/>
-                        <a:t>$78,500</a:t>
+                        <a:t>$0</a:t>
+                      </a:r>
+                    </a:p>
+                  </a:txBody>
+                  <a:tcPr>
+                    <a:solidFill>
+                      <a:srgbClr val="E7E6E6"/>
+                    </a:solidFill>
+                  </a:tcPr>
+                </a:tc>
+                <a:tc>
+                  <a:txBody>
+                    <a:bodyPr/>
+                    <a:lstStyle/>
+                    <a:p>
+                      <a:r>
+                        <a:rPr sz="1100"/>
+                        <a:t>$0</a:t>
+                      </a:r>
+                    </a:p>
+                  </a:txBody>
+                  <a:tcPr>
+                    <a:solidFill>
+                      <a:srgbClr val="E7E6E6"/>
+                    </a:solidFill>
+                  </a:tcPr>
+                </a:tc>
+                <a:tc>
+                  <a:txBody>
+                    <a:bodyPr/>
+                    <a:lstStyle/>
+                    <a:p>
+                      <a:r>
+                        <a:rPr sz="1100"/>
+                        <a:t>$0</a:t>
                       </a:r>
                     </a:p>
                   </a:txBody>
@@ -6280,7 +6280,7 @@
                     <a:p>
                       <a:r>
                         <a:rPr sz="1100"/>
-                        <a:t>Cloud Infrastructure</a:t>
+                        <a:t>Cloud Services</a:t>
                       </a:r>
                     </a:p>
                   </a:txBody>
@@ -6660,7 +6660,7 @@
                     <a:p>
                       <a:r>
                         <a:rPr b="1" sz="1100"/>
-                        <a:t>$156,044</a:t>
+                        <a:t>$65,544</a:t>
                       </a:r>
                     </a:p>
                   </a:txBody>
@@ -6677,24 +6677,7 @@
                     <a:p>
                       <a:r>
                         <a:rPr b="1" sz="1100"/>
-                        <a:t>($12,000)</a:t>
-                      </a:r>
-                    </a:p>
-                  </a:txBody>
-                  <a:tcPr>
-                    <a:solidFill>
-                      <a:srgbClr val="E7E6E6"/>
-                    </a:solidFill>
-                  </a:tcPr>
-                </a:tc>
-                <a:tc>
-                  <a:txBody>
-                    <a:bodyPr/>
-                    <a:lstStyle/>
-                    <a:p>
-                      <a:r>
-                        <a:rPr b="1" sz="1100"/>
-                        <a:t>$144,044</a:t>
+                        <a:t>$0</a:t>
                       </a:r>
                     </a:p>
                   </a:txBody>
@@ -6745,7 +6728,24 @@
                     <a:p>
                       <a:r>
                         <a:rPr b="1" sz="1100"/>
-                        <a:t>$275,132</a:t>
+                        <a:t>$65,544</a:t>
+                      </a:r>
+                    </a:p>
+                  </a:txBody>
+                  <a:tcPr>
+                    <a:solidFill>
+                      <a:srgbClr val="E7E6E6"/>
+                    </a:solidFill>
+                  </a:tcPr>
+                </a:tc>
+                <a:tc>
+                  <a:txBody>
+                    <a:bodyPr/>
+                    <a:lstStyle/>
+                    <a:p>
+                      <a:r>
+                        <a:rPr b="1" sz="1100"/>
+                        <a:t>$196,632</a:t>
                       </a:r>
                     </a:p>
                   </a:txBody>
